--- a/radica.pptx
+++ b/radica.pptx
@@ -7,7 +7,8 @@
   <p:sldIdLst>
     <p:sldId id="256" r:id="rId2"/>
     <p:sldId id="257" r:id="rId3"/>
-    <p:sldId id="258" r:id="rId4"/>
+    <p:sldId id="263" r:id="rId4"/>
+    <p:sldId id="262" r:id="rId5"/>
   </p:sldIdLst>
   <p:sldSz cx="12192000" cy="6858000"/>
   <p:notesSz cx="6858000" cy="9144000"/>
@@ -106,7 +107,5553 @@
       </a:defRPr>
     </a:lvl9pPr>
   </p:defaultTextStyle>
+  <p:extLst>
+    <p:ext uri="{EFAFB233-063F-42B5-8137-9DF3F51BA10A}">
+      <p15:sldGuideLst xmlns:p15="http://schemas.microsoft.com/office/powerpoint/2012/main"/>
+    </p:ext>
+  </p:extLst>
 </p:presentation>
+</file>
+
+<file path=ppt/diagrams/colors1.xml><?xml version="1.0" encoding="utf-8"?>
+<dgm:colorsDef xmlns:dgm="http://schemas.openxmlformats.org/drawingml/2006/diagram" xmlns:a="http://schemas.openxmlformats.org/drawingml/2006/main" uniqueId="urn:microsoft.com/office/officeart/2005/8/colors/accent1_2">
+  <dgm:title val=""/>
+  <dgm:desc val=""/>
+  <dgm:catLst>
+    <dgm:cat type="accent1" pri="11200"/>
+  </dgm:catLst>
+  <dgm:styleLbl name="node0">
+    <dgm:fillClrLst meth="repeat">
+      <a:schemeClr val="accent1"/>
+    </dgm:fillClrLst>
+    <dgm:linClrLst meth="repeat">
+      <a:schemeClr val="lt1"/>
+    </dgm:linClrLst>
+    <dgm:effectClrLst/>
+    <dgm:txLinClrLst/>
+    <dgm:txFillClrLst/>
+    <dgm:txEffectClrLst/>
+  </dgm:styleLbl>
+  <dgm:styleLbl name="alignNode1">
+    <dgm:fillClrLst meth="repeat">
+      <a:schemeClr val="accent1"/>
+    </dgm:fillClrLst>
+    <dgm:linClrLst meth="repeat">
+      <a:schemeClr val="accent1"/>
+    </dgm:linClrLst>
+    <dgm:effectClrLst/>
+    <dgm:txLinClrLst/>
+    <dgm:txFillClrLst/>
+    <dgm:txEffectClrLst/>
+  </dgm:styleLbl>
+  <dgm:styleLbl name="node1">
+    <dgm:fillClrLst meth="repeat">
+      <a:schemeClr val="accent1"/>
+    </dgm:fillClrLst>
+    <dgm:linClrLst meth="repeat">
+      <a:schemeClr val="lt1"/>
+    </dgm:linClrLst>
+    <dgm:effectClrLst/>
+    <dgm:txLinClrLst/>
+    <dgm:txFillClrLst/>
+    <dgm:txEffectClrLst/>
+  </dgm:styleLbl>
+  <dgm:styleLbl name="lnNode1">
+    <dgm:fillClrLst meth="repeat">
+      <a:schemeClr val="accent1"/>
+    </dgm:fillClrLst>
+    <dgm:linClrLst meth="repeat">
+      <a:schemeClr val="lt1"/>
+    </dgm:linClrLst>
+    <dgm:effectClrLst/>
+    <dgm:txLinClrLst/>
+    <dgm:txFillClrLst/>
+    <dgm:txEffectClrLst/>
+  </dgm:styleLbl>
+  <dgm:styleLbl name="vennNode1">
+    <dgm:fillClrLst meth="repeat">
+      <a:schemeClr val="accent1">
+        <a:alpha val="50000"/>
+      </a:schemeClr>
+    </dgm:fillClrLst>
+    <dgm:linClrLst meth="repeat">
+      <a:schemeClr val="lt1"/>
+    </dgm:linClrLst>
+    <dgm:effectClrLst/>
+    <dgm:txLinClrLst/>
+    <dgm:txFillClrLst/>
+    <dgm:txEffectClrLst/>
+  </dgm:styleLbl>
+  <dgm:styleLbl name="node2">
+    <dgm:fillClrLst meth="repeat">
+      <a:schemeClr val="accent1"/>
+    </dgm:fillClrLst>
+    <dgm:linClrLst meth="repeat">
+      <a:schemeClr val="lt1"/>
+    </dgm:linClrLst>
+    <dgm:effectClrLst/>
+    <dgm:txLinClrLst/>
+    <dgm:txFillClrLst/>
+    <dgm:txEffectClrLst/>
+  </dgm:styleLbl>
+  <dgm:styleLbl name="node3">
+    <dgm:fillClrLst meth="repeat">
+      <a:schemeClr val="accent1"/>
+    </dgm:fillClrLst>
+    <dgm:linClrLst meth="repeat">
+      <a:schemeClr val="lt1"/>
+    </dgm:linClrLst>
+    <dgm:effectClrLst/>
+    <dgm:txLinClrLst/>
+    <dgm:txFillClrLst/>
+    <dgm:txEffectClrLst/>
+  </dgm:styleLbl>
+  <dgm:styleLbl name="node4">
+    <dgm:fillClrLst meth="repeat">
+      <a:schemeClr val="accent1"/>
+    </dgm:fillClrLst>
+    <dgm:linClrLst meth="repeat">
+      <a:schemeClr val="lt1"/>
+    </dgm:linClrLst>
+    <dgm:effectClrLst/>
+    <dgm:txLinClrLst/>
+    <dgm:txFillClrLst/>
+    <dgm:txEffectClrLst/>
+  </dgm:styleLbl>
+  <dgm:styleLbl name="fgImgPlace1">
+    <dgm:fillClrLst meth="repeat">
+      <a:schemeClr val="accent1">
+        <a:tint val="50000"/>
+      </a:schemeClr>
+    </dgm:fillClrLst>
+    <dgm:linClrLst meth="repeat">
+      <a:schemeClr val="lt1"/>
+    </dgm:linClrLst>
+    <dgm:effectClrLst/>
+    <dgm:txLinClrLst/>
+    <dgm:txFillClrLst meth="repeat">
+      <a:schemeClr val="lt1"/>
+    </dgm:txFillClrLst>
+    <dgm:txEffectClrLst/>
+  </dgm:styleLbl>
+  <dgm:styleLbl name="alignImgPlace1">
+    <dgm:fillClrLst meth="repeat">
+      <a:schemeClr val="accent1">
+        <a:tint val="50000"/>
+      </a:schemeClr>
+    </dgm:fillClrLst>
+    <dgm:linClrLst meth="repeat">
+      <a:schemeClr val="lt1"/>
+    </dgm:linClrLst>
+    <dgm:effectClrLst/>
+    <dgm:txLinClrLst/>
+    <dgm:txFillClrLst meth="repeat">
+      <a:schemeClr val="lt1"/>
+    </dgm:txFillClrLst>
+    <dgm:txEffectClrLst/>
+  </dgm:styleLbl>
+  <dgm:styleLbl name="bgImgPlace1">
+    <dgm:fillClrLst meth="repeat">
+      <a:schemeClr val="accent1">
+        <a:tint val="50000"/>
+      </a:schemeClr>
+    </dgm:fillClrLst>
+    <dgm:linClrLst meth="repeat">
+      <a:schemeClr val="lt1"/>
+    </dgm:linClrLst>
+    <dgm:effectClrLst/>
+    <dgm:txLinClrLst/>
+    <dgm:txFillClrLst meth="repeat">
+      <a:schemeClr val="lt1"/>
+    </dgm:txFillClrLst>
+    <dgm:txEffectClrLst/>
+  </dgm:styleLbl>
+  <dgm:styleLbl name="sibTrans2D1">
+    <dgm:fillClrLst meth="repeat">
+      <a:schemeClr val="accent1">
+        <a:tint val="60000"/>
+      </a:schemeClr>
+    </dgm:fillClrLst>
+    <dgm:linClrLst meth="repeat">
+      <a:schemeClr val="accent1">
+        <a:tint val="60000"/>
+      </a:schemeClr>
+    </dgm:linClrLst>
+    <dgm:effectClrLst/>
+    <dgm:txLinClrLst/>
+    <dgm:txFillClrLst/>
+    <dgm:txEffectClrLst/>
+  </dgm:styleLbl>
+  <dgm:styleLbl name="fgSibTrans2D1">
+    <dgm:fillClrLst meth="repeat">
+      <a:schemeClr val="accent1">
+        <a:tint val="60000"/>
+      </a:schemeClr>
+    </dgm:fillClrLst>
+    <dgm:linClrLst meth="repeat">
+      <a:schemeClr val="accent1">
+        <a:tint val="60000"/>
+      </a:schemeClr>
+    </dgm:linClrLst>
+    <dgm:effectClrLst/>
+    <dgm:txLinClrLst/>
+    <dgm:txFillClrLst/>
+    <dgm:txEffectClrLst/>
+  </dgm:styleLbl>
+  <dgm:styleLbl name="bgSibTrans2D1">
+    <dgm:fillClrLst meth="repeat">
+      <a:schemeClr val="accent1">
+        <a:tint val="60000"/>
+      </a:schemeClr>
+    </dgm:fillClrLst>
+    <dgm:linClrLst meth="repeat">
+      <a:schemeClr val="accent1">
+        <a:tint val="60000"/>
+      </a:schemeClr>
+    </dgm:linClrLst>
+    <dgm:effectClrLst/>
+    <dgm:txLinClrLst/>
+    <dgm:txFillClrLst/>
+    <dgm:txEffectClrLst/>
+  </dgm:styleLbl>
+  <dgm:styleLbl name="sibTrans1D1">
+    <dgm:fillClrLst meth="repeat">
+      <a:schemeClr val="accent1"/>
+    </dgm:fillClrLst>
+    <dgm:linClrLst meth="repeat">
+      <a:schemeClr val="accent1"/>
+    </dgm:linClrLst>
+    <dgm:effectClrLst/>
+    <dgm:txLinClrLst/>
+    <dgm:txFillClrLst meth="repeat">
+      <a:schemeClr val="tx1"/>
+    </dgm:txFillClrLst>
+    <dgm:txEffectClrLst/>
+  </dgm:styleLbl>
+  <dgm:styleLbl name="callout">
+    <dgm:fillClrLst meth="repeat">
+      <a:schemeClr val="accent1"/>
+    </dgm:fillClrLst>
+    <dgm:linClrLst meth="repeat">
+      <a:schemeClr val="accent1">
+        <a:tint val="50000"/>
+      </a:schemeClr>
+    </dgm:linClrLst>
+    <dgm:effectClrLst/>
+    <dgm:txLinClrLst/>
+    <dgm:txFillClrLst meth="repeat">
+      <a:schemeClr val="tx1"/>
+    </dgm:txFillClrLst>
+    <dgm:txEffectClrLst/>
+  </dgm:styleLbl>
+  <dgm:styleLbl name="asst0">
+    <dgm:fillClrLst meth="repeat">
+      <a:schemeClr val="accent1"/>
+    </dgm:fillClrLst>
+    <dgm:linClrLst meth="repeat">
+      <a:schemeClr val="lt1"/>
+    </dgm:linClrLst>
+    <dgm:effectClrLst/>
+    <dgm:txLinClrLst/>
+    <dgm:txFillClrLst/>
+    <dgm:txEffectClrLst/>
+  </dgm:styleLbl>
+  <dgm:styleLbl name="asst1">
+    <dgm:fillClrLst meth="repeat">
+      <a:schemeClr val="accent1"/>
+    </dgm:fillClrLst>
+    <dgm:linClrLst meth="repeat">
+      <a:schemeClr val="lt1"/>
+    </dgm:linClrLst>
+    <dgm:effectClrLst/>
+    <dgm:txLinClrLst/>
+    <dgm:txFillClrLst/>
+    <dgm:txEffectClrLst/>
+  </dgm:styleLbl>
+  <dgm:styleLbl name="asst2">
+    <dgm:fillClrLst meth="repeat">
+      <a:schemeClr val="accent1"/>
+    </dgm:fillClrLst>
+    <dgm:linClrLst meth="repeat">
+      <a:schemeClr val="lt1"/>
+    </dgm:linClrLst>
+    <dgm:effectClrLst/>
+    <dgm:txLinClrLst/>
+    <dgm:txFillClrLst/>
+    <dgm:txEffectClrLst/>
+  </dgm:styleLbl>
+  <dgm:styleLbl name="asst3">
+    <dgm:fillClrLst meth="repeat">
+      <a:schemeClr val="accent1"/>
+    </dgm:fillClrLst>
+    <dgm:linClrLst meth="repeat">
+      <a:schemeClr val="lt1"/>
+    </dgm:linClrLst>
+    <dgm:effectClrLst/>
+    <dgm:txLinClrLst/>
+    <dgm:txFillClrLst/>
+    <dgm:txEffectClrLst/>
+  </dgm:styleLbl>
+  <dgm:styleLbl name="asst4">
+    <dgm:fillClrLst meth="repeat">
+      <a:schemeClr val="accent1"/>
+    </dgm:fillClrLst>
+    <dgm:linClrLst meth="repeat">
+      <a:schemeClr val="lt1"/>
+    </dgm:linClrLst>
+    <dgm:effectClrLst/>
+    <dgm:txLinClrLst/>
+    <dgm:txFillClrLst/>
+    <dgm:txEffectClrLst/>
+  </dgm:styleLbl>
+  <dgm:styleLbl name="parChTrans2D1">
+    <dgm:fillClrLst meth="repeat">
+      <a:schemeClr val="accent1">
+        <a:tint val="60000"/>
+      </a:schemeClr>
+    </dgm:fillClrLst>
+    <dgm:linClrLst meth="repeat">
+      <a:schemeClr val="accent1">
+        <a:tint val="60000"/>
+      </a:schemeClr>
+    </dgm:linClrLst>
+    <dgm:effectClrLst/>
+    <dgm:txLinClrLst/>
+    <dgm:txFillClrLst meth="repeat">
+      <a:schemeClr val="lt1"/>
+    </dgm:txFillClrLst>
+    <dgm:txEffectClrLst/>
+  </dgm:styleLbl>
+  <dgm:styleLbl name="parChTrans2D2">
+    <dgm:fillClrLst meth="repeat">
+      <a:schemeClr val="accent1"/>
+    </dgm:fillClrLst>
+    <dgm:linClrLst meth="repeat">
+      <a:schemeClr val="accent1"/>
+    </dgm:linClrLst>
+    <dgm:effectClrLst/>
+    <dgm:txLinClrLst/>
+    <dgm:txFillClrLst meth="repeat">
+      <a:schemeClr val="lt1"/>
+    </dgm:txFillClrLst>
+    <dgm:txEffectClrLst/>
+  </dgm:styleLbl>
+  <dgm:styleLbl name="parChTrans2D3">
+    <dgm:fillClrLst meth="repeat">
+      <a:schemeClr val="accent1"/>
+    </dgm:fillClrLst>
+    <dgm:linClrLst meth="repeat">
+      <a:schemeClr val="accent1"/>
+    </dgm:linClrLst>
+    <dgm:effectClrLst/>
+    <dgm:txLinClrLst/>
+    <dgm:txFillClrLst meth="repeat">
+      <a:schemeClr val="lt1"/>
+    </dgm:txFillClrLst>
+    <dgm:txEffectClrLst/>
+  </dgm:styleLbl>
+  <dgm:styleLbl name="parChTrans2D4">
+    <dgm:fillClrLst meth="repeat">
+      <a:schemeClr val="accent1"/>
+    </dgm:fillClrLst>
+    <dgm:linClrLst meth="repeat">
+      <a:schemeClr val="accent1"/>
+    </dgm:linClrLst>
+    <dgm:effectClrLst/>
+    <dgm:txLinClrLst/>
+    <dgm:txFillClrLst meth="repeat">
+      <a:schemeClr val="lt1"/>
+    </dgm:txFillClrLst>
+    <dgm:txEffectClrLst/>
+  </dgm:styleLbl>
+  <dgm:styleLbl name="parChTrans1D1">
+    <dgm:fillClrLst meth="repeat">
+      <a:schemeClr val="accent1"/>
+    </dgm:fillClrLst>
+    <dgm:linClrLst meth="repeat">
+      <a:schemeClr val="accent1">
+        <a:shade val="60000"/>
+      </a:schemeClr>
+    </dgm:linClrLst>
+    <dgm:effectClrLst/>
+    <dgm:txLinClrLst/>
+    <dgm:txFillClrLst meth="repeat">
+      <a:schemeClr val="tx1"/>
+    </dgm:txFillClrLst>
+    <dgm:txEffectClrLst/>
+  </dgm:styleLbl>
+  <dgm:styleLbl name="parChTrans1D2">
+    <dgm:fillClrLst meth="repeat">
+      <a:schemeClr val="accent1"/>
+    </dgm:fillClrLst>
+    <dgm:linClrLst meth="repeat">
+      <a:schemeClr val="accent1">
+        <a:shade val="60000"/>
+      </a:schemeClr>
+    </dgm:linClrLst>
+    <dgm:effectClrLst/>
+    <dgm:txLinClrLst/>
+    <dgm:txFillClrLst meth="repeat">
+      <a:schemeClr val="tx1"/>
+    </dgm:txFillClrLst>
+    <dgm:txEffectClrLst/>
+  </dgm:styleLbl>
+  <dgm:styleLbl name="parChTrans1D3">
+    <dgm:fillClrLst meth="repeat">
+      <a:schemeClr val="accent1"/>
+    </dgm:fillClrLst>
+    <dgm:linClrLst meth="repeat">
+      <a:schemeClr val="accent1">
+        <a:shade val="80000"/>
+      </a:schemeClr>
+    </dgm:linClrLst>
+    <dgm:effectClrLst/>
+    <dgm:txLinClrLst/>
+    <dgm:txFillClrLst meth="repeat">
+      <a:schemeClr val="tx1"/>
+    </dgm:txFillClrLst>
+    <dgm:txEffectClrLst/>
+  </dgm:styleLbl>
+  <dgm:styleLbl name="parChTrans1D4">
+    <dgm:fillClrLst meth="repeat">
+      <a:schemeClr val="accent1"/>
+    </dgm:fillClrLst>
+    <dgm:linClrLst meth="repeat">
+      <a:schemeClr val="accent1">
+        <a:shade val="80000"/>
+      </a:schemeClr>
+    </dgm:linClrLst>
+    <dgm:effectClrLst/>
+    <dgm:txLinClrLst/>
+    <dgm:txFillClrLst meth="repeat">
+      <a:schemeClr val="tx1"/>
+    </dgm:txFillClrLst>
+    <dgm:txEffectClrLst/>
+  </dgm:styleLbl>
+  <dgm:styleLbl name="fgAcc1">
+    <dgm:fillClrLst meth="repeat">
+      <a:schemeClr val="lt1">
+        <a:alpha val="90000"/>
+      </a:schemeClr>
+    </dgm:fillClrLst>
+    <dgm:linClrLst meth="repeat">
+      <a:schemeClr val="accent1"/>
+    </dgm:linClrLst>
+    <dgm:effectClrLst/>
+    <dgm:txLinClrLst/>
+    <dgm:txFillClrLst meth="repeat">
+      <a:schemeClr val="dk1"/>
+    </dgm:txFillClrLst>
+    <dgm:txEffectClrLst/>
+  </dgm:styleLbl>
+  <dgm:styleLbl name="conFgAcc1">
+    <dgm:fillClrLst meth="repeat">
+      <a:schemeClr val="lt1">
+        <a:alpha val="90000"/>
+      </a:schemeClr>
+    </dgm:fillClrLst>
+    <dgm:linClrLst meth="repeat">
+      <a:schemeClr val="accent1"/>
+    </dgm:linClrLst>
+    <dgm:effectClrLst/>
+    <dgm:txLinClrLst/>
+    <dgm:txFillClrLst meth="repeat">
+      <a:schemeClr val="dk1"/>
+    </dgm:txFillClrLst>
+    <dgm:txEffectClrLst/>
+  </dgm:styleLbl>
+  <dgm:styleLbl name="alignAcc1">
+    <dgm:fillClrLst meth="repeat">
+      <a:schemeClr val="lt1">
+        <a:alpha val="90000"/>
+      </a:schemeClr>
+    </dgm:fillClrLst>
+    <dgm:linClrLst meth="repeat">
+      <a:schemeClr val="accent1"/>
+    </dgm:linClrLst>
+    <dgm:effectClrLst/>
+    <dgm:txLinClrLst/>
+    <dgm:txFillClrLst meth="repeat">
+      <a:schemeClr val="dk1"/>
+    </dgm:txFillClrLst>
+    <dgm:txEffectClrLst/>
+  </dgm:styleLbl>
+  <dgm:styleLbl name="trAlignAcc1">
+    <dgm:fillClrLst meth="repeat">
+      <a:schemeClr val="lt1">
+        <a:alpha val="40000"/>
+      </a:schemeClr>
+    </dgm:fillClrLst>
+    <dgm:linClrLst meth="repeat">
+      <a:schemeClr val="accent1"/>
+    </dgm:linClrLst>
+    <dgm:effectClrLst/>
+    <dgm:txLinClrLst/>
+    <dgm:txFillClrLst meth="repeat">
+      <a:schemeClr val="dk1"/>
+    </dgm:txFillClrLst>
+    <dgm:txEffectClrLst/>
+  </dgm:styleLbl>
+  <dgm:styleLbl name="bgAcc1">
+    <dgm:fillClrLst meth="repeat">
+      <a:schemeClr val="lt1">
+        <a:alpha val="90000"/>
+      </a:schemeClr>
+    </dgm:fillClrLst>
+    <dgm:linClrLst meth="repeat">
+      <a:schemeClr val="accent1"/>
+    </dgm:linClrLst>
+    <dgm:effectClrLst/>
+    <dgm:txLinClrLst/>
+    <dgm:txFillClrLst meth="repeat">
+      <a:schemeClr val="dk1"/>
+    </dgm:txFillClrLst>
+    <dgm:txEffectClrLst/>
+  </dgm:styleLbl>
+  <dgm:styleLbl name="solidFgAcc1">
+    <dgm:fillClrLst meth="repeat">
+      <a:schemeClr val="lt1"/>
+    </dgm:fillClrLst>
+    <dgm:linClrLst meth="repeat">
+      <a:schemeClr val="accent1"/>
+    </dgm:linClrLst>
+    <dgm:effectClrLst/>
+    <dgm:txLinClrLst/>
+    <dgm:txFillClrLst meth="repeat">
+      <a:schemeClr val="dk1"/>
+    </dgm:txFillClrLst>
+    <dgm:txEffectClrLst/>
+  </dgm:styleLbl>
+  <dgm:styleLbl name="solidAlignAcc1">
+    <dgm:fillClrLst meth="repeat">
+      <a:schemeClr val="lt1"/>
+    </dgm:fillClrLst>
+    <dgm:linClrLst meth="repeat">
+      <a:schemeClr val="accent1"/>
+    </dgm:linClrLst>
+    <dgm:effectClrLst/>
+    <dgm:txLinClrLst/>
+    <dgm:txFillClrLst meth="repeat">
+      <a:schemeClr val="dk1"/>
+    </dgm:txFillClrLst>
+    <dgm:txEffectClrLst/>
+  </dgm:styleLbl>
+  <dgm:styleLbl name="solidBgAcc1">
+    <dgm:fillClrLst meth="repeat">
+      <a:schemeClr val="lt1"/>
+    </dgm:fillClrLst>
+    <dgm:linClrLst meth="repeat">
+      <a:schemeClr val="accent1"/>
+    </dgm:linClrLst>
+    <dgm:effectClrLst/>
+    <dgm:txLinClrLst/>
+    <dgm:txFillClrLst meth="repeat">
+      <a:schemeClr val="dk1"/>
+    </dgm:txFillClrLst>
+    <dgm:txEffectClrLst/>
+  </dgm:styleLbl>
+  <dgm:styleLbl name="fgAccFollowNode1">
+    <dgm:fillClrLst meth="repeat">
+      <a:schemeClr val="accent1">
+        <a:alpha val="90000"/>
+        <a:tint val="40000"/>
+      </a:schemeClr>
+    </dgm:fillClrLst>
+    <dgm:linClrLst meth="repeat">
+      <a:schemeClr val="accent1">
+        <a:alpha val="90000"/>
+        <a:tint val="40000"/>
+      </a:schemeClr>
+    </dgm:linClrLst>
+    <dgm:effectClrLst/>
+    <dgm:txLinClrLst/>
+    <dgm:txFillClrLst meth="repeat">
+      <a:schemeClr val="dk1"/>
+    </dgm:txFillClrLst>
+    <dgm:txEffectClrLst/>
+  </dgm:styleLbl>
+  <dgm:styleLbl name="alignAccFollowNode1">
+    <dgm:fillClrLst meth="repeat">
+      <a:schemeClr val="accent1">
+        <a:alpha val="90000"/>
+        <a:tint val="40000"/>
+      </a:schemeClr>
+    </dgm:fillClrLst>
+    <dgm:linClrLst meth="repeat">
+      <a:schemeClr val="accent1">
+        <a:alpha val="90000"/>
+        <a:tint val="40000"/>
+      </a:schemeClr>
+    </dgm:linClrLst>
+    <dgm:effectClrLst/>
+    <dgm:txLinClrLst/>
+    <dgm:txFillClrLst meth="repeat">
+      <a:schemeClr val="dk1"/>
+    </dgm:txFillClrLst>
+    <dgm:txEffectClrLst/>
+  </dgm:styleLbl>
+  <dgm:styleLbl name="bgAccFollowNode1">
+    <dgm:fillClrLst meth="repeat">
+      <a:schemeClr val="accent1">
+        <a:alpha val="90000"/>
+        <a:tint val="40000"/>
+      </a:schemeClr>
+    </dgm:fillClrLst>
+    <dgm:linClrLst meth="repeat">
+      <a:schemeClr val="accent1">
+        <a:alpha val="90000"/>
+        <a:tint val="40000"/>
+      </a:schemeClr>
+    </dgm:linClrLst>
+    <dgm:effectClrLst/>
+    <dgm:txLinClrLst/>
+    <dgm:txFillClrLst meth="repeat">
+      <a:schemeClr val="dk1"/>
+    </dgm:txFillClrLst>
+    <dgm:txEffectClrLst/>
+  </dgm:styleLbl>
+  <dgm:styleLbl name="fgAcc0">
+    <dgm:fillClrLst meth="repeat">
+      <a:schemeClr val="lt1">
+        <a:alpha val="90000"/>
+      </a:schemeClr>
+    </dgm:fillClrLst>
+    <dgm:linClrLst meth="repeat">
+      <a:schemeClr val="accent1"/>
+    </dgm:linClrLst>
+    <dgm:effectClrLst/>
+    <dgm:txLinClrLst/>
+    <dgm:txFillClrLst meth="repeat">
+      <a:schemeClr val="dk1"/>
+    </dgm:txFillClrLst>
+    <dgm:txEffectClrLst/>
+  </dgm:styleLbl>
+  <dgm:styleLbl name="fgAcc2">
+    <dgm:fillClrLst meth="repeat">
+      <a:schemeClr val="lt1">
+        <a:alpha val="90000"/>
+      </a:schemeClr>
+    </dgm:fillClrLst>
+    <dgm:linClrLst meth="repeat">
+      <a:schemeClr val="accent1"/>
+    </dgm:linClrLst>
+    <dgm:effectClrLst/>
+    <dgm:txLinClrLst/>
+    <dgm:txFillClrLst meth="repeat">
+      <a:schemeClr val="dk1"/>
+    </dgm:txFillClrLst>
+    <dgm:txEffectClrLst/>
+  </dgm:styleLbl>
+  <dgm:styleLbl name="fgAcc3">
+    <dgm:fillClrLst meth="repeat">
+      <a:schemeClr val="lt1">
+        <a:alpha val="90000"/>
+      </a:schemeClr>
+    </dgm:fillClrLst>
+    <dgm:linClrLst meth="repeat">
+      <a:schemeClr val="accent1"/>
+    </dgm:linClrLst>
+    <dgm:effectClrLst/>
+    <dgm:txLinClrLst/>
+    <dgm:txFillClrLst meth="repeat">
+      <a:schemeClr val="dk1"/>
+    </dgm:txFillClrLst>
+    <dgm:txEffectClrLst/>
+  </dgm:styleLbl>
+  <dgm:styleLbl name="fgAcc4">
+    <dgm:fillClrLst meth="repeat">
+      <a:schemeClr val="lt1">
+        <a:alpha val="90000"/>
+      </a:schemeClr>
+    </dgm:fillClrLst>
+    <dgm:linClrLst meth="repeat">
+      <a:schemeClr val="accent1"/>
+    </dgm:linClrLst>
+    <dgm:effectClrLst/>
+    <dgm:txLinClrLst/>
+    <dgm:txFillClrLst meth="repeat">
+      <a:schemeClr val="dk1"/>
+    </dgm:txFillClrLst>
+    <dgm:txEffectClrLst/>
+  </dgm:styleLbl>
+  <dgm:styleLbl name="bgShp">
+    <dgm:fillClrLst meth="repeat">
+      <a:schemeClr val="accent1">
+        <a:tint val="40000"/>
+      </a:schemeClr>
+    </dgm:fillClrLst>
+    <dgm:linClrLst meth="repeat">
+      <a:schemeClr val="accent1"/>
+    </dgm:linClrLst>
+    <dgm:effectClrLst/>
+    <dgm:txLinClrLst/>
+    <dgm:txFillClrLst meth="repeat">
+      <a:schemeClr val="dk1"/>
+    </dgm:txFillClrLst>
+    <dgm:txEffectClrLst/>
+  </dgm:styleLbl>
+  <dgm:styleLbl name="dkBgShp">
+    <dgm:fillClrLst meth="repeat">
+      <a:schemeClr val="accent1">
+        <a:shade val="80000"/>
+      </a:schemeClr>
+    </dgm:fillClrLst>
+    <dgm:linClrLst meth="repeat">
+      <a:schemeClr val="accent1"/>
+    </dgm:linClrLst>
+    <dgm:effectClrLst/>
+    <dgm:txLinClrLst/>
+    <dgm:txFillClrLst meth="repeat">
+      <a:schemeClr val="lt1"/>
+    </dgm:txFillClrLst>
+    <dgm:txEffectClrLst/>
+  </dgm:styleLbl>
+  <dgm:styleLbl name="trBgShp">
+    <dgm:fillClrLst meth="repeat">
+      <a:schemeClr val="accent1">
+        <a:tint val="50000"/>
+        <a:alpha val="40000"/>
+      </a:schemeClr>
+    </dgm:fillClrLst>
+    <dgm:linClrLst meth="repeat">
+      <a:schemeClr val="accent1"/>
+    </dgm:linClrLst>
+    <dgm:effectClrLst/>
+    <dgm:txLinClrLst/>
+    <dgm:txFillClrLst meth="repeat">
+      <a:schemeClr val="lt1"/>
+    </dgm:txFillClrLst>
+    <dgm:txEffectClrLst/>
+  </dgm:styleLbl>
+  <dgm:styleLbl name="fgShp">
+    <dgm:fillClrLst meth="repeat">
+      <a:schemeClr val="accent1">
+        <a:tint val="60000"/>
+      </a:schemeClr>
+    </dgm:fillClrLst>
+    <dgm:linClrLst meth="repeat">
+      <a:schemeClr val="lt1"/>
+    </dgm:linClrLst>
+    <dgm:effectClrLst/>
+    <dgm:txLinClrLst/>
+    <dgm:txFillClrLst meth="repeat">
+      <a:schemeClr val="dk1"/>
+    </dgm:txFillClrLst>
+    <dgm:txEffectClrLst/>
+  </dgm:styleLbl>
+  <dgm:styleLbl name="revTx">
+    <dgm:fillClrLst meth="repeat">
+      <a:schemeClr val="lt1">
+        <a:alpha val="0"/>
+      </a:schemeClr>
+    </dgm:fillClrLst>
+    <dgm:linClrLst meth="repeat">
+      <a:schemeClr val="dk1">
+        <a:alpha val="0"/>
+      </a:schemeClr>
+    </dgm:linClrLst>
+    <dgm:effectClrLst/>
+    <dgm:txLinClrLst/>
+    <dgm:txFillClrLst meth="repeat">
+      <a:schemeClr val="tx1"/>
+    </dgm:txFillClrLst>
+    <dgm:txEffectClrLst/>
+  </dgm:styleLbl>
+</dgm:colorsDef>
+</file>
+
+<file path=ppt/diagrams/data1.xml><?xml version="1.0" encoding="utf-8"?>
+<dgm:dataModel xmlns:dgm="http://schemas.openxmlformats.org/drawingml/2006/diagram" xmlns:a="http://schemas.openxmlformats.org/drawingml/2006/main">
+  <dgm:ptLst>
+    <dgm:pt modelId="{01EB78F3-F837-40FC-9209-8D868CBCC5A0}" type="doc">
+      <dgm:prSet loTypeId="urn:microsoft.com/office/officeart/2005/8/layout/architecture" loCatId="hierarchy" qsTypeId="urn:microsoft.com/office/officeart/2005/8/quickstyle/simple1" qsCatId="simple" csTypeId="urn:microsoft.com/office/officeart/2005/8/colors/accent1_2" csCatId="accent1" phldr="1"/>
+      <dgm:spPr/>
+      <dgm:t>
+        <a:bodyPr/>
+        <a:lstStyle/>
+        <a:p>
+          <a:endParaRPr lang="en-CA"/>
+        </a:p>
+      </dgm:t>
+    </dgm:pt>
+    <dgm:pt modelId="{E1AE4F12-7903-4ED7-9959-56ED94958BBB}">
+      <dgm:prSet/>
+      <dgm:spPr/>
+      <dgm:t>
+        <a:bodyPr/>
+        <a:lstStyle/>
+        <a:p>
+          <a:r>
+            <a:rPr lang="en-CA" dirty="0" err="1"/>
+            <a:t>Raddica</a:t>
+          </a:r>
+          <a:endParaRPr lang="en-CA" dirty="0"/>
+        </a:p>
+      </dgm:t>
+    </dgm:pt>
+    <dgm:pt modelId="{20183BE8-FF37-4E7F-9CE2-39CDDEE4A396}" type="parTrans" cxnId="{EA08BD76-DBE8-4F4C-A143-3A8C3EBF81F3}">
+      <dgm:prSet/>
+      <dgm:spPr/>
+      <dgm:t>
+        <a:bodyPr/>
+        <a:lstStyle/>
+        <a:p>
+          <a:endParaRPr lang="en-CA"/>
+        </a:p>
+      </dgm:t>
+    </dgm:pt>
+    <dgm:pt modelId="{1989316C-8541-4F42-975E-647F0F21895D}" type="sibTrans" cxnId="{EA08BD76-DBE8-4F4C-A143-3A8C3EBF81F3}">
+      <dgm:prSet/>
+      <dgm:spPr/>
+      <dgm:t>
+        <a:bodyPr/>
+        <a:lstStyle/>
+        <a:p>
+          <a:endParaRPr lang="en-CA"/>
+        </a:p>
+      </dgm:t>
+    </dgm:pt>
+    <dgm:pt modelId="{F3099D2F-B059-4C0B-8E47-F90FBAE02498}">
+      <dgm:prSet/>
+      <dgm:spPr/>
+      <dgm:t>
+        <a:bodyPr/>
+        <a:lstStyle/>
+        <a:p>
+          <a:r>
+            <a:rPr lang="en-CA" dirty="0"/>
+            <a:t>Topology</a:t>
+          </a:r>
+        </a:p>
+      </dgm:t>
+    </dgm:pt>
+    <dgm:pt modelId="{E505B1B6-2547-45FD-9102-9513F3B35F99}" type="parTrans" cxnId="{144DAFBA-4ADF-4D43-A057-7BBD9D26655D}">
+      <dgm:prSet/>
+      <dgm:spPr/>
+      <dgm:t>
+        <a:bodyPr/>
+        <a:lstStyle/>
+        <a:p>
+          <a:endParaRPr lang="en-CA"/>
+        </a:p>
+      </dgm:t>
+    </dgm:pt>
+    <dgm:pt modelId="{6E2EC396-4BAA-408D-93A6-40851B3BD8D9}" type="sibTrans" cxnId="{144DAFBA-4ADF-4D43-A057-7BBD9D26655D}">
+      <dgm:prSet/>
+      <dgm:spPr/>
+      <dgm:t>
+        <a:bodyPr/>
+        <a:lstStyle/>
+        <a:p>
+          <a:endParaRPr lang="en-CA"/>
+        </a:p>
+      </dgm:t>
+    </dgm:pt>
+    <dgm:pt modelId="{45CAC9DA-1648-4C77-9733-33E8921F5147}">
+      <dgm:prSet/>
+      <dgm:spPr/>
+      <dgm:t>
+        <a:bodyPr/>
+        <a:lstStyle/>
+        <a:p>
+          <a:r>
+            <a:rPr lang="en-CA" dirty="0"/>
+            <a:t>Datatypes</a:t>
+          </a:r>
+        </a:p>
+      </dgm:t>
+    </dgm:pt>
+    <dgm:pt modelId="{DE76BE5C-1601-44ED-B6B6-8FAB8806FD83}" type="parTrans" cxnId="{46865FAC-DBE4-4AEE-83FF-A4ECD20836FB}">
+      <dgm:prSet/>
+      <dgm:spPr/>
+      <dgm:t>
+        <a:bodyPr/>
+        <a:lstStyle/>
+        <a:p>
+          <a:endParaRPr lang="en-CA"/>
+        </a:p>
+      </dgm:t>
+    </dgm:pt>
+    <dgm:pt modelId="{356D4017-D160-4CCF-87B7-4F773CE60079}" type="sibTrans" cxnId="{46865FAC-DBE4-4AEE-83FF-A4ECD20836FB}">
+      <dgm:prSet/>
+      <dgm:spPr/>
+      <dgm:t>
+        <a:bodyPr/>
+        <a:lstStyle/>
+        <a:p>
+          <a:endParaRPr lang="en-CA"/>
+        </a:p>
+      </dgm:t>
+    </dgm:pt>
+    <dgm:pt modelId="{EE0178A6-0588-4EAA-AD3F-C191F748BDCE}">
+      <dgm:prSet/>
+      <dgm:spPr/>
+      <dgm:t>
+        <a:bodyPr/>
+        <a:lstStyle/>
+        <a:p>
+          <a:r>
+            <a:rPr lang="en-CA" dirty="0"/>
+            <a:t>Thing</a:t>
+          </a:r>
+        </a:p>
+      </dgm:t>
+    </dgm:pt>
+    <dgm:pt modelId="{E90AFD65-7DE5-4559-951E-3A274A48C74D}" type="parTrans" cxnId="{C273F6E2-497D-479F-AB42-55E93BDA5BAE}">
+      <dgm:prSet/>
+      <dgm:spPr/>
+      <dgm:t>
+        <a:bodyPr/>
+        <a:lstStyle/>
+        <a:p>
+          <a:endParaRPr lang="en-CA"/>
+        </a:p>
+      </dgm:t>
+    </dgm:pt>
+    <dgm:pt modelId="{8D09F842-4915-4B72-BCA5-54363D4C8C13}" type="sibTrans" cxnId="{C273F6E2-497D-479F-AB42-55E93BDA5BAE}">
+      <dgm:prSet/>
+      <dgm:spPr/>
+      <dgm:t>
+        <a:bodyPr/>
+        <a:lstStyle/>
+        <a:p>
+          <a:endParaRPr lang="en-CA"/>
+        </a:p>
+      </dgm:t>
+    </dgm:pt>
+    <dgm:pt modelId="{B1EB2459-C45D-435E-B346-AE79E8A19ABF}">
+      <dgm:prSet/>
+      <dgm:spPr/>
+      <dgm:t>
+        <a:bodyPr/>
+        <a:lstStyle/>
+        <a:p>
+          <a:r>
+            <a:rPr lang="en-CA" dirty="0"/>
+            <a:t>Relationship</a:t>
+          </a:r>
+        </a:p>
+      </dgm:t>
+    </dgm:pt>
+    <dgm:pt modelId="{12B796C3-FABF-4432-BFBB-3A744404A9B2}" type="parTrans" cxnId="{513DFA70-88A5-4939-A540-0C9FE11532DE}">
+      <dgm:prSet/>
+      <dgm:spPr/>
+      <dgm:t>
+        <a:bodyPr/>
+        <a:lstStyle/>
+        <a:p>
+          <a:endParaRPr lang="en-CA"/>
+        </a:p>
+      </dgm:t>
+    </dgm:pt>
+    <dgm:pt modelId="{C9807964-B651-452D-B1B5-F3EF641A152A}" type="sibTrans" cxnId="{513DFA70-88A5-4939-A540-0C9FE11532DE}">
+      <dgm:prSet/>
+      <dgm:spPr/>
+      <dgm:t>
+        <a:bodyPr/>
+        <a:lstStyle/>
+        <a:p>
+          <a:endParaRPr lang="en-CA"/>
+        </a:p>
+      </dgm:t>
+    </dgm:pt>
+    <dgm:pt modelId="{2041A6F2-8C50-46C3-97C3-7CA5D80A3C67}">
+      <dgm:prSet/>
+      <dgm:spPr/>
+      <dgm:t>
+        <a:bodyPr/>
+        <a:lstStyle/>
+        <a:p>
+          <a:r>
+            <a:rPr lang="en-CA" dirty="0"/>
+            <a:t>Type</a:t>
+          </a:r>
+        </a:p>
+      </dgm:t>
+    </dgm:pt>
+    <dgm:pt modelId="{0265D424-AC7C-4251-99B2-B6655C5657E1}" type="parTrans" cxnId="{78CDF41C-D06A-4E65-9BBA-384C69C6BE25}">
+      <dgm:prSet/>
+      <dgm:spPr/>
+      <dgm:t>
+        <a:bodyPr/>
+        <a:lstStyle/>
+        <a:p>
+          <a:endParaRPr lang="en-CA"/>
+        </a:p>
+      </dgm:t>
+    </dgm:pt>
+    <dgm:pt modelId="{8D4A8F52-1C31-44DF-B233-55A1D5D3BB15}" type="sibTrans" cxnId="{78CDF41C-D06A-4E65-9BBA-384C69C6BE25}">
+      <dgm:prSet/>
+      <dgm:spPr/>
+      <dgm:t>
+        <a:bodyPr/>
+        <a:lstStyle/>
+        <a:p>
+          <a:endParaRPr lang="en-CA"/>
+        </a:p>
+      </dgm:t>
+    </dgm:pt>
+    <dgm:pt modelId="{209C3117-6081-4ACE-913A-3A1BE87D68F2}">
+      <dgm:prSet/>
+      <dgm:spPr/>
+      <dgm:t>
+        <a:bodyPr/>
+        <a:lstStyle/>
+        <a:p>
+          <a:r>
+            <a:rPr lang="en-CA" dirty="0"/>
+            <a:t>Type</a:t>
+          </a:r>
+        </a:p>
+      </dgm:t>
+    </dgm:pt>
+    <dgm:pt modelId="{002F90E4-0F26-4C93-B317-82D1BB32CD74}" type="parTrans" cxnId="{4F9C99D2-A615-4B38-AB76-756127422D7C}">
+      <dgm:prSet/>
+      <dgm:spPr/>
+      <dgm:t>
+        <a:bodyPr/>
+        <a:lstStyle/>
+        <a:p>
+          <a:endParaRPr lang="en-CA"/>
+        </a:p>
+      </dgm:t>
+    </dgm:pt>
+    <dgm:pt modelId="{13E943D6-1829-46EF-BF1A-87A73BE25571}" type="sibTrans" cxnId="{4F9C99D2-A615-4B38-AB76-756127422D7C}">
+      <dgm:prSet/>
+      <dgm:spPr/>
+      <dgm:t>
+        <a:bodyPr/>
+        <a:lstStyle/>
+        <a:p>
+          <a:endParaRPr lang="en-CA"/>
+        </a:p>
+      </dgm:t>
+    </dgm:pt>
+    <dgm:pt modelId="{DB02BD50-86B4-4F8B-92BE-9F47B1B4CCC4}">
+      <dgm:prSet/>
+      <dgm:spPr/>
+      <dgm:t>
+        <a:bodyPr/>
+        <a:lstStyle/>
+        <a:p>
+          <a:r>
+            <a:rPr lang="en-CA" dirty="0"/>
+            <a:t>Left</a:t>
+          </a:r>
+        </a:p>
+      </dgm:t>
+    </dgm:pt>
+    <dgm:pt modelId="{28B1142B-981D-4079-AB5F-8C8D231F3B01}" type="parTrans" cxnId="{AF8D02B8-C6D3-446F-868A-B11B9EFFB278}">
+      <dgm:prSet/>
+      <dgm:spPr/>
+      <dgm:t>
+        <a:bodyPr/>
+        <a:lstStyle/>
+        <a:p>
+          <a:endParaRPr lang="en-CA"/>
+        </a:p>
+      </dgm:t>
+    </dgm:pt>
+    <dgm:pt modelId="{BE9082FC-15AC-4FB8-A0BF-BECB0CBFC17B}" type="sibTrans" cxnId="{AF8D02B8-C6D3-446F-868A-B11B9EFFB278}">
+      <dgm:prSet/>
+      <dgm:spPr/>
+      <dgm:t>
+        <a:bodyPr/>
+        <a:lstStyle/>
+        <a:p>
+          <a:endParaRPr lang="en-CA"/>
+        </a:p>
+      </dgm:t>
+    </dgm:pt>
+    <dgm:pt modelId="{290324FB-A52B-4697-B967-FC29C89F11DD}">
+      <dgm:prSet/>
+      <dgm:spPr/>
+      <dgm:t>
+        <a:bodyPr/>
+        <a:lstStyle/>
+        <a:p>
+          <a:r>
+            <a:rPr lang="en-CA" dirty="0"/>
+            <a:t>Right</a:t>
+          </a:r>
+        </a:p>
+      </dgm:t>
+    </dgm:pt>
+    <dgm:pt modelId="{17BF0CB8-1818-4AC8-870C-2F57FD5D1555}" type="parTrans" cxnId="{9CF24DD9-F1E7-4082-AAF7-FD9160A2F37A}">
+      <dgm:prSet/>
+      <dgm:spPr/>
+      <dgm:t>
+        <a:bodyPr/>
+        <a:lstStyle/>
+        <a:p>
+          <a:endParaRPr lang="en-CA"/>
+        </a:p>
+      </dgm:t>
+    </dgm:pt>
+    <dgm:pt modelId="{AEC27858-0D4F-4FDC-A265-0AB539D5E44E}" type="sibTrans" cxnId="{9CF24DD9-F1E7-4082-AAF7-FD9160A2F37A}">
+      <dgm:prSet/>
+      <dgm:spPr/>
+      <dgm:t>
+        <a:bodyPr/>
+        <a:lstStyle/>
+        <a:p>
+          <a:endParaRPr lang="en-CA"/>
+        </a:p>
+      </dgm:t>
+    </dgm:pt>
+    <dgm:pt modelId="{69AE7D62-ACCD-48DA-A6B2-A74CCCF813EC}">
+      <dgm:prSet/>
+      <dgm:spPr/>
+      <dgm:t>
+        <a:bodyPr/>
+        <a:lstStyle/>
+        <a:p>
+          <a:r>
+            <a:rPr lang="en-CA" dirty="0"/>
+            <a:t>Id</a:t>
+          </a:r>
+        </a:p>
+      </dgm:t>
+    </dgm:pt>
+    <dgm:pt modelId="{F748C2AB-B3B7-492C-9E0F-20F90FF12FA5}" type="parTrans" cxnId="{758756BC-45FE-4019-97EA-3F3747545BF5}">
+      <dgm:prSet/>
+      <dgm:spPr/>
+      <dgm:t>
+        <a:bodyPr/>
+        <a:lstStyle/>
+        <a:p>
+          <a:endParaRPr lang="en-CA"/>
+        </a:p>
+      </dgm:t>
+    </dgm:pt>
+    <dgm:pt modelId="{AF17B8F7-75A9-4AF2-A0E2-4EE2F0CD78EB}" type="sibTrans" cxnId="{758756BC-45FE-4019-97EA-3F3747545BF5}">
+      <dgm:prSet/>
+      <dgm:spPr/>
+      <dgm:t>
+        <a:bodyPr/>
+        <a:lstStyle/>
+        <a:p>
+          <a:endParaRPr lang="en-CA"/>
+        </a:p>
+      </dgm:t>
+    </dgm:pt>
+    <dgm:pt modelId="{7875EC78-DDA1-4242-B056-DD20BC7DA495}">
+      <dgm:prSet/>
+      <dgm:spPr/>
+      <dgm:t>
+        <a:bodyPr/>
+        <a:lstStyle/>
+        <a:p>
+          <a:r>
+            <a:rPr lang="en-CA" dirty="0"/>
+            <a:t>Server</a:t>
+          </a:r>
+        </a:p>
+      </dgm:t>
+    </dgm:pt>
+    <dgm:pt modelId="{88DCC497-80D5-4CF2-A143-6DAD0D98FED0}" type="parTrans" cxnId="{8638B39F-634C-465D-BB7B-55AF222296DA}">
+      <dgm:prSet/>
+      <dgm:spPr/>
+      <dgm:t>
+        <a:bodyPr/>
+        <a:lstStyle/>
+        <a:p>
+          <a:endParaRPr lang="en-CA"/>
+        </a:p>
+      </dgm:t>
+    </dgm:pt>
+    <dgm:pt modelId="{16894271-B6AF-4DFA-A0E8-1AA10E544334}" type="sibTrans" cxnId="{8638B39F-634C-465D-BB7B-55AF222296DA}">
+      <dgm:prSet/>
+      <dgm:spPr/>
+      <dgm:t>
+        <a:bodyPr/>
+        <a:lstStyle/>
+        <a:p>
+          <a:endParaRPr lang="en-CA"/>
+        </a:p>
+      </dgm:t>
+    </dgm:pt>
+    <dgm:pt modelId="{103B5C67-5769-4B64-9B8A-88755C0E57BE}">
+      <dgm:prSet/>
+      <dgm:spPr/>
+      <dgm:t>
+        <a:bodyPr/>
+        <a:lstStyle/>
+        <a:p>
+          <a:r>
+            <a:rPr lang="en-CA" dirty="0"/>
+            <a:t>Frontend</a:t>
+          </a:r>
+        </a:p>
+      </dgm:t>
+    </dgm:pt>
+    <dgm:pt modelId="{94ADE186-AAA5-4598-8316-D28D95C0F877}" type="parTrans" cxnId="{BAB01620-A505-4F8E-9B70-67AA66154E8C}">
+      <dgm:prSet/>
+      <dgm:spPr/>
+      <dgm:t>
+        <a:bodyPr/>
+        <a:lstStyle/>
+        <a:p>
+          <a:endParaRPr lang="en-CA"/>
+        </a:p>
+      </dgm:t>
+    </dgm:pt>
+    <dgm:pt modelId="{43B5CFA3-3065-4571-B977-A8DA97D69216}" type="sibTrans" cxnId="{BAB01620-A505-4F8E-9B70-67AA66154E8C}">
+      <dgm:prSet/>
+      <dgm:spPr/>
+      <dgm:t>
+        <a:bodyPr/>
+        <a:lstStyle/>
+        <a:p>
+          <a:endParaRPr lang="en-CA"/>
+        </a:p>
+      </dgm:t>
+    </dgm:pt>
+    <dgm:pt modelId="{6D028865-BCB0-4E7A-93AF-2BDB264C4F33}">
+      <dgm:prSet/>
+      <dgm:spPr/>
+      <dgm:t>
+        <a:bodyPr/>
+        <a:lstStyle/>
+        <a:p>
+          <a:r>
+            <a:rPr lang="en-CA" dirty="0"/>
+            <a:t>Backend</a:t>
+          </a:r>
+        </a:p>
+      </dgm:t>
+    </dgm:pt>
+    <dgm:pt modelId="{5D540160-B9FA-42FB-9475-55F8D4E46C0F}" type="parTrans" cxnId="{907EA06C-925B-4604-8F30-254F6368E275}">
+      <dgm:prSet/>
+      <dgm:spPr/>
+      <dgm:t>
+        <a:bodyPr/>
+        <a:lstStyle/>
+        <a:p>
+          <a:endParaRPr lang="en-CA"/>
+        </a:p>
+      </dgm:t>
+    </dgm:pt>
+    <dgm:pt modelId="{A07A8547-95F5-4BA1-A1E1-ED2429C15174}" type="sibTrans" cxnId="{907EA06C-925B-4604-8F30-254F6368E275}">
+      <dgm:prSet/>
+      <dgm:spPr/>
+      <dgm:t>
+        <a:bodyPr/>
+        <a:lstStyle/>
+        <a:p>
+          <a:endParaRPr lang="en-CA"/>
+        </a:p>
+      </dgm:t>
+    </dgm:pt>
+    <dgm:pt modelId="{899C0D4A-6827-435D-A58B-8447563A96BB}">
+      <dgm:prSet/>
+      <dgm:spPr/>
+      <dgm:t>
+        <a:bodyPr/>
+        <a:lstStyle/>
+        <a:p>
+          <a:r>
+            <a:rPr lang="en-CA" dirty="0"/>
+            <a:t>Type</a:t>
+          </a:r>
+        </a:p>
+      </dgm:t>
+    </dgm:pt>
+    <dgm:pt modelId="{32AC2D56-EADD-4574-A9D8-43B965812334}" type="parTrans" cxnId="{A5E27EFA-FF67-4D9E-B201-5AF5826A998F}">
+      <dgm:prSet/>
+      <dgm:spPr/>
+      <dgm:t>
+        <a:bodyPr/>
+        <a:lstStyle/>
+        <a:p>
+          <a:endParaRPr lang="en-CA"/>
+        </a:p>
+      </dgm:t>
+    </dgm:pt>
+    <dgm:pt modelId="{BFE0B8AF-E94D-43BD-A823-D4D5DF8C690C}" type="sibTrans" cxnId="{A5E27EFA-FF67-4D9E-B201-5AF5826A998F}">
+      <dgm:prSet/>
+      <dgm:spPr/>
+      <dgm:t>
+        <a:bodyPr/>
+        <a:lstStyle/>
+        <a:p>
+          <a:endParaRPr lang="en-CA"/>
+        </a:p>
+      </dgm:t>
+    </dgm:pt>
+    <dgm:pt modelId="{5F2A41A1-8102-4F1D-A00B-19A9A4405F98}">
+      <dgm:prSet/>
+      <dgm:spPr/>
+      <dgm:t>
+        <a:bodyPr/>
+        <a:lstStyle/>
+        <a:p>
+          <a:r>
+            <a:rPr lang="en-CA" dirty="0"/>
+            <a:t>Id</a:t>
+          </a:r>
+        </a:p>
+      </dgm:t>
+    </dgm:pt>
+    <dgm:pt modelId="{7356EA14-F76B-4F7A-B5ED-E97F292AA73B}" type="parTrans" cxnId="{EC9BE62F-9B34-41B6-83B4-A0321D36F373}">
+      <dgm:prSet/>
+      <dgm:spPr/>
+      <dgm:t>
+        <a:bodyPr/>
+        <a:lstStyle/>
+        <a:p>
+          <a:endParaRPr lang="en-CA"/>
+        </a:p>
+      </dgm:t>
+    </dgm:pt>
+    <dgm:pt modelId="{D877CFFD-2A48-4764-BB58-0AF62942E8FA}" type="sibTrans" cxnId="{EC9BE62F-9B34-41B6-83B4-A0321D36F373}">
+      <dgm:prSet/>
+      <dgm:spPr/>
+      <dgm:t>
+        <a:bodyPr/>
+        <a:lstStyle/>
+        <a:p>
+          <a:endParaRPr lang="en-CA"/>
+        </a:p>
+      </dgm:t>
+    </dgm:pt>
+    <dgm:pt modelId="{DECA369B-7574-424B-8578-FF9276A495EE}">
+      <dgm:prSet/>
+      <dgm:spPr/>
+      <dgm:t>
+        <a:bodyPr/>
+        <a:lstStyle/>
+        <a:p>
+          <a:r>
+            <a:rPr lang="en-CA" dirty="0"/>
+            <a:t>Type</a:t>
+          </a:r>
+        </a:p>
+      </dgm:t>
+    </dgm:pt>
+    <dgm:pt modelId="{7EA6943F-ADCA-4D97-A425-09B5573E4AD6}" type="parTrans" cxnId="{01B8CF21-E7CF-4677-9A54-6FD2EE86EBE1}">
+      <dgm:prSet/>
+      <dgm:spPr/>
+      <dgm:t>
+        <a:bodyPr/>
+        <a:lstStyle/>
+        <a:p>
+          <a:endParaRPr lang="en-CA"/>
+        </a:p>
+      </dgm:t>
+    </dgm:pt>
+    <dgm:pt modelId="{6A29FEE5-FE4E-4A88-B09D-51A493400325}" type="sibTrans" cxnId="{01B8CF21-E7CF-4677-9A54-6FD2EE86EBE1}">
+      <dgm:prSet/>
+      <dgm:spPr/>
+      <dgm:t>
+        <a:bodyPr/>
+        <a:lstStyle/>
+        <a:p>
+          <a:endParaRPr lang="en-CA"/>
+        </a:p>
+      </dgm:t>
+    </dgm:pt>
+    <dgm:pt modelId="{B1AE302B-9D52-45BB-9C41-0BA7C16D8C4E}">
+      <dgm:prSet/>
+      <dgm:spPr/>
+      <dgm:t>
+        <a:bodyPr/>
+        <a:lstStyle/>
+        <a:p>
+          <a:r>
+            <a:rPr lang="en-CA" dirty="0"/>
+            <a:t>Id</a:t>
+          </a:r>
+        </a:p>
+      </dgm:t>
+    </dgm:pt>
+    <dgm:pt modelId="{1438702E-F5D7-47C4-B4E3-DD2A5F8B2007}" type="parTrans" cxnId="{8DCA3F56-DC1B-4370-A331-69342E7B4CD1}">
+      <dgm:prSet/>
+      <dgm:spPr/>
+      <dgm:t>
+        <a:bodyPr/>
+        <a:lstStyle/>
+        <a:p>
+          <a:endParaRPr lang="en-CA"/>
+        </a:p>
+      </dgm:t>
+    </dgm:pt>
+    <dgm:pt modelId="{4200F085-29C3-449D-BA63-BBC973F9F6D5}" type="sibTrans" cxnId="{8DCA3F56-DC1B-4370-A331-69342E7B4CD1}">
+      <dgm:prSet/>
+      <dgm:spPr/>
+      <dgm:t>
+        <a:bodyPr/>
+        <a:lstStyle/>
+        <a:p>
+          <a:endParaRPr lang="en-CA"/>
+        </a:p>
+      </dgm:t>
+    </dgm:pt>
+    <dgm:pt modelId="{CB10188F-3812-4628-B148-91F960395BBE}">
+      <dgm:prSet/>
+      <dgm:spPr/>
+      <dgm:t>
+        <a:bodyPr/>
+        <a:lstStyle/>
+        <a:p>
+          <a:r>
+            <a:rPr lang="en-CA" dirty="0"/>
+            <a:t>Renderer</a:t>
+          </a:r>
+        </a:p>
+      </dgm:t>
+    </dgm:pt>
+    <dgm:pt modelId="{540AA6E2-4CB3-494E-AAF0-BCCDEA6886AA}" type="parTrans" cxnId="{CEEEBACF-4F8D-4181-8DCF-A4C5FB9A64A1}">
+      <dgm:prSet/>
+      <dgm:spPr/>
+      <dgm:t>
+        <a:bodyPr/>
+        <a:lstStyle/>
+        <a:p>
+          <a:endParaRPr lang="en-CA"/>
+        </a:p>
+      </dgm:t>
+    </dgm:pt>
+    <dgm:pt modelId="{FA5BE26B-4F52-4C8C-8D5D-15B1CFDCBE26}" type="sibTrans" cxnId="{CEEEBACF-4F8D-4181-8DCF-A4C5FB9A64A1}">
+      <dgm:prSet/>
+      <dgm:spPr/>
+      <dgm:t>
+        <a:bodyPr/>
+        <a:lstStyle/>
+        <a:p>
+          <a:endParaRPr lang="en-CA"/>
+        </a:p>
+      </dgm:t>
+    </dgm:pt>
+    <dgm:pt modelId="{51E2ABE3-0367-456A-8039-350A34A61D43}">
+      <dgm:prSet/>
+      <dgm:spPr/>
+      <dgm:t>
+        <a:bodyPr/>
+        <a:lstStyle/>
+        <a:p>
+          <a:r>
+            <a:rPr lang="en-CA" dirty="0"/>
+            <a:t>Backends</a:t>
+          </a:r>
+        </a:p>
+      </dgm:t>
+    </dgm:pt>
+    <dgm:pt modelId="{3ED5C4D1-E15A-4DA3-85AD-F1AD719CFEAD}" type="parTrans" cxnId="{657B9EAB-F47D-4BC6-98C8-0085FAF57ADC}">
+      <dgm:prSet/>
+      <dgm:spPr/>
+      <dgm:t>
+        <a:bodyPr/>
+        <a:lstStyle/>
+        <a:p>
+          <a:endParaRPr lang="en-CA"/>
+        </a:p>
+      </dgm:t>
+    </dgm:pt>
+    <dgm:pt modelId="{070F2A37-8819-4897-9DFF-C15B1D977947}" type="sibTrans" cxnId="{657B9EAB-F47D-4BC6-98C8-0085FAF57ADC}">
+      <dgm:prSet/>
+      <dgm:spPr/>
+      <dgm:t>
+        <a:bodyPr/>
+        <a:lstStyle/>
+        <a:p>
+          <a:endParaRPr lang="en-CA"/>
+        </a:p>
+      </dgm:t>
+    </dgm:pt>
+    <dgm:pt modelId="{BD794559-B35B-470E-B5A0-E2CBAED17C63}">
+      <dgm:prSet/>
+      <dgm:spPr/>
+      <dgm:t>
+        <a:bodyPr/>
+        <a:lstStyle/>
+        <a:p>
+          <a:r>
+            <a:rPr lang="en-CA" dirty="0"/>
+            <a:t>Query</a:t>
+          </a:r>
+        </a:p>
+      </dgm:t>
+    </dgm:pt>
+    <dgm:pt modelId="{1349522C-FFD0-45CB-B827-5F4439D68BBB}" type="parTrans" cxnId="{E4AF7D42-D5D9-4D62-8D29-F006300AB253}">
+      <dgm:prSet/>
+      <dgm:spPr/>
+      <dgm:t>
+        <a:bodyPr/>
+        <a:lstStyle/>
+        <a:p>
+          <a:endParaRPr lang="en-CA"/>
+        </a:p>
+      </dgm:t>
+    </dgm:pt>
+    <dgm:pt modelId="{14ED8570-AD18-4E9B-9A4F-924E1D1FBC26}" type="sibTrans" cxnId="{E4AF7D42-D5D9-4D62-8D29-F006300AB253}">
+      <dgm:prSet/>
+      <dgm:spPr/>
+      <dgm:t>
+        <a:bodyPr/>
+        <a:lstStyle/>
+        <a:p>
+          <a:endParaRPr lang="en-CA"/>
+        </a:p>
+      </dgm:t>
+    </dgm:pt>
+    <dgm:pt modelId="{104453D1-1295-4267-8262-F5D775D8E339}">
+      <dgm:prSet/>
+      <dgm:spPr/>
+      <dgm:t>
+        <a:bodyPr/>
+        <a:lstStyle/>
+        <a:p>
+          <a:r>
+            <a:rPr lang="en-CA" dirty="0"/>
+            <a:t>Insert</a:t>
+          </a:r>
+        </a:p>
+      </dgm:t>
+    </dgm:pt>
+    <dgm:pt modelId="{2C381520-4106-4F46-8E18-0CEAFAAFE9E4}" type="parTrans" cxnId="{A10D6BE6-832A-4F37-A930-64A3951B1A9F}">
+      <dgm:prSet/>
+      <dgm:spPr/>
+      <dgm:t>
+        <a:bodyPr/>
+        <a:lstStyle/>
+        <a:p>
+          <a:endParaRPr lang="en-CA"/>
+        </a:p>
+      </dgm:t>
+    </dgm:pt>
+    <dgm:pt modelId="{ED4DA4F2-F1B1-453E-BF7F-280A811F384E}" type="sibTrans" cxnId="{A10D6BE6-832A-4F37-A930-64A3951B1A9F}">
+      <dgm:prSet/>
+      <dgm:spPr/>
+      <dgm:t>
+        <a:bodyPr/>
+        <a:lstStyle/>
+        <a:p>
+          <a:endParaRPr lang="en-CA"/>
+        </a:p>
+      </dgm:t>
+    </dgm:pt>
+    <dgm:pt modelId="{FF97DC89-E18B-4B16-BD96-6F811297FC3F}">
+      <dgm:prSet/>
+      <dgm:spPr/>
+      <dgm:t>
+        <a:bodyPr/>
+        <a:lstStyle/>
+        <a:p>
+          <a:r>
+            <a:rPr lang="en-CA" dirty="0"/>
+            <a:t>Auth</a:t>
+          </a:r>
+        </a:p>
+      </dgm:t>
+    </dgm:pt>
+    <dgm:pt modelId="{3AFEDAF9-E062-4F42-98DD-39EE4F39654F}" type="parTrans" cxnId="{50C1288D-5AF8-46E1-B9AD-7B549C213459}">
+      <dgm:prSet/>
+      <dgm:spPr/>
+      <dgm:t>
+        <a:bodyPr/>
+        <a:lstStyle/>
+        <a:p>
+          <a:endParaRPr lang="en-CA"/>
+        </a:p>
+      </dgm:t>
+    </dgm:pt>
+    <dgm:pt modelId="{51816FCD-7BD9-4840-893C-43CEFECC1B7B}" type="sibTrans" cxnId="{50C1288D-5AF8-46E1-B9AD-7B549C213459}">
+      <dgm:prSet/>
+      <dgm:spPr/>
+      <dgm:t>
+        <a:bodyPr/>
+        <a:lstStyle/>
+        <a:p>
+          <a:endParaRPr lang="en-CA"/>
+        </a:p>
+      </dgm:t>
+    </dgm:pt>
+    <dgm:pt modelId="{48FC1E3D-C1EE-4E43-BBE2-E1251EFD80A8}" type="pres">
+      <dgm:prSet presAssocID="{01EB78F3-F837-40FC-9209-8D868CBCC5A0}" presName="Name0" presStyleCnt="0">
+        <dgm:presLayoutVars>
+          <dgm:chPref val="1"/>
+          <dgm:dir/>
+          <dgm:animOne val="branch"/>
+          <dgm:animLvl val="lvl"/>
+          <dgm:resizeHandles/>
+        </dgm:presLayoutVars>
+      </dgm:prSet>
+      <dgm:spPr/>
+    </dgm:pt>
+    <dgm:pt modelId="{EC268BBC-D137-490C-BA80-BFE53D206BB8}" type="pres">
+      <dgm:prSet presAssocID="{E1AE4F12-7903-4ED7-9959-56ED94958BBB}" presName="vertOne" presStyleCnt="0"/>
+      <dgm:spPr/>
+    </dgm:pt>
+    <dgm:pt modelId="{5CDBD5CC-BBEE-494C-A265-91B1F5A30546}" type="pres">
+      <dgm:prSet presAssocID="{E1AE4F12-7903-4ED7-9959-56ED94958BBB}" presName="txOne" presStyleLbl="node0" presStyleIdx="0" presStyleCnt="1">
+        <dgm:presLayoutVars>
+          <dgm:chPref val="3"/>
+        </dgm:presLayoutVars>
+      </dgm:prSet>
+      <dgm:spPr/>
+    </dgm:pt>
+    <dgm:pt modelId="{E0ABF877-9AF0-41E6-B504-86A5D1F8FDD9}" type="pres">
+      <dgm:prSet presAssocID="{E1AE4F12-7903-4ED7-9959-56ED94958BBB}" presName="parTransOne" presStyleCnt="0"/>
+      <dgm:spPr/>
+    </dgm:pt>
+    <dgm:pt modelId="{96591FD8-E1B0-4904-A287-36EE6F6F11AE}" type="pres">
+      <dgm:prSet presAssocID="{E1AE4F12-7903-4ED7-9959-56ED94958BBB}" presName="horzOne" presStyleCnt="0"/>
+      <dgm:spPr/>
+    </dgm:pt>
+    <dgm:pt modelId="{F09B2C1C-1F1A-4E26-9BB3-CD33CCA1F188}" type="pres">
+      <dgm:prSet presAssocID="{F3099D2F-B059-4C0B-8E47-F90FBAE02498}" presName="vertTwo" presStyleCnt="0"/>
+      <dgm:spPr/>
+    </dgm:pt>
+    <dgm:pt modelId="{A8E1EE69-E482-4378-8D18-248439990216}" type="pres">
+      <dgm:prSet presAssocID="{F3099D2F-B059-4C0B-8E47-F90FBAE02498}" presName="txTwo" presStyleLbl="node2" presStyleIdx="0" presStyleCnt="2">
+        <dgm:presLayoutVars>
+          <dgm:chPref val="3"/>
+        </dgm:presLayoutVars>
+      </dgm:prSet>
+      <dgm:spPr/>
+    </dgm:pt>
+    <dgm:pt modelId="{2C9280D1-1F3C-49F4-8D4B-BFF2F53FF75E}" type="pres">
+      <dgm:prSet presAssocID="{F3099D2F-B059-4C0B-8E47-F90FBAE02498}" presName="parTransTwo" presStyleCnt="0"/>
+      <dgm:spPr/>
+    </dgm:pt>
+    <dgm:pt modelId="{78E43017-0695-4C66-98C7-B71F97BE0DEC}" type="pres">
+      <dgm:prSet presAssocID="{F3099D2F-B059-4C0B-8E47-F90FBAE02498}" presName="horzTwo" presStyleCnt="0"/>
+      <dgm:spPr/>
+    </dgm:pt>
+    <dgm:pt modelId="{99635F1D-154F-495B-9012-02A7CF015555}" type="pres">
+      <dgm:prSet presAssocID="{7875EC78-DDA1-4242-B056-DD20BC7DA495}" presName="vertThree" presStyleCnt="0"/>
+      <dgm:spPr/>
+    </dgm:pt>
+    <dgm:pt modelId="{0B57FBF0-B71B-4B17-88F5-9B2B0BB2BB91}" type="pres">
+      <dgm:prSet presAssocID="{7875EC78-DDA1-4242-B056-DD20BC7DA495}" presName="txThree" presStyleLbl="node3" presStyleIdx="0" presStyleCnt="3">
+        <dgm:presLayoutVars>
+          <dgm:chPref val="3"/>
+        </dgm:presLayoutVars>
+      </dgm:prSet>
+      <dgm:spPr/>
+    </dgm:pt>
+    <dgm:pt modelId="{6F846179-095C-416F-9DC7-241415AAF03D}" type="pres">
+      <dgm:prSet presAssocID="{7875EC78-DDA1-4242-B056-DD20BC7DA495}" presName="parTransThree" presStyleCnt="0"/>
+      <dgm:spPr/>
+    </dgm:pt>
+    <dgm:pt modelId="{90FB8512-A5F6-4160-8F4D-E1EB9088A573}" type="pres">
+      <dgm:prSet presAssocID="{7875EC78-DDA1-4242-B056-DD20BC7DA495}" presName="horzThree" presStyleCnt="0"/>
+      <dgm:spPr/>
+    </dgm:pt>
+    <dgm:pt modelId="{6D16125C-A6FC-4577-8D63-75C09BBBBC1F}" type="pres">
+      <dgm:prSet presAssocID="{103B5C67-5769-4B64-9B8A-88755C0E57BE}" presName="vertFour" presStyleCnt="0">
+        <dgm:presLayoutVars>
+          <dgm:chPref val="3"/>
+        </dgm:presLayoutVars>
+      </dgm:prSet>
+      <dgm:spPr/>
+    </dgm:pt>
+    <dgm:pt modelId="{BFC4EF0D-09DA-495A-9787-DA7EB04217B2}" type="pres">
+      <dgm:prSet presAssocID="{103B5C67-5769-4B64-9B8A-88755C0E57BE}" presName="txFour" presStyleLbl="node4" presStyleIdx="0" presStyleCnt="16">
+        <dgm:presLayoutVars>
+          <dgm:chPref val="3"/>
+        </dgm:presLayoutVars>
+      </dgm:prSet>
+      <dgm:spPr/>
+    </dgm:pt>
+    <dgm:pt modelId="{E1C75A29-3CD8-4449-AA35-3DAFB7C949B9}" type="pres">
+      <dgm:prSet presAssocID="{103B5C67-5769-4B64-9B8A-88755C0E57BE}" presName="parTransFour" presStyleCnt="0"/>
+      <dgm:spPr/>
+    </dgm:pt>
+    <dgm:pt modelId="{540A6BDE-A16D-403F-B905-0A1F0DB61929}" type="pres">
+      <dgm:prSet presAssocID="{103B5C67-5769-4B64-9B8A-88755C0E57BE}" presName="horzFour" presStyleCnt="0"/>
+      <dgm:spPr/>
+    </dgm:pt>
+    <dgm:pt modelId="{EB421382-200A-4FD7-8919-643CBF90F826}" type="pres">
+      <dgm:prSet presAssocID="{CB10188F-3812-4628-B148-91F960395BBE}" presName="vertFour" presStyleCnt="0">
+        <dgm:presLayoutVars>
+          <dgm:chPref val="3"/>
+        </dgm:presLayoutVars>
+      </dgm:prSet>
+      <dgm:spPr/>
+    </dgm:pt>
+    <dgm:pt modelId="{7E7BCC8A-EC48-475B-8C31-24A8A2BF36B5}" type="pres">
+      <dgm:prSet presAssocID="{CB10188F-3812-4628-B148-91F960395BBE}" presName="txFour" presStyleLbl="node4" presStyleIdx="1" presStyleCnt="16">
+        <dgm:presLayoutVars>
+          <dgm:chPref val="3"/>
+        </dgm:presLayoutVars>
+      </dgm:prSet>
+      <dgm:spPr/>
+    </dgm:pt>
+    <dgm:pt modelId="{EF28E62B-BB20-406D-828C-83C4DADF2378}" type="pres">
+      <dgm:prSet presAssocID="{CB10188F-3812-4628-B148-91F960395BBE}" presName="horzFour" presStyleCnt="0"/>
+      <dgm:spPr/>
+    </dgm:pt>
+    <dgm:pt modelId="{ECEB7871-6CE2-4851-86E6-2C8648475288}" type="pres">
+      <dgm:prSet presAssocID="{FA5BE26B-4F52-4C8C-8D5D-15B1CFDCBE26}" presName="sibSpaceFour" presStyleCnt="0"/>
+      <dgm:spPr/>
+    </dgm:pt>
+    <dgm:pt modelId="{3AB0F7F1-5594-478C-9D5C-93566473D9EE}" type="pres">
+      <dgm:prSet presAssocID="{51E2ABE3-0367-456A-8039-350A34A61D43}" presName="vertFour" presStyleCnt="0">
+        <dgm:presLayoutVars>
+          <dgm:chPref val="3"/>
+        </dgm:presLayoutVars>
+      </dgm:prSet>
+      <dgm:spPr/>
+    </dgm:pt>
+    <dgm:pt modelId="{1312E21E-C51F-43A9-8859-6BAE8DF740A6}" type="pres">
+      <dgm:prSet presAssocID="{51E2ABE3-0367-456A-8039-350A34A61D43}" presName="txFour" presStyleLbl="node4" presStyleIdx="2" presStyleCnt="16">
+        <dgm:presLayoutVars>
+          <dgm:chPref val="3"/>
+        </dgm:presLayoutVars>
+      </dgm:prSet>
+      <dgm:spPr/>
+    </dgm:pt>
+    <dgm:pt modelId="{8FD33939-5630-4780-9EE8-45B2466AD84B}" type="pres">
+      <dgm:prSet presAssocID="{51E2ABE3-0367-456A-8039-350A34A61D43}" presName="horzFour" presStyleCnt="0"/>
+      <dgm:spPr/>
+    </dgm:pt>
+    <dgm:pt modelId="{46614683-156A-4EA5-8334-0349902CA4B0}" type="pres">
+      <dgm:prSet presAssocID="{43B5CFA3-3065-4571-B977-A8DA97D69216}" presName="sibSpaceFour" presStyleCnt="0"/>
+      <dgm:spPr/>
+    </dgm:pt>
+    <dgm:pt modelId="{5960441E-A009-470E-851B-EFA25551CC64}" type="pres">
+      <dgm:prSet presAssocID="{6D028865-BCB0-4E7A-93AF-2BDB264C4F33}" presName="vertFour" presStyleCnt="0">
+        <dgm:presLayoutVars>
+          <dgm:chPref val="3"/>
+        </dgm:presLayoutVars>
+      </dgm:prSet>
+      <dgm:spPr/>
+    </dgm:pt>
+    <dgm:pt modelId="{294D56EF-7F8A-4C35-85EC-B1D4E3542B9F}" type="pres">
+      <dgm:prSet presAssocID="{6D028865-BCB0-4E7A-93AF-2BDB264C4F33}" presName="txFour" presStyleLbl="node4" presStyleIdx="3" presStyleCnt="16">
+        <dgm:presLayoutVars>
+          <dgm:chPref val="3"/>
+        </dgm:presLayoutVars>
+      </dgm:prSet>
+      <dgm:spPr/>
+    </dgm:pt>
+    <dgm:pt modelId="{AB173085-295A-41AE-B62D-6AB58CB9860A}" type="pres">
+      <dgm:prSet presAssocID="{6D028865-BCB0-4E7A-93AF-2BDB264C4F33}" presName="parTransFour" presStyleCnt="0"/>
+      <dgm:spPr/>
+    </dgm:pt>
+    <dgm:pt modelId="{D5379464-7943-420E-AEC9-F405DE12A078}" type="pres">
+      <dgm:prSet presAssocID="{6D028865-BCB0-4E7A-93AF-2BDB264C4F33}" presName="horzFour" presStyleCnt="0"/>
+      <dgm:spPr/>
+    </dgm:pt>
+    <dgm:pt modelId="{BA3D0A92-968D-4835-8F84-8DE1E3D516BB}" type="pres">
+      <dgm:prSet presAssocID="{BD794559-B35B-470E-B5A0-E2CBAED17C63}" presName="vertFour" presStyleCnt="0">
+        <dgm:presLayoutVars>
+          <dgm:chPref val="3"/>
+        </dgm:presLayoutVars>
+      </dgm:prSet>
+      <dgm:spPr/>
+    </dgm:pt>
+    <dgm:pt modelId="{228B4967-D4A5-4A12-94D2-A415C9D67437}" type="pres">
+      <dgm:prSet presAssocID="{BD794559-B35B-470E-B5A0-E2CBAED17C63}" presName="txFour" presStyleLbl="node4" presStyleIdx="4" presStyleCnt="16">
+        <dgm:presLayoutVars>
+          <dgm:chPref val="3"/>
+        </dgm:presLayoutVars>
+      </dgm:prSet>
+      <dgm:spPr/>
+    </dgm:pt>
+    <dgm:pt modelId="{2E43ABDF-4A54-427C-95F7-E993AF89EDF9}" type="pres">
+      <dgm:prSet presAssocID="{BD794559-B35B-470E-B5A0-E2CBAED17C63}" presName="horzFour" presStyleCnt="0"/>
+      <dgm:spPr/>
+    </dgm:pt>
+    <dgm:pt modelId="{2A4711C0-347E-45BC-9AB1-24F3F96BEADC}" type="pres">
+      <dgm:prSet presAssocID="{14ED8570-AD18-4E9B-9A4F-924E1D1FBC26}" presName="sibSpaceFour" presStyleCnt="0"/>
+      <dgm:spPr/>
+    </dgm:pt>
+    <dgm:pt modelId="{18EFCF6A-AC8B-4BFA-940E-C9438D3FCC76}" type="pres">
+      <dgm:prSet presAssocID="{104453D1-1295-4267-8262-F5D775D8E339}" presName="vertFour" presStyleCnt="0">
+        <dgm:presLayoutVars>
+          <dgm:chPref val="3"/>
+        </dgm:presLayoutVars>
+      </dgm:prSet>
+      <dgm:spPr/>
+    </dgm:pt>
+    <dgm:pt modelId="{3023CF67-C09B-40CA-9A5E-F8A2BFB570A1}" type="pres">
+      <dgm:prSet presAssocID="{104453D1-1295-4267-8262-F5D775D8E339}" presName="txFour" presStyleLbl="node4" presStyleIdx="5" presStyleCnt="16">
+        <dgm:presLayoutVars>
+          <dgm:chPref val="3"/>
+        </dgm:presLayoutVars>
+      </dgm:prSet>
+      <dgm:spPr/>
+    </dgm:pt>
+    <dgm:pt modelId="{3E5EFB50-413D-4727-B3CE-1973A8521195}" type="pres">
+      <dgm:prSet presAssocID="{104453D1-1295-4267-8262-F5D775D8E339}" presName="parTransFour" presStyleCnt="0"/>
+      <dgm:spPr/>
+    </dgm:pt>
+    <dgm:pt modelId="{F6BE862F-A8F4-4B6B-805E-3E8611EEC423}" type="pres">
+      <dgm:prSet presAssocID="{104453D1-1295-4267-8262-F5D775D8E339}" presName="horzFour" presStyleCnt="0"/>
+      <dgm:spPr/>
+    </dgm:pt>
+    <dgm:pt modelId="{B422E89D-DA9C-4E45-B1A4-CA557854B95F}" type="pres">
+      <dgm:prSet presAssocID="{FF97DC89-E18B-4B16-BD96-6F811297FC3F}" presName="vertFour" presStyleCnt="0">
+        <dgm:presLayoutVars>
+          <dgm:chPref val="3"/>
+        </dgm:presLayoutVars>
+      </dgm:prSet>
+      <dgm:spPr/>
+    </dgm:pt>
+    <dgm:pt modelId="{E0260C5C-7665-4825-BC2F-2344B6D18DB6}" type="pres">
+      <dgm:prSet presAssocID="{FF97DC89-E18B-4B16-BD96-6F811297FC3F}" presName="txFour" presStyleLbl="node4" presStyleIdx="6" presStyleCnt="16">
+        <dgm:presLayoutVars>
+          <dgm:chPref val="3"/>
+        </dgm:presLayoutVars>
+      </dgm:prSet>
+      <dgm:spPr/>
+    </dgm:pt>
+    <dgm:pt modelId="{399F2FBA-5D24-4404-8B87-54B8F2A33B45}" type="pres">
+      <dgm:prSet presAssocID="{FF97DC89-E18B-4B16-BD96-6F811297FC3F}" presName="horzFour" presStyleCnt="0"/>
+      <dgm:spPr/>
+    </dgm:pt>
+    <dgm:pt modelId="{540829E6-F217-4991-AB7B-E5A11199993B}" type="pres">
+      <dgm:prSet presAssocID="{6E2EC396-4BAA-408D-93A6-40851B3BD8D9}" presName="sibSpaceTwo" presStyleCnt="0"/>
+      <dgm:spPr/>
+    </dgm:pt>
+    <dgm:pt modelId="{0A8B55AB-A905-47C8-849E-6F2F28B1D148}" type="pres">
+      <dgm:prSet presAssocID="{45CAC9DA-1648-4C77-9733-33E8921F5147}" presName="vertTwo" presStyleCnt="0"/>
+      <dgm:spPr/>
+    </dgm:pt>
+    <dgm:pt modelId="{1AE071D1-255D-4BD3-AB8A-B7DF0A94956A}" type="pres">
+      <dgm:prSet presAssocID="{45CAC9DA-1648-4C77-9733-33E8921F5147}" presName="txTwo" presStyleLbl="node2" presStyleIdx="1" presStyleCnt="2">
+        <dgm:presLayoutVars>
+          <dgm:chPref val="3"/>
+        </dgm:presLayoutVars>
+      </dgm:prSet>
+      <dgm:spPr/>
+    </dgm:pt>
+    <dgm:pt modelId="{E1E381E1-4C4A-44CE-821D-82A65B8A5CF5}" type="pres">
+      <dgm:prSet presAssocID="{45CAC9DA-1648-4C77-9733-33E8921F5147}" presName="parTransTwo" presStyleCnt="0"/>
+      <dgm:spPr/>
+    </dgm:pt>
+    <dgm:pt modelId="{E755B866-5DDC-4AA7-89A8-68DC502C85EC}" type="pres">
+      <dgm:prSet presAssocID="{45CAC9DA-1648-4C77-9733-33E8921F5147}" presName="horzTwo" presStyleCnt="0"/>
+      <dgm:spPr/>
+    </dgm:pt>
+    <dgm:pt modelId="{56B52693-43EC-4680-81A6-FA61C47E7907}" type="pres">
+      <dgm:prSet presAssocID="{EE0178A6-0588-4EAA-AD3F-C191F748BDCE}" presName="vertThree" presStyleCnt="0"/>
+      <dgm:spPr/>
+    </dgm:pt>
+    <dgm:pt modelId="{DE03D175-2520-4931-AB87-8A63FAC52B8C}" type="pres">
+      <dgm:prSet presAssocID="{EE0178A6-0588-4EAA-AD3F-C191F748BDCE}" presName="txThree" presStyleLbl="node3" presStyleIdx="1" presStyleCnt="3">
+        <dgm:presLayoutVars>
+          <dgm:chPref val="3"/>
+        </dgm:presLayoutVars>
+      </dgm:prSet>
+      <dgm:spPr/>
+    </dgm:pt>
+    <dgm:pt modelId="{ACD36FE1-A5F8-452F-8174-4AF7F51AD632}" type="pres">
+      <dgm:prSet presAssocID="{EE0178A6-0588-4EAA-AD3F-C191F748BDCE}" presName="parTransThree" presStyleCnt="0"/>
+      <dgm:spPr/>
+    </dgm:pt>
+    <dgm:pt modelId="{3CDAFAF4-E6E3-4435-B833-F101D630B600}" type="pres">
+      <dgm:prSet presAssocID="{EE0178A6-0588-4EAA-AD3F-C191F748BDCE}" presName="horzThree" presStyleCnt="0"/>
+      <dgm:spPr/>
+    </dgm:pt>
+    <dgm:pt modelId="{FF07AD6E-BDF7-49B8-9FA5-C91E933F45A3}" type="pres">
+      <dgm:prSet presAssocID="{2041A6F2-8C50-46C3-97C3-7CA5D80A3C67}" presName="vertFour" presStyleCnt="0">
+        <dgm:presLayoutVars>
+          <dgm:chPref val="3"/>
+        </dgm:presLayoutVars>
+      </dgm:prSet>
+      <dgm:spPr/>
+    </dgm:pt>
+    <dgm:pt modelId="{90FBE481-AE80-40B4-A193-AFDE5AFC368B}" type="pres">
+      <dgm:prSet presAssocID="{2041A6F2-8C50-46C3-97C3-7CA5D80A3C67}" presName="txFour" presStyleLbl="node4" presStyleIdx="7" presStyleCnt="16">
+        <dgm:presLayoutVars>
+          <dgm:chPref val="3"/>
+        </dgm:presLayoutVars>
+      </dgm:prSet>
+      <dgm:spPr/>
+    </dgm:pt>
+    <dgm:pt modelId="{A69844FB-E416-47F9-B5AA-70FB3CEFF370}" type="pres">
+      <dgm:prSet presAssocID="{2041A6F2-8C50-46C3-97C3-7CA5D80A3C67}" presName="horzFour" presStyleCnt="0"/>
+      <dgm:spPr/>
+    </dgm:pt>
+    <dgm:pt modelId="{8FFA3AE4-7300-4B77-9ED2-86F02AFBA6FE}" type="pres">
+      <dgm:prSet presAssocID="{8D4A8F52-1C31-44DF-B233-55A1D5D3BB15}" presName="sibSpaceFour" presStyleCnt="0"/>
+      <dgm:spPr/>
+    </dgm:pt>
+    <dgm:pt modelId="{A6856FC3-14CA-4D4E-B846-FCB8F678EACD}" type="pres">
+      <dgm:prSet presAssocID="{69AE7D62-ACCD-48DA-A6B2-A74CCCF813EC}" presName="vertFour" presStyleCnt="0">
+        <dgm:presLayoutVars>
+          <dgm:chPref val="3"/>
+        </dgm:presLayoutVars>
+      </dgm:prSet>
+      <dgm:spPr/>
+    </dgm:pt>
+    <dgm:pt modelId="{085E794F-3DD5-4CF2-9FE8-EAA916B62D4B}" type="pres">
+      <dgm:prSet presAssocID="{69AE7D62-ACCD-48DA-A6B2-A74CCCF813EC}" presName="txFour" presStyleLbl="node4" presStyleIdx="8" presStyleCnt="16">
+        <dgm:presLayoutVars>
+          <dgm:chPref val="3"/>
+        </dgm:presLayoutVars>
+      </dgm:prSet>
+      <dgm:spPr/>
+    </dgm:pt>
+    <dgm:pt modelId="{33549404-82FF-4DB0-9320-BD3B0ECEFA5E}" type="pres">
+      <dgm:prSet presAssocID="{69AE7D62-ACCD-48DA-A6B2-A74CCCF813EC}" presName="horzFour" presStyleCnt="0"/>
+      <dgm:spPr/>
+    </dgm:pt>
+    <dgm:pt modelId="{1F99FC54-54ED-47D3-A060-C97AE29A095F}" type="pres">
+      <dgm:prSet presAssocID="{8D09F842-4915-4B72-BCA5-54363D4C8C13}" presName="sibSpaceThree" presStyleCnt="0"/>
+      <dgm:spPr/>
+    </dgm:pt>
+    <dgm:pt modelId="{F551F0E7-6FC7-4216-838C-1786FABBA98C}" type="pres">
+      <dgm:prSet presAssocID="{B1EB2459-C45D-435E-B346-AE79E8A19ABF}" presName="vertThree" presStyleCnt="0"/>
+      <dgm:spPr/>
+    </dgm:pt>
+    <dgm:pt modelId="{2B7725D3-092F-4DEC-A8C0-4ADDA56A36FE}" type="pres">
+      <dgm:prSet presAssocID="{B1EB2459-C45D-435E-B346-AE79E8A19ABF}" presName="txThree" presStyleLbl="node3" presStyleIdx="2" presStyleCnt="3">
+        <dgm:presLayoutVars>
+          <dgm:chPref val="3"/>
+        </dgm:presLayoutVars>
+      </dgm:prSet>
+      <dgm:spPr/>
+    </dgm:pt>
+    <dgm:pt modelId="{1872A17B-E07C-4522-A1C0-798946E847DA}" type="pres">
+      <dgm:prSet presAssocID="{B1EB2459-C45D-435E-B346-AE79E8A19ABF}" presName="parTransThree" presStyleCnt="0"/>
+      <dgm:spPr/>
+    </dgm:pt>
+    <dgm:pt modelId="{32CAF638-EE6C-44E0-8440-BAD62C592ED9}" type="pres">
+      <dgm:prSet presAssocID="{B1EB2459-C45D-435E-B346-AE79E8A19ABF}" presName="horzThree" presStyleCnt="0"/>
+      <dgm:spPr/>
+    </dgm:pt>
+    <dgm:pt modelId="{951785E0-C4E6-4924-8A72-605E3E6276B8}" type="pres">
+      <dgm:prSet presAssocID="{DB02BD50-86B4-4F8B-92BE-9F47B1B4CCC4}" presName="vertFour" presStyleCnt="0">
+        <dgm:presLayoutVars>
+          <dgm:chPref val="3"/>
+        </dgm:presLayoutVars>
+      </dgm:prSet>
+      <dgm:spPr/>
+    </dgm:pt>
+    <dgm:pt modelId="{7772B651-64FD-4D4A-976B-4A48B0793D9D}" type="pres">
+      <dgm:prSet presAssocID="{DB02BD50-86B4-4F8B-92BE-9F47B1B4CCC4}" presName="txFour" presStyleLbl="node4" presStyleIdx="9" presStyleCnt="16">
+        <dgm:presLayoutVars>
+          <dgm:chPref val="3"/>
+        </dgm:presLayoutVars>
+      </dgm:prSet>
+      <dgm:spPr/>
+    </dgm:pt>
+    <dgm:pt modelId="{D6EBA058-D172-4D97-8CF7-A6866CC34D76}" type="pres">
+      <dgm:prSet presAssocID="{DB02BD50-86B4-4F8B-92BE-9F47B1B4CCC4}" presName="parTransFour" presStyleCnt="0"/>
+      <dgm:spPr/>
+    </dgm:pt>
+    <dgm:pt modelId="{AC0AC0B3-E15C-422B-9D43-6BAC6C58DF4D}" type="pres">
+      <dgm:prSet presAssocID="{DB02BD50-86B4-4F8B-92BE-9F47B1B4CCC4}" presName="horzFour" presStyleCnt="0"/>
+      <dgm:spPr/>
+    </dgm:pt>
+    <dgm:pt modelId="{B9A8176B-B4F4-4EAD-866C-CA34E4FA0298}" type="pres">
+      <dgm:prSet presAssocID="{899C0D4A-6827-435D-A58B-8447563A96BB}" presName="vertFour" presStyleCnt="0">
+        <dgm:presLayoutVars>
+          <dgm:chPref val="3"/>
+        </dgm:presLayoutVars>
+      </dgm:prSet>
+      <dgm:spPr/>
+    </dgm:pt>
+    <dgm:pt modelId="{0727A0E0-F6BB-4693-940F-C10444E21E86}" type="pres">
+      <dgm:prSet presAssocID="{899C0D4A-6827-435D-A58B-8447563A96BB}" presName="txFour" presStyleLbl="node4" presStyleIdx="10" presStyleCnt="16">
+        <dgm:presLayoutVars>
+          <dgm:chPref val="3"/>
+        </dgm:presLayoutVars>
+      </dgm:prSet>
+      <dgm:spPr/>
+    </dgm:pt>
+    <dgm:pt modelId="{488E12C4-BEF5-4457-836B-7011F4C88D49}" type="pres">
+      <dgm:prSet presAssocID="{899C0D4A-6827-435D-A58B-8447563A96BB}" presName="horzFour" presStyleCnt="0"/>
+      <dgm:spPr/>
+    </dgm:pt>
+    <dgm:pt modelId="{63102460-F3CC-4A73-A999-4090122ED959}" type="pres">
+      <dgm:prSet presAssocID="{BFE0B8AF-E94D-43BD-A823-D4D5DF8C690C}" presName="sibSpaceFour" presStyleCnt="0"/>
+      <dgm:spPr/>
+    </dgm:pt>
+    <dgm:pt modelId="{9B43CFD9-1F00-4F9D-AA2C-20AAC07E0DF7}" type="pres">
+      <dgm:prSet presAssocID="{5F2A41A1-8102-4F1D-A00B-19A9A4405F98}" presName="vertFour" presStyleCnt="0">
+        <dgm:presLayoutVars>
+          <dgm:chPref val="3"/>
+        </dgm:presLayoutVars>
+      </dgm:prSet>
+      <dgm:spPr/>
+    </dgm:pt>
+    <dgm:pt modelId="{77E23EFD-4899-43AD-A4A1-EDB499D0109B}" type="pres">
+      <dgm:prSet presAssocID="{5F2A41A1-8102-4F1D-A00B-19A9A4405F98}" presName="txFour" presStyleLbl="node4" presStyleIdx="11" presStyleCnt="16">
+        <dgm:presLayoutVars>
+          <dgm:chPref val="3"/>
+        </dgm:presLayoutVars>
+      </dgm:prSet>
+      <dgm:spPr/>
+    </dgm:pt>
+    <dgm:pt modelId="{89500F1D-7014-4EC8-B7DA-D3172F6E81D9}" type="pres">
+      <dgm:prSet presAssocID="{5F2A41A1-8102-4F1D-A00B-19A9A4405F98}" presName="horzFour" presStyleCnt="0"/>
+      <dgm:spPr/>
+    </dgm:pt>
+    <dgm:pt modelId="{5B73AF9B-B1BC-47DD-89F8-A06E41DB2FFA}" type="pres">
+      <dgm:prSet presAssocID="{BE9082FC-15AC-4FB8-A0BF-BECB0CBFC17B}" presName="sibSpaceFour" presStyleCnt="0"/>
+      <dgm:spPr/>
+    </dgm:pt>
+    <dgm:pt modelId="{52936A5B-E308-414A-A8A0-AD183B8A3396}" type="pres">
+      <dgm:prSet presAssocID="{209C3117-6081-4ACE-913A-3A1BE87D68F2}" presName="vertFour" presStyleCnt="0">
+        <dgm:presLayoutVars>
+          <dgm:chPref val="3"/>
+        </dgm:presLayoutVars>
+      </dgm:prSet>
+      <dgm:spPr/>
+    </dgm:pt>
+    <dgm:pt modelId="{C409283E-F977-427C-9B48-9CBE876DC6F8}" type="pres">
+      <dgm:prSet presAssocID="{209C3117-6081-4ACE-913A-3A1BE87D68F2}" presName="txFour" presStyleLbl="node4" presStyleIdx="12" presStyleCnt="16">
+        <dgm:presLayoutVars>
+          <dgm:chPref val="3"/>
+        </dgm:presLayoutVars>
+      </dgm:prSet>
+      <dgm:spPr/>
+    </dgm:pt>
+    <dgm:pt modelId="{B3BEF069-B206-4616-9D5B-471DE4E36C5F}" type="pres">
+      <dgm:prSet presAssocID="{209C3117-6081-4ACE-913A-3A1BE87D68F2}" presName="horzFour" presStyleCnt="0"/>
+      <dgm:spPr/>
+    </dgm:pt>
+    <dgm:pt modelId="{F68E57B9-EBC1-4AF6-A46D-3B5B3EA40C5D}" type="pres">
+      <dgm:prSet presAssocID="{13E943D6-1829-46EF-BF1A-87A73BE25571}" presName="sibSpaceFour" presStyleCnt="0"/>
+      <dgm:spPr/>
+    </dgm:pt>
+    <dgm:pt modelId="{08BAAAA1-8C38-4C34-A063-924F2114922C}" type="pres">
+      <dgm:prSet presAssocID="{290324FB-A52B-4697-B967-FC29C89F11DD}" presName="vertFour" presStyleCnt="0">
+        <dgm:presLayoutVars>
+          <dgm:chPref val="3"/>
+        </dgm:presLayoutVars>
+      </dgm:prSet>
+      <dgm:spPr/>
+    </dgm:pt>
+    <dgm:pt modelId="{98A1115A-1392-4241-A180-9A1D6661EC74}" type="pres">
+      <dgm:prSet presAssocID="{290324FB-A52B-4697-B967-FC29C89F11DD}" presName="txFour" presStyleLbl="node4" presStyleIdx="13" presStyleCnt="16">
+        <dgm:presLayoutVars>
+          <dgm:chPref val="3"/>
+        </dgm:presLayoutVars>
+      </dgm:prSet>
+      <dgm:spPr/>
+    </dgm:pt>
+    <dgm:pt modelId="{97910182-6C5A-4BD8-AE0C-1B401E238E43}" type="pres">
+      <dgm:prSet presAssocID="{290324FB-A52B-4697-B967-FC29C89F11DD}" presName="parTransFour" presStyleCnt="0"/>
+      <dgm:spPr/>
+    </dgm:pt>
+    <dgm:pt modelId="{0000628D-8A2D-48D7-9085-70D1F728F4C4}" type="pres">
+      <dgm:prSet presAssocID="{290324FB-A52B-4697-B967-FC29C89F11DD}" presName="horzFour" presStyleCnt="0"/>
+      <dgm:spPr/>
+    </dgm:pt>
+    <dgm:pt modelId="{5991BB0C-62B6-4D31-88BA-6F4925C7BB9D}" type="pres">
+      <dgm:prSet presAssocID="{DECA369B-7574-424B-8578-FF9276A495EE}" presName="vertFour" presStyleCnt="0">
+        <dgm:presLayoutVars>
+          <dgm:chPref val="3"/>
+        </dgm:presLayoutVars>
+      </dgm:prSet>
+      <dgm:spPr/>
+    </dgm:pt>
+    <dgm:pt modelId="{17972C47-19AA-4DE5-8DEF-BDCE223EE24D}" type="pres">
+      <dgm:prSet presAssocID="{DECA369B-7574-424B-8578-FF9276A495EE}" presName="txFour" presStyleLbl="node4" presStyleIdx="14" presStyleCnt="16">
+        <dgm:presLayoutVars>
+          <dgm:chPref val="3"/>
+        </dgm:presLayoutVars>
+      </dgm:prSet>
+      <dgm:spPr/>
+    </dgm:pt>
+    <dgm:pt modelId="{B82F6A44-5BB9-4EF1-8528-D0A350C6C2CA}" type="pres">
+      <dgm:prSet presAssocID="{DECA369B-7574-424B-8578-FF9276A495EE}" presName="horzFour" presStyleCnt="0"/>
+      <dgm:spPr/>
+    </dgm:pt>
+    <dgm:pt modelId="{39C33267-525E-49D4-B804-B3C6AEBFD473}" type="pres">
+      <dgm:prSet presAssocID="{6A29FEE5-FE4E-4A88-B09D-51A493400325}" presName="sibSpaceFour" presStyleCnt="0"/>
+      <dgm:spPr/>
+    </dgm:pt>
+    <dgm:pt modelId="{2A7F61A1-A4F5-4A97-97F3-F8324002EF0E}" type="pres">
+      <dgm:prSet presAssocID="{B1AE302B-9D52-45BB-9C41-0BA7C16D8C4E}" presName="vertFour" presStyleCnt="0">
+        <dgm:presLayoutVars>
+          <dgm:chPref val="3"/>
+        </dgm:presLayoutVars>
+      </dgm:prSet>
+      <dgm:spPr/>
+    </dgm:pt>
+    <dgm:pt modelId="{43F27BF5-86E5-4ACF-80D4-0D27A19D036D}" type="pres">
+      <dgm:prSet presAssocID="{B1AE302B-9D52-45BB-9C41-0BA7C16D8C4E}" presName="txFour" presStyleLbl="node4" presStyleIdx="15" presStyleCnt="16">
+        <dgm:presLayoutVars>
+          <dgm:chPref val="3"/>
+        </dgm:presLayoutVars>
+      </dgm:prSet>
+      <dgm:spPr/>
+    </dgm:pt>
+    <dgm:pt modelId="{9B3E6643-D5BB-488E-B175-E0EEC6C0CC7D}" type="pres">
+      <dgm:prSet presAssocID="{B1AE302B-9D52-45BB-9C41-0BA7C16D8C4E}" presName="horzFour" presStyleCnt="0"/>
+      <dgm:spPr/>
+    </dgm:pt>
+  </dgm:ptLst>
+  <dgm:cxnLst>
+    <dgm:cxn modelId="{F69C3619-82C2-4639-B1DE-82992D7F265F}" type="presOf" srcId="{5F2A41A1-8102-4F1D-A00B-19A9A4405F98}" destId="{77E23EFD-4899-43AD-A4A1-EDB499D0109B}" srcOrd="0" destOrd="0" presId="urn:microsoft.com/office/officeart/2005/8/layout/architecture"/>
+    <dgm:cxn modelId="{78CDF41C-D06A-4E65-9BBA-384C69C6BE25}" srcId="{EE0178A6-0588-4EAA-AD3F-C191F748BDCE}" destId="{2041A6F2-8C50-46C3-97C3-7CA5D80A3C67}" srcOrd="0" destOrd="0" parTransId="{0265D424-AC7C-4251-99B2-B6655C5657E1}" sibTransId="{8D4A8F52-1C31-44DF-B233-55A1D5D3BB15}"/>
+    <dgm:cxn modelId="{BB690A1D-F7EE-4AA6-AE0B-06613F49B578}" type="presOf" srcId="{FF97DC89-E18B-4B16-BD96-6F811297FC3F}" destId="{E0260C5C-7665-4825-BC2F-2344B6D18DB6}" srcOrd="0" destOrd="0" presId="urn:microsoft.com/office/officeart/2005/8/layout/architecture"/>
+    <dgm:cxn modelId="{BAB01620-A505-4F8E-9B70-67AA66154E8C}" srcId="{7875EC78-DDA1-4242-B056-DD20BC7DA495}" destId="{103B5C67-5769-4B64-9B8A-88755C0E57BE}" srcOrd="0" destOrd="0" parTransId="{94ADE186-AAA5-4598-8316-D28D95C0F877}" sibTransId="{43B5CFA3-3065-4571-B977-A8DA97D69216}"/>
+    <dgm:cxn modelId="{01B8CF21-E7CF-4677-9A54-6FD2EE86EBE1}" srcId="{290324FB-A52B-4697-B967-FC29C89F11DD}" destId="{DECA369B-7574-424B-8578-FF9276A495EE}" srcOrd="0" destOrd="0" parTransId="{7EA6943F-ADCA-4D97-A425-09B5573E4AD6}" sibTransId="{6A29FEE5-FE4E-4A88-B09D-51A493400325}"/>
+    <dgm:cxn modelId="{1F0EA324-0A27-4E2D-B804-D0FC51D0A4DB}" type="presOf" srcId="{01EB78F3-F837-40FC-9209-8D868CBCC5A0}" destId="{48FC1E3D-C1EE-4E43-BBE2-E1251EFD80A8}" srcOrd="0" destOrd="0" presId="urn:microsoft.com/office/officeart/2005/8/layout/architecture"/>
+    <dgm:cxn modelId="{EC9BE62F-9B34-41B6-83B4-A0321D36F373}" srcId="{DB02BD50-86B4-4F8B-92BE-9F47B1B4CCC4}" destId="{5F2A41A1-8102-4F1D-A00B-19A9A4405F98}" srcOrd="1" destOrd="0" parTransId="{7356EA14-F76B-4F7A-B5ED-E97F292AA73B}" sibTransId="{D877CFFD-2A48-4764-BB58-0AF62942E8FA}"/>
+    <dgm:cxn modelId="{02704A34-23CF-43C2-81E6-05B722ECD9D9}" type="presOf" srcId="{E1AE4F12-7903-4ED7-9959-56ED94958BBB}" destId="{5CDBD5CC-BBEE-494C-A265-91B1F5A30546}" srcOrd="0" destOrd="0" presId="urn:microsoft.com/office/officeart/2005/8/layout/architecture"/>
+    <dgm:cxn modelId="{E4AF7D42-D5D9-4D62-8D29-F006300AB253}" srcId="{6D028865-BCB0-4E7A-93AF-2BDB264C4F33}" destId="{BD794559-B35B-470E-B5A0-E2CBAED17C63}" srcOrd="0" destOrd="0" parTransId="{1349522C-FFD0-45CB-B827-5F4439D68BBB}" sibTransId="{14ED8570-AD18-4E9B-9A4F-924E1D1FBC26}"/>
+    <dgm:cxn modelId="{DFFA4743-AE5E-410C-A44B-B2954E3EA4D3}" type="presOf" srcId="{7875EC78-DDA1-4242-B056-DD20BC7DA495}" destId="{0B57FBF0-B71B-4B17-88F5-9B2B0BB2BB91}" srcOrd="0" destOrd="0" presId="urn:microsoft.com/office/officeart/2005/8/layout/architecture"/>
+    <dgm:cxn modelId="{B0374B45-3E49-46EB-AD71-2357396CD7E0}" type="presOf" srcId="{DECA369B-7574-424B-8578-FF9276A495EE}" destId="{17972C47-19AA-4DE5-8DEF-BDCE223EE24D}" srcOrd="0" destOrd="0" presId="urn:microsoft.com/office/officeart/2005/8/layout/architecture"/>
+    <dgm:cxn modelId="{907EA06C-925B-4604-8F30-254F6368E275}" srcId="{7875EC78-DDA1-4242-B056-DD20BC7DA495}" destId="{6D028865-BCB0-4E7A-93AF-2BDB264C4F33}" srcOrd="1" destOrd="0" parTransId="{5D540160-B9FA-42FB-9475-55F8D4E46C0F}" sibTransId="{A07A8547-95F5-4BA1-A1E1-ED2429C15174}"/>
+    <dgm:cxn modelId="{F10BF46D-388E-42EB-B861-5D15D092F61B}" type="presOf" srcId="{F3099D2F-B059-4C0B-8E47-F90FBAE02498}" destId="{A8E1EE69-E482-4378-8D18-248439990216}" srcOrd="0" destOrd="0" presId="urn:microsoft.com/office/officeart/2005/8/layout/architecture"/>
+    <dgm:cxn modelId="{5A10314F-AD89-4C05-84F6-A058FFC83F1C}" type="presOf" srcId="{DB02BD50-86B4-4F8B-92BE-9F47B1B4CCC4}" destId="{7772B651-64FD-4D4A-976B-4A48B0793D9D}" srcOrd="0" destOrd="0" presId="urn:microsoft.com/office/officeart/2005/8/layout/architecture"/>
+    <dgm:cxn modelId="{D7FAE150-4293-46C2-BC2D-9AD7E1DFC9BF}" type="presOf" srcId="{69AE7D62-ACCD-48DA-A6B2-A74CCCF813EC}" destId="{085E794F-3DD5-4CF2-9FE8-EAA916B62D4B}" srcOrd="0" destOrd="0" presId="urn:microsoft.com/office/officeart/2005/8/layout/architecture"/>
+    <dgm:cxn modelId="{513DFA70-88A5-4939-A540-0C9FE11532DE}" srcId="{45CAC9DA-1648-4C77-9733-33E8921F5147}" destId="{B1EB2459-C45D-435E-B346-AE79E8A19ABF}" srcOrd="1" destOrd="0" parTransId="{12B796C3-FABF-4432-BFBB-3A744404A9B2}" sibTransId="{C9807964-B651-452D-B1B5-F3EF641A152A}"/>
+    <dgm:cxn modelId="{4586BB52-DF57-4565-9558-5DBAD13A1748}" type="presOf" srcId="{45CAC9DA-1648-4C77-9733-33E8921F5147}" destId="{1AE071D1-255D-4BD3-AB8A-B7DF0A94956A}" srcOrd="0" destOrd="0" presId="urn:microsoft.com/office/officeart/2005/8/layout/architecture"/>
+    <dgm:cxn modelId="{3C791655-F6EB-4AB5-96F7-9D8149D3AC3B}" type="presOf" srcId="{EE0178A6-0588-4EAA-AD3F-C191F748BDCE}" destId="{DE03D175-2520-4931-AB87-8A63FAC52B8C}" srcOrd="0" destOrd="0" presId="urn:microsoft.com/office/officeart/2005/8/layout/architecture"/>
+    <dgm:cxn modelId="{8DCA3F56-DC1B-4370-A331-69342E7B4CD1}" srcId="{290324FB-A52B-4697-B967-FC29C89F11DD}" destId="{B1AE302B-9D52-45BB-9C41-0BA7C16D8C4E}" srcOrd="1" destOrd="0" parTransId="{1438702E-F5D7-47C4-B4E3-DD2A5F8B2007}" sibTransId="{4200F085-29C3-449D-BA63-BBC973F9F6D5}"/>
+    <dgm:cxn modelId="{EA08BD76-DBE8-4F4C-A143-3A8C3EBF81F3}" srcId="{01EB78F3-F837-40FC-9209-8D868CBCC5A0}" destId="{E1AE4F12-7903-4ED7-9959-56ED94958BBB}" srcOrd="0" destOrd="0" parTransId="{20183BE8-FF37-4E7F-9CE2-39CDDEE4A396}" sibTransId="{1989316C-8541-4F42-975E-647F0F21895D}"/>
+    <dgm:cxn modelId="{33AD6284-5B06-4223-9BC7-9152A4BAD280}" type="presOf" srcId="{51E2ABE3-0367-456A-8039-350A34A61D43}" destId="{1312E21E-C51F-43A9-8859-6BAE8DF740A6}" srcOrd="0" destOrd="0" presId="urn:microsoft.com/office/officeart/2005/8/layout/architecture"/>
+    <dgm:cxn modelId="{3669BC8A-E6A5-4DA0-8DA1-B4E8C74A14E7}" type="presOf" srcId="{CB10188F-3812-4628-B148-91F960395BBE}" destId="{7E7BCC8A-EC48-475B-8C31-24A8A2BF36B5}" srcOrd="0" destOrd="0" presId="urn:microsoft.com/office/officeart/2005/8/layout/architecture"/>
+    <dgm:cxn modelId="{50C1288D-5AF8-46E1-B9AD-7B549C213459}" srcId="{104453D1-1295-4267-8262-F5D775D8E339}" destId="{FF97DC89-E18B-4B16-BD96-6F811297FC3F}" srcOrd="0" destOrd="0" parTransId="{3AFEDAF9-E062-4F42-98DD-39EE4F39654F}" sibTransId="{51816FCD-7BD9-4840-893C-43CEFECC1B7B}"/>
+    <dgm:cxn modelId="{D659118F-641B-4EE2-AA4E-7BFFA5A756EB}" type="presOf" srcId="{BD794559-B35B-470E-B5A0-E2CBAED17C63}" destId="{228B4967-D4A5-4A12-94D2-A415C9D67437}" srcOrd="0" destOrd="0" presId="urn:microsoft.com/office/officeart/2005/8/layout/architecture"/>
+    <dgm:cxn modelId="{251D8094-EB4F-4EC1-ADBE-EF560C9BBF29}" type="presOf" srcId="{2041A6F2-8C50-46C3-97C3-7CA5D80A3C67}" destId="{90FBE481-AE80-40B4-A193-AFDE5AFC368B}" srcOrd="0" destOrd="0" presId="urn:microsoft.com/office/officeart/2005/8/layout/architecture"/>
+    <dgm:cxn modelId="{8638B39F-634C-465D-BB7B-55AF222296DA}" srcId="{F3099D2F-B059-4C0B-8E47-F90FBAE02498}" destId="{7875EC78-DDA1-4242-B056-DD20BC7DA495}" srcOrd="0" destOrd="0" parTransId="{88DCC497-80D5-4CF2-A143-6DAD0D98FED0}" sibTransId="{16894271-B6AF-4DFA-A0E8-1AA10E544334}"/>
+    <dgm:cxn modelId="{114BA2A4-E833-4D62-A848-08C988679B06}" type="presOf" srcId="{B1EB2459-C45D-435E-B346-AE79E8A19ABF}" destId="{2B7725D3-092F-4DEC-A8C0-4ADDA56A36FE}" srcOrd="0" destOrd="0" presId="urn:microsoft.com/office/officeart/2005/8/layout/architecture"/>
+    <dgm:cxn modelId="{657B9EAB-F47D-4BC6-98C8-0085FAF57ADC}" srcId="{103B5C67-5769-4B64-9B8A-88755C0E57BE}" destId="{51E2ABE3-0367-456A-8039-350A34A61D43}" srcOrd="1" destOrd="0" parTransId="{3ED5C4D1-E15A-4DA3-85AD-F1AD719CFEAD}" sibTransId="{070F2A37-8819-4897-9DFF-C15B1D977947}"/>
+    <dgm:cxn modelId="{46865FAC-DBE4-4AEE-83FF-A4ECD20836FB}" srcId="{E1AE4F12-7903-4ED7-9959-56ED94958BBB}" destId="{45CAC9DA-1648-4C77-9733-33E8921F5147}" srcOrd="1" destOrd="0" parTransId="{DE76BE5C-1601-44ED-B6B6-8FAB8806FD83}" sibTransId="{356D4017-D160-4CCF-87B7-4F773CE60079}"/>
+    <dgm:cxn modelId="{AF8D02B8-C6D3-446F-868A-B11B9EFFB278}" srcId="{B1EB2459-C45D-435E-B346-AE79E8A19ABF}" destId="{DB02BD50-86B4-4F8B-92BE-9F47B1B4CCC4}" srcOrd="0" destOrd="0" parTransId="{28B1142B-981D-4079-AB5F-8C8D231F3B01}" sibTransId="{BE9082FC-15AC-4FB8-A0BF-BECB0CBFC17B}"/>
+    <dgm:cxn modelId="{7108D4B8-7C34-4900-A6CA-EDC24DCD2573}" type="presOf" srcId="{899C0D4A-6827-435D-A58B-8447563A96BB}" destId="{0727A0E0-F6BB-4693-940F-C10444E21E86}" srcOrd="0" destOrd="0" presId="urn:microsoft.com/office/officeart/2005/8/layout/architecture"/>
+    <dgm:cxn modelId="{144DAFBA-4ADF-4D43-A057-7BBD9D26655D}" srcId="{E1AE4F12-7903-4ED7-9959-56ED94958BBB}" destId="{F3099D2F-B059-4C0B-8E47-F90FBAE02498}" srcOrd="0" destOrd="0" parTransId="{E505B1B6-2547-45FD-9102-9513F3B35F99}" sibTransId="{6E2EC396-4BAA-408D-93A6-40851B3BD8D9}"/>
+    <dgm:cxn modelId="{0CC8C2BB-08FD-4D82-95A0-E255EC844FB9}" type="presOf" srcId="{6D028865-BCB0-4E7A-93AF-2BDB264C4F33}" destId="{294D56EF-7F8A-4C35-85EC-B1D4E3542B9F}" srcOrd="0" destOrd="0" presId="urn:microsoft.com/office/officeart/2005/8/layout/architecture"/>
+    <dgm:cxn modelId="{758756BC-45FE-4019-97EA-3F3747545BF5}" srcId="{EE0178A6-0588-4EAA-AD3F-C191F748BDCE}" destId="{69AE7D62-ACCD-48DA-A6B2-A74CCCF813EC}" srcOrd="1" destOrd="0" parTransId="{F748C2AB-B3B7-492C-9E0F-20F90FF12FA5}" sibTransId="{AF17B8F7-75A9-4AF2-A0E2-4EE2F0CD78EB}"/>
+    <dgm:cxn modelId="{DD1F0CC7-6340-4152-82D1-35765D22F345}" type="presOf" srcId="{103B5C67-5769-4B64-9B8A-88755C0E57BE}" destId="{BFC4EF0D-09DA-495A-9787-DA7EB04217B2}" srcOrd="0" destOrd="0" presId="urn:microsoft.com/office/officeart/2005/8/layout/architecture"/>
+    <dgm:cxn modelId="{CEEEBACF-4F8D-4181-8DCF-A4C5FB9A64A1}" srcId="{103B5C67-5769-4B64-9B8A-88755C0E57BE}" destId="{CB10188F-3812-4628-B148-91F960395BBE}" srcOrd="0" destOrd="0" parTransId="{540AA6E2-4CB3-494E-AAF0-BCCDEA6886AA}" sibTransId="{FA5BE26B-4F52-4C8C-8D5D-15B1CFDCBE26}"/>
+    <dgm:cxn modelId="{D2B4F5CF-5627-4FDC-BD00-55F4BAC0AB4D}" type="presOf" srcId="{104453D1-1295-4267-8262-F5D775D8E339}" destId="{3023CF67-C09B-40CA-9A5E-F8A2BFB570A1}" srcOrd="0" destOrd="0" presId="urn:microsoft.com/office/officeart/2005/8/layout/architecture"/>
+    <dgm:cxn modelId="{4F9C99D2-A615-4B38-AB76-756127422D7C}" srcId="{B1EB2459-C45D-435E-B346-AE79E8A19ABF}" destId="{209C3117-6081-4ACE-913A-3A1BE87D68F2}" srcOrd="1" destOrd="0" parTransId="{002F90E4-0F26-4C93-B317-82D1BB32CD74}" sibTransId="{13E943D6-1829-46EF-BF1A-87A73BE25571}"/>
+    <dgm:cxn modelId="{92A806D6-617E-4BEB-A1E5-279965EB5295}" type="presOf" srcId="{B1AE302B-9D52-45BB-9C41-0BA7C16D8C4E}" destId="{43F27BF5-86E5-4ACF-80D4-0D27A19D036D}" srcOrd="0" destOrd="0" presId="urn:microsoft.com/office/officeart/2005/8/layout/architecture"/>
+    <dgm:cxn modelId="{9CF24DD9-F1E7-4082-AAF7-FD9160A2F37A}" srcId="{B1EB2459-C45D-435E-B346-AE79E8A19ABF}" destId="{290324FB-A52B-4697-B967-FC29C89F11DD}" srcOrd="2" destOrd="0" parTransId="{17BF0CB8-1818-4AC8-870C-2F57FD5D1555}" sibTransId="{AEC27858-0D4F-4FDC-A265-0AB539D5E44E}"/>
+    <dgm:cxn modelId="{C273F6E2-497D-479F-AB42-55E93BDA5BAE}" srcId="{45CAC9DA-1648-4C77-9733-33E8921F5147}" destId="{EE0178A6-0588-4EAA-AD3F-C191F748BDCE}" srcOrd="0" destOrd="0" parTransId="{E90AFD65-7DE5-4559-951E-3A274A48C74D}" sibTransId="{8D09F842-4915-4B72-BCA5-54363D4C8C13}"/>
+    <dgm:cxn modelId="{A10D6BE6-832A-4F37-A930-64A3951B1A9F}" srcId="{6D028865-BCB0-4E7A-93AF-2BDB264C4F33}" destId="{104453D1-1295-4267-8262-F5D775D8E339}" srcOrd="1" destOrd="0" parTransId="{2C381520-4106-4F46-8E18-0CEAFAAFE9E4}" sibTransId="{ED4DA4F2-F1B1-453E-BF7F-280A811F384E}"/>
+    <dgm:cxn modelId="{E21F23F1-0B34-4AFE-9440-DB52C84F2DDE}" type="presOf" srcId="{209C3117-6081-4ACE-913A-3A1BE87D68F2}" destId="{C409283E-F977-427C-9B48-9CBE876DC6F8}" srcOrd="0" destOrd="0" presId="urn:microsoft.com/office/officeart/2005/8/layout/architecture"/>
+    <dgm:cxn modelId="{3CFDD5F7-CF5F-4848-82CA-DFC98EE00FC6}" type="presOf" srcId="{290324FB-A52B-4697-B967-FC29C89F11DD}" destId="{98A1115A-1392-4241-A180-9A1D6661EC74}" srcOrd="0" destOrd="0" presId="urn:microsoft.com/office/officeart/2005/8/layout/architecture"/>
+    <dgm:cxn modelId="{A5E27EFA-FF67-4D9E-B201-5AF5826A998F}" srcId="{DB02BD50-86B4-4F8B-92BE-9F47B1B4CCC4}" destId="{899C0D4A-6827-435D-A58B-8447563A96BB}" srcOrd="0" destOrd="0" parTransId="{32AC2D56-EADD-4574-A9D8-43B965812334}" sibTransId="{BFE0B8AF-E94D-43BD-A823-D4D5DF8C690C}"/>
+    <dgm:cxn modelId="{3FEF0B11-9467-469B-89B2-85758DC23BF0}" type="presParOf" srcId="{48FC1E3D-C1EE-4E43-BBE2-E1251EFD80A8}" destId="{EC268BBC-D137-490C-BA80-BFE53D206BB8}" srcOrd="0" destOrd="0" presId="urn:microsoft.com/office/officeart/2005/8/layout/architecture"/>
+    <dgm:cxn modelId="{15618F31-AF38-4050-B67B-88A29820165C}" type="presParOf" srcId="{EC268BBC-D137-490C-BA80-BFE53D206BB8}" destId="{5CDBD5CC-BBEE-494C-A265-91B1F5A30546}" srcOrd="0" destOrd="0" presId="urn:microsoft.com/office/officeart/2005/8/layout/architecture"/>
+    <dgm:cxn modelId="{B27AC517-D6D0-4296-8D8F-A06911A0B9B2}" type="presParOf" srcId="{EC268BBC-D137-490C-BA80-BFE53D206BB8}" destId="{E0ABF877-9AF0-41E6-B504-86A5D1F8FDD9}" srcOrd="1" destOrd="0" presId="urn:microsoft.com/office/officeart/2005/8/layout/architecture"/>
+    <dgm:cxn modelId="{70DDC8D0-3114-4904-82C9-EBB0BF5A0DA1}" type="presParOf" srcId="{EC268BBC-D137-490C-BA80-BFE53D206BB8}" destId="{96591FD8-E1B0-4904-A287-36EE6F6F11AE}" srcOrd="2" destOrd="0" presId="urn:microsoft.com/office/officeart/2005/8/layout/architecture"/>
+    <dgm:cxn modelId="{13B94358-3CB3-4FCC-A0AD-4C01EDD0D3E9}" type="presParOf" srcId="{96591FD8-E1B0-4904-A287-36EE6F6F11AE}" destId="{F09B2C1C-1F1A-4E26-9BB3-CD33CCA1F188}" srcOrd="0" destOrd="0" presId="urn:microsoft.com/office/officeart/2005/8/layout/architecture"/>
+    <dgm:cxn modelId="{AE8E36BE-D9C9-4503-AE1C-25020CF60190}" type="presParOf" srcId="{F09B2C1C-1F1A-4E26-9BB3-CD33CCA1F188}" destId="{A8E1EE69-E482-4378-8D18-248439990216}" srcOrd="0" destOrd="0" presId="urn:microsoft.com/office/officeart/2005/8/layout/architecture"/>
+    <dgm:cxn modelId="{98DB6926-A6BB-4589-9C21-1C4FACF5798A}" type="presParOf" srcId="{F09B2C1C-1F1A-4E26-9BB3-CD33CCA1F188}" destId="{2C9280D1-1F3C-49F4-8D4B-BFF2F53FF75E}" srcOrd="1" destOrd="0" presId="urn:microsoft.com/office/officeart/2005/8/layout/architecture"/>
+    <dgm:cxn modelId="{C004E65D-4607-430C-B54C-0900CE641ACC}" type="presParOf" srcId="{F09B2C1C-1F1A-4E26-9BB3-CD33CCA1F188}" destId="{78E43017-0695-4C66-98C7-B71F97BE0DEC}" srcOrd="2" destOrd="0" presId="urn:microsoft.com/office/officeart/2005/8/layout/architecture"/>
+    <dgm:cxn modelId="{3C6F5526-BE97-4075-808C-B002253A1CBF}" type="presParOf" srcId="{78E43017-0695-4C66-98C7-B71F97BE0DEC}" destId="{99635F1D-154F-495B-9012-02A7CF015555}" srcOrd="0" destOrd="0" presId="urn:microsoft.com/office/officeart/2005/8/layout/architecture"/>
+    <dgm:cxn modelId="{C4397C79-1BBE-496C-8285-B7C5CDD61430}" type="presParOf" srcId="{99635F1D-154F-495B-9012-02A7CF015555}" destId="{0B57FBF0-B71B-4B17-88F5-9B2B0BB2BB91}" srcOrd="0" destOrd="0" presId="urn:microsoft.com/office/officeart/2005/8/layout/architecture"/>
+    <dgm:cxn modelId="{9B9833EA-F428-43EF-A5E7-855254516661}" type="presParOf" srcId="{99635F1D-154F-495B-9012-02A7CF015555}" destId="{6F846179-095C-416F-9DC7-241415AAF03D}" srcOrd="1" destOrd="0" presId="urn:microsoft.com/office/officeart/2005/8/layout/architecture"/>
+    <dgm:cxn modelId="{22AA01B3-6274-41DA-B352-6999D1C23D07}" type="presParOf" srcId="{99635F1D-154F-495B-9012-02A7CF015555}" destId="{90FB8512-A5F6-4160-8F4D-E1EB9088A573}" srcOrd="2" destOrd="0" presId="urn:microsoft.com/office/officeart/2005/8/layout/architecture"/>
+    <dgm:cxn modelId="{D967F23E-FF02-4E51-980B-1AFB8EDECF75}" type="presParOf" srcId="{90FB8512-A5F6-4160-8F4D-E1EB9088A573}" destId="{6D16125C-A6FC-4577-8D63-75C09BBBBC1F}" srcOrd="0" destOrd="0" presId="urn:microsoft.com/office/officeart/2005/8/layout/architecture"/>
+    <dgm:cxn modelId="{61985DB0-CD75-4F3D-9277-767383DC36A4}" type="presParOf" srcId="{6D16125C-A6FC-4577-8D63-75C09BBBBC1F}" destId="{BFC4EF0D-09DA-495A-9787-DA7EB04217B2}" srcOrd="0" destOrd="0" presId="urn:microsoft.com/office/officeart/2005/8/layout/architecture"/>
+    <dgm:cxn modelId="{1CBE8F8B-60D3-4241-A657-6B8BFD7267F6}" type="presParOf" srcId="{6D16125C-A6FC-4577-8D63-75C09BBBBC1F}" destId="{E1C75A29-3CD8-4449-AA35-3DAFB7C949B9}" srcOrd="1" destOrd="0" presId="urn:microsoft.com/office/officeart/2005/8/layout/architecture"/>
+    <dgm:cxn modelId="{906EC5A3-139F-4B76-A224-E1600D9D0D16}" type="presParOf" srcId="{6D16125C-A6FC-4577-8D63-75C09BBBBC1F}" destId="{540A6BDE-A16D-403F-B905-0A1F0DB61929}" srcOrd="2" destOrd="0" presId="urn:microsoft.com/office/officeart/2005/8/layout/architecture"/>
+    <dgm:cxn modelId="{BB8A0E3C-DC00-428C-99AA-83B5DBFCAC10}" type="presParOf" srcId="{540A6BDE-A16D-403F-B905-0A1F0DB61929}" destId="{EB421382-200A-4FD7-8919-643CBF90F826}" srcOrd="0" destOrd="0" presId="urn:microsoft.com/office/officeart/2005/8/layout/architecture"/>
+    <dgm:cxn modelId="{EFF5126E-B9BF-438D-B89D-68D06C4A6692}" type="presParOf" srcId="{EB421382-200A-4FD7-8919-643CBF90F826}" destId="{7E7BCC8A-EC48-475B-8C31-24A8A2BF36B5}" srcOrd="0" destOrd="0" presId="urn:microsoft.com/office/officeart/2005/8/layout/architecture"/>
+    <dgm:cxn modelId="{3B1AADE8-61C6-4F29-927F-8BAF890DE052}" type="presParOf" srcId="{EB421382-200A-4FD7-8919-643CBF90F826}" destId="{EF28E62B-BB20-406D-828C-83C4DADF2378}" srcOrd="1" destOrd="0" presId="urn:microsoft.com/office/officeart/2005/8/layout/architecture"/>
+    <dgm:cxn modelId="{73668695-76A8-440B-89C2-1F6795FB9CF5}" type="presParOf" srcId="{540A6BDE-A16D-403F-B905-0A1F0DB61929}" destId="{ECEB7871-6CE2-4851-86E6-2C8648475288}" srcOrd="1" destOrd="0" presId="urn:microsoft.com/office/officeart/2005/8/layout/architecture"/>
+    <dgm:cxn modelId="{6663C0B4-1772-4D7F-BE30-673AF9B46355}" type="presParOf" srcId="{540A6BDE-A16D-403F-B905-0A1F0DB61929}" destId="{3AB0F7F1-5594-478C-9D5C-93566473D9EE}" srcOrd="2" destOrd="0" presId="urn:microsoft.com/office/officeart/2005/8/layout/architecture"/>
+    <dgm:cxn modelId="{BF2CA26C-98DC-4AA2-8567-E27FAFD18E66}" type="presParOf" srcId="{3AB0F7F1-5594-478C-9D5C-93566473D9EE}" destId="{1312E21E-C51F-43A9-8859-6BAE8DF740A6}" srcOrd="0" destOrd="0" presId="urn:microsoft.com/office/officeart/2005/8/layout/architecture"/>
+    <dgm:cxn modelId="{98881B87-20F7-4E5D-A24B-CE99AF62D301}" type="presParOf" srcId="{3AB0F7F1-5594-478C-9D5C-93566473D9EE}" destId="{8FD33939-5630-4780-9EE8-45B2466AD84B}" srcOrd="1" destOrd="0" presId="urn:microsoft.com/office/officeart/2005/8/layout/architecture"/>
+    <dgm:cxn modelId="{CD1F7431-0CB4-4BBA-BA6C-072415E75BFC}" type="presParOf" srcId="{90FB8512-A5F6-4160-8F4D-E1EB9088A573}" destId="{46614683-156A-4EA5-8334-0349902CA4B0}" srcOrd="1" destOrd="0" presId="urn:microsoft.com/office/officeart/2005/8/layout/architecture"/>
+    <dgm:cxn modelId="{4BDFADAF-1224-4440-AA8C-158A46CB2390}" type="presParOf" srcId="{90FB8512-A5F6-4160-8F4D-E1EB9088A573}" destId="{5960441E-A009-470E-851B-EFA25551CC64}" srcOrd="2" destOrd="0" presId="urn:microsoft.com/office/officeart/2005/8/layout/architecture"/>
+    <dgm:cxn modelId="{A6AAB048-CC47-4D31-B654-DBF2136EC8D7}" type="presParOf" srcId="{5960441E-A009-470E-851B-EFA25551CC64}" destId="{294D56EF-7F8A-4C35-85EC-B1D4E3542B9F}" srcOrd="0" destOrd="0" presId="urn:microsoft.com/office/officeart/2005/8/layout/architecture"/>
+    <dgm:cxn modelId="{F600DCE4-78A2-4F9F-8F7C-7AB4D89BE9A5}" type="presParOf" srcId="{5960441E-A009-470E-851B-EFA25551CC64}" destId="{AB173085-295A-41AE-B62D-6AB58CB9860A}" srcOrd="1" destOrd="0" presId="urn:microsoft.com/office/officeart/2005/8/layout/architecture"/>
+    <dgm:cxn modelId="{2445520D-38B7-4552-A3AD-E25C4473FFD5}" type="presParOf" srcId="{5960441E-A009-470E-851B-EFA25551CC64}" destId="{D5379464-7943-420E-AEC9-F405DE12A078}" srcOrd="2" destOrd="0" presId="urn:microsoft.com/office/officeart/2005/8/layout/architecture"/>
+    <dgm:cxn modelId="{B097F0C2-0C43-48C4-8564-677DBCE8E1FD}" type="presParOf" srcId="{D5379464-7943-420E-AEC9-F405DE12A078}" destId="{BA3D0A92-968D-4835-8F84-8DE1E3D516BB}" srcOrd="0" destOrd="0" presId="urn:microsoft.com/office/officeart/2005/8/layout/architecture"/>
+    <dgm:cxn modelId="{74E7850F-EFD6-4433-9B57-75010B7658AA}" type="presParOf" srcId="{BA3D0A92-968D-4835-8F84-8DE1E3D516BB}" destId="{228B4967-D4A5-4A12-94D2-A415C9D67437}" srcOrd="0" destOrd="0" presId="urn:microsoft.com/office/officeart/2005/8/layout/architecture"/>
+    <dgm:cxn modelId="{2E10797F-B2E0-4B4B-A8BD-E1F9BCA364B4}" type="presParOf" srcId="{BA3D0A92-968D-4835-8F84-8DE1E3D516BB}" destId="{2E43ABDF-4A54-427C-95F7-E993AF89EDF9}" srcOrd="1" destOrd="0" presId="urn:microsoft.com/office/officeart/2005/8/layout/architecture"/>
+    <dgm:cxn modelId="{A501971B-4ED8-4EE7-806E-909672BD5BFB}" type="presParOf" srcId="{D5379464-7943-420E-AEC9-F405DE12A078}" destId="{2A4711C0-347E-45BC-9AB1-24F3F96BEADC}" srcOrd="1" destOrd="0" presId="urn:microsoft.com/office/officeart/2005/8/layout/architecture"/>
+    <dgm:cxn modelId="{D80B9AA1-4981-4772-97DE-FB78F213E571}" type="presParOf" srcId="{D5379464-7943-420E-AEC9-F405DE12A078}" destId="{18EFCF6A-AC8B-4BFA-940E-C9438D3FCC76}" srcOrd="2" destOrd="0" presId="urn:microsoft.com/office/officeart/2005/8/layout/architecture"/>
+    <dgm:cxn modelId="{7319EC87-0BA4-49BC-9962-09449511196C}" type="presParOf" srcId="{18EFCF6A-AC8B-4BFA-940E-C9438D3FCC76}" destId="{3023CF67-C09B-40CA-9A5E-F8A2BFB570A1}" srcOrd="0" destOrd="0" presId="urn:microsoft.com/office/officeart/2005/8/layout/architecture"/>
+    <dgm:cxn modelId="{A41D40D6-BA39-44BB-8ED4-E29C5AC93474}" type="presParOf" srcId="{18EFCF6A-AC8B-4BFA-940E-C9438D3FCC76}" destId="{3E5EFB50-413D-4727-B3CE-1973A8521195}" srcOrd="1" destOrd="0" presId="urn:microsoft.com/office/officeart/2005/8/layout/architecture"/>
+    <dgm:cxn modelId="{EAA335A5-44B8-4A03-B570-0FFFB483B75C}" type="presParOf" srcId="{18EFCF6A-AC8B-4BFA-940E-C9438D3FCC76}" destId="{F6BE862F-A8F4-4B6B-805E-3E8611EEC423}" srcOrd="2" destOrd="0" presId="urn:microsoft.com/office/officeart/2005/8/layout/architecture"/>
+    <dgm:cxn modelId="{FFDF99F6-72C5-4BD7-BBED-6D1EBF770B1F}" type="presParOf" srcId="{F6BE862F-A8F4-4B6B-805E-3E8611EEC423}" destId="{B422E89D-DA9C-4E45-B1A4-CA557854B95F}" srcOrd="0" destOrd="0" presId="urn:microsoft.com/office/officeart/2005/8/layout/architecture"/>
+    <dgm:cxn modelId="{19CE283C-53A1-44BB-8A35-CC120C7C117B}" type="presParOf" srcId="{B422E89D-DA9C-4E45-B1A4-CA557854B95F}" destId="{E0260C5C-7665-4825-BC2F-2344B6D18DB6}" srcOrd="0" destOrd="0" presId="urn:microsoft.com/office/officeart/2005/8/layout/architecture"/>
+    <dgm:cxn modelId="{BDA8A1E6-4E54-4E93-B806-3AC0A97DABFC}" type="presParOf" srcId="{B422E89D-DA9C-4E45-B1A4-CA557854B95F}" destId="{399F2FBA-5D24-4404-8B87-54B8F2A33B45}" srcOrd="1" destOrd="0" presId="urn:microsoft.com/office/officeart/2005/8/layout/architecture"/>
+    <dgm:cxn modelId="{781F7109-58B0-4457-A6D3-E0C6639D4D32}" type="presParOf" srcId="{96591FD8-E1B0-4904-A287-36EE6F6F11AE}" destId="{540829E6-F217-4991-AB7B-E5A11199993B}" srcOrd="1" destOrd="0" presId="urn:microsoft.com/office/officeart/2005/8/layout/architecture"/>
+    <dgm:cxn modelId="{50D27EC0-192F-42D1-8E74-00E31B0C8729}" type="presParOf" srcId="{96591FD8-E1B0-4904-A287-36EE6F6F11AE}" destId="{0A8B55AB-A905-47C8-849E-6F2F28B1D148}" srcOrd="2" destOrd="0" presId="urn:microsoft.com/office/officeart/2005/8/layout/architecture"/>
+    <dgm:cxn modelId="{72010461-8BAA-4B27-BD3D-8ACFFF4DC222}" type="presParOf" srcId="{0A8B55AB-A905-47C8-849E-6F2F28B1D148}" destId="{1AE071D1-255D-4BD3-AB8A-B7DF0A94956A}" srcOrd="0" destOrd="0" presId="urn:microsoft.com/office/officeart/2005/8/layout/architecture"/>
+    <dgm:cxn modelId="{89B0B8B5-B991-4C4C-8CF7-A729EE6FFD3B}" type="presParOf" srcId="{0A8B55AB-A905-47C8-849E-6F2F28B1D148}" destId="{E1E381E1-4C4A-44CE-821D-82A65B8A5CF5}" srcOrd="1" destOrd="0" presId="urn:microsoft.com/office/officeart/2005/8/layout/architecture"/>
+    <dgm:cxn modelId="{99C4FAC8-4EFF-488F-A3DD-1F53B30DACAA}" type="presParOf" srcId="{0A8B55AB-A905-47C8-849E-6F2F28B1D148}" destId="{E755B866-5DDC-4AA7-89A8-68DC502C85EC}" srcOrd="2" destOrd="0" presId="urn:microsoft.com/office/officeart/2005/8/layout/architecture"/>
+    <dgm:cxn modelId="{FB43BC27-D39A-4247-84E4-106F4C3D7FC6}" type="presParOf" srcId="{E755B866-5DDC-4AA7-89A8-68DC502C85EC}" destId="{56B52693-43EC-4680-81A6-FA61C47E7907}" srcOrd="0" destOrd="0" presId="urn:microsoft.com/office/officeart/2005/8/layout/architecture"/>
+    <dgm:cxn modelId="{69A8FDFB-0FA1-4F31-95B6-66444113C124}" type="presParOf" srcId="{56B52693-43EC-4680-81A6-FA61C47E7907}" destId="{DE03D175-2520-4931-AB87-8A63FAC52B8C}" srcOrd="0" destOrd="0" presId="urn:microsoft.com/office/officeart/2005/8/layout/architecture"/>
+    <dgm:cxn modelId="{A28949A8-4165-4E06-A671-AA94B7413C3C}" type="presParOf" srcId="{56B52693-43EC-4680-81A6-FA61C47E7907}" destId="{ACD36FE1-A5F8-452F-8174-4AF7F51AD632}" srcOrd="1" destOrd="0" presId="urn:microsoft.com/office/officeart/2005/8/layout/architecture"/>
+    <dgm:cxn modelId="{8B2EB7D8-F3A5-440D-824C-0FD07DDA29A8}" type="presParOf" srcId="{56B52693-43EC-4680-81A6-FA61C47E7907}" destId="{3CDAFAF4-E6E3-4435-B833-F101D630B600}" srcOrd="2" destOrd="0" presId="urn:microsoft.com/office/officeart/2005/8/layout/architecture"/>
+    <dgm:cxn modelId="{91BC36CB-7273-4A9D-841B-345F54794826}" type="presParOf" srcId="{3CDAFAF4-E6E3-4435-B833-F101D630B600}" destId="{FF07AD6E-BDF7-49B8-9FA5-C91E933F45A3}" srcOrd="0" destOrd="0" presId="urn:microsoft.com/office/officeart/2005/8/layout/architecture"/>
+    <dgm:cxn modelId="{B2A57467-C9DF-45D1-9995-0FC37FF9CCA6}" type="presParOf" srcId="{FF07AD6E-BDF7-49B8-9FA5-C91E933F45A3}" destId="{90FBE481-AE80-40B4-A193-AFDE5AFC368B}" srcOrd="0" destOrd="0" presId="urn:microsoft.com/office/officeart/2005/8/layout/architecture"/>
+    <dgm:cxn modelId="{1932A14E-B452-4A88-AF29-160A19A99927}" type="presParOf" srcId="{FF07AD6E-BDF7-49B8-9FA5-C91E933F45A3}" destId="{A69844FB-E416-47F9-B5AA-70FB3CEFF370}" srcOrd="1" destOrd="0" presId="urn:microsoft.com/office/officeart/2005/8/layout/architecture"/>
+    <dgm:cxn modelId="{5A8EBF59-F784-401C-BB81-A77603740787}" type="presParOf" srcId="{3CDAFAF4-E6E3-4435-B833-F101D630B600}" destId="{8FFA3AE4-7300-4B77-9ED2-86F02AFBA6FE}" srcOrd="1" destOrd="0" presId="urn:microsoft.com/office/officeart/2005/8/layout/architecture"/>
+    <dgm:cxn modelId="{19A72811-1DF0-464E-AD8B-7FA2B6AE6C4D}" type="presParOf" srcId="{3CDAFAF4-E6E3-4435-B833-F101D630B600}" destId="{A6856FC3-14CA-4D4E-B846-FCB8F678EACD}" srcOrd="2" destOrd="0" presId="urn:microsoft.com/office/officeart/2005/8/layout/architecture"/>
+    <dgm:cxn modelId="{F22E5A00-92C1-4282-ADDC-77367EFE65D0}" type="presParOf" srcId="{A6856FC3-14CA-4D4E-B846-FCB8F678EACD}" destId="{085E794F-3DD5-4CF2-9FE8-EAA916B62D4B}" srcOrd="0" destOrd="0" presId="urn:microsoft.com/office/officeart/2005/8/layout/architecture"/>
+    <dgm:cxn modelId="{951A811A-6314-41F7-94E5-FE599B202292}" type="presParOf" srcId="{A6856FC3-14CA-4D4E-B846-FCB8F678EACD}" destId="{33549404-82FF-4DB0-9320-BD3B0ECEFA5E}" srcOrd="1" destOrd="0" presId="urn:microsoft.com/office/officeart/2005/8/layout/architecture"/>
+    <dgm:cxn modelId="{82DD78D8-50DA-4635-8B6E-DC0336A53394}" type="presParOf" srcId="{E755B866-5DDC-4AA7-89A8-68DC502C85EC}" destId="{1F99FC54-54ED-47D3-A060-C97AE29A095F}" srcOrd="1" destOrd="0" presId="urn:microsoft.com/office/officeart/2005/8/layout/architecture"/>
+    <dgm:cxn modelId="{25951B43-24C6-4612-A60D-B017A9588AD2}" type="presParOf" srcId="{E755B866-5DDC-4AA7-89A8-68DC502C85EC}" destId="{F551F0E7-6FC7-4216-838C-1786FABBA98C}" srcOrd="2" destOrd="0" presId="urn:microsoft.com/office/officeart/2005/8/layout/architecture"/>
+    <dgm:cxn modelId="{24046E19-5C43-4598-A969-E212E70B4454}" type="presParOf" srcId="{F551F0E7-6FC7-4216-838C-1786FABBA98C}" destId="{2B7725D3-092F-4DEC-A8C0-4ADDA56A36FE}" srcOrd="0" destOrd="0" presId="urn:microsoft.com/office/officeart/2005/8/layout/architecture"/>
+    <dgm:cxn modelId="{6FE6128C-8177-4768-ABB3-14DA4A65B03C}" type="presParOf" srcId="{F551F0E7-6FC7-4216-838C-1786FABBA98C}" destId="{1872A17B-E07C-4522-A1C0-798946E847DA}" srcOrd="1" destOrd="0" presId="urn:microsoft.com/office/officeart/2005/8/layout/architecture"/>
+    <dgm:cxn modelId="{139BA82B-E8DC-4D95-A777-3DAA749649EA}" type="presParOf" srcId="{F551F0E7-6FC7-4216-838C-1786FABBA98C}" destId="{32CAF638-EE6C-44E0-8440-BAD62C592ED9}" srcOrd="2" destOrd="0" presId="urn:microsoft.com/office/officeart/2005/8/layout/architecture"/>
+    <dgm:cxn modelId="{08EF9C6D-DA06-4E93-81F4-B19D2D81630D}" type="presParOf" srcId="{32CAF638-EE6C-44E0-8440-BAD62C592ED9}" destId="{951785E0-C4E6-4924-8A72-605E3E6276B8}" srcOrd="0" destOrd="0" presId="urn:microsoft.com/office/officeart/2005/8/layout/architecture"/>
+    <dgm:cxn modelId="{1A4901B1-9504-4D0E-BA0E-0D02E85BCE22}" type="presParOf" srcId="{951785E0-C4E6-4924-8A72-605E3E6276B8}" destId="{7772B651-64FD-4D4A-976B-4A48B0793D9D}" srcOrd="0" destOrd="0" presId="urn:microsoft.com/office/officeart/2005/8/layout/architecture"/>
+    <dgm:cxn modelId="{435620E0-BB39-47FE-881F-03767D68A4EA}" type="presParOf" srcId="{951785E0-C4E6-4924-8A72-605E3E6276B8}" destId="{D6EBA058-D172-4D97-8CF7-A6866CC34D76}" srcOrd="1" destOrd="0" presId="urn:microsoft.com/office/officeart/2005/8/layout/architecture"/>
+    <dgm:cxn modelId="{7BB3971A-6E79-41E9-9819-2559BF185148}" type="presParOf" srcId="{951785E0-C4E6-4924-8A72-605E3E6276B8}" destId="{AC0AC0B3-E15C-422B-9D43-6BAC6C58DF4D}" srcOrd="2" destOrd="0" presId="urn:microsoft.com/office/officeart/2005/8/layout/architecture"/>
+    <dgm:cxn modelId="{B1B213B1-A2B3-478D-B73B-52C0921A735B}" type="presParOf" srcId="{AC0AC0B3-E15C-422B-9D43-6BAC6C58DF4D}" destId="{B9A8176B-B4F4-4EAD-866C-CA34E4FA0298}" srcOrd="0" destOrd="0" presId="urn:microsoft.com/office/officeart/2005/8/layout/architecture"/>
+    <dgm:cxn modelId="{0451A8A7-9658-4E75-9211-6BFF65A153D9}" type="presParOf" srcId="{B9A8176B-B4F4-4EAD-866C-CA34E4FA0298}" destId="{0727A0E0-F6BB-4693-940F-C10444E21E86}" srcOrd="0" destOrd="0" presId="urn:microsoft.com/office/officeart/2005/8/layout/architecture"/>
+    <dgm:cxn modelId="{3910642D-01FF-4D76-8483-751B63B97884}" type="presParOf" srcId="{B9A8176B-B4F4-4EAD-866C-CA34E4FA0298}" destId="{488E12C4-BEF5-4457-836B-7011F4C88D49}" srcOrd="1" destOrd="0" presId="urn:microsoft.com/office/officeart/2005/8/layout/architecture"/>
+    <dgm:cxn modelId="{A81EB90B-4B20-4ECD-AEEC-5EBA88A4C989}" type="presParOf" srcId="{AC0AC0B3-E15C-422B-9D43-6BAC6C58DF4D}" destId="{63102460-F3CC-4A73-A999-4090122ED959}" srcOrd="1" destOrd="0" presId="urn:microsoft.com/office/officeart/2005/8/layout/architecture"/>
+    <dgm:cxn modelId="{52FD52E0-B3B5-4FF3-932E-E9AD872118E2}" type="presParOf" srcId="{AC0AC0B3-E15C-422B-9D43-6BAC6C58DF4D}" destId="{9B43CFD9-1F00-4F9D-AA2C-20AAC07E0DF7}" srcOrd="2" destOrd="0" presId="urn:microsoft.com/office/officeart/2005/8/layout/architecture"/>
+    <dgm:cxn modelId="{198C3A51-33A2-4FFD-9386-EFB03D0C00FB}" type="presParOf" srcId="{9B43CFD9-1F00-4F9D-AA2C-20AAC07E0DF7}" destId="{77E23EFD-4899-43AD-A4A1-EDB499D0109B}" srcOrd="0" destOrd="0" presId="urn:microsoft.com/office/officeart/2005/8/layout/architecture"/>
+    <dgm:cxn modelId="{B58E1E69-461B-438A-8746-A9B6DBEEF98C}" type="presParOf" srcId="{9B43CFD9-1F00-4F9D-AA2C-20AAC07E0DF7}" destId="{89500F1D-7014-4EC8-B7DA-D3172F6E81D9}" srcOrd="1" destOrd="0" presId="urn:microsoft.com/office/officeart/2005/8/layout/architecture"/>
+    <dgm:cxn modelId="{F633306A-26C1-4F93-81CB-42495BDE3C95}" type="presParOf" srcId="{32CAF638-EE6C-44E0-8440-BAD62C592ED9}" destId="{5B73AF9B-B1BC-47DD-89F8-A06E41DB2FFA}" srcOrd="1" destOrd="0" presId="urn:microsoft.com/office/officeart/2005/8/layout/architecture"/>
+    <dgm:cxn modelId="{D3AB51CA-D254-4FE0-932B-8D8EF5C3047F}" type="presParOf" srcId="{32CAF638-EE6C-44E0-8440-BAD62C592ED9}" destId="{52936A5B-E308-414A-A8A0-AD183B8A3396}" srcOrd="2" destOrd="0" presId="urn:microsoft.com/office/officeart/2005/8/layout/architecture"/>
+    <dgm:cxn modelId="{B2057547-C6B6-4094-B5FC-8E8E4277B047}" type="presParOf" srcId="{52936A5B-E308-414A-A8A0-AD183B8A3396}" destId="{C409283E-F977-427C-9B48-9CBE876DC6F8}" srcOrd="0" destOrd="0" presId="urn:microsoft.com/office/officeart/2005/8/layout/architecture"/>
+    <dgm:cxn modelId="{0FD466A6-5040-49B9-AF5F-D0BDF19DE91C}" type="presParOf" srcId="{52936A5B-E308-414A-A8A0-AD183B8A3396}" destId="{B3BEF069-B206-4616-9D5B-471DE4E36C5F}" srcOrd="1" destOrd="0" presId="urn:microsoft.com/office/officeart/2005/8/layout/architecture"/>
+    <dgm:cxn modelId="{2A36537A-887B-4BFE-94EC-3BD5F01308FE}" type="presParOf" srcId="{32CAF638-EE6C-44E0-8440-BAD62C592ED9}" destId="{F68E57B9-EBC1-4AF6-A46D-3B5B3EA40C5D}" srcOrd="3" destOrd="0" presId="urn:microsoft.com/office/officeart/2005/8/layout/architecture"/>
+    <dgm:cxn modelId="{CF393560-0A1C-4699-98B7-750EE1DFA58D}" type="presParOf" srcId="{32CAF638-EE6C-44E0-8440-BAD62C592ED9}" destId="{08BAAAA1-8C38-4C34-A063-924F2114922C}" srcOrd="4" destOrd="0" presId="urn:microsoft.com/office/officeart/2005/8/layout/architecture"/>
+    <dgm:cxn modelId="{864C8AB7-C0BA-4631-92FE-A59148A6877F}" type="presParOf" srcId="{08BAAAA1-8C38-4C34-A063-924F2114922C}" destId="{98A1115A-1392-4241-A180-9A1D6661EC74}" srcOrd="0" destOrd="0" presId="urn:microsoft.com/office/officeart/2005/8/layout/architecture"/>
+    <dgm:cxn modelId="{797298E3-40AE-4A18-BEA3-BB1ADD3C51F7}" type="presParOf" srcId="{08BAAAA1-8C38-4C34-A063-924F2114922C}" destId="{97910182-6C5A-4BD8-AE0C-1B401E238E43}" srcOrd="1" destOrd="0" presId="urn:microsoft.com/office/officeart/2005/8/layout/architecture"/>
+    <dgm:cxn modelId="{2B1A8772-12AC-4688-AC52-094F48D70B79}" type="presParOf" srcId="{08BAAAA1-8C38-4C34-A063-924F2114922C}" destId="{0000628D-8A2D-48D7-9085-70D1F728F4C4}" srcOrd="2" destOrd="0" presId="urn:microsoft.com/office/officeart/2005/8/layout/architecture"/>
+    <dgm:cxn modelId="{B3D19640-C467-4E63-BB22-7AB624311614}" type="presParOf" srcId="{0000628D-8A2D-48D7-9085-70D1F728F4C4}" destId="{5991BB0C-62B6-4D31-88BA-6F4925C7BB9D}" srcOrd="0" destOrd="0" presId="urn:microsoft.com/office/officeart/2005/8/layout/architecture"/>
+    <dgm:cxn modelId="{C0965838-326E-4C2E-84B8-6D9363D5380F}" type="presParOf" srcId="{5991BB0C-62B6-4D31-88BA-6F4925C7BB9D}" destId="{17972C47-19AA-4DE5-8DEF-BDCE223EE24D}" srcOrd="0" destOrd="0" presId="urn:microsoft.com/office/officeart/2005/8/layout/architecture"/>
+    <dgm:cxn modelId="{7D260FF2-A400-4198-B7B3-859E307E05C4}" type="presParOf" srcId="{5991BB0C-62B6-4D31-88BA-6F4925C7BB9D}" destId="{B82F6A44-5BB9-4EF1-8528-D0A350C6C2CA}" srcOrd="1" destOrd="0" presId="urn:microsoft.com/office/officeart/2005/8/layout/architecture"/>
+    <dgm:cxn modelId="{175C3922-9A71-434F-A978-6F60D9B6C227}" type="presParOf" srcId="{0000628D-8A2D-48D7-9085-70D1F728F4C4}" destId="{39C33267-525E-49D4-B804-B3C6AEBFD473}" srcOrd="1" destOrd="0" presId="urn:microsoft.com/office/officeart/2005/8/layout/architecture"/>
+    <dgm:cxn modelId="{CE7497E6-C882-40FF-BC6A-7AD0AC2509D7}" type="presParOf" srcId="{0000628D-8A2D-48D7-9085-70D1F728F4C4}" destId="{2A7F61A1-A4F5-4A97-97F3-F8324002EF0E}" srcOrd="2" destOrd="0" presId="urn:microsoft.com/office/officeart/2005/8/layout/architecture"/>
+    <dgm:cxn modelId="{C0A7C492-2DDD-4251-9E86-DD82F7E39086}" type="presParOf" srcId="{2A7F61A1-A4F5-4A97-97F3-F8324002EF0E}" destId="{43F27BF5-86E5-4ACF-80D4-0D27A19D036D}" srcOrd="0" destOrd="0" presId="urn:microsoft.com/office/officeart/2005/8/layout/architecture"/>
+    <dgm:cxn modelId="{68A5E0CD-361E-42C3-851C-FEAB7F13E05C}" type="presParOf" srcId="{2A7F61A1-A4F5-4A97-97F3-F8324002EF0E}" destId="{9B3E6643-D5BB-488E-B175-E0EEC6C0CC7D}" srcOrd="1" destOrd="0" presId="urn:microsoft.com/office/officeart/2005/8/layout/architecture"/>
+  </dgm:cxnLst>
+  <dgm:bg/>
+  <dgm:whole/>
+  <dgm:extLst>
+    <a:ext uri="http://schemas.microsoft.com/office/drawing/2008/diagram">
+      <dsp:dataModelExt xmlns:dsp="http://schemas.microsoft.com/office/drawing/2008/diagram" relId="rId6" minVer="http://schemas.openxmlformats.org/drawingml/2006/diagram"/>
+    </a:ext>
+  </dgm:extLst>
+</dgm:dataModel>
+</file>
+
+<file path=ppt/diagrams/drawing1.xml><?xml version="1.0" encoding="utf-8"?>
+<dsp:drawing xmlns:dgm="http://schemas.openxmlformats.org/drawingml/2006/diagram" xmlns:dsp="http://schemas.microsoft.com/office/drawing/2008/diagram" xmlns:a="http://schemas.openxmlformats.org/drawingml/2006/main">
+  <dsp:spTree>
+    <dsp:nvGrpSpPr>
+      <dsp:cNvPr id="0" name=""/>
+      <dsp:cNvGrpSpPr/>
+    </dsp:nvGrpSpPr>
+    <dsp:grpSpPr/>
+    <dsp:sp modelId="{5CDBD5CC-BBEE-494C-A265-91B1F5A30546}">
+      <dsp:nvSpPr>
+        <dsp:cNvPr id="0" name=""/>
+        <dsp:cNvSpPr/>
+      </dsp:nvSpPr>
+      <dsp:spPr>
+        <a:xfrm>
+          <a:off x="2471" y="3698420"/>
+          <a:ext cx="10510657" cy="651213"/>
+        </a:xfrm>
+        <a:prstGeom prst="roundRect">
+          <a:avLst>
+            <a:gd name="adj" fmla="val 10000"/>
+          </a:avLst>
+        </a:prstGeom>
+        <a:solidFill>
+          <a:schemeClr val="accent1">
+            <a:hueOff val="0"/>
+            <a:satOff val="0"/>
+            <a:lumOff val="0"/>
+            <a:alphaOff val="0"/>
+          </a:schemeClr>
+        </a:solidFill>
+        <a:ln w="12700" cap="flat" cmpd="sng" algn="ctr">
+          <a:solidFill>
+            <a:schemeClr val="lt1">
+              <a:hueOff val="0"/>
+              <a:satOff val="0"/>
+              <a:lumOff val="0"/>
+              <a:alphaOff val="0"/>
+            </a:schemeClr>
+          </a:solidFill>
+          <a:prstDash val="solid"/>
+          <a:miter lim="800000"/>
+        </a:ln>
+        <a:effectLst/>
+      </dsp:spPr>
+      <dsp:style>
+        <a:lnRef idx="2">
+          <a:scrgbClr r="0" g="0" b="0"/>
+        </a:lnRef>
+        <a:fillRef idx="1">
+          <a:scrgbClr r="0" g="0" b="0"/>
+        </a:fillRef>
+        <a:effectRef idx="0">
+          <a:scrgbClr r="0" g="0" b="0"/>
+        </a:effectRef>
+        <a:fontRef idx="minor">
+          <a:schemeClr val="lt1"/>
+        </a:fontRef>
+      </dsp:style>
+      <dsp:txBody>
+        <a:bodyPr spcFirstLastPara="0" vert="horz" wrap="square" lIns="106680" tIns="106680" rIns="106680" bIns="106680" numCol="1" spcCol="1270" anchor="ctr" anchorCtr="0">
+          <a:noAutofit/>
+        </a:bodyPr>
+        <a:lstStyle/>
+        <a:p>
+          <a:pPr marL="0" lvl="0" indent="0" algn="ctr" defTabSz="1244600">
+            <a:lnSpc>
+              <a:spcPct val="90000"/>
+            </a:lnSpc>
+            <a:spcBef>
+              <a:spcPct val="0"/>
+            </a:spcBef>
+            <a:spcAft>
+              <a:spcPct val="35000"/>
+            </a:spcAft>
+            <a:buNone/>
+          </a:pPr>
+          <a:r>
+            <a:rPr lang="en-CA" sz="2800" kern="1200" dirty="0" err="1"/>
+            <a:t>Raddica</a:t>
+          </a:r>
+          <a:endParaRPr lang="en-CA" sz="2800" kern="1200" dirty="0"/>
+        </a:p>
+      </dsp:txBody>
+      <dsp:txXfrm>
+        <a:off x="21544" y="3717493"/>
+        <a:ext cx="10472511" cy="613067"/>
+      </dsp:txXfrm>
+    </dsp:sp>
+    <dsp:sp modelId="{A8E1EE69-E482-4378-8D18-248439990216}">
+      <dsp:nvSpPr>
+        <dsp:cNvPr id="0" name=""/>
+        <dsp:cNvSpPr/>
+      </dsp:nvSpPr>
+      <dsp:spPr>
+        <a:xfrm>
+          <a:off x="2471" y="2959077"/>
+          <a:ext cx="3781193" cy="651213"/>
+        </a:xfrm>
+        <a:prstGeom prst="roundRect">
+          <a:avLst>
+            <a:gd name="adj" fmla="val 10000"/>
+          </a:avLst>
+        </a:prstGeom>
+        <a:solidFill>
+          <a:schemeClr val="accent1">
+            <a:hueOff val="0"/>
+            <a:satOff val="0"/>
+            <a:lumOff val="0"/>
+            <a:alphaOff val="0"/>
+          </a:schemeClr>
+        </a:solidFill>
+        <a:ln w="12700" cap="flat" cmpd="sng" algn="ctr">
+          <a:solidFill>
+            <a:schemeClr val="lt1">
+              <a:hueOff val="0"/>
+              <a:satOff val="0"/>
+              <a:lumOff val="0"/>
+              <a:alphaOff val="0"/>
+            </a:schemeClr>
+          </a:solidFill>
+          <a:prstDash val="solid"/>
+          <a:miter lim="800000"/>
+        </a:ln>
+        <a:effectLst/>
+      </dsp:spPr>
+      <dsp:style>
+        <a:lnRef idx="2">
+          <a:scrgbClr r="0" g="0" b="0"/>
+        </a:lnRef>
+        <a:fillRef idx="1">
+          <a:scrgbClr r="0" g="0" b="0"/>
+        </a:fillRef>
+        <a:effectRef idx="0">
+          <a:scrgbClr r="0" g="0" b="0"/>
+        </a:effectRef>
+        <a:fontRef idx="minor">
+          <a:schemeClr val="lt1"/>
+        </a:fontRef>
+      </dsp:style>
+      <dsp:txBody>
+        <a:bodyPr spcFirstLastPara="0" vert="horz" wrap="square" lIns="106680" tIns="106680" rIns="106680" bIns="106680" numCol="1" spcCol="1270" anchor="ctr" anchorCtr="0">
+          <a:noAutofit/>
+        </a:bodyPr>
+        <a:lstStyle/>
+        <a:p>
+          <a:pPr marL="0" lvl="0" indent="0" algn="ctr" defTabSz="1244600">
+            <a:lnSpc>
+              <a:spcPct val="90000"/>
+            </a:lnSpc>
+            <a:spcBef>
+              <a:spcPct val="0"/>
+            </a:spcBef>
+            <a:spcAft>
+              <a:spcPct val="35000"/>
+            </a:spcAft>
+            <a:buNone/>
+          </a:pPr>
+          <a:r>
+            <a:rPr lang="en-CA" sz="2800" kern="1200" dirty="0"/>
+            <a:t>Topology</a:t>
+          </a:r>
+        </a:p>
+      </dsp:txBody>
+      <dsp:txXfrm>
+        <a:off x="21544" y="2978150"/>
+        <a:ext cx="3743047" cy="613067"/>
+      </dsp:txXfrm>
+    </dsp:sp>
+    <dsp:sp modelId="{0B57FBF0-B71B-4B17-88F5-9B2B0BB2BB91}">
+      <dsp:nvSpPr>
+        <dsp:cNvPr id="0" name=""/>
+        <dsp:cNvSpPr/>
+      </dsp:nvSpPr>
+      <dsp:spPr>
+        <a:xfrm>
+          <a:off x="2471" y="2219733"/>
+          <a:ext cx="3781193" cy="651213"/>
+        </a:xfrm>
+        <a:prstGeom prst="roundRect">
+          <a:avLst>
+            <a:gd name="adj" fmla="val 10000"/>
+          </a:avLst>
+        </a:prstGeom>
+        <a:solidFill>
+          <a:schemeClr val="accent1">
+            <a:hueOff val="0"/>
+            <a:satOff val="0"/>
+            <a:lumOff val="0"/>
+            <a:alphaOff val="0"/>
+          </a:schemeClr>
+        </a:solidFill>
+        <a:ln w="12700" cap="flat" cmpd="sng" algn="ctr">
+          <a:solidFill>
+            <a:schemeClr val="lt1">
+              <a:hueOff val="0"/>
+              <a:satOff val="0"/>
+              <a:lumOff val="0"/>
+              <a:alphaOff val="0"/>
+            </a:schemeClr>
+          </a:solidFill>
+          <a:prstDash val="solid"/>
+          <a:miter lim="800000"/>
+        </a:ln>
+        <a:effectLst/>
+      </dsp:spPr>
+      <dsp:style>
+        <a:lnRef idx="2">
+          <a:scrgbClr r="0" g="0" b="0"/>
+        </a:lnRef>
+        <a:fillRef idx="1">
+          <a:scrgbClr r="0" g="0" b="0"/>
+        </a:fillRef>
+        <a:effectRef idx="0">
+          <a:scrgbClr r="0" g="0" b="0"/>
+        </a:effectRef>
+        <a:fontRef idx="minor">
+          <a:schemeClr val="lt1"/>
+        </a:fontRef>
+      </dsp:style>
+      <dsp:txBody>
+        <a:bodyPr spcFirstLastPara="0" vert="horz" wrap="square" lIns="106680" tIns="106680" rIns="106680" bIns="106680" numCol="1" spcCol="1270" anchor="ctr" anchorCtr="0">
+          <a:noAutofit/>
+        </a:bodyPr>
+        <a:lstStyle/>
+        <a:p>
+          <a:pPr marL="0" lvl="0" indent="0" algn="ctr" defTabSz="1244600">
+            <a:lnSpc>
+              <a:spcPct val="90000"/>
+            </a:lnSpc>
+            <a:spcBef>
+              <a:spcPct val="0"/>
+            </a:spcBef>
+            <a:spcAft>
+              <a:spcPct val="35000"/>
+            </a:spcAft>
+            <a:buNone/>
+          </a:pPr>
+          <a:r>
+            <a:rPr lang="en-CA" sz="2800" kern="1200" dirty="0"/>
+            <a:t>Server</a:t>
+          </a:r>
+        </a:p>
+      </dsp:txBody>
+      <dsp:txXfrm>
+        <a:off x="21544" y="2238806"/>
+        <a:ext cx="3743047" cy="613067"/>
+      </dsp:txXfrm>
+    </dsp:sp>
+    <dsp:sp modelId="{BFC4EF0D-09DA-495A-9787-DA7EB04217B2}">
+      <dsp:nvSpPr>
+        <dsp:cNvPr id="0" name=""/>
+        <dsp:cNvSpPr/>
+      </dsp:nvSpPr>
+      <dsp:spPr>
+        <a:xfrm>
+          <a:off x="2471" y="1480390"/>
+          <a:ext cx="1880825" cy="651213"/>
+        </a:xfrm>
+        <a:prstGeom prst="roundRect">
+          <a:avLst>
+            <a:gd name="adj" fmla="val 10000"/>
+          </a:avLst>
+        </a:prstGeom>
+        <a:solidFill>
+          <a:schemeClr val="accent1">
+            <a:hueOff val="0"/>
+            <a:satOff val="0"/>
+            <a:lumOff val="0"/>
+            <a:alphaOff val="0"/>
+          </a:schemeClr>
+        </a:solidFill>
+        <a:ln w="12700" cap="flat" cmpd="sng" algn="ctr">
+          <a:solidFill>
+            <a:schemeClr val="lt1">
+              <a:hueOff val="0"/>
+              <a:satOff val="0"/>
+              <a:lumOff val="0"/>
+              <a:alphaOff val="0"/>
+            </a:schemeClr>
+          </a:solidFill>
+          <a:prstDash val="solid"/>
+          <a:miter lim="800000"/>
+        </a:ln>
+        <a:effectLst/>
+      </dsp:spPr>
+      <dsp:style>
+        <a:lnRef idx="2">
+          <a:scrgbClr r="0" g="0" b="0"/>
+        </a:lnRef>
+        <a:fillRef idx="1">
+          <a:scrgbClr r="0" g="0" b="0"/>
+        </a:fillRef>
+        <a:effectRef idx="0">
+          <a:scrgbClr r="0" g="0" b="0"/>
+        </a:effectRef>
+        <a:fontRef idx="minor">
+          <a:schemeClr val="lt1"/>
+        </a:fontRef>
+      </dsp:style>
+      <dsp:txBody>
+        <a:bodyPr spcFirstLastPara="0" vert="horz" wrap="square" lIns="57150" tIns="57150" rIns="57150" bIns="57150" numCol="1" spcCol="1270" anchor="ctr" anchorCtr="0">
+          <a:noAutofit/>
+        </a:bodyPr>
+        <a:lstStyle/>
+        <a:p>
+          <a:pPr marL="0" lvl="0" indent="0" algn="ctr" defTabSz="666750">
+            <a:lnSpc>
+              <a:spcPct val="90000"/>
+            </a:lnSpc>
+            <a:spcBef>
+              <a:spcPct val="0"/>
+            </a:spcBef>
+            <a:spcAft>
+              <a:spcPct val="35000"/>
+            </a:spcAft>
+            <a:buNone/>
+          </a:pPr>
+          <a:r>
+            <a:rPr lang="en-CA" sz="1500" kern="1200" dirty="0"/>
+            <a:t>Frontend</a:t>
+          </a:r>
+        </a:p>
+      </dsp:txBody>
+      <dsp:txXfrm>
+        <a:off x="21544" y="1499463"/>
+        <a:ext cx="1842679" cy="613067"/>
+      </dsp:txXfrm>
+    </dsp:sp>
+    <dsp:sp modelId="{7E7BCC8A-EC48-475B-8C31-24A8A2BF36B5}">
+      <dsp:nvSpPr>
+        <dsp:cNvPr id="0" name=""/>
+        <dsp:cNvSpPr/>
+      </dsp:nvSpPr>
+      <dsp:spPr>
+        <a:xfrm>
+          <a:off x="2471" y="741047"/>
+          <a:ext cx="930640" cy="651213"/>
+        </a:xfrm>
+        <a:prstGeom prst="roundRect">
+          <a:avLst>
+            <a:gd name="adj" fmla="val 10000"/>
+          </a:avLst>
+        </a:prstGeom>
+        <a:solidFill>
+          <a:schemeClr val="accent1">
+            <a:hueOff val="0"/>
+            <a:satOff val="0"/>
+            <a:lumOff val="0"/>
+            <a:alphaOff val="0"/>
+          </a:schemeClr>
+        </a:solidFill>
+        <a:ln w="12700" cap="flat" cmpd="sng" algn="ctr">
+          <a:solidFill>
+            <a:schemeClr val="lt1">
+              <a:hueOff val="0"/>
+              <a:satOff val="0"/>
+              <a:lumOff val="0"/>
+              <a:alphaOff val="0"/>
+            </a:schemeClr>
+          </a:solidFill>
+          <a:prstDash val="solid"/>
+          <a:miter lim="800000"/>
+        </a:ln>
+        <a:effectLst/>
+      </dsp:spPr>
+      <dsp:style>
+        <a:lnRef idx="2">
+          <a:scrgbClr r="0" g="0" b="0"/>
+        </a:lnRef>
+        <a:fillRef idx="1">
+          <a:scrgbClr r="0" g="0" b="0"/>
+        </a:fillRef>
+        <a:effectRef idx="0">
+          <a:scrgbClr r="0" g="0" b="0"/>
+        </a:effectRef>
+        <a:fontRef idx="minor">
+          <a:schemeClr val="lt1"/>
+        </a:fontRef>
+      </dsp:style>
+      <dsp:txBody>
+        <a:bodyPr spcFirstLastPara="0" vert="horz" wrap="square" lIns="57150" tIns="57150" rIns="57150" bIns="57150" numCol="1" spcCol="1270" anchor="ctr" anchorCtr="0">
+          <a:noAutofit/>
+        </a:bodyPr>
+        <a:lstStyle/>
+        <a:p>
+          <a:pPr marL="0" lvl="0" indent="0" algn="ctr" defTabSz="666750">
+            <a:lnSpc>
+              <a:spcPct val="90000"/>
+            </a:lnSpc>
+            <a:spcBef>
+              <a:spcPct val="0"/>
+            </a:spcBef>
+            <a:spcAft>
+              <a:spcPct val="35000"/>
+            </a:spcAft>
+            <a:buNone/>
+          </a:pPr>
+          <a:r>
+            <a:rPr lang="en-CA" sz="1500" kern="1200" dirty="0"/>
+            <a:t>Renderer</a:t>
+          </a:r>
+        </a:p>
+      </dsp:txBody>
+      <dsp:txXfrm>
+        <a:off x="21544" y="760120"/>
+        <a:ext cx="892494" cy="613067"/>
+      </dsp:txXfrm>
+    </dsp:sp>
+    <dsp:sp modelId="{1312E21E-C51F-43A9-8859-6BAE8DF740A6}">
+      <dsp:nvSpPr>
+        <dsp:cNvPr id="0" name=""/>
+        <dsp:cNvSpPr/>
+      </dsp:nvSpPr>
+      <dsp:spPr>
+        <a:xfrm>
+          <a:off x="952655" y="741047"/>
+          <a:ext cx="930640" cy="651213"/>
+        </a:xfrm>
+        <a:prstGeom prst="roundRect">
+          <a:avLst>
+            <a:gd name="adj" fmla="val 10000"/>
+          </a:avLst>
+        </a:prstGeom>
+        <a:solidFill>
+          <a:schemeClr val="accent1">
+            <a:hueOff val="0"/>
+            <a:satOff val="0"/>
+            <a:lumOff val="0"/>
+            <a:alphaOff val="0"/>
+          </a:schemeClr>
+        </a:solidFill>
+        <a:ln w="12700" cap="flat" cmpd="sng" algn="ctr">
+          <a:solidFill>
+            <a:schemeClr val="lt1">
+              <a:hueOff val="0"/>
+              <a:satOff val="0"/>
+              <a:lumOff val="0"/>
+              <a:alphaOff val="0"/>
+            </a:schemeClr>
+          </a:solidFill>
+          <a:prstDash val="solid"/>
+          <a:miter lim="800000"/>
+        </a:ln>
+        <a:effectLst/>
+      </dsp:spPr>
+      <dsp:style>
+        <a:lnRef idx="2">
+          <a:scrgbClr r="0" g="0" b="0"/>
+        </a:lnRef>
+        <a:fillRef idx="1">
+          <a:scrgbClr r="0" g="0" b="0"/>
+        </a:fillRef>
+        <a:effectRef idx="0">
+          <a:scrgbClr r="0" g="0" b="0"/>
+        </a:effectRef>
+        <a:fontRef idx="minor">
+          <a:schemeClr val="lt1"/>
+        </a:fontRef>
+      </dsp:style>
+      <dsp:txBody>
+        <a:bodyPr spcFirstLastPara="0" vert="horz" wrap="square" lIns="57150" tIns="57150" rIns="57150" bIns="57150" numCol="1" spcCol="1270" anchor="ctr" anchorCtr="0">
+          <a:noAutofit/>
+        </a:bodyPr>
+        <a:lstStyle/>
+        <a:p>
+          <a:pPr marL="0" lvl="0" indent="0" algn="ctr" defTabSz="666750">
+            <a:lnSpc>
+              <a:spcPct val="90000"/>
+            </a:lnSpc>
+            <a:spcBef>
+              <a:spcPct val="0"/>
+            </a:spcBef>
+            <a:spcAft>
+              <a:spcPct val="35000"/>
+            </a:spcAft>
+            <a:buNone/>
+          </a:pPr>
+          <a:r>
+            <a:rPr lang="en-CA" sz="1500" kern="1200" dirty="0"/>
+            <a:t>Backends</a:t>
+          </a:r>
+        </a:p>
+      </dsp:txBody>
+      <dsp:txXfrm>
+        <a:off x="971728" y="760120"/>
+        <a:ext cx="892494" cy="613067"/>
+      </dsp:txXfrm>
+    </dsp:sp>
+    <dsp:sp modelId="{294D56EF-7F8A-4C35-85EC-B1D4E3542B9F}">
+      <dsp:nvSpPr>
+        <dsp:cNvPr id="0" name=""/>
+        <dsp:cNvSpPr/>
+      </dsp:nvSpPr>
+      <dsp:spPr>
+        <a:xfrm>
+          <a:off x="1902839" y="1480390"/>
+          <a:ext cx="1880825" cy="651213"/>
+        </a:xfrm>
+        <a:prstGeom prst="roundRect">
+          <a:avLst>
+            <a:gd name="adj" fmla="val 10000"/>
+          </a:avLst>
+        </a:prstGeom>
+        <a:solidFill>
+          <a:schemeClr val="accent1">
+            <a:hueOff val="0"/>
+            <a:satOff val="0"/>
+            <a:lumOff val="0"/>
+            <a:alphaOff val="0"/>
+          </a:schemeClr>
+        </a:solidFill>
+        <a:ln w="12700" cap="flat" cmpd="sng" algn="ctr">
+          <a:solidFill>
+            <a:schemeClr val="lt1">
+              <a:hueOff val="0"/>
+              <a:satOff val="0"/>
+              <a:lumOff val="0"/>
+              <a:alphaOff val="0"/>
+            </a:schemeClr>
+          </a:solidFill>
+          <a:prstDash val="solid"/>
+          <a:miter lim="800000"/>
+        </a:ln>
+        <a:effectLst/>
+      </dsp:spPr>
+      <dsp:style>
+        <a:lnRef idx="2">
+          <a:scrgbClr r="0" g="0" b="0"/>
+        </a:lnRef>
+        <a:fillRef idx="1">
+          <a:scrgbClr r="0" g="0" b="0"/>
+        </a:fillRef>
+        <a:effectRef idx="0">
+          <a:scrgbClr r="0" g="0" b="0"/>
+        </a:effectRef>
+        <a:fontRef idx="minor">
+          <a:schemeClr val="lt1"/>
+        </a:fontRef>
+      </dsp:style>
+      <dsp:txBody>
+        <a:bodyPr spcFirstLastPara="0" vert="horz" wrap="square" lIns="57150" tIns="57150" rIns="57150" bIns="57150" numCol="1" spcCol="1270" anchor="ctr" anchorCtr="0">
+          <a:noAutofit/>
+        </a:bodyPr>
+        <a:lstStyle/>
+        <a:p>
+          <a:pPr marL="0" lvl="0" indent="0" algn="ctr" defTabSz="666750">
+            <a:lnSpc>
+              <a:spcPct val="90000"/>
+            </a:lnSpc>
+            <a:spcBef>
+              <a:spcPct val="0"/>
+            </a:spcBef>
+            <a:spcAft>
+              <a:spcPct val="35000"/>
+            </a:spcAft>
+            <a:buNone/>
+          </a:pPr>
+          <a:r>
+            <a:rPr lang="en-CA" sz="1500" kern="1200" dirty="0"/>
+            <a:t>Backend</a:t>
+          </a:r>
+        </a:p>
+      </dsp:txBody>
+      <dsp:txXfrm>
+        <a:off x="1921912" y="1499463"/>
+        <a:ext cx="1842679" cy="613067"/>
+      </dsp:txXfrm>
+    </dsp:sp>
+    <dsp:sp modelId="{228B4967-D4A5-4A12-94D2-A415C9D67437}">
+      <dsp:nvSpPr>
+        <dsp:cNvPr id="0" name=""/>
+        <dsp:cNvSpPr/>
+      </dsp:nvSpPr>
+      <dsp:spPr>
+        <a:xfrm>
+          <a:off x="1902839" y="741047"/>
+          <a:ext cx="930640" cy="651213"/>
+        </a:xfrm>
+        <a:prstGeom prst="roundRect">
+          <a:avLst>
+            <a:gd name="adj" fmla="val 10000"/>
+          </a:avLst>
+        </a:prstGeom>
+        <a:solidFill>
+          <a:schemeClr val="accent1">
+            <a:hueOff val="0"/>
+            <a:satOff val="0"/>
+            <a:lumOff val="0"/>
+            <a:alphaOff val="0"/>
+          </a:schemeClr>
+        </a:solidFill>
+        <a:ln w="12700" cap="flat" cmpd="sng" algn="ctr">
+          <a:solidFill>
+            <a:schemeClr val="lt1">
+              <a:hueOff val="0"/>
+              <a:satOff val="0"/>
+              <a:lumOff val="0"/>
+              <a:alphaOff val="0"/>
+            </a:schemeClr>
+          </a:solidFill>
+          <a:prstDash val="solid"/>
+          <a:miter lim="800000"/>
+        </a:ln>
+        <a:effectLst/>
+      </dsp:spPr>
+      <dsp:style>
+        <a:lnRef idx="2">
+          <a:scrgbClr r="0" g="0" b="0"/>
+        </a:lnRef>
+        <a:fillRef idx="1">
+          <a:scrgbClr r="0" g="0" b="0"/>
+        </a:fillRef>
+        <a:effectRef idx="0">
+          <a:scrgbClr r="0" g="0" b="0"/>
+        </a:effectRef>
+        <a:fontRef idx="minor">
+          <a:schemeClr val="lt1"/>
+        </a:fontRef>
+      </dsp:style>
+      <dsp:txBody>
+        <a:bodyPr spcFirstLastPara="0" vert="horz" wrap="square" lIns="57150" tIns="57150" rIns="57150" bIns="57150" numCol="1" spcCol="1270" anchor="ctr" anchorCtr="0">
+          <a:noAutofit/>
+        </a:bodyPr>
+        <a:lstStyle/>
+        <a:p>
+          <a:pPr marL="0" lvl="0" indent="0" algn="ctr" defTabSz="666750">
+            <a:lnSpc>
+              <a:spcPct val="90000"/>
+            </a:lnSpc>
+            <a:spcBef>
+              <a:spcPct val="0"/>
+            </a:spcBef>
+            <a:spcAft>
+              <a:spcPct val="35000"/>
+            </a:spcAft>
+            <a:buNone/>
+          </a:pPr>
+          <a:r>
+            <a:rPr lang="en-CA" sz="1500" kern="1200" dirty="0"/>
+            <a:t>Query</a:t>
+          </a:r>
+        </a:p>
+      </dsp:txBody>
+      <dsp:txXfrm>
+        <a:off x="1921912" y="760120"/>
+        <a:ext cx="892494" cy="613067"/>
+      </dsp:txXfrm>
+    </dsp:sp>
+    <dsp:sp modelId="{3023CF67-C09B-40CA-9A5E-F8A2BFB570A1}">
+      <dsp:nvSpPr>
+        <dsp:cNvPr id="0" name=""/>
+        <dsp:cNvSpPr/>
+      </dsp:nvSpPr>
+      <dsp:spPr>
+        <a:xfrm>
+          <a:off x="2853023" y="741047"/>
+          <a:ext cx="930640" cy="651213"/>
+        </a:xfrm>
+        <a:prstGeom prst="roundRect">
+          <a:avLst>
+            <a:gd name="adj" fmla="val 10000"/>
+          </a:avLst>
+        </a:prstGeom>
+        <a:solidFill>
+          <a:schemeClr val="accent1">
+            <a:hueOff val="0"/>
+            <a:satOff val="0"/>
+            <a:lumOff val="0"/>
+            <a:alphaOff val="0"/>
+          </a:schemeClr>
+        </a:solidFill>
+        <a:ln w="12700" cap="flat" cmpd="sng" algn="ctr">
+          <a:solidFill>
+            <a:schemeClr val="lt1">
+              <a:hueOff val="0"/>
+              <a:satOff val="0"/>
+              <a:lumOff val="0"/>
+              <a:alphaOff val="0"/>
+            </a:schemeClr>
+          </a:solidFill>
+          <a:prstDash val="solid"/>
+          <a:miter lim="800000"/>
+        </a:ln>
+        <a:effectLst/>
+      </dsp:spPr>
+      <dsp:style>
+        <a:lnRef idx="2">
+          <a:scrgbClr r="0" g="0" b="0"/>
+        </a:lnRef>
+        <a:fillRef idx="1">
+          <a:scrgbClr r="0" g="0" b="0"/>
+        </a:fillRef>
+        <a:effectRef idx="0">
+          <a:scrgbClr r="0" g="0" b="0"/>
+        </a:effectRef>
+        <a:fontRef idx="minor">
+          <a:schemeClr val="lt1"/>
+        </a:fontRef>
+      </dsp:style>
+      <dsp:txBody>
+        <a:bodyPr spcFirstLastPara="0" vert="horz" wrap="square" lIns="57150" tIns="57150" rIns="57150" bIns="57150" numCol="1" spcCol="1270" anchor="ctr" anchorCtr="0">
+          <a:noAutofit/>
+        </a:bodyPr>
+        <a:lstStyle/>
+        <a:p>
+          <a:pPr marL="0" lvl="0" indent="0" algn="ctr" defTabSz="666750">
+            <a:lnSpc>
+              <a:spcPct val="90000"/>
+            </a:lnSpc>
+            <a:spcBef>
+              <a:spcPct val="0"/>
+            </a:spcBef>
+            <a:spcAft>
+              <a:spcPct val="35000"/>
+            </a:spcAft>
+            <a:buNone/>
+          </a:pPr>
+          <a:r>
+            <a:rPr lang="en-CA" sz="1500" kern="1200" dirty="0"/>
+            <a:t>Insert</a:t>
+          </a:r>
+        </a:p>
+      </dsp:txBody>
+      <dsp:txXfrm>
+        <a:off x="2872096" y="760120"/>
+        <a:ext cx="892494" cy="613067"/>
+      </dsp:txXfrm>
+    </dsp:sp>
+    <dsp:sp modelId="{E0260C5C-7665-4825-BC2F-2344B6D18DB6}">
+      <dsp:nvSpPr>
+        <dsp:cNvPr id="0" name=""/>
+        <dsp:cNvSpPr/>
+      </dsp:nvSpPr>
+      <dsp:spPr>
+        <a:xfrm>
+          <a:off x="2853023" y="1704"/>
+          <a:ext cx="930640" cy="651213"/>
+        </a:xfrm>
+        <a:prstGeom prst="roundRect">
+          <a:avLst>
+            <a:gd name="adj" fmla="val 10000"/>
+          </a:avLst>
+        </a:prstGeom>
+        <a:solidFill>
+          <a:schemeClr val="accent1">
+            <a:hueOff val="0"/>
+            <a:satOff val="0"/>
+            <a:lumOff val="0"/>
+            <a:alphaOff val="0"/>
+          </a:schemeClr>
+        </a:solidFill>
+        <a:ln w="12700" cap="flat" cmpd="sng" algn="ctr">
+          <a:solidFill>
+            <a:schemeClr val="lt1">
+              <a:hueOff val="0"/>
+              <a:satOff val="0"/>
+              <a:lumOff val="0"/>
+              <a:alphaOff val="0"/>
+            </a:schemeClr>
+          </a:solidFill>
+          <a:prstDash val="solid"/>
+          <a:miter lim="800000"/>
+        </a:ln>
+        <a:effectLst/>
+      </dsp:spPr>
+      <dsp:style>
+        <a:lnRef idx="2">
+          <a:scrgbClr r="0" g="0" b="0"/>
+        </a:lnRef>
+        <a:fillRef idx="1">
+          <a:scrgbClr r="0" g="0" b="0"/>
+        </a:fillRef>
+        <a:effectRef idx="0">
+          <a:scrgbClr r="0" g="0" b="0"/>
+        </a:effectRef>
+        <a:fontRef idx="minor">
+          <a:schemeClr val="lt1"/>
+        </a:fontRef>
+      </dsp:style>
+      <dsp:txBody>
+        <a:bodyPr spcFirstLastPara="0" vert="horz" wrap="square" lIns="57150" tIns="57150" rIns="57150" bIns="57150" numCol="1" spcCol="1270" anchor="ctr" anchorCtr="0">
+          <a:noAutofit/>
+        </a:bodyPr>
+        <a:lstStyle/>
+        <a:p>
+          <a:pPr marL="0" lvl="0" indent="0" algn="ctr" defTabSz="666750">
+            <a:lnSpc>
+              <a:spcPct val="90000"/>
+            </a:lnSpc>
+            <a:spcBef>
+              <a:spcPct val="0"/>
+            </a:spcBef>
+            <a:spcAft>
+              <a:spcPct val="35000"/>
+            </a:spcAft>
+            <a:buNone/>
+          </a:pPr>
+          <a:r>
+            <a:rPr lang="en-CA" sz="1500" kern="1200" dirty="0"/>
+            <a:t>Auth</a:t>
+          </a:r>
+        </a:p>
+      </dsp:txBody>
+      <dsp:txXfrm>
+        <a:off x="2872096" y="20777"/>
+        <a:ext cx="892494" cy="613067"/>
+      </dsp:txXfrm>
+    </dsp:sp>
+    <dsp:sp modelId="{1AE071D1-255D-4BD3-AB8A-B7DF0A94956A}">
+      <dsp:nvSpPr>
+        <dsp:cNvPr id="0" name=""/>
+        <dsp:cNvSpPr/>
+      </dsp:nvSpPr>
+      <dsp:spPr>
+        <a:xfrm>
+          <a:off x="3861838" y="2959077"/>
+          <a:ext cx="6651290" cy="651213"/>
+        </a:xfrm>
+        <a:prstGeom prst="roundRect">
+          <a:avLst>
+            <a:gd name="adj" fmla="val 10000"/>
+          </a:avLst>
+        </a:prstGeom>
+        <a:solidFill>
+          <a:schemeClr val="accent1">
+            <a:hueOff val="0"/>
+            <a:satOff val="0"/>
+            <a:lumOff val="0"/>
+            <a:alphaOff val="0"/>
+          </a:schemeClr>
+        </a:solidFill>
+        <a:ln w="12700" cap="flat" cmpd="sng" algn="ctr">
+          <a:solidFill>
+            <a:schemeClr val="lt1">
+              <a:hueOff val="0"/>
+              <a:satOff val="0"/>
+              <a:lumOff val="0"/>
+              <a:alphaOff val="0"/>
+            </a:schemeClr>
+          </a:solidFill>
+          <a:prstDash val="solid"/>
+          <a:miter lim="800000"/>
+        </a:ln>
+        <a:effectLst/>
+      </dsp:spPr>
+      <dsp:style>
+        <a:lnRef idx="2">
+          <a:scrgbClr r="0" g="0" b="0"/>
+        </a:lnRef>
+        <a:fillRef idx="1">
+          <a:scrgbClr r="0" g="0" b="0"/>
+        </a:fillRef>
+        <a:effectRef idx="0">
+          <a:scrgbClr r="0" g="0" b="0"/>
+        </a:effectRef>
+        <a:fontRef idx="minor">
+          <a:schemeClr val="lt1"/>
+        </a:fontRef>
+      </dsp:style>
+      <dsp:txBody>
+        <a:bodyPr spcFirstLastPara="0" vert="horz" wrap="square" lIns="106680" tIns="106680" rIns="106680" bIns="106680" numCol="1" spcCol="1270" anchor="ctr" anchorCtr="0">
+          <a:noAutofit/>
+        </a:bodyPr>
+        <a:lstStyle/>
+        <a:p>
+          <a:pPr marL="0" lvl="0" indent="0" algn="ctr" defTabSz="1244600">
+            <a:lnSpc>
+              <a:spcPct val="90000"/>
+            </a:lnSpc>
+            <a:spcBef>
+              <a:spcPct val="0"/>
+            </a:spcBef>
+            <a:spcAft>
+              <a:spcPct val="35000"/>
+            </a:spcAft>
+            <a:buNone/>
+          </a:pPr>
+          <a:r>
+            <a:rPr lang="en-CA" sz="2800" kern="1200" dirty="0"/>
+            <a:t>Datatypes</a:t>
+          </a:r>
+        </a:p>
+      </dsp:txBody>
+      <dsp:txXfrm>
+        <a:off x="3880911" y="2978150"/>
+        <a:ext cx="6613144" cy="613067"/>
+      </dsp:txXfrm>
+    </dsp:sp>
+    <dsp:sp modelId="{DE03D175-2520-4931-AB87-8A63FAC52B8C}">
+      <dsp:nvSpPr>
+        <dsp:cNvPr id="0" name=""/>
+        <dsp:cNvSpPr/>
+      </dsp:nvSpPr>
+      <dsp:spPr>
+        <a:xfrm>
+          <a:off x="3861838" y="2219733"/>
+          <a:ext cx="1880825" cy="651213"/>
+        </a:xfrm>
+        <a:prstGeom prst="roundRect">
+          <a:avLst>
+            <a:gd name="adj" fmla="val 10000"/>
+          </a:avLst>
+        </a:prstGeom>
+        <a:solidFill>
+          <a:schemeClr val="accent1">
+            <a:hueOff val="0"/>
+            <a:satOff val="0"/>
+            <a:lumOff val="0"/>
+            <a:alphaOff val="0"/>
+          </a:schemeClr>
+        </a:solidFill>
+        <a:ln w="12700" cap="flat" cmpd="sng" algn="ctr">
+          <a:solidFill>
+            <a:schemeClr val="lt1">
+              <a:hueOff val="0"/>
+              <a:satOff val="0"/>
+              <a:lumOff val="0"/>
+              <a:alphaOff val="0"/>
+            </a:schemeClr>
+          </a:solidFill>
+          <a:prstDash val="solid"/>
+          <a:miter lim="800000"/>
+        </a:ln>
+        <a:effectLst/>
+      </dsp:spPr>
+      <dsp:style>
+        <a:lnRef idx="2">
+          <a:scrgbClr r="0" g="0" b="0"/>
+        </a:lnRef>
+        <a:fillRef idx="1">
+          <a:scrgbClr r="0" g="0" b="0"/>
+        </a:fillRef>
+        <a:effectRef idx="0">
+          <a:scrgbClr r="0" g="0" b="0"/>
+        </a:effectRef>
+        <a:fontRef idx="minor">
+          <a:schemeClr val="lt1"/>
+        </a:fontRef>
+      </dsp:style>
+      <dsp:txBody>
+        <a:bodyPr spcFirstLastPara="0" vert="horz" wrap="square" lIns="106680" tIns="106680" rIns="106680" bIns="106680" numCol="1" spcCol="1270" anchor="ctr" anchorCtr="0">
+          <a:noAutofit/>
+        </a:bodyPr>
+        <a:lstStyle/>
+        <a:p>
+          <a:pPr marL="0" lvl="0" indent="0" algn="ctr" defTabSz="1244600">
+            <a:lnSpc>
+              <a:spcPct val="90000"/>
+            </a:lnSpc>
+            <a:spcBef>
+              <a:spcPct val="0"/>
+            </a:spcBef>
+            <a:spcAft>
+              <a:spcPct val="35000"/>
+            </a:spcAft>
+            <a:buNone/>
+          </a:pPr>
+          <a:r>
+            <a:rPr lang="en-CA" sz="2800" kern="1200" dirty="0"/>
+            <a:t>Thing</a:t>
+          </a:r>
+        </a:p>
+      </dsp:txBody>
+      <dsp:txXfrm>
+        <a:off x="3880911" y="2238806"/>
+        <a:ext cx="1842679" cy="613067"/>
+      </dsp:txXfrm>
+    </dsp:sp>
+    <dsp:sp modelId="{90FBE481-AE80-40B4-A193-AFDE5AFC368B}">
+      <dsp:nvSpPr>
+        <dsp:cNvPr id="0" name=""/>
+        <dsp:cNvSpPr/>
+      </dsp:nvSpPr>
+      <dsp:spPr>
+        <a:xfrm>
+          <a:off x="3861838" y="1480390"/>
+          <a:ext cx="930640" cy="651213"/>
+        </a:xfrm>
+        <a:prstGeom prst="roundRect">
+          <a:avLst>
+            <a:gd name="adj" fmla="val 10000"/>
+          </a:avLst>
+        </a:prstGeom>
+        <a:solidFill>
+          <a:schemeClr val="accent1">
+            <a:hueOff val="0"/>
+            <a:satOff val="0"/>
+            <a:lumOff val="0"/>
+            <a:alphaOff val="0"/>
+          </a:schemeClr>
+        </a:solidFill>
+        <a:ln w="12700" cap="flat" cmpd="sng" algn="ctr">
+          <a:solidFill>
+            <a:schemeClr val="lt1">
+              <a:hueOff val="0"/>
+              <a:satOff val="0"/>
+              <a:lumOff val="0"/>
+              <a:alphaOff val="0"/>
+            </a:schemeClr>
+          </a:solidFill>
+          <a:prstDash val="solid"/>
+          <a:miter lim="800000"/>
+        </a:ln>
+        <a:effectLst/>
+      </dsp:spPr>
+      <dsp:style>
+        <a:lnRef idx="2">
+          <a:scrgbClr r="0" g="0" b="0"/>
+        </a:lnRef>
+        <a:fillRef idx="1">
+          <a:scrgbClr r="0" g="0" b="0"/>
+        </a:fillRef>
+        <a:effectRef idx="0">
+          <a:scrgbClr r="0" g="0" b="0"/>
+        </a:effectRef>
+        <a:fontRef idx="minor">
+          <a:schemeClr val="lt1"/>
+        </a:fontRef>
+      </dsp:style>
+      <dsp:txBody>
+        <a:bodyPr spcFirstLastPara="0" vert="horz" wrap="square" lIns="57150" tIns="57150" rIns="57150" bIns="57150" numCol="1" spcCol="1270" anchor="ctr" anchorCtr="0">
+          <a:noAutofit/>
+        </a:bodyPr>
+        <a:lstStyle/>
+        <a:p>
+          <a:pPr marL="0" lvl="0" indent="0" algn="ctr" defTabSz="666750">
+            <a:lnSpc>
+              <a:spcPct val="90000"/>
+            </a:lnSpc>
+            <a:spcBef>
+              <a:spcPct val="0"/>
+            </a:spcBef>
+            <a:spcAft>
+              <a:spcPct val="35000"/>
+            </a:spcAft>
+            <a:buNone/>
+          </a:pPr>
+          <a:r>
+            <a:rPr lang="en-CA" sz="1500" kern="1200" dirty="0"/>
+            <a:t>Type</a:t>
+          </a:r>
+        </a:p>
+      </dsp:txBody>
+      <dsp:txXfrm>
+        <a:off x="3880911" y="1499463"/>
+        <a:ext cx="892494" cy="613067"/>
+      </dsp:txXfrm>
+    </dsp:sp>
+    <dsp:sp modelId="{085E794F-3DD5-4CF2-9FE8-EAA916B62D4B}">
+      <dsp:nvSpPr>
+        <dsp:cNvPr id="0" name=""/>
+        <dsp:cNvSpPr/>
+      </dsp:nvSpPr>
+      <dsp:spPr>
+        <a:xfrm>
+          <a:off x="4812023" y="1480390"/>
+          <a:ext cx="930640" cy="651213"/>
+        </a:xfrm>
+        <a:prstGeom prst="roundRect">
+          <a:avLst>
+            <a:gd name="adj" fmla="val 10000"/>
+          </a:avLst>
+        </a:prstGeom>
+        <a:solidFill>
+          <a:schemeClr val="accent1">
+            <a:hueOff val="0"/>
+            <a:satOff val="0"/>
+            <a:lumOff val="0"/>
+            <a:alphaOff val="0"/>
+          </a:schemeClr>
+        </a:solidFill>
+        <a:ln w="12700" cap="flat" cmpd="sng" algn="ctr">
+          <a:solidFill>
+            <a:schemeClr val="lt1">
+              <a:hueOff val="0"/>
+              <a:satOff val="0"/>
+              <a:lumOff val="0"/>
+              <a:alphaOff val="0"/>
+            </a:schemeClr>
+          </a:solidFill>
+          <a:prstDash val="solid"/>
+          <a:miter lim="800000"/>
+        </a:ln>
+        <a:effectLst/>
+      </dsp:spPr>
+      <dsp:style>
+        <a:lnRef idx="2">
+          <a:scrgbClr r="0" g="0" b="0"/>
+        </a:lnRef>
+        <a:fillRef idx="1">
+          <a:scrgbClr r="0" g="0" b="0"/>
+        </a:fillRef>
+        <a:effectRef idx="0">
+          <a:scrgbClr r="0" g="0" b="0"/>
+        </a:effectRef>
+        <a:fontRef idx="minor">
+          <a:schemeClr val="lt1"/>
+        </a:fontRef>
+      </dsp:style>
+      <dsp:txBody>
+        <a:bodyPr spcFirstLastPara="0" vert="horz" wrap="square" lIns="57150" tIns="57150" rIns="57150" bIns="57150" numCol="1" spcCol="1270" anchor="ctr" anchorCtr="0">
+          <a:noAutofit/>
+        </a:bodyPr>
+        <a:lstStyle/>
+        <a:p>
+          <a:pPr marL="0" lvl="0" indent="0" algn="ctr" defTabSz="666750">
+            <a:lnSpc>
+              <a:spcPct val="90000"/>
+            </a:lnSpc>
+            <a:spcBef>
+              <a:spcPct val="0"/>
+            </a:spcBef>
+            <a:spcAft>
+              <a:spcPct val="35000"/>
+            </a:spcAft>
+            <a:buNone/>
+          </a:pPr>
+          <a:r>
+            <a:rPr lang="en-CA" sz="1500" kern="1200" dirty="0"/>
+            <a:t>Id</a:t>
+          </a:r>
+        </a:p>
+      </dsp:txBody>
+      <dsp:txXfrm>
+        <a:off x="4831096" y="1499463"/>
+        <a:ext cx="892494" cy="613067"/>
+      </dsp:txXfrm>
+    </dsp:sp>
+    <dsp:sp modelId="{2B7725D3-092F-4DEC-A8C0-4ADDA56A36FE}">
+      <dsp:nvSpPr>
+        <dsp:cNvPr id="0" name=""/>
+        <dsp:cNvSpPr/>
+      </dsp:nvSpPr>
+      <dsp:spPr>
+        <a:xfrm>
+          <a:off x="5781750" y="2219733"/>
+          <a:ext cx="4731378" cy="651213"/>
+        </a:xfrm>
+        <a:prstGeom prst="roundRect">
+          <a:avLst>
+            <a:gd name="adj" fmla="val 10000"/>
+          </a:avLst>
+        </a:prstGeom>
+        <a:solidFill>
+          <a:schemeClr val="accent1">
+            <a:hueOff val="0"/>
+            <a:satOff val="0"/>
+            <a:lumOff val="0"/>
+            <a:alphaOff val="0"/>
+          </a:schemeClr>
+        </a:solidFill>
+        <a:ln w="12700" cap="flat" cmpd="sng" algn="ctr">
+          <a:solidFill>
+            <a:schemeClr val="lt1">
+              <a:hueOff val="0"/>
+              <a:satOff val="0"/>
+              <a:lumOff val="0"/>
+              <a:alphaOff val="0"/>
+            </a:schemeClr>
+          </a:solidFill>
+          <a:prstDash val="solid"/>
+          <a:miter lim="800000"/>
+        </a:ln>
+        <a:effectLst/>
+      </dsp:spPr>
+      <dsp:style>
+        <a:lnRef idx="2">
+          <a:scrgbClr r="0" g="0" b="0"/>
+        </a:lnRef>
+        <a:fillRef idx="1">
+          <a:scrgbClr r="0" g="0" b="0"/>
+        </a:fillRef>
+        <a:effectRef idx="0">
+          <a:scrgbClr r="0" g="0" b="0"/>
+        </a:effectRef>
+        <a:fontRef idx="minor">
+          <a:schemeClr val="lt1"/>
+        </a:fontRef>
+      </dsp:style>
+      <dsp:txBody>
+        <a:bodyPr spcFirstLastPara="0" vert="horz" wrap="square" lIns="106680" tIns="106680" rIns="106680" bIns="106680" numCol="1" spcCol="1270" anchor="ctr" anchorCtr="0">
+          <a:noAutofit/>
+        </a:bodyPr>
+        <a:lstStyle/>
+        <a:p>
+          <a:pPr marL="0" lvl="0" indent="0" algn="ctr" defTabSz="1244600">
+            <a:lnSpc>
+              <a:spcPct val="90000"/>
+            </a:lnSpc>
+            <a:spcBef>
+              <a:spcPct val="0"/>
+            </a:spcBef>
+            <a:spcAft>
+              <a:spcPct val="35000"/>
+            </a:spcAft>
+            <a:buNone/>
+          </a:pPr>
+          <a:r>
+            <a:rPr lang="en-CA" sz="2800" kern="1200" dirty="0"/>
+            <a:t>Relationship</a:t>
+          </a:r>
+        </a:p>
+      </dsp:txBody>
+      <dsp:txXfrm>
+        <a:off x="5800823" y="2238806"/>
+        <a:ext cx="4693232" cy="613067"/>
+      </dsp:txXfrm>
+    </dsp:sp>
+    <dsp:sp modelId="{7772B651-64FD-4D4A-976B-4A48B0793D9D}">
+      <dsp:nvSpPr>
+        <dsp:cNvPr id="0" name=""/>
+        <dsp:cNvSpPr/>
+      </dsp:nvSpPr>
+      <dsp:spPr>
+        <a:xfrm>
+          <a:off x="5781750" y="1480390"/>
+          <a:ext cx="1880825" cy="651213"/>
+        </a:xfrm>
+        <a:prstGeom prst="roundRect">
+          <a:avLst>
+            <a:gd name="adj" fmla="val 10000"/>
+          </a:avLst>
+        </a:prstGeom>
+        <a:solidFill>
+          <a:schemeClr val="accent1">
+            <a:hueOff val="0"/>
+            <a:satOff val="0"/>
+            <a:lumOff val="0"/>
+            <a:alphaOff val="0"/>
+          </a:schemeClr>
+        </a:solidFill>
+        <a:ln w="12700" cap="flat" cmpd="sng" algn="ctr">
+          <a:solidFill>
+            <a:schemeClr val="lt1">
+              <a:hueOff val="0"/>
+              <a:satOff val="0"/>
+              <a:lumOff val="0"/>
+              <a:alphaOff val="0"/>
+            </a:schemeClr>
+          </a:solidFill>
+          <a:prstDash val="solid"/>
+          <a:miter lim="800000"/>
+        </a:ln>
+        <a:effectLst/>
+      </dsp:spPr>
+      <dsp:style>
+        <a:lnRef idx="2">
+          <a:scrgbClr r="0" g="0" b="0"/>
+        </a:lnRef>
+        <a:fillRef idx="1">
+          <a:scrgbClr r="0" g="0" b="0"/>
+        </a:fillRef>
+        <a:effectRef idx="0">
+          <a:scrgbClr r="0" g="0" b="0"/>
+        </a:effectRef>
+        <a:fontRef idx="minor">
+          <a:schemeClr val="lt1"/>
+        </a:fontRef>
+      </dsp:style>
+      <dsp:txBody>
+        <a:bodyPr spcFirstLastPara="0" vert="horz" wrap="square" lIns="57150" tIns="57150" rIns="57150" bIns="57150" numCol="1" spcCol="1270" anchor="ctr" anchorCtr="0">
+          <a:noAutofit/>
+        </a:bodyPr>
+        <a:lstStyle/>
+        <a:p>
+          <a:pPr marL="0" lvl="0" indent="0" algn="ctr" defTabSz="666750">
+            <a:lnSpc>
+              <a:spcPct val="90000"/>
+            </a:lnSpc>
+            <a:spcBef>
+              <a:spcPct val="0"/>
+            </a:spcBef>
+            <a:spcAft>
+              <a:spcPct val="35000"/>
+            </a:spcAft>
+            <a:buNone/>
+          </a:pPr>
+          <a:r>
+            <a:rPr lang="en-CA" sz="1500" kern="1200" dirty="0"/>
+            <a:t>Left</a:t>
+          </a:r>
+        </a:p>
+      </dsp:txBody>
+      <dsp:txXfrm>
+        <a:off x="5800823" y="1499463"/>
+        <a:ext cx="1842679" cy="613067"/>
+      </dsp:txXfrm>
+    </dsp:sp>
+    <dsp:sp modelId="{0727A0E0-F6BB-4693-940F-C10444E21E86}">
+      <dsp:nvSpPr>
+        <dsp:cNvPr id="0" name=""/>
+        <dsp:cNvSpPr/>
+      </dsp:nvSpPr>
+      <dsp:spPr>
+        <a:xfrm>
+          <a:off x="5781750" y="741047"/>
+          <a:ext cx="930640" cy="651213"/>
+        </a:xfrm>
+        <a:prstGeom prst="roundRect">
+          <a:avLst>
+            <a:gd name="adj" fmla="val 10000"/>
+          </a:avLst>
+        </a:prstGeom>
+        <a:solidFill>
+          <a:schemeClr val="accent1">
+            <a:hueOff val="0"/>
+            <a:satOff val="0"/>
+            <a:lumOff val="0"/>
+            <a:alphaOff val="0"/>
+          </a:schemeClr>
+        </a:solidFill>
+        <a:ln w="12700" cap="flat" cmpd="sng" algn="ctr">
+          <a:solidFill>
+            <a:schemeClr val="lt1">
+              <a:hueOff val="0"/>
+              <a:satOff val="0"/>
+              <a:lumOff val="0"/>
+              <a:alphaOff val="0"/>
+            </a:schemeClr>
+          </a:solidFill>
+          <a:prstDash val="solid"/>
+          <a:miter lim="800000"/>
+        </a:ln>
+        <a:effectLst/>
+      </dsp:spPr>
+      <dsp:style>
+        <a:lnRef idx="2">
+          <a:scrgbClr r="0" g="0" b="0"/>
+        </a:lnRef>
+        <a:fillRef idx="1">
+          <a:scrgbClr r="0" g="0" b="0"/>
+        </a:fillRef>
+        <a:effectRef idx="0">
+          <a:scrgbClr r="0" g="0" b="0"/>
+        </a:effectRef>
+        <a:fontRef idx="minor">
+          <a:schemeClr val="lt1"/>
+        </a:fontRef>
+      </dsp:style>
+      <dsp:txBody>
+        <a:bodyPr spcFirstLastPara="0" vert="horz" wrap="square" lIns="57150" tIns="57150" rIns="57150" bIns="57150" numCol="1" spcCol="1270" anchor="ctr" anchorCtr="0">
+          <a:noAutofit/>
+        </a:bodyPr>
+        <a:lstStyle/>
+        <a:p>
+          <a:pPr marL="0" lvl="0" indent="0" algn="ctr" defTabSz="666750">
+            <a:lnSpc>
+              <a:spcPct val="90000"/>
+            </a:lnSpc>
+            <a:spcBef>
+              <a:spcPct val="0"/>
+            </a:spcBef>
+            <a:spcAft>
+              <a:spcPct val="35000"/>
+            </a:spcAft>
+            <a:buNone/>
+          </a:pPr>
+          <a:r>
+            <a:rPr lang="en-CA" sz="1500" kern="1200" dirty="0"/>
+            <a:t>Type</a:t>
+          </a:r>
+        </a:p>
+      </dsp:txBody>
+      <dsp:txXfrm>
+        <a:off x="5800823" y="760120"/>
+        <a:ext cx="892494" cy="613067"/>
+      </dsp:txXfrm>
+    </dsp:sp>
+    <dsp:sp modelId="{77E23EFD-4899-43AD-A4A1-EDB499D0109B}">
+      <dsp:nvSpPr>
+        <dsp:cNvPr id="0" name=""/>
+        <dsp:cNvSpPr/>
+      </dsp:nvSpPr>
+      <dsp:spPr>
+        <a:xfrm>
+          <a:off x="6731935" y="741047"/>
+          <a:ext cx="930640" cy="651213"/>
+        </a:xfrm>
+        <a:prstGeom prst="roundRect">
+          <a:avLst>
+            <a:gd name="adj" fmla="val 10000"/>
+          </a:avLst>
+        </a:prstGeom>
+        <a:solidFill>
+          <a:schemeClr val="accent1">
+            <a:hueOff val="0"/>
+            <a:satOff val="0"/>
+            <a:lumOff val="0"/>
+            <a:alphaOff val="0"/>
+          </a:schemeClr>
+        </a:solidFill>
+        <a:ln w="12700" cap="flat" cmpd="sng" algn="ctr">
+          <a:solidFill>
+            <a:schemeClr val="lt1">
+              <a:hueOff val="0"/>
+              <a:satOff val="0"/>
+              <a:lumOff val="0"/>
+              <a:alphaOff val="0"/>
+            </a:schemeClr>
+          </a:solidFill>
+          <a:prstDash val="solid"/>
+          <a:miter lim="800000"/>
+        </a:ln>
+        <a:effectLst/>
+      </dsp:spPr>
+      <dsp:style>
+        <a:lnRef idx="2">
+          <a:scrgbClr r="0" g="0" b="0"/>
+        </a:lnRef>
+        <a:fillRef idx="1">
+          <a:scrgbClr r="0" g="0" b="0"/>
+        </a:fillRef>
+        <a:effectRef idx="0">
+          <a:scrgbClr r="0" g="0" b="0"/>
+        </a:effectRef>
+        <a:fontRef idx="minor">
+          <a:schemeClr val="lt1"/>
+        </a:fontRef>
+      </dsp:style>
+      <dsp:txBody>
+        <a:bodyPr spcFirstLastPara="0" vert="horz" wrap="square" lIns="57150" tIns="57150" rIns="57150" bIns="57150" numCol="1" spcCol="1270" anchor="ctr" anchorCtr="0">
+          <a:noAutofit/>
+        </a:bodyPr>
+        <a:lstStyle/>
+        <a:p>
+          <a:pPr marL="0" lvl="0" indent="0" algn="ctr" defTabSz="666750">
+            <a:lnSpc>
+              <a:spcPct val="90000"/>
+            </a:lnSpc>
+            <a:spcBef>
+              <a:spcPct val="0"/>
+            </a:spcBef>
+            <a:spcAft>
+              <a:spcPct val="35000"/>
+            </a:spcAft>
+            <a:buNone/>
+          </a:pPr>
+          <a:r>
+            <a:rPr lang="en-CA" sz="1500" kern="1200" dirty="0"/>
+            <a:t>Id</a:t>
+          </a:r>
+        </a:p>
+      </dsp:txBody>
+      <dsp:txXfrm>
+        <a:off x="6751008" y="760120"/>
+        <a:ext cx="892494" cy="613067"/>
+      </dsp:txXfrm>
+    </dsp:sp>
+    <dsp:sp modelId="{C409283E-F977-427C-9B48-9CBE876DC6F8}">
+      <dsp:nvSpPr>
+        <dsp:cNvPr id="0" name=""/>
+        <dsp:cNvSpPr/>
+      </dsp:nvSpPr>
+      <dsp:spPr>
+        <a:xfrm>
+          <a:off x="7682119" y="1480390"/>
+          <a:ext cx="930640" cy="651213"/>
+        </a:xfrm>
+        <a:prstGeom prst="roundRect">
+          <a:avLst>
+            <a:gd name="adj" fmla="val 10000"/>
+          </a:avLst>
+        </a:prstGeom>
+        <a:solidFill>
+          <a:schemeClr val="accent1">
+            <a:hueOff val="0"/>
+            <a:satOff val="0"/>
+            <a:lumOff val="0"/>
+            <a:alphaOff val="0"/>
+          </a:schemeClr>
+        </a:solidFill>
+        <a:ln w="12700" cap="flat" cmpd="sng" algn="ctr">
+          <a:solidFill>
+            <a:schemeClr val="lt1">
+              <a:hueOff val="0"/>
+              <a:satOff val="0"/>
+              <a:lumOff val="0"/>
+              <a:alphaOff val="0"/>
+            </a:schemeClr>
+          </a:solidFill>
+          <a:prstDash val="solid"/>
+          <a:miter lim="800000"/>
+        </a:ln>
+        <a:effectLst/>
+      </dsp:spPr>
+      <dsp:style>
+        <a:lnRef idx="2">
+          <a:scrgbClr r="0" g="0" b="0"/>
+        </a:lnRef>
+        <a:fillRef idx="1">
+          <a:scrgbClr r="0" g="0" b="0"/>
+        </a:fillRef>
+        <a:effectRef idx="0">
+          <a:scrgbClr r="0" g="0" b="0"/>
+        </a:effectRef>
+        <a:fontRef idx="minor">
+          <a:schemeClr val="lt1"/>
+        </a:fontRef>
+      </dsp:style>
+      <dsp:txBody>
+        <a:bodyPr spcFirstLastPara="0" vert="horz" wrap="square" lIns="57150" tIns="57150" rIns="57150" bIns="57150" numCol="1" spcCol="1270" anchor="ctr" anchorCtr="0">
+          <a:noAutofit/>
+        </a:bodyPr>
+        <a:lstStyle/>
+        <a:p>
+          <a:pPr marL="0" lvl="0" indent="0" algn="ctr" defTabSz="666750">
+            <a:lnSpc>
+              <a:spcPct val="90000"/>
+            </a:lnSpc>
+            <a:spcBef>
+              <a:spcPct val="0"/>
+            </a:spcBef>
+            <a:spcAft>
+              <a:spcPct val="35000"/>
+            </a:spcAft>
+            <a:buNone/>
+          </a:pPr>
+          <a:r>
+            <a:rPr lang="en-CA" sz="1500" kern="1200" dirty="0"/>
+            <a:t>Type</a:t>
+          </a:r>
+        </a:p>
+      </dsp:txBody>
+      <dsp:txXfrm>
+        <a:off x="7701192" y="1499463"/>
+        <a:ext cx="892494" cy="613067"/>
+      </dsp:txXfrm>
+    </dsp:sp>
+    <dsp:sp modelId="{98A1115A-1392-4241-A180-9A1D6661EC74}">
+      <dsp:nvSpPr>
+        <dsp:cNvPr id="0" name=""/>
+        <dsp:cNvSpPr/>
+      </dsp:nvSpPr>
+      <dsp:spPr>
+        <a:xfrm>
+          <a:off x="8632303" y="1480390"/>
+          <a:ext cx="1880825" cy="651213"/>
+        </a:xfrm>
+        <a:prstGeom prst="roundRect">
+          <a:avLst>
+            <a:gd name="adj" fmla="val 10000"/>
+          </a:avLst>
+        </a:prstGeom>
+        <a:solidFill>
+          <a:schemeClr val="accent1">
+            <a:hueOff val="0"/>
+            <a:satOff val="0"/>
+            <a:lumOff val="0"/>
+            <a:alphaOff val="0"/>
+          </a:schemeClr>
+        </a:solidFill>
+        <a:ln w="12700" cap="flat" cmpd="sng" algn="ctr">
+          <a:solidFill>
+            <a:schemeClr val="lt1">
+              <a:hueOff val="0"/>
+              <a:satOff val="0"/>
+              <a:lumOff val="0"/>
+              <a:alphaOff val="0"/>
+            </a:schemeClr>
+          </a:solidFill>
+          <a:prstDash val="solid"/>
+          <a:miter lim="800000"/>
+        </a:ln>
+        <a:effectLst/>
+      </dsp:spPr>
+      <dsp:style>
+        <a:lnRef idx="2">
+          <a:scrgbClr r="0" g="0" b="0"/>
+        </a:lnRef>
+        <a:fillRef idx="1">
+          <a:scrgbClr r="0" g="0" b="0"/>
+        </a:fillRef>
+        <a:effectRef idx="0">
+          <a:scrgbClr r="0" g="0" b="0"/>
+        </a:effectRef>
+        <a:fontRef idx="minor">
+          <a:schemeClr val="lt1"/>
+        </a:fontRef>
+      </dsp:style>
+      <dsp:txBody>
+        <a:bodyPr spcFirstLastPara="0" vert="horz" wrap="square" lIns="57150" tIns="57150" rIns="57150" bIns="57150" numCol="1" spcCol="1270" anchor="ctr" anchorCtr="0">
+          <a:noAutofit/>
+        </a:bodyPr>
+        <a:lstStyle/>
+        <a:p>
+          <a:pPr marL="0" lvl="0" indent="0" algn="ctr" defTabSz="666750">
+            <a:lnSpc>
+              <a:spcPct val="90000"/>
+            </a:lnSpc>
+            <a:spcBef>
+              <a:spcPct val="0"/>
+            </a:spcBef>
+            <a:spcAft>
+              <a:spcPct val="35000"/>
+            </a:spcAft>
+            <a:buNone/>
+          </a:pPr>
+          <a:r>
+            <a:rPr lang="en-CA" sz="1500" kern="1200" dirty="0"/>
+            <a:t>Right</a:t>
+          </a:r>
+        </a:p>
+      </dsp:txBody>
+      <dsp:txXfrm>
+        <a:off x="8651376" y="1499463"/>
+        <a:ext cx="1842679" cy="613067"/>
+      </dsp:txXfrm>
+    </dsp:sp>
+    <dsp:sp modelId="{17972C47-19AA-4DE5-8DEF-BDCE223EE24D}">
+      <dsp:nvSpPr>
+        <dsp:cNvPr id="0" name=""/>
+        <dsp:cNvSpPr/>
+      </dsp:nvSpPr>
+      <dsp:spPr>
+        <a:xfrm>
+          <a:off x="8632303" y="741047"/>
+          <a:ext cx="930640" cy="651213"/>
+        </a:xfrm>
+        <a:prstGeom prst="roundRect">
+          <a:avLst>
+            <a:gd name="adj" fmla="val 10000"/>
+          </a:avLst>
+        </a:prstGeom>
+        <a:solidFill>
+          <a:schemeClr val="accent1">
+            <a:hueOff val="0"/>
+            <a:satOff val="0"/>
+            <a:lumOff val="0"/>
+            <a:alphaOff val="0"/>
+          </a:schemeClr>
+        </a:solidFill>
+        <a:ln w="12700" cap="flat" cmpd="sng" algn="ctr">
+          <a:solidFill>
+            <a:schemeClr val="lt1">
+              <a:hueOff val="0"/>
+              <a:satOff val="0"/>
+              <a:lumOff val="0"/>
+              <a:alphaOff val="0"/>
+            </a:schemeClr>
+          </a:solidFill>
+          <a:prstDash val="solid"/>
+          <a:miter lim="800000"/>
+        </a:ln>
+        <a:effectLst/>
+      </dsp:spPr>
+      <dsp:style>
+        <a:lnRef idx="2">
+          <a:scrgbClr r="0" g="0" b="0"/>
+        </a:lnRef>
+        <a:fillRef idx="1">
+          <a:scrgbClr r="0" g="0" b="0"/>
+        </a:fillRef>
+        <a:effectRef idx="0">
+          <a:scrgbClr r="0" g="0" b="0"/>
+        </a:effectRef>
+        <a:fontRef idx="minor">
+          <a:schemeClr val="lt1"/>
+        </a:fontRef>
+      </dsp:style>
+      <dsp:txBody>
+        <a:bodyPr spcFirstLastPara="0" vert="horz" wrap="square" lIns="57150" tIns="57150" rIns="57150" bIns="57150" numCol="1" spcCol="1270" anchor="ctr" anchorCtr="0">
+          <a:noAutofit/>
+        </a:bodyPr>
+        <a:lstStyle/>
+        <a:p>
+          <a:pPr marL="0" lvl="0" indent="0" algn="ctr" defTabSz="666750">
+            <a:lnSpc>
+              <a:spcPct val="90000"/>
+            </a:lnSpc>
+            <a:spcBef>
+              <a:spcPct val="0"/>
+            </a:spcBef>
+            <a:spcAft>
+              <a:spcPct val="35000"/>
+            </a:spcAft>
+            <a:buNone/>
+          </a:pPr>
+          <a:r>
+            <a:rPr lang="en-CA" sz="1500" kern="1200" dirty="0"/>
+            <a:t>Type</a:t>
+          </a:r>
+        </a:p>
+      </dsp:txBody>
+      <dsp:txXfrm>
+        <a:off x="8651376" y="760120"/>
+        <a:ext cx="892494" cy="613067"/>
+      </dsp:txXfrm>
+    </dsp:sp>
+    <dsp:sp modelId="{43F27BF5-86E5-4ACF-80D4-0D27A19D036D}">
+      <dsp:nvSpPr>
+        <dsp:cNvPr id="0" name=""/>
+        <dsp:cNvSpPr/>
+      </dsp:nvSpPr>
+      <dsp:spPr>
+        <a:xfrm>
+          <a:off x="9582488" y="741047"/>
+          <a:ext cx="930640" cy="651213"/>
+        </a:xfrm>
+        <a:prstGeom prst="roundRect">
+          <a:avLst>
+            <a:gd name="adj" fmla="val 10000"/>
+          </a:avLst>
+        </a:prstGeom>
+        <a:solidFill>
+          <a:schemeClr val="accent1">
+            <a:hueOff val="0"/>
+            <a:satOff val="0"/>
+            <a:lumOff val="0"/>
+            <a:alphaOff val="0"/>
+          </a:schemeClr>
+        </a:solidFill>
+        <a:ln w="12700" cap="flat" cmpd="sng" algn="ctr">
+          <a:solidFill>
+            <a:schemeClr val="lt1">
+              <a:hueOff val="0"/>
+              <a:satOff val="0"/>
+              <a:lumOff val="0"/>
+              <a:alphaOff val="0"/>
+            </a:schemeClr>
+          </a:solidFill>
+          <a:prstDash val="solid"/>
+          <a:miter lim="800000"/>
+        </a:ln>
+        <a:effectLst/>
+      </dsp:spPr>
+      <dsp:style>
+        <a:lnRef idx="2">
+          <a:scrgbClr r="0" g="0" b="0"/>
+        </a:lnRef>
+        <a:fillRef idx="1">
+          <a:scrgbClr r="0" g="0" b="0"/>
+        </a:fillRef>
+        <a:effectRef idx="0">
+          <a:scrgbClr r="0" g="0" b="0"/>
+        </a:effectRef>
+        <a:fontRef idx="minor">
+          <a:schemeClr val="lt1"/>
+        </a:fontRef>
+      </dsp:style>
+      <dsp:txBody>
+        <a:bodyPr spcFirstLastPara="0" vert="horz" wrap="square" lIns="57150" tIns="57150" rIns="57150" bIns="57150" numCol="1" spcCol="1270" anchor="ctr" anchorCtr="0">
+          <a:noAutofit/>
+        </a:bodyPr>
+        <a:lstStyle/>
+        <a:p>
+          <a:pPr marL="0" lvl="0" indent="0" algn="ctr" defTabSz="666750">
+            <a:lnSpc>
+              <a:spcPct val="90000"/>
+            </a:lnSpc>
+            <a:spcBef>
+              <a:spcPct val="0"/>
+            </a:spcBef>
+            <a:spcAft>
+              <a:spcPct val="35000"/>
+            </a:spcAft>
+            <a:buNone/>
+          </a:pPr>
+          <a:r>
+            <a:rPr lang="en-CA" sz="1500" kern="1200" dirty="0"/>
+            <a:t>Id</a:t>
+          </a:r>
+        </a:p>
+      </dsp:txBody>
+      <dsp:txXfrm>
+        <a:off x="9601561" y="760120"/>
+        <a:ext cx="892494" cy="613067"/>
+      </dsp:txXfrm>
+    </dsp:sp>
+  </dsp:spTree>
+</dsp:drawing>
+</file>
+
+<file path=ppt/diagrams/layout1.xml><?xml version="1.0" encoding="utf-8"?>
+<dgm:layoutDef xmlns:dgm="http://schemas.openxmlformats.org/drawingml/2006/diagram" xmlns:a="http://schemas.openxmlformats.org/drawingml/2006/main" uniqueId="urn:microsoft.com/office/officeart/2005/8/layout/architecture">
+  <dgm:title val="Architecture Layout"/>
+  <dgm:desc val="Use to show hierarchical relationships that build from the bottom up. This layout works well for showing architectural components or objects that build on other objects."/>
+  <dgm:catLst>
+    <dgm:cat type="hierarchy" pri="4500"/>
+    <dgm:cat type="list" pri="24500"/>
+    <dgm:cat type="relationship" pri="10500"/>
+    <dgm:cat type="officeonline" pri="7000"/>
+  </dgm:catLst>
+  <dgm:sampData>
+    <dgm:dataModel>
+      <dgm:ptLst>
+        <dgm:pt modelId="0" type="doc"/>
+        <dgm:pt modelId="1">
+          <dgm:prSet phldr="1"/>
+        </dgm:pt>
+        <dgm:pt modelId="2">
+          <dgm:prSet phldr="1"/>
+        </dgm:pt>
+        <dgm:pt modelId="21">
+          <dgm:prSet phldr="1"/>
+        </dgm:pt>
+        <dgm:pt modelId="22">
+          <dgm:prSet phldr="1"/>
+        </dgm:pt>
+        <dgm:pt modelId="3">
+          <dgm:prSet phldr="1"/>
+        </dgm:pt>
+        <dgm:pt modelId="31">
+          <dgm:prSet phldr="1"/>
+        </dgm:pt>
+      </dgm:ptLst>
+      <dgm:cxnLst>
+        <dgm:cxn modelId="4" srcId="0" destId="1" srcOrd="0" destOrd="0"/>
+        <dgm:cxn modelId="5" srcId="1" destId="2" srcOrd="0" destOrd="0"/>
+        <dgm:cxn modelId="6" srcId="1" destId="3" srcOrd="1" destOrd="0"/>
+        <dgm:cxn modelId="23" srcId="2" destId="21" srcOrd="0" destOrd="0"/>
+        <dgm:cxn modelId="24" srcId="2" destId="22" srcOrd="1" destOrd="0"/>
+        <dgm:cxn modelId="33" srcId="3" destId="31" srcOrd="0" destOrd="0"/>
+      </dgm:cxnLst>
+      <dgm:bg/>
+      <dgm:whole/>
+    </dgm:dataModel>
+  </dgm:sampData>
+  <dgm:styleData>
+    <dgm:dataModel>
+      <dgm:ptLst>
+        <dgm:pt modelId="0" type="doc"/>
+        <dgm:pt modelId="1"/>
+        <dgm:pt modelId="11"/>
+        <dgm:pt modelId="12"/>
+      </dgm:ptLst>
+      <dgm:cxnLst>
+        <dgm:cxn modelId="2" srcId="0" destId="1" srcOrd="0" destOrd="0"/>
+        <dgm:cxn modelId="13" srcId="1" destId="11" srcOrd="0" destOrd="0"/>
+        <dgm:cxn modelId="14" srcId="1" destId="12" srcOrd="1" destOrd="0"/>
+      </dgm:cxnLst>
+      <dgm:bg/>
+      <dgm:whole/>
+    </dgm:dataModel>
+  </dgm:styleData>
+  <dgm:clrData>
+    <dgm:dataModel>
+      <dgm:ptLst>
+        <dgm:pt modelId="0" type="doc"/>
+        <dgm:pt modelId="1"/>
+        <dgm:pt modelId="2"/>
+        <dgm:pt modelId="21"/>
+        <dgm:pt modelId="211"/>
+        <dgm:pt modelId="3"/>
+        <dgm:pt modelId="31"/>
+        <dgm:pt modelId="311"/>
+      </dgm:ptLst>
+      <dgm:cxnLst>
+        <dgm:cxn modelId="4" srcId="0" destId="1" srcOrd="0" destOrd="0"/>
+        <dgm:cxn modelId="5" srcId="1" destId="2" srcOrd="0" destOrd="0"/>
+        <dgm:cxn modelId="6" srcId="1" destId="3" srcOrd="1" destOrd="0"/>
+        <dgm:cxn modelId="23" srcId="2" destId="21" srcOrd="0" destOrd="0"/>
+        <dgm:cxn modelId="24" srcId="21" destId="211" srcOrd="0" destOrd="0"/>
+        <dgm:cxn modelId="33" srcId="3" destId="31" srcOrd="0" destOrd="0"/>
+        <dgm:cxn modelId="34" srcId="31" destId="311" srcOrd="0" destOrd="0"/>
+      </dgm:cxnLst>
+      <dgm:bg/>
+      <dgm:whole/>
+    </dgm:dataModel>
+  </dgm:clrData>
+  <dgm:layoutNode name="Name0">
+    <dgm:varLst>
+      <dgm:chPref val="1"/>
+      <dgm:dir/>
+      <dgm:animOne val="branch"/>
+      <dgm:animLvl val="lvl"/>
+      <dgm:resizeHandles/>
+    </dgm:varLst>
+    <dgm:choose name="Name1">
+      <dgm:if name="Name2" func="var" arg="dir" op="equ" val="norm">
+        <dgm:alg type="lin">
+          <dgm:param type="linDir" val="fromL"/>
+          <dgm:param type="nodeVertAlign" val="b"/>
+        </dgm:alg>
+      </dgm:if>
+      <dgm:else name="Name3">
+        <dgm:alg type="lin">
+          <dgm:param type="linDir" val="fromR"/>
+          <dgm:param type="nodeVertAlign" val="b"/>
+        </dgm:alg>
+      </dgm:else>
+    </dgm:choose>
+    <dgm:shape xmlns:r="http://schemas.openxmlformats.org/officeDocument/2006/relationships" r:blip="">
+      <dgm:adjLst/>
+    </dgm:shape>
+    <dgm:presOf/>
+    <dgm:constrLst>
+      <dgm:constr type="w" for="ch" forName="vertOne" refType="w"/>
+      <dgm:constr type="w" for="des" forName="horzOne" refType="w"/>
+      <dgm:constr type="w" for="des" forName="txOne" refType="w"/>
+      <dgm:constr type="w" for="des" forName="vertTwo" refType="w"/>
+      <dgm:constr type="w" for="des" forName="horzTwo" refType="w"/>
+      <dgm:constr type="w" for="des" forName="txTwo" refType="w"/>
+      <dgm:constr type="w" for="des" forName="vertThree" refType="w"/>
+      <dgm:constr type="w" for="des" forName="horzThree" refType="w"/>
+      <dgm:constr type="w" for="des" forName="txThree" refType="w"/>
+      <dgm:constr type="w" for="des" forName="vertFour" refType="w"/>
+      <dgm:constr type="w" for="des" forName="horzFour" refType="w"/>
+      <dgm:constr type="w" for="des" forName="txFour" refType="w"/>
+      <dgm:constr type="h" for="des" ptType="node" op="equ"/>
+      <dgm:constr type="h" for="des" forName="txOne" refType="h"/>
+      <dgm:constr type="userH" for="des" ptType="node" refType="h" refFor="des" refForName="txOne"/>
+      <dgm:constr type="primFontSz" for="des" forName="txOne" val="65"/>
+      <dgm:constr type="primFontSz" for="des" forName="txTwo" val="65"/>
+      <dgm:constr type="primFontSz" for="des" forName="txTwo" refType="primFontSz" refFor="des" refForName="txOne" op="lte"/>
+      <dgm:constr type="primFontSz" for="des" forName="txThree" val="65"/>
+      <dgm:constr type="primFontSz" for="des" forName="txThree" refType="primFontSz" refFor="des" refForName="txOne" op="lte"/>
+      <dgm:constr type="primFontSz" for="des" forName="txThree" refType="primFontSz" refFor="des" refForName="txTwo" op="lte"/>
+      <dgm:constr type="primFontSz" for="des" forName="txFour" val="65"/>
+      <dgm:constr type="primFontSz" for="des" forName="txFour" refType="primFontSz" refFor="des" refForName="txOne" op="lte"/>
+      <dgm:constr type="primFontSz" for="des" forName="txFour" refType="primFontSz" refFor="des" refForName="txTwo" op="lte"/>
+      <dgm:constr type="primFontSz" for="des" forName="txFour" refType="primFontSz" refFor="des" refForName="txThree" op="lte"/>
+      <dgm:constr type="w" for="des" forName="sibSpaceOne" refType="w" fact="0.168"/>
+      <dgm:constr type="w" for="des" forName="sibSpaceTwo" refType="w" refFor="des" refForName="sibSpaceOne" op="equ" fact="0.5"/>
+      <dgm:constr type="w" for="des" forName="sibSpaceThree" refType="w" refFor="des" refForName="sibSpaceTwo" op="equ" fact="0.5"/>
+      <dgm:constr type="w" for="des" forName="sibSpaceFour" refType="w" refFor="des" refForName="sibSpaceThree" op="equ" fact="0.5"/>
+      <dgm:constr type="h" for="des" forName="parTransOne" refType="w" fact="0.056"/>
+      <dgm:constr type="h" for="des" forName="parTransTwo" refType="h" refFor="des" refForName="parTransOne" op="equ"/>
+      <dgm:constr type="h" for="des" forName="parTransThree" refType="h" refFor="des" refForName="parTransTwo" op="equ"/>
+      <dgm:constr type="h" for="des" forName="parTransFour" refType="h" refFor="des" refForName="parTransThree" op="equ"/>
+    </dgm:constrLst>
+    <dgm:ruleLst/>
+    <dgm:forEach name="Name4" axis="ch" ptType="node">
+      <dgm:layoutNode name="vertOne">
+        <dgm:alg type="lin">
+          <dgm:param type="linDir" val="fromB"/>
+        </dgm:alg>
+        <dgm:shape xmlns:r="http://schemas.openxmlformats.org/officeDocument/2006/relationships" r:blip="">
+          <dgm:adjLst/>
+        </dgm:shape>
+        <dgm:presOf/>
+        <dgm:constrLst>
+          <dgm:constr type="w" for="ch" forName="txOne" refType="w" refFor="ch" refForName="horzOne" op="gte"/>
+        </dgm:constrLst>
+        <dgm:ruleLst/>
+        <dgm:layoutNode name="txOne" styleLbl="node0">
+          <dgm:varLst>
+            <dgm:chPref val="3"/>
+          </dgm:varLst>
+          <dgm:alg type="tx"/>
+          <dgm:shape xmlns:r="http://schemas.openxmlformats.org/officeDocument/2006/relationships" type="roundRect" r:blip="">
+            <dgm:adjLst>
+              <dgm:adj idx="1" val="0.1"/>
+            </dgm:adjLst>
+          </dgm:shape>
+          <dgm:presOf axis="self"/>
+          <dgm:constrLst>
+            <dgm:constr type="tMarg" refType="primFontSz" fact="0.3"/>
+            <dgm:constr type="bMarg" refType="primFontSz" fact="0.3"/>
+            <dgm:constr type="lMarg" refType="primFontSz" fact="0.3"/>
+            <dgm:constr type="rMarg" refType="primFontSz" fact="0.3"/>
+          </dgm:constrLst>
+          <dgm:ruleLst>
+            <dgm:rule type="primFontSz" val="5" fact="NaN" max="NaN"/>
+          </dgm:ruleLst>
+        </dgm:layoutNode>
+        <dgm:choose name="Name5">
+          <dgm:if name="Name6" axis="des" ptType="node" func="cnt" op="gt" val="0">
+            <dgm:layoutNode name="parTransOne">
+              <dgm:alg type="sp"/>
+              <dgm:shape xmlns:r="http://schemas.openxmlformats.org/officeDocument/2006/relationships" r:blip="">
+                <dgm:adjLst/>
+              </dgm:shape>
+              <dgm:presOf/>
+              <dgm:constrLst/>
+              <dgm:ruleLst/>
+            </dgm:layoutNode>
+          </dgm:if>
+          <dgm:else name="Name7"/>
+        </dgm:choose>
+        <dgm:layoutNode name="horzOne">
+          <dgm:choose name="Name8">
+            <dgm:if name="Name9" func="var" arg="dir" op="equ" val="norm">
+              <dgm:alg type="lin">
+                <dgm:param type="linDir" val="fromL"/>
+                <dgm:param type="nodeVertAlign" val="b"/>
+              </dgm:alg>
+            </dgm:if>
+            <dgm:else name="Name10">
+              <dgm:alg type="lin">
+                <dgm:param type="linDir" val="fromR"/>
+                <dgm:param type="nodeVertAlign" val="b"/>
+              </dgm:alg>
+            </dgm:else>
+          </dgm:choose>
+          <dgm:shape xmlns:r="http://schemas.openxmlformats.org/officeDocument/2006/relationships" r:blip="">
+            <dgm:adjLst/>
+          </dgm:shape>
+          <dgm:presOf/>
+          <dgm:constrLst/>
+          <dgm:ruleLst>
+            <dgm:rule type="w" val="INF" fact="NaN" max="NaN"/>
+          </dgm:ruleLst>
+          <dgm:forEach name="Name11" axis="ch" ptType="node">
+            <dgm:layoutNode name="vertTwo">
+              <dgm:alg type="lin">
+                <dgm:param type="linDir" val="fromB"/>
+              </dgm:alg>
+              <dgm:shape xmlns:r="http://schemas.openxmlformats.org/officeDocument/2006/relationships" r:blip="">
+                <dgm:adjLst/>
+              </dgm:shape>
+              <dgm:presOf/>
+              <dgm:constrLst>
+                <dgm:constr type="w" for="ch" forName="txTwo" refType="w" refFor="ch" refForName="horzTwo" op="gte"/>
+              </dgm:constrLst>
+              <dgm:ruleLst/>
+              <dgm:layoutNode name="txTwo">
+                <dgm:varLst>
+                  <dgm:chPref val="3"/>
+                </dgm:varLst>
+                <dgm:alg type="tx"/>
+                <dgm:shape xmlns:r="http://schemas.openxmlformats.org/officeDocument/2006/relationships" type="roundRect" r:blip="">
+                  <dgm:adjLst>
+                    <dgm:adj idx="1" val="0.1"/>
+                  </dgm:adjLst>
+                </dgm:shape>
+                <dgm:presOf axis="self"/>
+                <dgm:constrLst>
+                  <dgm:constr type="userH"/>
+                  <dgm:constr type="h" refType="userH"/>
+                  <dgm:constr type="tMarg" refType="primFontSz" fact="0.3"/>
+                  <dgm:constr type="bMarg" refType="primFontSz" fact="0.3"/>
+                  <dgm:constr type="lMarg" refType="primFontSz" fact="0.3"/>
+                  <dgm:constr type="rMarg" refType="primFontSz" fact="0.3"/>
+                </dgm:constrLst>
+                <dgm:ruleLst>
+                  <dgm:rule type="primFontSz" val="5" fact="NaN" max="NaN"/>
+                </dgm:ruleLst>
+              </dgm:layoutNode>
+              <dgm:choose name="Name12">
+                <dgm:if name="Name13" axis="des" ptType="node" func="cnt" op="gt" val="0">
+                  <dgm:layoutNode name="parTransTwo">
+                    <dgm:alg type="sp"/>
+                    <dgm:shape xmlns:r="http://schemas.openxmlformats.org/officeDocument/2006/relationships" r:blip="">
+                      <dgm:adjLst/>
+                    </dgm:shape>
+                    <dgm:presOf/>
+                    <dgm:constrLst/>
+                    <dgm:ruleLst/>
+                  </dgm:layoutNode>
+                </dgm:if>
+                <dgm:else name="Name14"/>
+              </dgm:choose>
+              <dgm:layoutNode name="horzTwo">
+                <dgm:choose name="Name15">
+                  <dgm:if name="Name16" func="var" arg="dir" op="equ" val="norm">
+                    <dgm:alg type="lin">
+                      <dgm:param type="linDir" val="fromL"/>
+                      <dgm:param type="nodeVertAlign" val="b"/>
+                    </dgm:alg>
+                  </dgm:if>
+                  <dgm:else name="Name17">
+                    <dgm:alg type="lin">
+                      <dgm:param type="linDir" val="fromR"/>
+                      <dgm:param type="nodeVertAlign" val="b"/>
+                    </dgm:alg>
+                  </dgm:else>
+                </dgm:choose>
+                <dgm:shape xmlns:r="http://schemas.openxmlformats.org/officeDocument/2006/relationships" r:blip="">
+                  <dgm:adjLst/>
+                </dgm:shape>
+                <dgm:presOf/>
+                <dgm:constrLst/>
+                <dgm:ruleLst>
+                  <dgm:rule type="w" val="INF" fact="NaN" max="NaN"/>
+                </dgm:ruleLst>
+                <dgm:forEach name="Name18" axis="ch" ptType="node">
+                  <dgm:layoutNode name="vertThree">
+                    <dgm:alg type="lin">
+                      <dgm:param type="linDir" val="fromB"/>
+                    </dgm:alg>
+                    <dgm:shape xmlns:r="http://schemas.openxmlformats.org/officeDocument/2006/relationships" r:blip="">
+                      <dgm:adjLst/>
+                    </dgm:shape>
+                    <dgm:presOf/>
+                    <dgm:constrLst>
+                      <dgm:constr type="w" for="ch" forName="txThree" refType="w" refFor="ch" refForName="horzThree" op="gte"/>
+                    </dgm:constrLst>
+                    <dgm:ruleLst/>
+                    <dgm:layoutNode name="txThree">
+                      <dgm:varLst>
+                        <dgm:chPref val="3"/>
+                      </dgm:varLst>
+                      <dgm:alg type="tx"/>
+                      <dgm:shape xmlns:r="http://schemas.openxmlformats.org/officeDocument/2006/relationships" type="roundRect" r:blip="">
+                        <dgm:adjLst>
+                          <dgm:adj idx="1" val="0.1"/>
+                        </dgm:adjLst>
+                      </dgm:shape>
+                      <dgm:presOf axis="self"/>
+                      <dgm:constrLst>
+                        <dgm:constr type="userH"/>
+                        <dgm:constr type="h" refType="userH"/>
+                        <dgm:constr type="tMarg" refType="primFontSz" fact="0.3"/>
+                        <dgm:constr type="bMarg" refType="primFontSz" fact="0.3"/>
+                        <dgm:constr type="lMarg" refType="primFontSz" fact="0.3"/>
+                        <dgm:constr type="rMarg" refType="primFontSz" fact="0.3"/>
+                      </dgm:constrLst>
+                      <dgm:ruleLst>
+                        <dgm:rule type="primFontSz" val="5" fact="NaN" max="NaN"/>
+                      </dgm:ruleLst>
+                    </dgm:layoutNode>
+                    <dgm:choose name="Name19">
+                      <dgm:if name="Name20" axis="des" ptType="node" func="cnt" op="gt" val="0">
+                        <dgm:layoutNode name="parTransThree">
+                          <dgm:alg type="sp"/>
+                          <dgm:shape xmlns:r="http://schemas.openxmlformats.org/officeDocument/2006/relationships" r:blip="">
+                            <dgm:adjLst/>
+                          </dgm:shape>
+                          <dgm:presOf/>
+                          <dgm:constrLst/>
+                          <dgm:ruleLst/>
+                        </dgm:layoutNode>
+                      </dgm:if>
+                      <dgm:else name="Name21"/>
+                    </dgm:choose>
+                    <dgm:layoutNode name="horzThree">
+                      <dgm:choose name="Name22">
+                        <dgm:if name="Name23" func="var" arg="dir" op="equ" val="norm">
+                          <dgm:alg type="lin">
+                            <dgm:param type="linDir" val="fromL"/>
+                            <dgm:param type="nodeVertAlign" val="b"/>
+                          </dgm:alg>
+                        </dgm:if>
+                        <dgm:else name="Name24">
+                          <dgm:alg type="lin">
+                            <dgm:param type="linDir" val="fromR"/>
+                            <dgm:param type="nodeVertAlign" val="b"/>
+                          </dgm:alg>
+                        </dgm:else>
+                      </dgm:choose>
+                      <dgm:shape xmlns:r="http://schemas.openxmlformats.org/officeDocument/2006/relationships" r:blip="">
+                        <dgm:adjLst/>
+                      </dgm:shape>
+                      <dgm:presOf/>
+                      <dgm:constrLst/>
+                      <dgm:ruleLst>
+                        <dgm:rule type="w" val="INF" fact="NaN" max="NaN"/>
+                      </dgm:ruleLst>
+                      <dgm:forEach name="repeat" axis="ch" ptType="node">
+                        <dgm:layoutNode name="vertFour">
+                          <dgm:varLst>
+                            <dgm:chPref val="3"/>
+                          </dgm:varLst>
+                          <dgm:alg type="lin">
+                            <dgm:param type="linDir" val="fromB"/>
+                          </dgm:alg>
+                          <dgm:shape xmlns:r="http://schemas.openxmlformats.org/officeDocument/2006/relationships" r:blip="">
+                            <dgm:adjLst/>
+                          </dgm:shape>
+                          <dgm:presOf/>
+                          <dgm:constrLst>
+                            <dgm:constr type="w" for="ch" forName="txFour" refType="w" refFor="ch" refForName="horzFour" op="gte"/>
+                          </dgm:constrLst>
+                          <dgm:ruleLst/>
+                          <dgm:layoutNode name="txFour">
+                            <dgm:varLst>
+                              <dgm:chPref val="3"/>
+                            </dgm:varLst>
+                            <dgm:alg type="tx"/>
+                            <dgm:shape xmlns:r="http://schemas.openxmlformats.org/officeDocument/2006/relationships" type="roundRect" r:blip="">
+                              <dgm:adjLst>
+                                <dgm:adj idx="1" val="0.1"/>
+                              </dgm:adjLst>
+                            </dgm:shape>
+                            <dgm:presOf axis="self"/>
+                            <dgm:constrLst>
+                              <dgm:constr type="userH"/>
+                              <dgm:constr type="h" refType="userH"/>
+                              <dgm:constr type="tMarg" refType="primFontSz" fact="0.3"/>
+                              <dgm:constr type="bMarg" refType="primFontSz" fact="0.3"/>
+                              <dgm:constr type="lMarg" refType="primFontSz" fact="0.3"/>
+                              <dgm:constr type="rMarg" refType="primFontSz" fact="0.3"/>
+                            </dgm:constrLst>
+                            <dgm:ruleLst>
+                              <dgm:rule type="primFontSz" val="5" fact="NaN" max="NaN"/>
+                            </dgm:ruleLst>
+                          </dgm:layoutNode>
+                          <dgm:choose name="Name25">
+                            <dgm:if name="Name26" axis="des" ptType="node" func="cnt" op="gt" val="0">
+                              <dgm:layoutNode name="parTransFour">
+                                <dgm:alg type="sp"/>
+                                <dgm:shape xmlns:r="http://schemas.openxmlformats.org/officeDocument/2006/relationships" r:blip="">
+                                  <dgm:adjLst/>
+                                </dgm:shape>
+                                <dgm:presOf/>
+                                <dgm:constrLst/>
+                                <dgm:ruleLst/>
+                              </dgm:layoutNode>
+                            </dgm:if>
+                            <dgm:else name="Name27"/>
+                          </dgm:choose>
+                          <dgm:layoutNode name="horzFour">
+                            <dgm:choose name="Name28">
+                              <dgm:if name="Name29" func="var" arg="dir" op="equ" val="norm">
+                                <dgm:alg type="lin">
+                                  <dgm:param type="linDir" val="fromL"/>
+                                  <dgm:param type="nodeVertAlign" val="b"/>
+                                </dgm:alg>
+                              </dgm:if>
+                              <dgm:else name="Name30">
+                                <dgm:alg type="lin">
+                                  <dgm:param type="linDir" val="fromR"/>
+                                  <dgm:param type="nodeVertAlign" val="b"/>
+                                </dgm:alg>
+                              </dgm:else>
+                            </dgm:choose>
+                            <dgm:shape xmlns:r="http://schemas.openxmlformats.org/officeDocument/2006/relationships" r:blip="">
+                              <dgm:adjLst/>
+                            </dgm:shape>
+                            <dgm:presOf/>
+                            <dgm:constrLst/>
+                            <dgm:ruleLst>
+                              <dgm:rule type="w" val="INF" fact="NaN" max="NaN"/>
+                            </dgm:ruleLst>
+                            <dgm:forEach name="Name31" ref="repeat"/>
+                          </dgm:layoutNode>
+                        </dgm:layoutNode>
+                        <dgm:choose name="Name32">
+                          <dgm:if name="Name33" axis="self" ptType="node" func="revPos" op="gte" val="2">
+                            <dgm:forEach name="Name34" axis="followSib" ptType="sibTrans" cnt="1">
+                              <dgm:layoutNode name="sibSpaceFour">
+                                <dgm:alg type="sp"/>
+                                <dgm:shape xmlns:r="http://schemas.openxmlformats.org/officeDocument/2006/relationships" r:blip="">
+                                  <dgm:adjLst/>
+                                </dgm:shape>
+                                <dgm:presOf/>
+                                <dgm:constrLst/>
+                                <dgm:ruleLst/>
+                              </dgm:layoutNode>
+                            </dgm:forEach>
+                          </dgm:if>
+                          <dgm:else name="Name35"/>
+                        </dgm:choose>
+                      </dgm:forEach>
+                    </dgm:layoutNode>
+                  </dgm:layoutNode>
+                  <dgm:choose name="Name36">
+                    <dgm:if name="Name37" axis="self" ptType="node" func="revPos" op="gte" val="2">
+                      <dgm:forEach name="Name38" axis="followSib" ptType="sibTrans" cnt="1">
+                        <dgm:layoutNode name="sibSpaceThree">
+                          <dgm:alg type="sp"/>
+                          <dgm:shape xmlns:r="http://schemas.openxmlformats.org/officeDocument/2006/relationships" r:blip="">
+                            <dgm:adjLst/>
+                          </dgm:shape>
+                          <dgm:presOf/>
+                          <dgm:constrLst/>
+                          <dgm:ruleLst/>
+                        </dgm:layoutNode>
+                      </dgm:forEach>
+                    </dgm:if>
+                    <dgm:else name="Name39"/>
+                  </dgm:choose>
+                </dgm:forEach>
+              </dgm:layoutNode>
+            </dgm:layoutNode>
+            <dgm:choose name="Name40">
+              <dgm:if name="Name41" axis="self" ptType="node" func="revPos" op="gte" val="2">
+                <dgm:forEach name="Name42" axis="followSib" ptType="sibTrans" cnt="1">
+                  <dgm:layoutNode name="sibSpaceTwo">
+                    <dgm:alg type="sp"/>
+                    <dgm:shape xmlns:r="http://schemas.openxmlformats.org/officeDocument/2006/relationships" r:blip="">
+                      <dgm:adjLst/>
+                    </dgm:shape>
+                    <dgm:presOf/>
+                    <dgm:constrLst/>
+                    <dgm:ruleLst/>
+                  </dgm:layoutNode>
+                </dgm:forEach>
+              </dgm:if>
+              <dgm:else name="Name43"/>
+            </dgm:choose>
+          </dgm:forEach>
+        </dgm:layoutNode>
+      </dgm:layoutNode>
+      <dgm:choose name="Name44">
+        <dgm:if name="Name45" axis="self" ptType="node" func="revPos" op="gte" val="2">
+          <dgm:forEach name="Name46" axis="followSib" ptType="sibTrans" cnt="1">
+            <dgm:layoutNode name="sibSpaceOne">
+              <dgm:alg type="sp"/>
+              <dgm:shape xmlns:r="http://schemas.openxmlformats.org/officeDocument/2006/relationships" r:blip="">
+                <dgm:adjLst/>
+              </dgm:shape>
+              <dgm:presOf/>
+              <dgm:constrLst/>
+              <dgm:ruleLst/>
+            </dgm:layoutNode>
+          </dgm:forEach>
+        </dgm:if>
+        <dgm:else name="Name47"/>
+      </dgm:choose>
+    </dgm:forEach>
+  </dgm:layoutNode>
+</dgm:layoutDef>
+</file>
+
+<file path=ppt/diagrams/quickStyle1.xml><?xml version="1.0" encoding="utf-8"?>
+<dgm:styleDef xmlns:dgm="http://schemas.openxmlformats.org/drawingml/2006/diagram" xmlns:a="http://schemas.openxmlformats.org/drawingml/2006/main" uniqueId="urn:microsoft.com/office/officeart/2005/8/quickstyle/simple1">
+  <dgm:title val=""/>
+  <dgm:desc val=""/>
+  <dgm:catLst>
+    <dgm:cat type="simple" pri="10100"/>
+  </dgm:catLst>
+  <dgm:scene3d>
+    <a:camera prst="orthographicFront"/>
+    <a:lightRig rig="threePt" dir="t"/>
+  </dgm:scene3d>
+  <dgm:styleLbl name="node0">
+    <dgm:scene3d>
+      <a:camera prst="orthographicFront"/>
+      <a:lightRig rig="threePt" dir="t"/>
+    </dgm:scene3d>
+    <dgm:sp3d/>
+    <dgm:txPr/>
+    <dgm:style>
+      <a:lnRef idx="2">
+        <a:scrgbClr r="0" g="0" b="0"/>
+      </a:lnRef>
+      <a:fillRef idx="1">
+        <a:scrgbClr r="0" g="0" b="0"/>
+      </a:fillRef>
+      <a:effectRef idx="0">
+        <a:scrgbClr r="0" g="0" b="0"/>
+      </a:effectRef>
+      <a:fontRef idx="minor">
+        <a:schemeClr val="lt1"/>
+      </a:fontRef>
+    </dgm:style>
+  </dgm:styleLbl>
+  <dgm:styleLbl name="lnNode1">
+    <dgm:scene3d>
+      <a:camera prst="orthographicFront"/>
+      <a:lightRig rig="threePt" dir="t"/>
+    </dgm:scene3d>
+    <dgm:sp3d/>
+    <dgm:txPr/>
+    <dgm:style>
+      <a:lnRef idx="2">
+        <a:scrgbClr r="0" g="0" b="0"/>
+      </a:lnRef>
+      <a:fillRef idx="1">
+        <a:scrgbClr r="0" g="0" b="0"/>
+      </a:fillRef>
+      <a:effectRef idx="0">
+        <a:scrgbClr r="0" g="0" b="0"/>
+      </a:effectRef>
+      <a:fontRef idx="minor">
+        <a:schemeClr val="lt1"/>
+      </a:fontRef>
+    </dgm:style>
+  </dgm:styleLbl>
+  <dgm:styleLbl name="vennNode1">
+    <dgm:scene3d>
+      <a:camera prst="orthographicFront"/>
+      <a:lightRig rig="threePt" dir="t"/>
+    </dgm:scene3d>
+    <dgm:sp3d/>
+    <dgm:txPr/>
+    <dgm:style>
+      <a:lnRef idx="2">
+        <a:scrgbClr r="0" g="0" b="0"/>
+      </a:lnRef>
+      <a:fillRef idx="1">
+        <a:scrgbClr r="0" g="0" b="0"/>
+      </a:fillRef>
+      <a:effectRef idx="0">
+        <a:scrgbClr r="0" g="0" b="0"/>
+      </a:effectRef>
+      <a:fontRef idx="minor">
+        <a:schemeClr val="tx1"/>
+      </a:fontRef>
+    </dgm:style>
+  </dgm:styleLbl>
+  <dgm:styleLbl name="alignNode1">
+    <dgm:scene3d>
+      <a:camera prst="orthographicFront"/>
+      <a:lightRig rig="threePt" dir="t"/>
+    </dgm:scene3d>
+    <dgm:sp3d/>
+    <dgm:txPr/>
+    <dgm:style>
+      <a:lnRef idx="2">
+        <a:scrgbClr r="0" g="0" b="0"/>
+      </a:lnRef>
+      <a:fillRef idx="1">
+        <a:scrgbClr r="0" g="0" b="0"/>
+      </a:fillRef>
+      <a:effectRef idx="0">
+        <a:scrgbClr r="0" g="0" b="0"/>
+      </a:effectRef>
+      <a:fontRef idx="minor">
+        <a:schemeClr val="lt1"/>
+      </a:fontRef>
+    </dgm:style>
+  </dgm:styleLbl>
+  <dgm:styleLbl name="node1">
+    <dgm:scene3d>
+      <a:camera prst="orthographicFront"/>
+      <a:lightRig rig="threePt" dir="t"/>
+    </dgm:scene3d>
+    <dgm:sp3d/>
+    <dgm:txPr/>
+    <dgm:style>
+      <a:lnRef idx="2">
+        <a:scrgbClr r="0" g="0" b="0"/>
+      </a:lnRef>
+      <a:fillRef idx="1">
+        <a:scrgbClr r="0" g="0" b="0"/>
+      </a:fillRef>
+      <a:effectRef idx="0">
+        <a:scrgbClr r="0" g="0" b="0"/>
+      </a:effectRef>
+      <a:fontRef idx="minor">
+        <a:schemeClr val="lt1"/>
+      </a:fontRef>
+    </dgm:style>
+  </dgm:styleLbl>
+  <dgm:styleLbl name="node2">
+    <dgm:scene3d>
+      <a:camera prst="orthographicFront"/>
+      <a:lightRig rig="threePt" dir="t"/>
+    </dgm:scene3d>
+    <dgm:sp3d/>
+    <dgm:txPr/>
+    <dgm:style>
+      <a:lnRef idx="2">
+        <a:scrgbClr r="0" g="0" b="0"/>
+      </a:lnRef>
+      <a:fillRef idx="1">
+        <a:scrgbClr r="0" g="0" b="0"/>
+      </a:fillRef>
+      <a:effectRef idx="0">
+        <a:scrgbClr r="0" g="0" b="0"/>
+      </a:effectRef>
+      <a:fontRef idx="minor">
+        <a:schemeClr val="lt1"/>
+      </a:fontRef>
+    </dgm:style>
+  </dgm:styleLbl>
+  <dgm:styleLbl name="node3">
+    <dgm:scene3d>
+      <a:camera prst="orthographicFront"/>
+      <a:lightRig rig="threePt" dir="t"/>
+    </dgm:scene3d>
+    <dgm:sp3d/>
+    <dgm:txPr/>
+    <dgm:style>
+      <a:lnRef idx="2">
+        <a:scrgbClr r="0" g="0" b="0"/>
+      </a:lnRef>
+      <a:fillRef idx="1">
+        <a:scrgbClr r="0" g="0" b="0"/>
+      </a:fillRef>
+      <a:effectRef idx="0">
+        <a:scrgbClr r="0" g="0" b="0"/>
+      </a:effectRef>
+      <a:fontRef idx="minor">
+        <a:schemeClr val="lt1"/>
+      </a:fontRef>
+    </dgm:style>
+  </dgm:styleLbl>
+  <dgm:styleLbl name="node4">
+    <dgm:scene3d>
+      <a:camera prst="orthographicFront"/>
+      <a:lightRig rig="threePt" dir="t"/>
+    </dgm:scene3d>
+    <dgm:sp3d/>
+    <dgm:txPr/>
+    <dgm:style>
+      <a:lnRef idx="2">
+        <a:scrgbClr r="0" g="0" b="0"/>
+      </a:lnRef>
+      <a:fillRef idx="1">
+        <a:scrgbClr r="0" g="0" b="0"/>
+      </a:fillRef>
+      <a:effectRef idx="0">
+        <a:scrgbClr r="0" g="0" b="0"/>
+      </a:effectRef>
+      <a:fontRef idx="minor">
+        <a:schemeClr val="lt1"/>
+      </a:fontRef>
+    </dgm:style>
+  </dgm:styleLbl>
+  <dgm:styleLbl name="fgImgPlace1">
+    <dgm:scene3d>
+      <a:camera prst="orthographicFront"/>
+      <a:lightRig rig="threePt" dir="t"/>
+    </dgm:scene3d>
+    <dgm:sp3d/>
+    <dgm:txPr/>
+    <dgm:style>
+      <a:lnRef idx="2">
+        <a:scrgbClr r="0" g="0" b="0"/>
+      </a:lnRef>
+      <a:fillRef idx="1">
+        <a:scrgbClr r="0" g="0" b="0"/>
+      </a:fillRef>
+      <a:effectRef idx="0">
+        <a:scrgbClr r="0" g="0" b="0"/>
+      </a:effectRef>
+      <a:fontRef idx="minor"/>
+    </dgm:style>
+  </dgm:styleLbl>
+  <dgm:styleLbl name="alignImgPlace1">
+    <dgm:scene3d>
+      <a:camera prst="orthographicFront"/>
+      <a:lightRig rig="threePt" dir="t"/>
+    </dgm:scene3d>
+    <dgm:sp3d/>
+    <dgm:txPr/>
+    <dgm:style>
+      <a:lnRef idx="2">
+        <a:scrgbClr r="0" g="0" b="0"/>
+      </a:lnRef>
+      <a:fillRef idx="1">
+        <a:scrgbClr r="0" g="0" b="0"/>
+      </a:fillRef>
+      <a:effectRef idx="0">
+        <a:scrgbClr r="0" g="0" b="0"/>
+      </a:effectRef>
+      <a:fontRef idx="minor"/>
+    </dgm:style>
+  </dgm:styleLbl>
+  <dgm:styleLbl name="bgImgPlace1">
+    <dgm:scene3d>
+      <a:camera prst="orthographicFront"/>
+      <a:lightRig rig="threePt" dir="t"/>
+    </dgm:scene3d>
+    <dgm:sp3d/>
+    <dgm:txPr/>
+    <dgm:style>
+      <a:lnRef idx="2">
+        <a:scrgbClr r="0" g="0" b="0"/>
+      </a:lnRef>
+      <a:fillRef idx="1">
+        <a:scrgbClr r="0" g="0" b="0"/>
+      </a:fillRef>
+      <a:effectRef idx="0">
+        <a:scrgbClr r="0" g="0" b="0"/>
+      </a:effectRef>
+      <a:fontRef idx="minor"/>
+    </dgm:style>
+  </dgm:styleLbl>
+  <dgm:styleLbl name="sibTrans2D1">
+    <dgm:scene3d>
+      <a:camera prst="orthographicFront"/>
+      <a:lightRig rig="threePt" dir="t"/>
+    </dgm:scene3d>
+    <dgm:sp3d/>
+    <dgm:txPr/>
+    <dgm:style>
+      <a:lnRef idx="0">
+        <a:scrgbClr r="0" g="0" b="0"/>
+      </a:lnRef>
+      <a:fillRef idx="1">
+        <a:scrgbClr r="0" g="0" b="0"/>
+      </a:fillRef>
+      <a:effectRef idx="0">
+        <a:scrgbClr r="0" g="0" b="0"/>
+      </a:effectRef>
+      <a:fontRef idx="minor">
+        <a:schemeClr val="lt1"/>
+      </a:fontRef>
+    </dgm:style>
+  </dgm:styleLbl>
+  <dgm:styleLbl name="fgSibTrans2D1">
+    <dgm:scene3d>
+      <a:camera prst="orthographicFront"/>
+      <a:lightRig rig="threePt" dir="t"/>
+    </dgm:scene3d>
+    <dgm:sp3d/>
+    <dgm:txPr/>
+    <dgm:style>
+      <a:lnRef idx="0">
+        <a:scrgbClr r="0" g="0" b="0"/>
+      </a:lnRef>
+      <a:fillRef idx="1">
+        <a:scrgbClr r="0" g="0" b="0"/>
+      </a:fillRef>
+      <a:effectRef idx="0">
+        <a:scrgbClr r="0" g="0" b="0"/>
+      </a:effectRef>
+      <a:fontRef idx="minor">
+        <a:schemeClr val="lt1"/>
+      </a:fontRef>
+    </dgm:style>
+  </dgm:styleLbl>
+  <dgm:styleLbl name="bgSibTrans2D1">
+    <dgm:scene3d>
+      <a:camera prst="orthographicFront"/>
+      <a:lightRig rig="threePt" dir="t"/>
+    </dgm:scene3d>
+    <dgm:sp3d/>
+    <dgm:txPr/>
+    <dgm:style>
+      <a:lnRef idx="0">
+        <a:scrgbClr r="0" g="0" b="0"/>
+      </a:lnRef>
+      <a:fillRef idx="1">
+        <a:scrgbClr r="0" g="0" b="0"/>
+      </a:fillRef>
+      <a:effectRef idx="0">
+        <a:scrgbClr r="0" g="0" b="0"/>
+      </a:effectRef>
+      <a:fontRef idx="minor">
+        <a:schemeClr val="lt1"/>
+      </a:fontRef>
+    </dgm:style>
+  </dgm:styleLbl>
+  <dgm:styleLbl name="sibTrans1D1">
+    <dgm:scene3d>
+      <a:camera prst="orthographicFront"/>
+      <a:lightRig rig="threePt" dir="t"/>
+    </dgm:scene3d>
+    <dgm:sp3d/>
+    <dgm:txPr/>
+    <dgm:style>
+      <a:lnRef idx="1">
+        <a:scrgbClr r="0" g="0" b="0"/>
+      </a:lnRef>
+      <a:fillRef idx="0">
+        <a:scrgbClr r="0" g="0" b="0"/>
+      </a:fillRef>
+      <a:effectRef idx="0">
+        <a:scrgbClr r="0" g="0" b="0"/>
+      </a:effectRef>
+      <a:fontRef idx="minor"/>
+    </dgm:style>
+  </dgm:styleLbl>
+  <dgm:styleLbl name="callout">
+    <dgm:scene3d>
+      <a:camera prst="orthographicFront"/>
+      <a:lightRig rig="threePt" dir="t"/>
+    </dgm:scene3d>
+    <dgm:sp3d/>
+    <dgm:txPr/>
+    <dgm:style>
+      <a:lnRef idx="2">
+        <a:scrgbClr r="0" g="0" b="0"/>
+      </a:lnRef>
+      <a:fillRef idx="1">
+        <a:scrgbClr r="0" g="0" b="0"/>
+      </a:fillRef>
+      <a:effectRef idx="0">
+        <a:scrgbClr r="0" g="0" b="0"/>
+      </a:effectRef>
+      <a:fontRef idx="minor"/>
+    </dgm:style>
+  </dgm:styleLbl>
+  <dgm:styleLbl name="asst0">
+    <dgm:scene3d>
+      <a:camera prst="orthographicFront"/>
+      <a:lightRig rig="threePt" dir="t"/>
+    </dgm:scene3d>
+    <dgm:sp3d/>
+    <dgm:txPr/>
+    <dgm:style>
+      <a:lnRef idx="2">
+        <a:scrgbClr r="0" g="0" b="0"/>
+      </a:lnRef>
+      <a:fillRef idx="1">
+        <a:scrgbClr r="0" g="0" b="0"/>
+      </a:fillRef>
+      <a:effectRef idx="0">
+        <a:scrgbClr r="0" g="0" b="0"/>
+      </a:effectRef>
+      <a:fontRef idx="minor">
+        <a:schemeClr val="lt1"/>
+      </a:fontRef>
+    </dgm:style>
+  </dgm:styleLbl>
+  <dgm:styleLbl name="asst1">
+    <dgm:scene3d>
+      <a:camera prst="orthographicFront"/>
+      <a:lightRig rig="threePt" dir="t"/>
+    </dgm:scene3d>
+    <dgm:sp3d/>
+    <dgm:txPr/>
+    <dgm:style>
+      <a:lnRef idx="2">
+        <a:scrgbClr r="0" g="0" b="0"/>
+      </a:lnRef>
+      <a:fillRef idx="1">
+        <a:scrgbClr r="0" g="0" b="0"/>
+      </a:fillRef>
+      <a:effectRef idx="0">
+        <a:scrgbClr r="0" g="0" b="0"/>
+      </a:effectRef>
+      <a:fontRef idx="minor">
+        <a:schemeClr val="lt1"/>
+      </a:fontRef>
+    </dgm:style>
+  </dgm:styleLbl>
+  <dgm:styleLbl name="asst2">
+    <dgm:scene3d>
+      <a:camera prst="orthographicFront"/>
+      <a:lightRig rig="threePt" dir="t"/>
+    </dgm:scene3d>
+    <dgm:sp3d/>
+    <dgm:txPr/>
+    <dgm:style>
+      <a:lnRef idx="2">
+        <a:scrgbClr r="0" g="0" b="0"/>
+      </a:lnRef>
+      <a:fillRef idx="1">
+        <a:scrgbClr r="0" g="0" b="0"/>
+      </a:fillRef>
+      <a:effectRef idx="0">
+        <a:scrgbClr r="0" g="0" b="0"/>
+      </a:effectRef>
+      <a:fontRef idx="minor">
+        <a:schemeClr val="lt1"/>
+      </a:fontRef>
+    </dgm:style>
+  </dgm:styleLbl>
+  <dgm:styleLbl name="asst3">
+    <dgm:scene3d>
+      <a:camera prst="orthographicFront"/>
+      <a:lightRig rig="threePt" dir="t"/>
+    </dgm:scene3d>
+    <dgm:sp3d/>
+    <dgm:txPr/>
+    <dgm:style>
+      <a:lnRef idx="2">
+        <a:scrgbClr r="0" g="0" b="0"/>
+      </a:lnRef>
+      <a:fillRef idx="1">
+        <a:scrgbClr r="0" g="0" b="0"/>
+      </a:fillRef>
+      <a:effectRef idx="0">
+        <a:scrgbClr r="0" g="0" b="0"/>
+      </a:effectRef>
+      <a:fontRef idx="minor">
+        <a:schemeClr val="lt1"/>
+      </a:fontRef>
+    </dgm:style>
+  </dgm:styleLbl>
+  <dgm:styleLbl name="asst4">
+    <dgm:scene3d>
+      <a:camera prst="orthographicFront"/>
+      <a:lightRig rig="threePt" dir="t"/>
+    </dgm:scene3d>
+    <dgm:sp3d/>
+    <dgm:txPr/>
+    <dgm:style>
+      <a:lnRef idx="2">
+        <a:scrgbClr r="0" g="0" b="0"/>
+      </a:lnRef>
+      <a:fillRef idx="1">
+        <a:scrgbClr r="0" g="0" b="0"/>
+      </a:fillRef>
+      <a:effectRef idx="0">
+        <a:scrgbClr r="0" g="0" b="0"/>
+      </a:effectRef>
+      <a:fontRef idx="minor">
+        <a:schemeClr val="lt1"/>
+      </a:fontRef>
+    </dgm:style>
+  </dgm:styleLbl>
+  <dgm:styleLbl name="parChTrans2D1">
+    <dgm:scene3d>
+      <a:camera prst="orthographicFront"/>
+      <a:lightRig rig="threePt" dir="t"/>
+    </dgm:scene3d>
+    <dgm:sp3d/>
+    <dgm:txPr/>
+    <dgm:style>
+      <a:lnRef idx="2">
+        <a:scrgbClr r="0" g="0" b="0"/>
+      </a:lnRef>
+      <a:fillRef idx="1">
+        <a:scrgbClr r="0" g="0" b="0"/>
+      </a:fillRef>
+      <a:effectRef idx="0">
+        <a:scrgbClr r="0" g="0" b="0"/>
+      </a:effectRef>
+      <a:fontRef idx="minor">
+        <a:schemeClr val="lt1"/>
+      </a:fontRef>
+    </dgm:style>
+  </dgm:styleLbl>
+  <dgm:styleLbl name="parChTrans2D2">
+    <dgm:scene3d>
+      <a:camera prst="orthographicFront"/>
+      <a:lightRig rig="threePt" dir="t"/>
+    </dgm:scene3d>
+    <dgm:sp3d/>
+    <dgm:txPr/>
+    <dgm:style>
+      <a:lnRef idx="2">
+        <a:scrgbClr r="0" g="0" b="0"/>
+      </a:lnRef>
+      <a:fillRef idx="1">
+        <a:scrgbClr r="0" g="0" b="0"/>
+      </a:fillRef>
+      <a:effectRef idx="0">
+        <a:scrgbClr r="0" g="0" b="0"/>
+      </a:effectRef>
+      <a:fontRef idx="minor">
+        <a:schemeClr val="lt1"/>
+      </a:fontRef>
+    </dgm:style>
+  </dgm:styleLbl>
+  <dgm:styleLbl name="parChTrans2D3">
+    <dgm:scene3d>
+      <a:camera prst="orthographicFront"/>
+      <a:lightRig rig="threePt" dir="t"/>
+    </dgm:scene3d>
+    <dgm:sp3d/>
+    <dgm:txPr/>
+    <dgm:style>
+      <a:lnRef idx="2">
+        <a:scrgbClr r="0" g="0" b="0"/>
+      </a:lnRef>
+      <a:fillRef idx="1">
+        <a:scrgbClr r="0" g="0" b="0"/>
+      </a:fillRef>
+      <a:effectRef idx="0">
+        <a:scrgbClr r="0" g="0" b="0"/>
+      </a:effectRef>
+      <a:fontRef idx="minor">
+        <a:schemeClr val="lt1"/>
+      </a:fontRef>
+    </dgm:style>
+  </dgm:styleLbl>
+  <dgm:styleLbl name="parChTrans2D4">
+    <dgm:scene3d>
+      <a:camera prst="orthographicFront"/>
+      <a:lightRig rig="threePt" dir="t"/>
+    </dgm:scene3d>
+    <dgm:sp3d/>
+    <dgm:txPr/>
+    <dgm:style>
+      <a:lnRef idx="2">
+        <a:scrgbClr r="0" g="0" b="0"/>
+      </a:lnRef>
+      <a:fillRef idx="1">
+        <a:scrgbClr r="0" g="0" b="0"/>
+      </a:fillRef>
+      <a:effectRef idx="0">
+        <a:scrgbClr r="0" g="0" b="0"/>
+      </a:effectRef>
+      <a:fontRef idx="minor">
+        <a:schemeClr val="lt1"/>
+      </a:fontRef>
+    </dgm:style>
+  </dgm:styleLbl>
+  <dgm:styleLbl name="parChTrans1D1">
+    <dgm:scene3d>
+      <a:camera prst="orthographicFront"/>
+      <a:lightRig rig="threePt" dir="t"/>
+    </dgm:scene3d>
+    <dgm:sp3d/>
+    <dgm:txPr/>
+    <dgm:style>
+      <a:lnRef idx="2">
+        <a:scrgbClr r="0" g="0" b="0"/>
+      </a:lnRef>
+      <a:fillRef idx="0">
+        <a:scrgbClr r="0" g="0" b="0"/>
+      </a:fillRef>
+      <a:effectRef idx="0">
+        <a:scrgbClr r="0" g="0" b="0"/>
+      </a:effectRef>
+      <a:fontRef idx="minor"/>
+    </dgm:style>
+  </dgm:styleLbl>
+  <dgm:styleLbl name="parChTrans1D2">
+    <dgm:scene3d>
+      <a:camera prst="orthographicFront"/>
+      <a:lightRig rig="threePt" dir="t"/>
+    </dgm:scene3d>
+    <dgm:sp3d/>
+    <dgm:txPr/>
+    <dgm:style>
+      <a:lnRef idx="2">
+        <a:scrgbClr r="0" g="0" b="0"/>
+      </a:lnRef>
+      <a:fillRef idx="0">
+        <a:scrgbClr r="0" g="0" b="0"/>
+      </a:fillRef>
+      <a:effectRef idx="0">
+        <a:scrgbClr r="0" g="0" b="0"/>
+      </a:effectRef>
+      <a:fontRef idx="minor"/>
+    </dgm:style>
+  </dgm:styleLbl>
+  <dgm:styleLbl name="parChTrans1D3">
+    <dgm:scene3d>
+      <a:camera prst="orthographicFront"/>
+      <a:lightRig rig="threePt" dir="t"/>
+    </dgm:scene3d>
+    <dgm:sp3d/>
+    <dgm:txPr/>
+    <dgm:style>
+      <a:lnRef idx="2">
+        <a:scrgbClr r="0" g="0" b="0"/>
+      </a:lnRef>
+      <a:fillRef idx="0">
+        <a:scrgbClr r="0" g="0" b="0"/>
+      </a:fillRef>
+      <a:effectRef idx="0">
+        <a:scrgbClr r="0" g="0" b="0"/>
+      </a:effectRef>
+      <a:fontRef idx="minor"/>
+    </dgm:style>
+  </dgm:styleLbl>
+  <dgm:styleLbl name="parChTrans1D4">
+    <dgm:scene3d>
+      <a:camera prst="orthographicFront"/>
+      <a:lightRig rig="threePt" dir="t"/>
+    </dgm:scene3d>
+    <dgm:sp3d/>
+    <dgm:txPr/>
+    <dgm:style>
+      <a:lnRef idx="2">
+        <a:scrgbClr r="0" g="0" b="0"/>
+      </a:lnRef>
+      <a:fillRef idx="0">
+        <a:scrgbClr r="0" g="0" b="0"/>
+      </a:fillRef>
+      <a:effectRef idx="0">
+        <a:scrgbClr r="0" g="0" b="0"/>
+      </a:effectRef>
+      <a:fontRef idx="minor"/>
+    </dgm:style>
+  </dgm:styleLbl>
+  <dgm:styleLbl name="fgAcc1">
+    <dgm:scene3d>
+      <a:camera prst="orthographicFront"/>
+      <a:lightRig rig="threePt" dir="t"/>
+    </dgm:scene3d>
+    <dgm:sp3d/>
+    <dgm:txPr/>
+    <dgm:style>
+      <a:lnRef idx="2">
+        <a:scrgbClr r="0" g="0" b="0"/>
+      </a:lnRef>
+      <a:fillRef idx="1">
+        <a:scrgbClr r="0" g="0" b="0"/>
+      </a:fillRef>
+      <a:effectRef idx="0">
+        <a:scrgbClr r="0" g="0" b="0"/>
+      </a:effectRef>
+      <a:fontRef idx="minor"/>
+    </dgm:style>
+  </dgm:styleLbl>
+  <dgm:styleLbl name="conFgAcc1">
+    <dgm:scene3d>
+      <a:camera prst="orthographicFront"/>
+      <a:lightRig rig="threePt" dir="t"/>
+    </dgm:scene3d>
+    <dgm:sp3d/>
+    <dgm:txPr/>
+    <dgm:style>
+      <a:lnRef idx="2">
+        <a:scrgbClr r="0" g="0" b="0"/>
+      </a:lnRef>
+      <a:fillRef idx="1">
+        <a:scrgbClr r="0" g="0" b="0"/>
+      </a:fillRef>
+      <a:effectRef idx="0">
+        <a:scrgbClr r="0" g="0" b="0"/>
+      </a:effectRef>
+      <a:fontRef idx="minor"/>
+    </dgm:style>
+  </dgm:styleLbl>
+  <dgm:styleLbl name="alignAcc1">
+    <dgm:scene3d>
+      <a:camera prst="orthographicFront"/>
+      <a:lightRig rig="threePt" dir="t"/>
+    </dgm:scene3d>
+    <dgm:sp3d/>
+    <dgm:txPr/>
+    <dgm:style>
+      <a:lnRef idx="2">
+        <a:scrgbClr r="0" g="0" b="0"/>
+      </a:lnRef>
+      <a:fillRef idx="1">
+        <a:scrgbClr r="0" g="0" b="0"/>
+      </a:fillRef>
+      <a:effectRef idx="0">
+        <a:scrgbClr r="0" g="0" b="0"/>
+      </a:effectRef>
+      <a:fontRef idx="minor"/>
+    </dgm:style>
+  </dgm:styleLbl>
+  <dgm:styleLbl name="trAlignAcc1">
+    <dgm:scene3d>
+      <a:camera prst="orthographicFront"/>
+      <a:lightRig rig="threePt" dir="t"/>
+    </dgm:scene3d>
+    <dgm:sp3d/>
+    <dgm:txPr/>
+    <dgm:style>
+      <a:lnRef idx="1">
+        <a:scrgbClr r="0" g="0" b="0"/>
+      </a:lnRef>
+      <a:fillRef idx="1">
+        <a:scrgbClr r="0" g="0" b="0"/>
+      </a:fillRef>
+      <a:effectRef idx="0">
+        <a:scrgbClr r="0" g="0" b="0"/>
+      </a:effectRef>
+      <a:fontRef idx="minor"/>
+    </dgm:style>
+  </dgm:styleLbl>
+  <dgm:styleLbl name="bgAcc1">
+    <dgm:scene3d>
+      <a:camera prst="orthographicFront"/>
+      <a:lightRig rig="threePt" dir="t"/>
+    </dgm:scene3d>
+    <dgm:sp3d/>
+    <dgm:txPr/>
+    <dgm:style>
+      <a:lnRef idx="2">
+        <a:scrgbClr r="0" g="0" b="0"/>
+      </a:lnRef>
+      <a:fillRef idx="1">
+        <a:scrgbClr r="0" g="0" b="0"/>
+      </a:fillRef>
+      <a:effectRef idx="0">
+        <a:scrgbClr r="0" g="0" b="0"/>
+      </a:effectRef>
+      <a:fontRef idx="minor"/>
+    </dgm:style>
+  </dgm:styleLbl>
+  <dgm:styleLbl name="solidFgAcc1">
+    <dgm:scene3d>
+      <a:camera prst="orthographicFront"/>
+      <a:lightRig rig="threePt" dir="t"/>
+    </dgm:scene3d>
+    <dgm:sp3d/>
+    <dgm:txPr/>
+    <dgm:style>
+      <a:lnRef idx="2">
+        <a:scrgbClr r="0" g="0" b="0"/>
+      </a:lnRef>
+      <a:fillRef idx="1">
+        <a:scrgbClr r="0" g="0" b="0"/>
+      </a:fillRef>
+      <a:effectRef idx="0">
+        <a:scrgbClr r="0" g="0" b="0"/>
+      </a:effectRef>
+      <a:fontRef idx="minor"/>
+    </dgm:style>
+  </dgm:styleLbl>
+  <dgm:styleLbl name="solidAlignAcc1">
+    <dgm:scene3d>
+      <a:camera prst="orthographicFront"/>
+      <a:lightRig rig="threePt" dir="t"/>
+    </dgm:scene3d>
+    <dgm:sp3d/>
+    <dgm:txPr/>
+    <dgm:style>
+      <a:lnRef idx="2">
+        <a:scrgbClr r="0" g="0" b="0"/>
+      </a:lnRef>
+      <a:fillRef idx="1">
+        <a:scrgbClr r="0" g="0" b="0"/>
+      </a:fillRef>
+      <a:effectRef idx="0">
+        <a:scrgbClr r="0" g="0" b="0"/>
+      </a:effectRef>
+      <a:fontRef idx="minor"/>
+    </dgm:style>
+  </dgm:styleLbl>
+  <dgm:styleLbl name="solidBgAcc1">
+    <dgm:scene3d>
+      <a:camera prst="orthographicFront"/>
+      <a:lightRig rig="threePt" dir="t"/>
+    </dgm:scene3d>
+    <dgm:sp3d/>
+    <dgm:txPr/>
+    <dgm:style>
+      <a:lnRef idx="2">
+        <a:scrgbClr r="0" g="0" b="0"/>
+      </a:lnRef>
+      <a:fillRef idx="1">
+        <a:scrgbClr r="0" g="0" b="0"/>
+      </a:fillRef>
+      <a:effectRef idx="0">
+        <a:scrgbClr r="0" g="0" b="0"/>
+      </a:effectRef>
+      <a:fontRef idx="minor"/>
+    </dgm:style>
+  </dgm:styleLbl>
+  <dgm:styleLbl name="fgAccFollowNode1">
+    <dgm:scene3d>
+      <a:camera prst="orthographicFront"/>
+      <a:lightRig rig="threePt" dir="t"/>
+    </dgm:scene3d>
+    <dgm:sp3d/>
+    <dgm:txPr/>
+    <dgm:style>
+      <a:lnRef idx="2">
+        <a:scrgbClr r="0" g="0" b="0"/>
+      </a:lnRef>
+      <a:fillRef idx="1">
+        <a:scrgbClr r="0" g="0" b="0"/>
+      </a:fillRef>
+      <a:effectRef idx="0">
+        <a:scrgbClr r="0" g="0" b="0"/>
+      </a:effectRef>
+      <a:fontRef idx="minor"/>
+    </dgm:style>
+  </dgm:styleLbl>
+  <dgm:styleLbl name="alignAccFollowNode1">
+    <dgm:scene3d>
+      <a:camera prst="orthographicFront"/>
+      <a:lightRig rig="threePt" dir="t"/>
+    </dgm:scene3d>
+    <dgm:sp3d/>
+    <dgm:txPr/>
+    <dgm:style>
+      <a:lnRef idx="2">
+        <a:scrgbClr r="0" g="0" b="0"/>
+      </a:lnRef>
+      <a:fillRef idx="1">
+        <a:scrgbClr r="0" g="0" b="0"/>
+      </a:fillRef>
+      <a:effectRef idx="0">
+        <a:scrgbClr r="0" g="0" b="0"/>
+      </a:effectRef>
+      <a:fontRef idx="minor"/>
+    </dgm:style>
+  </dgm:styleLbl>
+  <dgm:styleLbl name="bgAccFollowNode1">
+    <dgm:scene3d>
+      <a:camera prst="orthographicFront"/>
+      <a:lightRig rig="threePt" dir="t"/>
+    </dgm:scene3d>
+    <dgm:sp3d/>
+    <dgm:txPr/>
+    <dgm:style>
+      <a:lnRef idx="2">
+        <a:scrgbClr r="0" g="0" b="0"/>
+      </a:lnRef>
+      <a:fillRef idx="1">
+        <a:scrgbClr r="0" g="0" b="0"/>
+      </a:fillRef>
+      <a:effectRef idx="0">
+        <a:scrgbClr r="0" g="0" b="0"/>
+      </a:effectRef>
+      <a:fontRef idx="minor"/>
+    </dgm:style>
+  </dgm:styleLbl>
+  <dgm:styleLbl name="fgAcc0">
+    <dgm:scene3d>
+      <a:camera prst="orthographicFront"/>
+      <a:lightRig rig="threePt" dir="t"/>
+    </dgm:scene3d>
+    <dgm:sp3d/>
+    <dgm:txPr/>
+    <dgm:style>
+      <a:lnRef idx="2">
+        <a:scrgbClr r="0" g="0" b="0"/>
+      </a:lnRef>
+      <a:fillRef idx="1">
+        <a:scrgbClr r="0" g="0" b="0"/>
+      </a:fillRef>
+      <a:effectRef idx="0">
+        <a:scrgbClr r="0" g="0" b="0"/>
+      </a:effectRef>
+      <a:fontRef idx="minor"/>
+    </dgm:style>
+  </dgm:styleLbl>
+  <dgm:styleLbl name="fgAcc2">
+    <dgm:scene3d>
+      <a:camera prst="orthographicFront"/>
+      <a:lightRig rig="threePt" dir="t"/>
+    </dgm:scene3d>
+    <dgm:sp3d/>
+    <dgm:txPr/>
+    <dgm:style>
+      <a:lnRef idx="2">
+        <a:scrgbClr r="0" g="0" b="0"/>
+      </a:lnRef>
+      <a:fillRef idx="1">
+        <a:scrgbClr r="0" g="0" b="0"/>
+      </a:fillRef>
+      <a:effectRef idx="0">
+        <a:scrgbClr r="0" g="0" b="0"/>
+      </a:effectRef>
+      <a:fontRef idx="minor"/>
+    </dgm:style>
+  </dgm:styleLbl>
+  <dgm:styleLbl name="fgAcc3">
+    <dgm:scene3d>
+      <a:camera prst="orthographicFront"/>
+      <a:lightRig rig="threePt" dir="t"/>
+    </dgm:scene3d>
+    <dgm:sp3d/>
+    <dgm:txPr/>
+    <dgm:style>
+      <a:lnRef idx="2">
+        <a:scrgbClr r="0" g="0" b="0"/>
+      </a:lnRef>
+      <a:fillRef idx="1">
+        <a:scrgbClr r="0" g="0" b="0"/>
+      </a:fillRef>
+      <a:effectRef idx="0">
+        <a:scrgbClr r="0" g="0" b="0"/>
+      </a:effectRef>
+      <a:fontRef idx="minor"/>
+    </dgm:style>
+  </dgm:styleLbl>
+  <dgm:styleLbl name="fgAcc4">
+    <dgm:scene3d>
+      <a:camera prst="orthographicFront"/>
+      <a:lightRig rig="threePt" dir="t"/>
+    </dgm:scene3d>
+    <dgm:sp3d/>
+    <dgm:txPr/>
+    <dgm:style>
+      <a:lnRef idx="2">
+        <a:scrgbClr r="0" g="0" b="0"/>
+      </a:lnRef>
+      <a:fillRef idx="1">
+        <a:scrgbClr r="0" g="0" b="0"/>
+      </a:fillRef>
+      <a:effectRef idx="0">
+        <a:scrgbClr r="0" g="0" b="0"/>
+      </a:effectRef>
+      <a:fontRef idx="minor"/>
+    </dgm:style>
+  </dgm:styleLbl>
+  <dgm:styleLbl name="bgShp">
+    <dgm:scene3d>
+      <a:camera prst="orthographicFront"/>
+      <a:lightRig rig="threePt" dir="t"/>
+    </dgm:scene3d>
+    <dgm:sp3d/>
+    <dgm:txPr/>
+    <dgm:style>
+      <a:lnRef idx="0">
+        <a:scrgbClr r="0" g="0" b="0"/>
+      </a:lnRef>
+      <a:fillRef idx="1">
+        <a:scrgbClr r="0" g="0" b="0"/>
+      </a:fillRef>
+      <a:effectRef idx="0">
+        <a:scrgbClr r="0" g="0" b="0"/>
+      </a:effectRef>
+      <a:fontRef idx="minor"/>
+    </dgm:style>
+  </dgm:styleLbl>
+  <dgm:styleLbl name="dkBgShp">
+    <dgm:scene3d>
+      <a:camera prst="orthographicFront"/>
+      <a:lightRig rig="threePt" dir="t"/>
+    </dgm:scene3d>
+    <dgm:sp3d/>
+    <dgm:txPr/>
+    <dgm:style>
+      <a:lnRef idx="0">
+        <a:scrgbClr r="0" g="0" b="0"/>
+      </a:lnRef>
+      <a:fillRef idx="1">
+        <a:scrgbClr r="0" g="0" b="0"/>
+      </a:fillRef>
+      <a:effectRef idx="0">
+        <a:scrgbClr r="0" g="0" b="0"/>
+      </a:effectRef>
+      <a:fontRef idx="minor"/>
+    </dgm:style>
+  </dgm:styleLbl>
+  <dgm:styleLbl name="trBgShp">
+    <dgm:scene3d>
+      <a:camera prst="orthographicFront"/>
+      <a:lightRig rig="threePt" dir="t"/>
+    </dgm:scene3d>
+    <dgm:sp3d/>
+    <dgm:txPr/>
+    <dgm:style>
+      <a:lnRef idx="0">
+        <a:scrgbClr r="0" g="0" b="0"/>
+      </a:lnRef>
+      <a:fillRef idx="1">
+        <a:scrgbClr r="0" g="0" b="0"/>
+      </a:fillRef>
+      <a:effectRef idx="0">
+        <a:scrgbClr r="0" g="0" b="0"/>
+      </a:effectRef>
+      <a:fontRef idx="minor"/>
+    </dgm:style>
+  </dgm:styleLbl>
+  <dgm:styleLbl name="fgShp">
+    <dgm:scene3d>
+      <a:camera prst="orthographicFront"/>
+      <a:lightRig rig="threePt" dir="t"/>
+    </dgm:scene3d>
+    <dgm:sp3d/>
+    <dgm:txPr/>
+    <dgm:style>
+      <a:lnRef idx="2">
+        <a:scrgbClr r="0" g="0" b="0"/>
+      </a:lnRef>
+      <a:fillRef idx="1">
+        <a:scrgbClr r="0" g="0" b="0"/>
+      </a:fillRef>
+      <a:effectRef idx="0">
+        <a:scrgbClr r="0" g="0" b="0"/>
+      </a:effectRef>
+      <a:fontRef idx="minor"/>
+    </dgm:style>
+  </dgm:styleLbl>
+  <dgm:styleLbl name="revTx">
+    <dgm:scene3d>
+      <a:camera prst="orthographicFront"/>
+      <a:lightRig rig="threePt" dir="t"/>
+    </dgm:scene3d>
+    <dgm:sp3d/>
+    <dgm:txPr/>
+    <dgm:style>
+      <a:lnRef idx="0">
+        <a:scrgbClr r="0" g="0" b="0"/>
+      </a:lnRef>
+      <a:fillRef idx="0">
+        <a:scrgbClr r="0" g="0" b="0"/>
+      </a:fillRef>
+      <a:effectRef idx="0">
+        <a:scrgbClr r="0" g="0" b="0"/>
+      </a:effectRef>
+      <a:fontRef idx="minor"/>
+    </dgm:style>
+  </dgm:styleLbl>
+</dgm:styleDef>
 </file>
 
 <file path=ppt/slideLayouts/slideLayout1.xml><?xml version="1.0" encoding="utf-8"?>
@@ -258,7 +5805,7 @@
           <a:p>
             <a:fld id="{71481ED2-D2F7-4FF1-878A-F6023F465571}" type="datetimeFigureOut">
               <a:rPr lang="en-CA" smtClean="0"/>
-              <a:t>2022-07-16</a:t>
+              <a:t>2022-07-22</a:t>
             </a:fld>
             <a:endParaRPr lang="en-CA"/>
           </a:p>
@@ -458,7 +6005,7 @@
           <a:p>
             <a:fld id="{71481ED2-D2F7-4FF1-878A-F6023F465571}" type="datetimeFigureOut">
               <a:rPr lang="en-CA" smtClean="0"/>
-              <a:t>2022-07-16</a:t>
+              <a:t>2022-07-22</a:t>
             </a:fld>
             <a:endParaRPr lang="en-CA"/>
           </a:p>
@@ -668,7 +6215,7 @@
           <a:p>
             <a:fld id="{71481ED2-D2F7-4FF1-878A-F6023F465571}" type="datetimeFigureOut">
               <a:rPr lang="en-CA" smtClean="0"/>
-              <a:t>2022-07-16</a:t>
+              <a:t>2022-07-22</a:t>
             </a:fld>
             <a:endParaRPr lang="en-CA"/>
           </a:p>
@@ -868,7 +6415,7 @@
           <a:p>
             <a:fld id="{71481ED2-D2F7-4FF1-878A-F6023F465571}" type="datetimeFigureOut">
               <a:rPr lang="en-CA" smtClean="0"/>
-              <a:t>2022-07-16</a:t>
+              <a:t>2022-07-22</a:t>
             </a:fld>
             <a:endParaRPr lang="en-CA"/>
           </a:p>
@@ -1144,7 +6691,7 @@
           <a:p>
             <a:fld id="{71481ED2-D2F7-4FF1-878A-F6023F465571}" type="datetimeFigureOut">
               <a:rPr lang="en-CA" smtClean="0"/>
-              <a:t>2022-07-16</a:t>
+              <a:t>2022-07-22</a:t>
             </a:fld>
             <a:endParaRPr lang="en-CA"/>
           </a:p>
@@ -1412,7 +6959,7 @@
           <a:p>
             <a:fld id="{71481ED2-D2F7-4FF1-878A-F6023F465571}" type="datetimeFigureOut">
               <a:rPr lang="en-CA" smtClean="0"/>
-              <a:t>2022-07-16</a:t>
+              <a:t>2022-07-22</a:t>
             </a:fld>
             <a:endParaRPr lang="en-CA"/>
           </a:p>
@@ -1827,7 +7374,7 @@
           <a:p>
             <a:fld id="{71481ED2-D2F7-4FF1-878A-F6023F465571}" type="datetimeFigureOut">
               <a:rPr lang="en-CA" smtClean="0"/>
-              <a:t>2022-07-16</a:t>
+              <a:t>2022-07-22</a:t>
             </a:fld>
             <a:endParaRPr lang="en-CA"/>
           </a:p>
@@ -1969,7 +7516,7 @@
           <a:p>
             <a:fld id="{71481ED2-D2F7-4FF1-878A-F6023F465571}" type="datetimeFigureOut">
               <a:rPr lang="en-CA" smtClean="0"/>
-              <a:t>2022-07-16</a:t>
+              <a:t>2022-07-22</a:t>
             </a:fld>
             <a:endParaRPr lang="en-CA"/>
           </a:p>
@@ -2082,7 +7629,7 @@
           <a:p>
             <a:fld id="{71481ED2-D2F7-4FF1-878A-F6023F465571}" type="datetimeFigureOut">
               <a:rPr lang="en-CA" smtClean="0"/>
-              <a:t>2022-07-16</a:t>
+              <a:t>2022-07-22</a:t>
             </a:fld>
             <a:endParaRPr lang="en-CA"/>
           </a:p>
@@ -2395,7 +7942,7 @@
           <a:p>
             <a:fld id="{71481ED2-D2F7-4FF1-878A-F6023F465571}" type="datetimeFigureOut">
               <a:rPr lang="en-CA" smtClean="0"/>
-              <a:t>2022-07-16</a:t>
+              <a:t>2022-07-22</a:t>
             </a:fld>
             <a:endParaRPr lang="en-CA"/>
           </a:p>
@@ -2684,7 +8231,7 @@
           <a:p>
             <a:fld id="{71481ED2-D2F7-4FF1-878A-F6023F465571}" type="datetimeFigureOut">
               <a:rPr lang="en-CA" smtClean="0"/>
-              <a:t>2022-07-16</a:t>
+              <a:t>2022-07-22</a:t>
             </a:fld>
             <a:endParaRPr lang="en-CA"/>
           </a:p>
@@ -2927,7 +8474,7 @@
           <a:p>
             <a:fld id="{71481ED2-D2F7-4FF1-878A-F6023F465571}" type="datetimeFigureOut">
               <a:rPr lang="en-CA" smtClean="0"/>
-              <a:t>2022-07-16</a:t>
+              <a:t>2022-07-22</a:t>
             </a:fld>
             <a:endParaRPr lang="en-CA"/>
           </a:p>
@@ -3487,13 +9034,20 @@
           <a:p>
             <a:r>
               <a:rPr lang="en-CA" dirty="0"/>
+              <a:t>Render system</a:t>
+            </a:r>
+          </a:p>
+          <a:p>
+            <a:r>
+              <a:rPr lang="en-CA" dirty="0"/>
               <a:t>Designed to be distributed</a:t>
             </a:r>
           </a:p>
           <a:p>
+            <a:pPr lvl="1"/>
             <a:r>
               <a:rPr lang="en-CA" dirty="0"/>
-              <a:t>A way to host and browse data you care about</a:t>
+              <a:t>Easy to host data you care about</a:t>
             </a:r>
           </a:p>
         </p:txBody>
@@ -3530,67 +9084,10 @@
       </p:grpSpPr>
       <p:sp>
         <p:nvSpPr>
-          <p:cNvPr id="15" name="Content Placeholder 2">
-            <a:extLst>
-              <a:ext uri="{FF2B5EF4-FFF2-40B4-BE49-F238E27FC236}">
-                <a16:creationId xmlns:a16="http://schemas.microsoft.com/office/drawing/2014/main" id="{D2F6EA13-F92C-C0CF-0B7B-752875935C1D}"/>
-              </a:ext>
-            </a:extLst>
-          </p:cNvPr>
-          <p:cNvSpPr>
-            <a:spLocks noGrp="1"/>
-          </p:cNvSpPr>
-          <p:nvPr>
-            <p:ph idx="1"/>
-          </p:nvPr>
-        </p:nvSpPr>
-        <p:spPr>
-          <a:xfrm>
-            <a:off x="838200" y="1825625"/>
-            <a:ext cx="10515600" cy="4351338"/>
-          </a:xfrm>
-        </p:spPr>
-        <p:txBody>
-          <a:bodyPr/>
-          <a:lstStyle/>
-          <a:p>
-            <a:r>
-              <a:rPr lang="en-CA" dirty="0"/>
-              <a:t>Two types</a:t>
-            </a:r>
-          </a:p>
-          <a:p>
-            <a:pPr lvl="1"/>
-            <a:r>
-              <a:rPr lang="en-CA" dirty="0"/>
-              <a:t>Things</a:t>
-            </a:r>
-          </a:p>
-          <a:p>
-            <a:pPr lvl="1"/>
-            <a:r>
-              <a:rPr lang="en-CA" dirty="0"/>
-              <a:t>Relationships</a:t>
-            </a:r>
-          </a:p>
-          <a:p>
-            <a:r>
-              <a:rPr lang="en-CA" dirty="0"/>
-              <a:t>Unordered</a:t>
-            </a:r>
-          </a:p>
-          <a:p>
-            <a:pPr lvl="1"/>
-            <a:endParaRPr lang="en-CA" dirty="0"/>
-          </a:p>
-        </p:txBody>
-      </p:sp>
-      <p:sp>
-        <p:nvSpPr>
           <p:cNvPr id="2" name="Title 1">
             <a:extLst>
               <a:ext uri="{FF2B5EF4-FFF2-40B4-BE49-F238E27FC236}">
-                <a16:creationId xmlns:a16="http://schemas.microsoft.com/office/drawing/2014/main" id="{7EF7B815-965A-0B06-FD12-56820F76ED9A}"/>
+                <a16:creationId xmlns:a16="http://schemas.microsoft.com/office/drawing/2014/main" id="{7A7CC506-865C-4C45-750D-97242969D9A9}"/>
               </a:ext>
             </a:extLst>
           </p:cNvPr>
@@ -3608,361 +9105,139 @@
           <a:p>
             <a:r>
               <a:rPr lang="en-CA" dirty="0"/>
-              <a:t>Data</a:t>
+              <a:t>Terminology</a:t>
             </a:r>
+          </a:p>
+        </p:txBody>
+      </p:sp>
+      <p:graphicFrame>
+        <p:nvGraphicFramePr>
+          <p:cNvPr id="4" name="Content Placeholder 3">
+            <a:extLst>
+              <a:ext uri="{FF2B5EF4-FFF2-40B4-BE49-F238E27FC236}">
+                <a16:creationId xmlns:a16="http://schemas.microsoft.com/office/drawing/2014/main" id="{923D79FF-757E-AD94-252C-98DB14A11CD2}"/>
+              </a:ext>
+            </a:extLst>
+          </p:cNvPr>
+          <p:cNvGraphicFramePr>
+            <a:graphicFrameLocks noGrp="1"/>
+          </p:cNvGraphicFramePr>
+          <p:nvPr>
+            <p:ph idx="1"/>
+            <p:extLst>
+              <p:ext uri="{D42A27DB-BD31-4B8C-83A1-F6EECF244321}">
+                <p14:modId xmlns:p14="http://schemas.microsoft.com/office/powerpoint/2010/main" val="4200934226"/>
+              </p:ext>
+            </p:extLst>
+          </p:nvPr>
+        </p:nvGraphicFramePr>
+        <p:xfrm>
+          <a:off x="838200" y="1825625"/>
+          <a:ext cx="10515600" cy="4351338"/>
+        </p:xfrm>
+        <a:graphic>
+          <a:graphicData uri="http://schemas.openxmlformats.org/drawingml/2006/diagram">
+            <dgm:relIds xmlns:dgm="http://schemas.openxmlformats.org/drawingml/2006/diagram" xmlns:r="http://schemas.openxmlformats.org/officeDocument/2006/relationships" r:dm="rId2" r:lo="rId3" r:qs="rId4" r:cs="rId5"/>
+          </a:graphicData>
+        </a:graphic>
+      </p:graphicFrame>
+    </p:spTree>
+    <p:extLst>
+      <p:ext uri="{BB962C8B-B14F-4D97-AF65-F5344CB8AC3E}">
+        <p14:creationId xmlns:p14="http://schemas.microsoft.com/office/powerpoint/2010/main" val="138477313"/>
+      </p:ext>
+    </p:extLst>
+  </p:cSld>
+  <p:clrMapOvr>
+    <a:masterClrMapping/>
+  </p:clrMapOvr>
+</p:sld>
+</file>
+
+<file path=ppt/slides/slide4.xml><?xml version="1.0" encoding="utf-8"?>
+<p:sld xmlns:a="http://schemas.openxmlformats.org/drawingml/2006/main" xmlns:r="http://schemas.openxmlformats.org/officeDocument/2006/relationships" xmlns:p="http://schemas.openxmlformats.org/presentationml/2006/main">
+  <p:cSld>
+    <p:spTree>
+      <p:nvGrpSpPr>
+        <p:cNvPr id="1" name=""/>
+        <p:cNvGrpSpPr/>
+        <p:nvPr/>
+      </p:nvGrpSpPr>
+      <p:grpSpPr>
+        <a:xfrm>
+          <a:off x="0" y="0"/>
+          <a:ext cx="0" cy="0"/>
+          <a:chOff x="0" y="0"/>
+          <a:chExt cx="0" cy="0"/>
+        </a:xfrm>
+      </p:grpSpPr>
+      <p:sp>
+        <p:nvSpPr>
+          <p:cNvPr id="2" name="Title 1">
+            <a:extLst>
+              <a:ext uri="{FF2B5EF4-FFF2-40B4-BE49-F238E27FC236}">
+                <a16:creationId xmlns:a16="http://schemas.microsoft.com/office/drawing/2014/main" id="{1A5457F1-DB99-ECAA-0FDB-141D70B45E94}"/>
+              </a:ext>
+            </a:extLst>
+          </p:cNvPr>
+          <p:cNvSpPr>
+            <a:spLocks noGrp="1"/>
+          </p:cNvSpPr>
+          <p:nvPr>
+            <p:ph type="title"/>
+          </p:nvPr>
+        </p:nvSpPr>
+        <p:spPr/>
+        <p:txBody>
+          <a:bodyPr/>
+          <a:lstStyle/>
+          <a:p>
+            <a:endParaRPr lang="en-CA"/>
           </a:p>
         </p:txBody>
       </p:sp>
       <p:sp>
         <p:nvSpPr>
-          <p:cNvPr id="4" name="Rectangle 3">
+          <p:cNvPr id="3" name="Content Placeholder 2">
             <a:extLst>
               <a:ext uri="{FF2B5EF4-FFF2-40B4-BE49-F238E27FC236}">
-                <a16:creationId xmlns:a16="http://schemas.microsoft.com/office/drawing/2014/main" id="{9D507E9A-5FEE-24D9-DABE-A19631AA9355}"/>
+                <a16:creationId xmlns:a16="http://schemas.microsoft.com/office/drawing/2014/main" id="{41844E44-5B09-C743-971A-DB3EAC700A97}"/>
               </a:ext>
             </a:extLst>
           </p:cNvPr>
-          <p:cNvSpPr/>
-          <p:nvPr/>
+          <p:cNvSpPr>
+            <a:spLocks noGrp="1"/>
+          </p:cNvSpPr>
+          <p:nvPr>
+            <p:ph idx="1"/>
+          </p:nvPr>
         </p:nvSpPr>
-        <p:spPr>
-          <a:xfrm>
-            <a:off x="6534150" y="2286000"/>
-            <a:ext cx="1651395" cy="1228725"/>
-          </a:xfrm>
-          <a:prstGeom prst="rect">
-            <a:avLst/>
-          </a:prstGeom>
-        </p:spPr>
-        <p:style>
-          <a:lnRef idx="2">
-            <a:schemeClr val="accent1">
-              <a:shade val="50000"/>
-            </a:schemeClr>
-          </a:lnRef>
-          <a:fillRef idx="1">
-            <a:schemeClr val="accent1"/>
-          </a:fillRef>
-          <a:effectRef idx="0">
-            <a:schemeClr val="accent1"/>
-          </a:effectRef>
-          <a:fontRef idx="minor">
-            <a:schemeClr val="lt1"/>
-          </a:fontRef>
-        </p:style>
+        <p:spPr/>
         <p:txBody>
-          <a:bodyPr rtlCol="0" anchor="ctr"/>
+          <a:bodyPr/>
           <a:lstStyle/>
           <a:p>
-            <a:pPr algn="ctr"/>
+            <a:r>
+              <a:rPr lang="en-CA" dirty="0">
+                <a:hlinkClick r:id="rId2"/>
+              </a:rPr>
+              <a:t>https://encyclopedia.raddest.ca/</a:t>
+            </a:r>
+            <a:endParaRPr lang="en-CA" dirty="0"/>
+          </a:p>
+          <a:p>
+            <a:pPr lvl="1"/>
             <a:r>
               <a:rPr lang="en-CA" dirty="0"/>
-              <a:t>Thing</a:t>
+              <a:t>Directory of other servers</a:t>
             </a:r>
-          </a:p>
-        </p:txBody>
-      </p:sp>
-      <p:sp>
-        <p:nvSpPr>
-          <p:cNvPr id="5" name="Rectangle 4">
-            <a:extLst>
-              <a:ext uri="{FF2B5EF4-FFF2-40B4-BE49-F238E27FC236}">
-                <a16:creationId xmlns:a16="http://schemas.microsoft.com/office/drawing/2014/main" id="{6018F30D-D5A4-325B-7E1A-3EA76F7EB7CE}"/>
-              </a:ext>
-            </a:extLst>
-          </p:cNvPr>
-          <p:cNvSpPr/>
-          <p:nvPr/>
-        </p:nvSpPr>
-        <p:spPr>
-          <a:xfrm>
-            <a:off x="8458200" y="2286000"/>
-            <a:ext cx="2864643" cy="1228725"/>
-          </a:xfrm>
-          <a:prstGeom prst="rect">
-            <a:avLst/>
-          </a:prstGeom>
-        </p:spPr>
-        <p:style>
-          <a:lnRef idx="2">
-            <a:schemeClr val="accent1">
-              <a:shade val="50000"/>
-            </a:schemeClr>
-          </a:lnRef>
-          <a:fillRef idx="1">
-            <a:schemeClr val="accent1"/>
-          </a:fillRef>
-          <a:effectRef idx="0">
-            <a:schemeClr val="accent1"/>
-          </a:effectRef>
-          <a:fontRef idx="minor">
-            <a:schemeClr val="lt1"/>
-          </a:fontRef>
-        </p:style>
-        <p:txBody>
-          <a:bodyPr rtlCol="0" anchor="ctr"/>
-          <a:lstStyle/>
-          <a:p>
-            <a:pPr algn="ctr"/>
-            <a:r>
-              <a:rPr lang="en-CA" dirty="0"/>
-              <a:t>Relationship</a:t>
-            </a:r>
-          </a:p>
-        </p:txBody>
-      </p:sp>
-      <p:sp>
-        <p:nvSpPr>
-          <p:cNvPr id="7" name="Rectangle 6">
-            <a:extLst>
-              <a:ext uri="{FF2B5EF4-FFF2-40B4-BE49-F238E27FC236}">
-                <a16:creationId xmlns:a16="http://schemas.microsoft.com/office/drawing/2014/main" id="{7D7B54D8-63EE-0F8E-8553-9C9F2FE7CDA8}"/>
-              </a:ext>
-            </a:extLst>
-          </p:cNvPr>
-          <p:cNvSpPr/>
-          <p:nvPr/>
-        </p:nvSpPr>
-        <p:spPr>
-          <a:xfrm>
-            <a:off x="6534150" y="3657602"/>
-            <a:ext cx="809625" cy="647700"/>
-          </a:xfrm>
-          <a:prstGeom prst="rect">
-            <a:avLst/>
-          </a:prstGeom>
-        </p:spPr>
-        <p:style>
-          <a:lnRef idx="2">
-            <a:schemeClr val="accent4">
-              <a:shade val="50000"/>
-            </a:schemeClr>
-          </a:lnRef>
-          <a:fillRef idx="1">
-            <a:schemeClr val="accent4"/>
-          </a:fillRef>
-          <a:effectRef idx="0">
-            <a:schemeClr val="accent4"/>
-          </a:effectRef>
-          <a:fontRef idx="minor">
-            <a:schemeClr val="lt1"/>
-          </a:fontRef>
-        </p:style>
-        <p:txBody>
-          <a:bodyPr rtlCol="0" anchor="ctr"/>
-          <a:lstStyle/>
-          <a:p>
-            <a:pPr algn="ctr"/>
-            <a:r>
-              <a:rPr lang="en-CA" dirty="0" err="1"/>
-              <a:t>TypeId</a:t>
-            </a:r>
-            <a:endParaRPr lang="en-CA" dirty="0"/>
-          </a:p>
-        </p:txBody>
-      </p:sp>
-      <p:sp>
-        <p:nvSpPr>
-          <p:cNvPr id="8" name="Rectangle 7">
-            <a:extLst>
-              <a:ext uri="{FF2B5EF4-FFF2-40B4-BE49-F238E27FC236}">
-                <a16:creationId xmlns:a16="http://schemas.microsoft.com/office/drawing/2014/main" id="{673CC046-696C-8109-5C52-3B3399E8E3E9}"/>
-              </a:ext>
-            </a:extLst>
-          </p:cNvPr>
-          <p:cNvSpPr/>
-          <p:nvPr/>
-        </p:nvSpPr>
-        <p:spPr>
-          <a:xfrm>
-            <a:off x="7375920" y="3657602"/>
-            <a:ext cx="809625" cy="647700"/>
-          </a:xfrm>
-          <a:prstGeom prst="rect">
-            <a:avLst/>
-          </a:prstGeom>
-        </p:spPr>
-        <p:style>
-          <a:lnRef idx="2">
-            <a:schemeClr val="accent4">
-              <a:shade val="50000"/>
-            </a:schemeClr>
-          </a:lnRef>
-          <a:fillRef idx="1">
-            <a:schemeClr val="accent4"/>
-          </a:fillRef>
-          <a:effectRef idx="0">
-            <a:schemeClr val="accent4"/>
-          </a:effectRef>
-          <a:fontRef idx="minor">
-            <a:schemeClr val="lt1"/>
-          </a:fontRef>
-        </p:style>
-        <p:txBody>
-          <a:bodyPr rtlCol="0" anchor="ctr"/>
-          <a:lstStyle/>
-          <a:p>
-            <a:pPr algn="ctr"/>
-            <a:r>
-              <a:rPr lang="en-CA" dirty="0"/>
-              <a:t>Id</a:t>
-            </a:r>
-          </a:p>
-        </p:txBody>
-      </p:sp>
-      <p:sp>
-        <p:nvSpPr>
-          <p:cNvPr id="9" name="Rectangle 8">
-            <a:extLst>
-              <a:ext uri="{FF2B5EF4-FFF2-40B4-BE49-F238E27FC236}">
-                <a16:creationId xmlns:a16="http://schemas.microsoft.com/office/drawing/2014/main" id="{26473FE1-E422-F2BA-B30A-CE46F976C8D0}"/>
-              </a:ext>
-            </a:extLst>
-          </p:cNvPr>
-          <p:cNvSpPr/>
-          <p:nvPr/>
-        </p:nvSpPr>
-        <p:spPr>
-          <a:xfrm>
-            <a:off x="8458200" y="3657602"/>
-            <a:ext cx="933451" cy="647700"/>
-          </a:xfrm>
-          <a:prstGeom prst="rect">
-            <a:avLst/>
-          </a:prstGeom>
-        </p:spPr>
-        <p:style>
-          <a:lnRef idx="2">
-            <a:schemeClr val="accent4">
-              <a:shade val="50000"/>
-            </a:schemeClr>
-          </a:lnRef>
-          <a:fillRef idx="1">
-            <a:schemeClr val="accent4"/>
-          </a:fillRef>
-          <a:effectRef idx="0">
-            <a:schemeClr val="accent4"/>
-          </a:effectRef>
-          <a:fontRef idx="minor">
-            <a:schemeClr val="lt1"/>
-          </a:fontRef>
-        </p:style>
-        <p:txBody>
-          <a:bodyPr rtlCol="0" anchor="ctr"/>
-          <a:lstStyle/>
-          <a:p>
-            <a:pPr algn="ctr"/>
-            <a:r>
-              <a:rPr lang="en-CA" dirty="0"/>
-              <a:t>Left</a:t>
-            </a:r>
-          </a:p>
-        </p:txBody>
-      </p:sp>
-      <p:sp>
-        <p:nvSpPr>
-          <p:cNvPr id="10" name="Rectangle 9">
-            <a:extLst>
-              <a:ext uri="{FF2B5EF4-FFF2-40B4-BE49-F238E27FC236}">
-                <a16:creationId xmlns:a16="http://schemas.microsoft.com/office/drawing/2014/main" id="{413A75B9-BB36-3922-E1D2-5DBE79C0E654}"/>
-              </a:ext>
-            </a:extLst>
-          </p:cNvPr>
-          <p:cNvSpPr/>
-          <p:nvPr/>
-        </p:nvSpPr>
-        <p:spPr>
-          <a:xfrm>
-            <a:off x="9423796" y="3657602"/>
-            <a:ext cx="933451" cy="647700"/>
-          </a:xfrm>
-          <a:prstGeom prst="rect">
-            <a:avLst/>
-          </a:prstGeom>
-        </p:spPr>
-        <p:style>
-          <a:lnRef idx="2">
-            <a:schemeClr val="accent4">
-              <a:shade val="50000"/>
-            </a:schemeClr>
-          </a:lnRef>
-          <a:fillRef idx="1">
-            <a:schemeClr val="accent4"/>
-          </a:fillRef>
-          <a:effectRef idx="0">
-            <a:schemeClr val="accent4"/>
-          </a:effectRef>
-          <a:fontRef idx="minor">
-            <a:schemeClr val="lt1"/>
-          </a:fontRef>
-        </p:style>
-        <p:txBody>
-          <a:bodyPr rtlCol="0" anchor="ctr"/>
-          <a:lstStyle/>
-          <a:p>
-            <a:pPr algn="ctr"/>
-            <a:r>
-              <a:rPr lang="en-CA" dirty="0" err="1"/>
-              <a:t>TypeId</a:t>
-            </a:r>
-            <a:endParaRPr lang="en-CA" dirty="0"/>
-          </a:p>
-        </p:txBody>
-      </p:sp>
-      <p:sp>
-        <p:nvSpPr>
-          <p:cNvPr id="11" name="Rectangle 10">
-            <a:extLst>
-              <a:ext uri="{FF2B5EF4-FFF2-40B4-BE49-F238E27FC236}">
-                <a16:creationId xmlns:a16="http://schemas.microsoft.com/office/drawing/2014/main" id="{99311817-4458-50E0-4A32-FBFA59F6B325}"/>
-              </a:ext>
-            </a:extLst>
-          </p:cNvPr>
-          <p:cNvSpPr/>
-          <p:nvPr/>
-        </p:nvSpPr>
-        <p:spPr>
-          <a:xfrm>
-            <a:off x="10389392" y="3657602"/>
-            <a:ext cx="933451" cy="647700"/>
-          </a:xfrm>
-          <a:prstGeom prst="rect">
-            <a:avLst/>
-          </a:prstGeom>
-        </p:spPr>
-        <p:style>
-          <a:lnRef idx="2">
-            <a:schemeClr val="accent4">
-              <a:shade val="50000"/>
-            </a:schemeClr>
-          </a:lnRef>
-          <a:fillRef idx="1">
-            <a:schemeClr val="accent4"/>
-          </a:fillRef>
-          <a:effectRef idx="0">
-            <a:schemeClr val="accent4"/>
-          </a:effectRef>
-          <a:fontRef idx="minor">
-            <a:schemeClr val="lt1"/>
-          </a:fontRef>
-        </p:style>
-        <p:txBody>
-          <a:bodyPr rtlCol="0" anchor="ctr"/>
-          <a:lstStyle/>
-          <a:p>
-            <a:pPr algn="ctr"/>
-            <a:r>
-              <a:rPr lang="en-CA" dirty="0" err="1"/>
-              <a:t>RightId</a:t>
-            </a:r>
-            <a:endParaRPr lang="en-CA" dirty="0"/>
           </a:p>
         </p:txBody>
       </p:sp>
     </p:spTree>
     <p:extLst>
       <p:ext uri="{BB962C8B-B14F-4D97-AF65-F5344CB8AC3E}">
-        <p14:creationId xmlns:p14="http://schemas.microsoft.com/office/powerpoint/2010/main" val="2266313750"/>
+        <p14:creationId xmlns:p14="http://schemas.microsoft.com/office/powerpoint/2010/main" val="2810106655"/>
       </p:ext>
     </p:extLst>
   </p:cSld>

--- a/radica.pptx
+++ b/radica.pptx
@@ -9,6 +9,7 @@
     <p:sldId id="257" r:id="rId3"/>
     <p:sldId id="263" r:id="rId4"/>
     <p:sldId id="262" r:id="rId5"/>
+    <p:sldId id="264" r:id="rId6"/>
   </p:sldIdLst>
   <p:sldSz cx="12192000" cy="6858000"/>
   <p:notesSz cx="6858000" cy="9144000"/>
@@ -5805,7 +5806,7 @@
           <a:p>
             <a:fld id="{71481ED2-D2F7-4FF1-878A-F6023F465571}" type="datetimeFigureOut">
               <a:rPr lang="en-CA" smtClean="0"/>
-              <a:t>2022-07-22</a:t>
+              <a:t>2022-07-24</a:t>
             </a:fld>
             <a:endParaRPr lang="en-CA"/>
           </a:p>
@@ -6005,7 +6006,7 @@
           <a:p>
             <a:fld id="{71481ED2-D2F7-4FF1-878A-F6023F465571}" type="datetimeFigureOut">
               <a:rPr lang="en-CA" smtClean="0"/>
-              <a:t>2022-07-22</a:t>
+              <a:t>2022-07-24</a:t>
             </a:fld>
             <a:endParaRPr lang="en-CA"/>
           </a:p>
@@ -6215,7 +6216,7 @@
           <a:p>
             <a:fld id="{71481ED2-D2F7-4FF1-878A-F6023F465571}" type="datetimeFigureOut">
               <a:rPr lang="en-CA" smtClean="0"/>
-              <a:t>2022-07-22</a:t>
+              <a:t>2022-07-24</a:t>
             </a:fld>
             <a:endParaRPr lang="en-CA"/>
           </a:p>
@@ -6415,7 +6416,7 @@
           <a:p>
             <a:fld id="{71481ED2-D2F7-4FF1-878A-F6023F465571}" type="datetimeFigureOut">
               <a:rPr lang="en-CA" smtClean="0"/>
-              <a:t>2022-07-22</a:t>
+              <a:t>2022-07-24</a:t>
             </a:fld>
             <a:endParaRPr lang="en-CA"/>
           </a:p>
@@ -6691,7 +6692,7 @@
           <a:p>
             <a:fld id="{71481ED2-D2F7-4FF1-878A-F6023F465571}" type="datetimeFigureOut">
               <a:rPr lang="en-CA" smtClean="0"/>
-              <a:t>2022-07-22</a:t>
+              <a:t>2022-07-24</a:t>
             </a:fld>
             <a:endParaRPr lang="en-CA"/>
           </a:p>
@@ -6959,7 +6960,7 @@
           <a:p>
             <a:fld id="{71481ED2-D2F7-4FF1-878A-F6023F465571}" type="datetimeFigureOut">
               <a:rPr lang="en-CA" smtClean="0"/>
-              <a:t>2022-07-22</a:t>
+              <a:t>2022-07-24</a:t>
             </a:fld>
             <a:endParaRPr lang="en-CA"/>
           </a:p>
@@ -7374,7 +7375,7 @@
           <a:p>
             <a:fld id="{71481ED2-D2F7-4FF1-878A-F6023F465571}" type="datetimeFigureOut">
               <a:rPr lang="en-CA" smtClean="0"/>
-              <a:t>2022-07-22</a:t>
+              <a:t>2022-07-24</a:t>
             </a:fld>
             <a:endParaRPr lang="en-CA"/>
           </a:p>
@@ -7516,7 +7517,7 @@
           <a:p>
             <a:fld id="{71481ED2-D2F7-4FF1-878A-F6023F465571}" type="datetimeFigureOut">
               <a:rPr lang="en-CA" smtClean="0"/>
-              <a:t>2022-07-22</a:t>
+              <a:t>2022-07-24</a:t>
             </a:fld>
             <a:endParaRPr lang="en-CA"/>
           </a:p>
@@ -7629,7 +7630,7 @@
           <a:p>
             <a:fld id="{71481ED2-D2F7-4FF1-878A-F6023F465571}" type="datetimeFigureOut">
               <a:rPr lang="en-CA" smtClean="0"/>
-              <a:t>2022-07-22</a:t>
+              <a:t>2022-07-24</a:t>
             </a:fld>
             <a:endParaRPr lang="en-CA"/>
           </a:p>
@@ -7942,7 +7943,7 @@
           <a:p>
             <a:fld id="{71481ED2-D2F7-4FF1-878A-F6023F465571}" type="datetimeFigureOut">
               <a:rPr lang="en-CA" smtClean="0"/>
-              <a:t>2022-07-22</a:t>
+              <a:t>2022-07-24</a:t>
             </a:fld>
             <a:endParaRPr lang="en-CA"/>
           </a:p>
@@ -8231,7 +8232,7 @@
           <a:p>
             <a:fld id="{71481ED2-D2F7-4FF1-878A-F6023F465571}" type="datetimeFigureOut">
               <a:rPr lang="en-CA" smtClean="0"/>
-              <a:t>2022-07-22</a:t>
+              <a:t>2022-07-24</a:t>
             </a:fld>
             <a:endParaRPr lang="en-CA"/>
           </a:p>
@@ -8474,7 +8475,7 @@
           <a:p>
             <a:fld id="{71481ED2-D2F7-4FF1-878A-F6023F465571}" type="datetimeFigureOut">
               <a:rPr lang="en-CA" smtClean="0"/>
-              <a:t>2022-07-22</a:t>
+              <a:t>2022-07-24</a:t>
             </a:fld>
             <a:endParaRPr lang="en-CA"/>
           </a:p>
@@ -9247,6 +9248,118 @@
 </p:sld>
 </file>
 
+<file path=ppt/slides/slide5.xml><?xml version="1.0" encoding="utf-8"?>
+<p:sld xmlns:a="http://schemas.openxmlformats.org/drawingml/2006/main" xmlns:r="http://schemas.openxmlformats.org/officeDocument/2006/relationships" xmlns:p="http://schemas.openxmlformats.org/presentationml/2006/main">
+  <p:cSld>
+    <p:spTree>
+      <p:nvGrpSpPr>
+        <p:cNvPr id="1" name=""/>
+        <p:cNvGrpSpPr/>
+        <p:nvPr/>
+      </p:nvGrpSpPr>
+      <p:grpSpPr>
+        <a:xfrm>
+          <a:off x="0" y="0"/>
+          <a:ext cx="0" cy="0"/>
+          <a:chOff x="0" y="0"/>
+          <a:chExt cx="0" cy="0"/>
+        </a:xfrm>
+      </p:grpSpPr>
+      <p:sp>
+        <p:nvSpPr>
+          <p:cNvPr id="2" name="Title 1">
+            <a:extLst>
+              <a:ext uri="{FF2B5EF4-FFF2-40B4-BE49-F238E27FC236}">
+                <a16:creationId xmlns:a16="http://schemas.microsoft.com/office/drawing/2014/main" id="{587BCB4D-C0F3-7D2B-6089-DC0E468C3B07}"/>
+              </a:ext>
+            </a:extLst>
+          </p:cNvPr>
+          <p:cNvSpPr>
+            <a:spLocks noGrp="1"/>
+          </p:cNvSpPr>
+          <p:nvPr>
+            <p:ph type="title"/>
+          </p:nvPr>
+        </p:nvSpPr>
+        <p:spPr/>
+        <p:txBody>
+          <a:bodyPr/>
+          <a:lstStyle/>
+          <a:p>
+            <a:r>
+              <a:rPr lang="en-CA" dirty="0"/>
+              <a:t>Storage</a:t>
+            </a:r>
+          </a:p>
+        </p:txBody>
+      </p:sp>
+      <p:sp>
+        <p:nvSpPr>
+          <p:cNvPr id="3" name="Content Placeholder 2">
+            <a:extLst>
+              <a:ext uri="{FF2B5EF4-FFF2-40B4-BE49-F238E27FC236}">
+                <a16:creationId xmlns:a16="http://schemas.microsoft.com/office/drawing/2014/main" id="{29781522-9DE0-54DA-9AF8-7DD3BB87B4DE}"/>
+              </a:ext>
+            </a:extLst>
+          </p:cNvPr>
+          <p:cNvSpPr>
+            <a:spLocks noGrp="1"/>
+          </p:cNvSpPr>
+          <p:nvPr>
+            <p:ph idx="1"/>
+          </p:nvPr>
+        </p:nvSpPr>
+        <p:spPr/>
+        <p:txBody>
+          <a:bodyPr/>
+          <a:lstStyle/>
+          <a:p>
+            <a:r>
+              <a:rPr lang="en-CA" dirty="0"/>
+              <a:t>Some stuff is too big to be stored as a record (Thing, Relationship)</a:t>
+            </a:r>
+          </a:p>
+          <a:p>
+            <a:r>
+              <a:rPr lang="en-CA" dirty="0"/>
+              <a:t>Add support for S3, Cloudflare, Azure Storage, </a:t>
+            </a:r>
+            <a:r>
+              <a:rPr lang="en-CA" dirty="0" err="1"/>
+              <a:t>etc</a:t>
+            </a:r>
+            <a:endParaRPr lang="en-CA" dirty="0"/>
+          </a:p>
+          <a:p>
+            <a:pPr lvl="1"/>
+            <a:r>
+              <a:rPr lang="en-CA" dirty="0" err="1"/>
+              <a:t>Url</a:t>
+            </a:r>
+            <a:r>
+              <a:rPr lang="en-CA" dirty="0"/>
+              <a:t> for content to point to </a:t>
+            </a:r>
+            <a:r>
+              <a:rPr lang="en-CA"/>
+              <a:t>some blob</a:t>
+            </a:r>
+          </a:p>
+        </p:txBody>
+      </p:sp>
+    </p:spTree>
+    <p:extLst>
+      <p:ext uri="{BB962C8B-B14F-4D97-AF65-F5344CB8AC3E}">
+        <p14:creationId xmlns:p14="http://schemas.microsoft.com/office/powerpoint/2010/main" val="3856111649"/>
+      </p:ext>
+    </p:extLst>
+  </p:cSld>
+  <p:clrMapOvr>
+    <a:masterClrMapping/>
+  </p:clrMapOvr>
+</p:sld>
+</file>
+
 <file path=ppt/theme/theme1.xml><?xml version="1.0" encoding="utf-8"?>
 <a:theme xmlns:a="http://schemas.openxmlformats.org/drawingml/2006/main" name="Office Theme">
   <a:themeElements>

--- a/radica.pptx
+++ b/radica.pptx
@@ -10,6 +10,7 @@
     <p:sldId id="263" r:id="rId4"/>
     <p:sldId id="262" r:id="rId5"/>
     <p:sldId id="264" r:id="rId6"/>
+    <p:sldId id="265" r:id="rId7"/>
   </p:sldIdLst>
   <p:sldSz cx="12192000" cy="6858000"/>
   <p:notesSz cx="6858000" cy="9144000"/>
@@ -9338,11 +9339,7 @@
             </a:r>
             <a:r>
               <a:rPr lang="en-CA" dirty="0"/>
-              <a:t> for content to point to </a:t>
-            </a:r>
-            <a:r>
-              <a:rPr lang="en-CA"/>
-              <a:t>some blob</a:t>
+              <a:t> for content to point to some blob</a:t>
             </a:r>
           </a:p>
         </p:txBody>
@@ -9351,6 +9348,86 @@
     <p:extLst>
       <p:ext uri="{BB962C8B-B14F-4D97-AF65-F5344CB8AC3E}">
         <p14:creationId xmlns:p14="http://schemas.microsoft.com/office/powerpoint/2010/main" val="3856111649"/>
+      </p:ext>
+    </p:extLst>
+  </p:cSld>
+  <p:clrMapOvr>
+    <a:masterClrMapping/>
+  </p:clrMapOvr>
+</p:sld>
+</file>
+
+<file path=ppt/slides/slide6.xml><?xml version="1.0" encoding="utf-8"?>
+<p:sld xmlns:a="http://schemas.openxmlformats.org/drawingml/2006/main" xmlns:r="http://schemas.openxmlformats.org/officeDocument/2006/relationships" xmlns:p="http://schemas.openxmlformats.org/presentationml/2006/main">
+  <p:cSld>
+    <p:spTree>
+      <p:nvGrpSpPr>
+        <p:cNvPr id="1" name=""/>
+        <p:cNvGrpSpPr/>
+        <p:nvPr/>
+      </p:nvGrpSpPr>
+      <p:grpSpPr>
+        <a:xfrm>
+          <a:off x="0" y="0"/>
+          <a:ext cx="0" cy="0"/>
+          <a:chOff x="0" y="0"/>
+          <a:chExt cx="0" cy="0"/>
+        </a:xfrm>
+      </p:grpSpPr>
+      <p:sp>
+        <p:nvSpPr>
+          <p:cNvPr id="2" name="Title 1">
+            <a:extLst>
+              <a:ext uri="{FF2B5EF4-FFF2-40B4-BE49-F238E27FC236}">
+                <a16:creationId xmlns:a16="http://schemas.microsoft.com/office/drawing/2014/main" id="{DA472A39-0DCC-3A0A-CFFB-B100C5A668A2}"/>
+              </a:ext>
+            </a:extLst>
+          </p:cNvPr>
+          <p:cNvSpPr>
+            <a:spLocks noGrp="1"/>
+          </p:cNvSpPr>
+          <p:nvPr>
+            <p:ph type="title"/>
+          </p:nvPr>
+        </p:nvSpPr>
+        <p:spPr/>
+        <p:txBody>
+          <a:bodyPr/>
+          <a:lstStyle/>
+          <a:p>
+            <a:endParaRPr lang="en-CA" dirty="0"/>
+          </a:p>
+        </p:txBody>
+      </p:sp>
+      <p:sp>
+        <p:nvSpPr>
+          <p:cNvPr id="3" name="Content Placeholder 2">
+            <a:extLst>
+              <a:ext uri="{FF2B5EF4-FFF2-40B4-BE49-F238E27FC236}">
+                <a16:creationId xmlns:a16="http://schemas.microsoft.com/office/drawing/2014/main" id="{3782013C-F910-F0D5-14B6-39549012598A}"/>
+              </a:ext>
+            </a:extLst>
+          </p:cNvPr>
+          <p:cNvSpPr>
+            <a:spLocks noGrp="1"/>
+          </p:cNvSpPr>
+          <p:nvPr>
+            <p:ph idx="1"/>
+          </p:nvPr>
+        </p:nvSpPr>
+        <p:spPr/>
+        <p:txBody>
+          <a:bodyPr/>
+          <a:lstStyle/>
+          <a:p>
+            <a:endParaRPr lang="en-CA"/>
+          </a:p>
+        </p:txBody>
+      </p:sp>
+    </p:spTree>
+    <p:extLst>
+      <p:ext uri="{BB962C8B-B14F-4D97-AF65-F5344CB8AC3E}">
+        <p14:creationId xmlns:p14="http://schemas.microsoft.com/office/powerpoint/2010/main" val="2630691696"/>
       </p:ext>
     </p:extLst>
   </p:cSld>

--- a/radica.pptx
+++ b/radica.pptx
@@ -864,6 +864,753 @@
 </dgm:colorsDef>
 </file>
 
+<file path=ppt/diagrams/colors2.xml><?xml version="1.0" encoding="utf-8"?>
+<dgm:colorsDef xmlns:dgm="http://schemas.openxmlformats.org/drawingml/2006/diagram" xmlns:a="http://schemas.openxmlformats.org/drawingml/2006/main" uniqueId="urn:microsoft.com/office/officeart/2005/8/colors/accent1_2">
+  <dgm:title val=""/>
+  <dgm:desc val=""/>
+  <dgm:catLst>
+    <dgm:cat type="accent1" pri="11200"/>
+  </dgm:catLst>
+  <dgm:styleLbl name="node0">
+    <dgm:fillClrLst meth="repeat">
+      <a:schemeClr val="accent1"/>
+    </dgm:fillClrLst>
+    <dgm:linClrLst meth="repeat">
+      <a:schemeClr val="lt1"/>
+    </dgm:linClrLst>
+    <dgm:effectClrLst/>
+    <dgm:txLinClrLst/>
+    <dgm:txFillClrLst/>
+    <dgm:txEffectClrLst/>
+  </dgm:styleLbl>
+  <dgm:styleLbl name="alignNode1">
+    <dgm:fillClrLst meth="repeat">
+      <a:schemeClr val="accent1"/>
+    </dgm:fillClrLst>
+    <dgm:linClrLst meth="repeat">
+      <a:schemeClr val="accent1"/>
+    </dgm:linClrLst>
+    <dgm:effectClrLst/>
+    <dgm:txLinClrLst/>
+    <dgm:txFillClrLst/>
+    <dgm:txEffectClrLst/>
+  </dgm:styleLbl>
+  <dgm:styleLbl name="node1">
+    <dgm:fillClrLst meth="repeat">
+      <a:schemeClr val="accent1"/>
+    </dgm:fillClrLst>
+    <dgm:linClrLst meth="repeat">
+      <a:schemeClr val="lt1"/>
+    </dgm:linClrLst>
+    <dgm:effectClrLst/>
+    <dgm:txLinClrLst/>
+    <dgm:txFillClrLst/>
+    <dgm:txEffectClrLst/>
+  </dgm:styleLbl>
+  <dgm:styleLbl name="lnNode1">
+    <dgm:fillClrLst meth="repeat">
+      <a:schemeClr val="accent1"/>
+    </dgm:fillClrLst>
+    <dgm:linClrLst meth="repeat">
+      <a:schemeClr val="lt1"/>
+    </dgm:linClrLst>
+    <dgm:effectClrLst/>
+    <dgm:txLinClrLst/>
+    <dgm:txFillClrLst/>
+    <dgm:txEffectClrLst/>
+  </dgm:styleLbl>
+  <dgm:styleLbl name="vennNode1">
+    <dgm:fillClrLst meth="repeat">
+      <a:schemeClr val="accent1">
+        <a:alpha val="50000"/>
+      </a:schemeClr>
+    </dgm:fillClrLst>
+    <dgm:linClrLst meth="repeat">
+      <a:schemeClr val="lt1"/>
+    </dgm:linClrLst>
+    <dgm:effectClrLst/>
+    <dgm:txLinClrLst/>
+    <dgm:txFillClrLst/>
+    <dgm:txEffectClrLst/>
+  </dgm:styleLbl>
+  <dgm:styleLbl name="node2">
+    <dgm:fillClrLst meth="repeat">
+      <a:schemeClr val="accent1"/>
+    </dgm:fillClrLst>
+    <dgm:linClrLst meth="repeat">
+      <a:schemeClr val="lt1"/>
+    </dgm:linClrLst>
+    <dgm:effectClrLst/>
+    <dgm:txLinClrLst/>
+    <dgm:txFillClrLst/>
+    <dgm:txEffectClrLst/>
+  </dgm:styleLbl>
+  <dgm:styleLbl name="node3">
+    <dgm:fillClrLst meth="repeat">
+      <a:schemeClr val="accent1"/>
+    </dgm:fillClrLst>
+    <dgm:linClrLst meth="repeat">
+      <a:schemeClr val="lt1"/>
+    </dgm:linClrLst>
+    <dgm:effectClrLst/>
+    <dgm:txLinClrLst/>
+    <dgm:txFillClrLst/>
+    <dgm:txEffectClrLst/>
+  </dgm:styleLbl>
+  <dgm:styleLbl name="node4">
+    <dgm:fillClrLst meth="repeat">
+      <a:schemeClr val="accent1"/>
+    </dgm:fillClrLst>
+    <dgm:linClrLst meth="repeat">
+      <a:schemeClr val="lt1"/>
+    </dgm:linClrLst>
+    <dgm:effectClrLst/>
+    <dgm:txLinClrLst/>
+    <dgm:txFillClrLst/>
+    <dgm:txEffectClrLst/>
+  </dgm:styleLbl>
+  <dgm:styleLbl name="fgImgPlace1">
+    <dgm:fillClrLst meth="repeat">
+      <a:schemeClr val="accent1">
+        <a:tint val="50000"/>
+      </a:schemeClr>
+    </dgm:fillClrLst>
+    <dgm:linClrLst meth="repeat">
+      <a:schemeClr val="lt1"/>
+    </dgm:linClrLst>
+    <dgm:effectClrLst/>
+    <dgm:txLinClrLst/>
+    <dgm:txFillClrLst meth="repeat">
+      <a:schemeClr val="lt1"/>
+    </dgm:txFillClrLst>
+    <dgm:txEffectClrLst/>
+  </dgm:styleLbl>
+  <dgm:styleLbl name="alignImgPlace1">
+    <dgm:fillClrLst meth="repeat">
+      <a:schemeClr val="accent1">
+        <a:tint val="50000"/>
+      </a:schemeClr>
+    </dgm:fillClrLst>
+    <dgm:linClrLst meth="repeat">
+      <a:schemeClr val="lt1"/>
+    </dgm:linClrLst>
+    <dgm:effectClrLst/>
+    <dgm:txLinClrLst/>
+    <dgm:txFillClrLst meth="repeat">
+      <a:schemeClr val="lt1"/>
+    </dgm:txFillClrLst>
+    <dgm:txEffectClrLst/>
+  </dgm:styleLbl>
+  <dgm:styleLbl name="bgImgPlace1">
+    <dgm:fillClrLst meth="repeat">
+      <a:schemeClr val="accent1">
+        <a:tint val="50000"/>
+      </a:schemeClr>
+    </dgm:fillClrLst>
+    <dgm:linClrLst meth="repeat">
+      <a:schemeClr val="lt1"/>
+    </dgm:linClrLst>
+    <dgm:effectClrLst/>
+    <dgm:txLinClrLst/>
+    <dgm:txFillClrLst meth="repeat">
+      <a:schemeClr val="lt1"/>
+    </dgm:txFillClrLst>
+    <dgm:txEffectClrLst/>
+  </dgm:styleLbl>
+  <dgm:styleLbl name="sibTrans2D1">
+    <dgm:fillClrLst meth="repeat">
+      <a:schemeClr val="accent1">
+        <a:tint val="60000"/>
+      </a:schemeClr>
+    </dgm:fillClrLst>
+    <dgm:linClrLst meth="repeat">
+      <a:schemeClr val="accent1">
+        <a:tint val="60000"/>
+      </a:schemeClr>
+    </dgm:linClrLst>
+    <dgm:effectClrLst/>
+    <dgm:txLinClrLst/>
+    <dgm:txFillClrLst/>
+    <dgm:txEffectClrLst/>
+  </dgm:styleLbl>
+  <dgm:styleLbl name="fgSibTrans2D1">
+    <dgm:fillClrLst meth="repeat">
+      <a:schemeClr val="accent1">
+        <a:tint val="60000"/>
+      </a:schemeClr>
+    </dgm:fillClrLst>
+    <dgm:linClrLst meth="repeat">
+      <a:schemeClr val="accent1">
+        <a:tint val="60000"/>
+      </a:schemeClr>
+    </dgm:linClrLst>
+    <dgm:effectClrLst/>
+    <dgm:txLinClrLst/>
+    <dgm:txFillClrLst/>
+    <dgm:txEffectClrLst/>
+  </dgm:styleLbl>
+  <dgm:styleLbl name="bgSibTrans2D1">
+    <dgm:fillClrLst meth="repeat">
+      <a:schemeClr val="accent1">
+        <a:tint val="60000"/>
+      </a:schemeClr>
+    </dgm:fillClrLst>
+    <dgm:linClrLst meth="repeat">
+      <a:schemeClr val="accent1">
+        <a:tint val="60000"/>
+      </a:schemeClr>
+    </dgm:linClrLst>
+    <dgm:effectClrLst/>
+    <dgm:txLinClrLst/>
+    <dgm:txFillClrLst/>
+    <dgm:txEffectClrLst/>
+  </dgm:styleLbl>
+  <dgm:styleLbl name="sibTrans1D1">
+    <dgm:fillClrLst meth="repeat">
+      <a:schemeClr val="accent1"/>
+    </dgm:fillClrLst>
+    <dgm:linClrLst meth="repeat">
+      <a:schemeClr val="accent1"/>
+    </dgm:linClrLst>
+    <dgm:effectClrLst/>
+    <dgm:txLinClrLst/>
+    <dgm:txFillClrLst meth="repeat">
+      <a:schemeClr val="tx1"/>
+    </dgm:txFillClrLst>
+    <dgm:txEffectClrLst/>
+  </dgm:styleLbl>
+  <dgm:styleLbl name="callout">
+    <dgm:fillClrLst meth="repeat">
+      <a:schemeClr val="accent1"/>
+    </dgm:fillClrLst>
+    <dgm:linClrLst meth="repeat">
+      <a:schemeClr val="accent1">
+        <a:tint val="50000"/>
+      </a:schemeClr>
+    </dgm:linClrLst>
+    <dgm:effectClrLst/>
+    <dgm:txLinClrLst/>
+    <dgm:txFillClrLst meth="repeat">
+      <a:schemeClr val="tx1"/>
+    </dgm:txFillClrLst>
+    <dgm:txEffectClrLst/>
+  </dgm:styleLbl>
+  <dgm:styleLbl name="asst0">
+    <dgm:fillClrLst meth="repeat">
+      <a:schemeClr val="accent1"/>
+    </dgm:fillClrLst>
+    <dgm:linClrLst meth="repeat">
+      <a:schemeClr val="lt1"/>
+    </dgm:linClrLst>
+    <dgm:effectClrLst/>
+    <dgm:txLinClrLst/>
+    <dgm:txFillClrLst/>
+    <dgm:txEffectClrLst/>
+  </dgm:styleLbl>
+  <dgm:styleLbl name="asst1">
+    <dgm:fillClrLst meth="repeat">
+      <a:schemeClr val="accent1"/>
+    </dgm:fillClrLst>
+    <dgm:linClrLst meth="repeat">
+      <a:schemeClr val="lt1"/>
+    </dgm:linClrLst>
+    <dgm:effectClrLst/>
+    <dgm:txLinClrLst/>
+    <dgm:txFillClrLst/>
+    <dgm:txEffectClrLst/>
+  </dgm:styleLbl>
+  <dgm:styleLbl name="asst2">
+    <dgm:fillClrLst meth="repeat">
+      <a:schemeClr val="accent1"/>
+    </dgm:fillClrLst>
+    <dgm:linClrLst meth="repeat">
+      <a:schemeClr val="lt1"/>
+    </dgm:linClrLst>
+    <dgm:effectClrLst/>
+    <dgm:txLinClrLst/>
+    <dgm:txFillClrLst/>
+    <dgm:txEffectClrLst/>
+  </dgm:styleLbl>
+  <dgm:styleLbl name="asst3">
+    <dgm:fillClrLst meth="repeat">
+      <a:schemeClr val="accent1"/>
+    </dgm:fillClrLst>
+    <dgm:linClrLst meth="repeat">
+      <a:schemeClr val="lt1"/>
+    </dgm:linClrLst>
+    <dgm:effectClrLst/>
+    <dgm:txLinClrLst/>
+    <dgm:txFillClrLst/>
+    <dgm:txEffectClrLst/>
+  </dgm:styleLbl>
+  <dgm:styleLbl name="asst4">
+    <dgm:fillClrLst meth="repeat">
+      <a:schemeClr val="accent1"/>
+    </dgm:fillClrLst>
+    <dgm:linClrLst meth="repeat">
+      <a:schemeClr val="lt1"/>
+    </dgm:linClrLst>
+    <dgm:effectClrLst/>
+    <dgm:txLinClrLst/>
+    <dgm:txFillClrLst/>
+    <dgm:txEffectClrLst/>
+  </dgm:styleLbl>
+  <dgm:styleLbl name="parChTrans2D1">
+    <dgm:fillClrLst meth="repeat">
+      <a:schemeClr val="accent1">
+        <a:tint val="60000"/>
+      </a:schemeClr>
+    </dgm:fillClrLst>
+    <dgm:linClrLst meth="repeat">
+      <a:schemeClr val="accent1">
+        <a:tint val="60000"/>
+      </a:schemeClr>
+    </dgm:linClrLst>
+    <dgm:effectClrLst/>
+    <dgm:txLinClrLst/>
+    <dgm:txFillClrLst meth="repeat">
+      <a:schemeClr val="lt1"/>
+    </dgm:txFillClrLst>
+    <dgm:txEffectClrLst/>
+  </dgm:styleLbl>
+  <dgm:styleLbl name="parChTrans2D2">
+    <dgm:fillClrLst meth="repeat">
+      <a:schemeClr val="accent1"/>
+    </dgm:fillClrLst>
+    <dgm:linClrLst meth="repeat">
+      <a:schemeClr val="accent1"/>
+    </dgm:linClrLst>
+    <dgm:effectClrLst/>
+    <dgm:txLinClrLst/>
+    <dgm:txFillClrLst meth="repeat">
+      <a:schemeClr val="lt1"/>
+    </dgm:txFillClrLst>
+    <dgm:txEffectClrLst/>
+  </dgm:styleLbl>
+  <dgm:styleLbl name="parChTrans2D3">
+    <dgm:fillClrLst meth="repeat">
+      <a:schemeClr val="accent1"/>
+    </dgm:fillClrLst>
+    <dgm:linClrLst meth="repeat">
+      <a:schemeClr val="accent1"/>
+    </dgm:linClrLst>
+    <dgm:effectClrLst/>
+    <dgm:txLinClrLst/>
+    <dgm:txFillClrLst meth="repeat">
+      <a:schemeClr val="lt1"/>
+    </dgm:txFillClrLst>
+    <dgm:txEffectClrLst/>
+  </dgm:styleLbl>
+  <dgm:styleLbl name="parChTrans2D4">
+    <dgm:fillClrLst meth="repeat">
+      <a:schemeClr val="accent1"/>
+    </dgm:fillClrLst>
+    <dgm:linClrLst meth="repeat">
+      <a:schemeClr val="accent1"/>
+    </dgm:linClrLst>
+    <dgm:effectClrLst/>
+    <dgm:txLinClrLst/>
+    <dgm:txFillClrLst meth="repeat">
+      <a:schemeClr val="lt1"/>
+    </dgm:txFillClrLst>
+    <dgm:txEffectClrLst/>
+  </dgm:styleLbl>
+  <dgm:styleLbl name="parChTrans1D1">
+    <dgm:fillClrLst meth="repeat">
+      <a:schemeClr val="accent1"/>
+    </dgm:fillClrLst>
+    <dgm:linClrLst meth="repeat">
+      <a:schemeClr val="accent1">
+        <a:shade val="60000"/>
+      </a:schemeClr>
+    </dgm:linClrLst>
+    <dgm:effectClrLst/>
+    <dgm:txLinClrLst/>
+    <dgm:txFillClrLst meth="repeat">
+      <a:schemeClr val="tx1"/>
+    </dgm:txFillClrLst>
+    <dgm:txEffectClrLst/>
+  </dgm:styleLbl>
+  <dgm:styleLbl name="parChTrans1D2">
+    <dgm:fillClrLst meth="repeat">
+      <a:schemeClr val="accent1"/>
+    </dgm:fillClrLst>
+    <dgm:linClrLst meth="repeat">
+      <a:schemeClr val="accent1">
+        <a:shade val="60000"/>
+      </a:schemeClr>
+    </dgm:linClrLst>
+    <dgm:effectClrLst/>
+    <dgm:txLinClrLst/>
+    <dgm:txFillClrLst meth="repeat">
+      <a:schemeClr val="tx1"/>
+    </dgm:txFillClrLst>
+    <dgm:txEffectClrLst/>
+  </dgm:styleLbl>
+  <dgm:styleLbl name="parChTrans1D3">
+    <dgm:fillClrLst meth="repeat">
+      <a:schemeClr val="accent1"/>
+    </dgm:fillClrLst>
+    <dgm:linClrLst meth="repeat">
+      <a:schemeClr val="accent1">
+        <a:shade val="80000"/>
+      </a:schemeClr>
+    </dgm:linClrLst>
+    <dgm:effectClrLst/>
+    <dgm:txLinClrLst/>
+    <dgm:txFillClrLst meth="repeat">
+      <a:schemeClr val="tx1"/>
+    </dgm:txFillClrLst>
+    <dgm:txEffectClrLst/>
+  </dgm:styleLbl>
+  <dgm:styleLbl name="parChTrans1D4">
+    <dgm:fillClrLst meth="repeat">
+      <a:schemeClr val="accent1"/>
+    </dgm:fillClrLst>
+    <dgm:linClrLst meth="repeat">
+      <a:schemeClr val="accent1">
+        <a:shade val="80000"/>
+      </a:schemeClr>
+    </dgm:linClrLst>
+    <dgm:effectClrLst/>
+    <dgm:txLinClrLst/>
+    <dgm:txFillClrLst meth="repeat">
+      <a:schemeClr val="tx1"/>
+    </dgm:txFillClrLst>
+    <dgm:txEffectClrLst/>
+  </dgm:styleLbl>
+  <dgm:styleLbl name="fgAcc1">
+    <dgm:fillClrLst meth="repeat">
+      <a:schemeClr val="lt1">
+        <a:alpha val="90000"/>
+      </a:schemeClr>
+    </dgm:fillClrLst>
+    <dgm:linClrLst meth="repeat">
+      <a:schemeClr val="accent1"/>
+    </dgm:linClrLst>
+    <dgm:effectClrLst/>
+    <dgm:txLinClrLst/>
+    <dgm:txFillClrLst meth="repeat">
+      <a:schemeClr val="dk1"/>
+    </dgm:txFillClrLst>
+    <dgm:txEffectClrLst/>
+  </dgm:styleLbl>
+  <dgm:styleLbl name="conFgAcc1">
+    <dgm:fillClrLst meth="repeat">
+      <a:schemeClr val="lt1">
+        <a:alpha val="90000"/>
+      </a:schemeClr>
+    </dgm:fillClrLst>
+    <dgm:linClrLst meth="repeat">
+      <a:schemeClr val="accent1"/>
+    </dgm:linClrLst>
+    <dgm:effectClrLst/>
+    <dgm:txLinClrLst/>
+    <dgm:txFillClrLst meth="repeat">
+      <a:schemeClr val="dk1"/>
+    </dgm:txFillClrLst>
+    <dgm:txEffectClrLst/>
+  </dgm:styleLbl>
+  <dgm:styleLbl name="alignAcc1">
+    <dgm:fillClrLst meth="repeat">
+      <a:schemeClr val="lt1">
+        <a:alpha val="90000"/>
+      </a:schemeClr>
+    </dgm:fillClrLst>
+    <dgm:linClrLst meth="repeat">
+      <a:schemeClr val="accent1"/>
+    </dgm:linClrLst>
+    <dgm:effectClrLst/>
+    <dgm:txLinClrLst/>
+    <dgm:txFillClrLst meth="repeat">
+      <a:schemeClr val="dk1"/>
+    </dgm:txFillClrLst>
+    <dgm:txEffectClrLst/>
+  </dgm:styleLbl>
+  <dgm:styleLbl name="trAlignAcc1">
+    <dgm:fillClrLst meth="repeat">
+      <a:schemeClr val="lt1">
+        <a:alpha val="40000"/>
+      </a:schemeClr>
+    </dgm:fillClrLst>
+    <dgm:linClrLst meth="repeat">
+      <a:schemeClr val="accent1"/>
+    </dgm:linClrLst>
+    <dgm:effectClrLst/>
+    <dgm:txLinClrLst/>
+    <dgm:txFillClrLst meth="repeat">
+      <a:schemeClr val="dk1"/>
+    </dgm:txFillClrLst>
+    <dgm:txEffectClrLst/>
+  </dgm:styleLbl>
+  <dgm:styleLbl name="bgAcc1">
+    <dgm:fillClrLst meth="repeat">
+      <a:schemeClr val="lt1">
+        <a:alpha val="90000"/>
+      </a:schemeClr>
+    </dgm:fillClrLst>
+    <dgm:linClrLst meth="repeat">
+      <a:schemeClr val="accent1"/>
+    </dgm:linClrLst>
+    <dgm:effectClrLst/>
+    <dgm:txLinClrLst/>
+    <dgm:txFillClrLst meth="repeat">
+      <a:schemeClr val="dk1"/>
+    </dgm:txFillClrLst>
+    <dgm:txEffectClrLst/>
+  </dgm:styleLbl>
+  <dgm:styleLbl name="solidFgAcc1">
+    <dgm:fillClrLst meth="repeat">
+      <a:schemeClr val="lt1"/>
+    </dgm:fillClrLst>
+    <dgm:linClrLst meth="repeat">
+      <a:schemeClr val="accent1"/>
+    </dgm:linClrLst>
+    <dgm:effectClrLst/>
+    <dgm:txLinClrLst/>
+    <dgm:txFillClrLst meth="repeat">
+      <a:schemeClr val="dk1"/>
+    </dgm:txFillClrLst>
+    <dgm:txEffectClrLst/>
+  </dgm:styleLbl>
+  <dgm:styleLbl name="solidAlignAcc1">
+    <dgm:fillClrLst meth="repeat">
+      <a:schemeClr val="lt1"/>
+    </dgm:fillClrLst>
+    <dgm:linClrLst meth="repeat">
+      <a:schemeClr val="accent1"/>
+    </dgm:linClrLst>
+    <dgm:effectClrLst/>
+    <dgm:txLinClrLst/>
+    <dgm:txFillClrLst meth="repeat">
+      <a:schemeClr val="dk1"/>
+    </dgm:txFillClrLst>
+    <dgm:txEffectClrLst/>
+  </dgm:styleLbl>
+  <dgm:styleLbl name="solidBgAcc1">
+    <dgm:fillClrLst meth="repeat">
+      <a:schemeClr val="lt1"/>
+    </dgm:fillClrLst>
+    <dgm:linClrLst meth="repeat">
+      <a:schemeClr val="accent1"/>
+    </dgm:linClrLst>
+    <dgm:effectClrLst/>
+    <dgm:txLinClrLst/>
+    <dgm:txFillClrLst meth="repeat">
+      <a:schemeClr val="dk1"/>
+    </dgm:txFillClrLst>
+    <dgm:txEffectClrLst/>
+  </dgm:styleLbl>
+  <dgm:styleLbl name="fgAccFollowNode1">
+    <dgm:fillClrLst meth="repeat">
+      <a:schemeClr val="accent1">
+        <a:alpha val="90000"/>
+        <a:tint val="40000"/>
+      </a:schemeClr>
+    </dgm:fillClrLst>
+    <dgm:linClrLst meth="repeat">
+      <a:schemeClr val="accent1">
+        <a:alpha val="90000"/>
+        <a:tint val="40000"/>
+      </a:schemeClr>
+    </dgm:linClrLst>
+    <dgm:effectClrLst/>
+    <dgm:txLinClrLst/>
+    <dgm:txFillClrLst meth="repeat">
+      <a:schemeClr val="dk1"/>
+    </dgm:txFillClrLst>
+    <dgm:txEffectClrLst/>
+  </dgm:styleLbl>
+  <dgm:styleLbl name="alignAccFollowNode1">
+    <dgm:fillClrLst meth="repeat">
+      <a:schemeClr val="accent1">
+        <a:alpha val="90000"/>
+        <a:tint val="40000"/>
+      </a:schemeClr>
+    </dgm:fillClrLst>
+    <dgm:linClrLst meth="repeat">
+      <a:schemeClr val="accent1">
+        <a:alpha val="90000"/>
+        <a:tint val="40000"/>
+      </a:schemeClr>
+    </dgm:linClrLst>
+    <dgm:effectClrLst/>
+    <dgm:txLinClrLst/>
+    <dgm:txFillClrLst meth="repeat">
+      <a:schemeClr val="dk1"/>
+    </dgm:txFillClrLst>
+    <dgm:txEffectClrLst/>
+  </dgm:styleLbl>
+  <dgm:styleLbl name="bgAccFollowNode1">
+    <dgm:fillClrLst meth="repeat">
+      <a:schemeClr val="accent1">
+        <a:alpha val="90000"/>
+        <a:tint val="40000"/>
+      </a:schemeClr>
+    </dgm:fillClrLst>
+    <dgm:linClrLst meth="repeat">
+      <a:schemeClr val="accent1">
+        <a:alpha val="90000"/>
+        <a:tint val="40000"/>
+      </a:schemeClr>
+    </dgm:linClrLst>
+    <dgm:effectClrLst/>
+    <dgm:txLinClrLst/>
+    <dgm:txFillClrLst meth="repeat">
+      <a:schemeClr val="dk1"/>
+    </dgm:txFillClrLst>
+    <dgm:txEffectClrLst/>
+  </dgm:styleLbl>
+  <dgm:styleLbl name="fgAcc0">
+    <dgm:fillClrLst meth="repeat">
+      <a:schemeClr val="lt1">
+        <a:alpha val="90000"/>
+      </a:schemeClr>
+    </dgm:fillClrLst>
+    <dgm:linClrLst meth="repeat">
+      <a:schemeClr val="accent1"/>
+    </dgm:linClrLst>
+    <dgm:effectClrLst/>
+    <dgm:txLinClrLst/>
+    <dgm:txFillClrLst meth="repeat">
+      <a:schemeClr val="dk1"/>
+    </dgm:txFillClrLst>
+    <dgm:txEffectClrLst/>
+  </dgm:styleLbl>
+  <dgm:styleLbl name="fgAcc2">
+    <dgm:fillClrLst meth="repeat">
+      <a:schemeClr val="lt1">
+        <a:alpha val="90000"/>
+      </a:schemeClr>
+    </dgm:fillClrLst>
+    <dgm:linClrLst meth="repeat">
+      <a:schemeClr val="accent1"/>
+    </dgm:linClrLst>
+    <dgm:effectClrLst/>
+    <dgm:txLinClrLst/>
+    <dgm:txFillClrLst meth="repeat">
+      <a:schemeClr val="dk1"/>
+    </dgm:txFillClrLst>
+    <dgm:txEffectClrLst/>
+  </dgm:styleLbl>
+  <dgm:styleLbl name="fgAcc3">
+    <dgm:fillClrLst meth="repeat">
+      <a:schemeClr val="lt1">
+        <a:alpha val="90000"/>
+      </a:schemeClr>
+    </dgm:fillClrLst>
+    <dgm:linClrLst meth="repeat">
+      <a:schemeClr val="accent1"/>
+    </dgm:linClrLst>
+    <dgm:effectClrLst/>
+    <dgm:txLinClrLst/>
+    <dgm:txFillClrLst meth="repeat">
+      <a:schemeClr val="dk1"/>
+    </dgm:txFillClrLst>
+    <dgm:txEffectClrLst/>
+  </dgm:styleLbl>
+  <dgm:styleLbl name="fgAcc4">
+    <dgm:fillClrLst meth="repeat">
+      <a:schemeClr val="lt1">
+        <a:alpha val="90000"/>
+      </a:schemeClr>
+    </dgm:fillClrLst>
+    <dgm:linClrLst meth="repeat">
+      <a:schemeClr val="accent1"/>
+    </dgm:linClrLst>
+    <dgm:effectClrLst/>
+    <dgm:txLinClrLst/>
+    <dgm:txFillClrLst meth="repeat">
+      <a:schemeClr val="dk1"/>
+    </dgm:txFillClrLst>
+    <dgm:txEffectClrLst/>
+  </dgm:styleLbl>
+  <dgm:styleLbl name="bgShp">
+    <dgm:fillClrLst meth="repeat">
+      <a:schemeClr val="accent1">
+        <a:tint val="40000"/>
+      </a:schemeClr>
+    </dgm:fillClrLst>
+    <dgm:linClrLst meth="repeat">
+      <a:schemeClr val="accent1"/>
+    </dgm:linClrLst>
+    <dgm:effectClrLst/>
+    <dgm:txLinClrLst/>
+    <dgm:txFillClrLst meth="repeat">
+      <a:schemeClr val="dk1"/>
+    </dgm:txFillClrLst>
+    <dgm:txEffectClrLst/>
+  </dgm:styleLbl>
+  <dgm:styleLbl name="dkBgShp">
+    <dgm:fillClrLst meth="repeat">
+      <a:schemeClr val="accent1">
+        <a:shade val="80000"/>
+      </a:schemeClr>
+    </dgm:fillClrLst>
+    <dgm:linClrLst meth="repeat">
+      <a:schemeClr val="accent1"/>
+    </dgm:linClrLst>
+    <dgm:effectClrLst/>
+    <dgm:txLinClrLst/>
+    <dgm:txFillClrLst meth="repeat">
+      <a:schemeClr val="lt1"/>
+    </dgm:txFillClrLst>
+    <dgm:txEffectClrLst/>
+  </dgm:styleLbl>
+  <dgm:styleLbl name="trBgShp">
+    <dgm:fillClrLst meth="repeat">
+      <a:schemeClr val="accent1">
+        <a:tint val="50000"/>
+        <a:alpha val="40000"/>
+      </a:schemeClr>
+    </dgm:fillClrLst>
+    <dgm:linClrLst meth="repeat">
+      <a:schemeClr val="accent1"/>
+    </dgm:linClrLst>
+    <dgm:effectClrLst/>
+    <dgm:txLinClrLst/>
+    <dgm:txFillClrLst meth="repeat">
+      <a:schemeClr val="lt1"/>
+    </dgm:txFillClrLst>
+    <dgm:txEffectClrLst/>
+  </dgm:styleLbl>
+  <dgm:styleLbl name="fgShp">
+    <dgm:fillClrLst meth="repeat">
+      <a:schemeClr val="accent1">
+        <a:tint val="60000"/>
+      </a:schemeClr>
+    </dgm:fillClrLst>
+    <dgm:linClrLst meth="repeat">
+      <a:schemeClr val="lt1"/>
+    </dgm:linClrLst>
+    <dgm:effectClrLst/>
+    <dgm:txLinClrLst/>
+    <dgm:txFillClrLst meth="repeat">
+      <a:schemeClr val="dk1"/>
+    </dgm:txFillClrLst>
+    <dgm:txEffectClrLst/>
+  </dgm:styleLbl>
+  <dgm:styleLbl name="revTx">
+    <dgm:fillClrLst meth="repeat">
+      <a:schemeClr val="lt1">
+        <a:alpha val="0"/>
+      </a:schemeClr>
+    </dgm:fillClrLst>
+    <dgm:linClrLst meth="repeat">
+      <a:schemeClr val="dk1">
+        <a:alpha val="0"/>
+      </a:schemeClr>
+    </dgm:linClrLst>
+    <dgm:effectClrLst/>
+    <dgm:txLinClrLst/>
+    <dgm:txFillClrLst meth="repeat">
+      <a:schemeClr val="tx1"/>
+    </dgm:txFillClrLst>
+    <dgm:txEffectClrLst/>
+  </dgm:styleLbl>
+</dgm:colorsDef>
+</file>
+
 <file path=ppt/diagrams/data1.xml><?xml version="1.0" encoding="utf-8"?>
 <dgm:dataModel xmlns:dgm="http://schemas.openxmlformats.org/drawingml/2006/diagram" xmlns:a="http://schemas.openxmlformats.org/drawingml/2006/main">
   <dgm:ptLst>
@@ -2317,6 +3064,545 @@
     <dgm:cxn modelId="{CE7497E6-C882-40FF-BC6A-7AD0AC2509D7}" type="presParOf" srcId="{0000628D-8A2D-48D7-9085-70D1F728F4C4}" destId="{2A7F61A1-A4F5-4A97-97F3-F8324002EF0E}" srcOrd="2" destOrd="0" presId="urn:microsoft.com/office/officeart/2005/8/layout/architecture"/>
     <dgm:cxn modelId="{C0A7C492-2DDD-4251-9E86-DD82F7E39086}" type="presParOf" srcId="{2A7F61A1-A4F5-4A97-97F3-F8324002EF0E}" destId="{43F27BF5-86E5-4ACF-80D4-0D27A19D036D}" srcOrd="0" destOrd="0" presId="urn:microsoft.com/office/officeart/2005/8/layout/architecture"/>
     <dgm:cxn modelId="{68A5E0CD-361E-42C3-851C-FEAB7F13E05C}" type="presParOf" srcId="{2A7F61A1-A4F5-4A97-97F3-F8324002EF0E}" destId="{9B3E6643-D5BB-488E-B175-E0EEC6C0CC7D}" srcOrd="1" destOrd="0" presId="urn:microsoft.com/office/officeart/2005/8/layout/architecture"/>
+  </dgm:cxnLst>
+  <dgm:bg/>
+  <dgm:whole/>
+  <dgm:extLst>
+    <a:ext uri="http://schemas.microsoft.com/office/drawing/2008/diagram">
+      <dsp:dataModelExt xmlns:dsp="http://schemas.microsoft.com/office/drawing/2008/diagram" relId="rId6" minVer="http://schemas.openxmlformats.org/drawingml/2006/diagram"/>
+    </a:ext>
+  </dgm:extLst>
+</dgm:dataModel>
+</file>
+
+<file path=ppt/diagrams/data2.xml><?xml version="1.0" encoding="utf-8"?>
+<dgm:dataModel xmlns:dgm="http://schemas.openxmlformats.org/drawingml/2006/diagram" xmlns:a="http://schemas.openxmlformats.org/drawingml/2006/main">
+  <dgm:ptLst>
+    <dgm:pt modelId="{172967EE-C897-4756-A188-9F76602F5259}" type="doc">
+      <dgm:prSet loTypeId="urn:microsoft.com/office/officeart/2005/8/layout/hierarchy4" loCatId="hierarchy" qsTypeId="urn:microsoft.com/office/officeart/2005/8/quickstyle/simple1" qsCatId="simple" csTypeId="urn:microsoft.com/office/officeart/2005/8/colors/accent1_2" csCatId="accent1" phldr="1"/>
+      <dgm:spPr/>
+      <dgm:t>
+        <a:bodyPr/>
+        <a:lstStyle/>
+        <a:p>
+          <a:endParaRPr lang="en-CA"/>
+        </a:p>
+      </dgm:t>
+    </dgm:pt>
+    <dgm:pt modelId="{709AEA1E-5B26-4073-97C6-D151454E7A6F}">
+      <dgm:prSet phldrT="[Text]"/>
+      <dgm:spPr/>
+      <dgm:t>
+        <a:bodyPr/>
+        <a:lstStyle/>
+        <a:p>
+          <a:r>
+            <a:rPr lang="en-CA" dirty="0"/>
+            <a:t>Browser</a:t>
+          </a:r>
+        </a:p>
+      </dgm:t>
+    </dgm:pt>
+    <dgm:pt modelId="{1B00027B-2394-47EE-82B8-4FADAF1246EF}" type="parTrans" cxnId="{ABE2D179-B747-438A-8DD9-1EC2D409CAF8}">
+      <dgm:prSet/>
+      <dgm:spPr/>
+      <dgm:t>
+        <a:bodyPr/>
+        <a:lstStyle/>
+        <a:p>
+          <a:endParaRPr lang="en-CA"/>
+        </a:p>
+      </dgm:t>
+    </dgm:pt>
+    <dgm:pt modelId="{D08C2FE6-2492-4A05-A6BF-7668BAC86743}" type="sibTrans" cxnId="{ABE2D179-B747-438A-8DD9-1EC2D409CAF8}">
+      <dgm:prSet/>
+      <dgm:spPr/>
+      <dgm:t>
+        <a:bodyPr/>
+        <a:lstStyle/>
+        <a:p>
+          <a:endParaRPr lang="en-CA"/>
+        </a:p>
+      </dgm:t>
+    </dgm:pt>
+    <dgm:pt modelId="{8E643295-BA44-496D-81F1-22AD08BB7BE2}">
+      <dgm:prSet phldrT="[Text]"/>
+      <dgm:spPr/>
+      <dgm:t>
+        <a:bodyPr/>
+        <a:lstStyle/>
+        <a:p>
+          <a:r>
+            <a:rPr lang="en-CA" dirty="0"/>
+            <a:t>Backend1</a:t>
+          </a:r>
+        </a:p>
+      </dgm:t>
+    </dgm:pt>
+    <dgm:pt modelId="{E3C48F47-8736-48F2-A116-9B896DFBB41C}" type="parTrans" cxnId="{068AA221-3709-4AD8-88F2-4C7A9038AA42}">
+      <dgm:prSet/>
+      <dgm:spPr/>
+      <dgm:t>
+        <a:bodyPr/>
+        <a:lstStyle/>
+        <a:p>
+          <a:endParaRPr lang="en-CA"/>
+        </a:p>
+      </dgm:t>
+    </dgm:pt>
+    <dgm:pt modelId="{A3E6B778-A947-4BF5-90BE-9159A9E4A606}" type="sibTrans" cxnId="{068AA221-3709-4AD8-88F2-4C7A9038AA42}">
+      <dgm:prSet/>
+      <dgm:spPr/>
+      <dgm:t>
+        <a:bodyPr/>
+        <a:lstStyle/>
+        <a:p>
+          <a:endParaRPr lang="en-CA"/>
+        </a:p>
+      </dgm:t>
+    </dgm:pt>
+    <dgm:pt modelId="{B6CD8F8F-BA52-4583-9258-19C21300A629}">
+      <dgm:prSet phldrT="[Text]"/>
+      <dgm:spPr/>
+      <dgm:t>
+        <a:bodyPr/>
+        <a:lstStyle/>
+        <a:p>
+          <a:r>
+            <a:rPr lang="en-CA" dirty="0"/>
+            <a:t>Backend2</a:t>
+          </a:r>
+        </a:p>
+      </dgm:t>
+    </dgm:pt>
+    <dgm:pt modelId="{172ED792-F9F9-410B-8C6B-155566000F60}" type="parTrans" cxnId="{E1DF9E38-0B7E-443A-B907-AFDD0720C15B}">
+      <dgm:prSet/>
+      <dgm:spPr/>
+    </dgm:pt>
+    <dgm:pt modelId="{1F54B000-AAA9-4307-AB4F-8420C6B6FAE0}" type="sibTrans" cxnId="{E1DF9E38-0B7E-443A-B907-AFDD0720C15B}">
+      <dgm:prSet/>
+      <dgm:spPr/>
+    </dgm:pt>
+    <dgm:pt modelId="{BCB2ECA5-858F-4346-AE38-280FE9BB03AD}">
+      <dgm:prSet phldrT="[Text]"/>
+      <dgm:spPr/>
+      <dgm:t>
+        <a:bodyPr/>
+        <a:lstStyle/>
+        <a:p>
+          <a:r>
+            <a:rPr lang="en-CA" dirty="0"/>
+            <a:t>Backend3</a:t>
+          </a:r>
+        </a:p>
+      </dgm:t>
+    </dgm:pt>
+    <dgm:pt modelId="{82D30B57-9D36-44A8-9126-E51B9234F263}" type="parTrans" cxnId="{68148497-2DC4-4839-9A06-24D29EDC06B9}">
+      <dgm:prSet/>
+      <dgm:spPr/>
+    </dgm:pt>
+    <dgm:pt modelId="{5B52B4B3-3BE7-4D68-A3F9-8DAF9FD469FF}" type="sibTrans" cxnId="{68148497-2DC4-4839-9A06-24D29EDC06B9}">
+      <dgm:prSet/>
+      <dgm:spPr/>
+    </dgm:pt>
+    <dgm:pt modelId="{C96466FA-4D7C-41D5-8260-B045021B732D}">
+      <dgm:prSet phldrT="[Text]"/>
+      <dgm:spPr/>
+      <dgm:t>
+        <a:bodyPr/>
+        <a:lstStyle/>
+        <a:p>
+          <a:r>
+            <a:rPr lang="en-CA" dirty="0"/>
+            <a:t>User</a:t>
+          </a:r>
+        </a:p>
+      </dgm:t>
+    </dgm:pt>
+    <dgm:pt modelId="{03FBF7B4-6F5C-4FBF-8830-079F8667169C}" type="parTrans" cxnId="{4EB1F00A-A28E-4BD9-9419-A790B527202C}">
+      <dgm:prSet/>
+      <dgm:spPr/>
+    </dgm:pt>
+    <dgm:pt modelId="{393A881D-91B0-412C-BA72-A1A01E6E26C9}" type="sibTrans" cxnId="{4EB1F00A-A28E-4BD9-9419-A790B527202C}">
+      <dgm:prSet/>
+      <dgm:spPr/>
+    </dgm:pt>
+    <dgm:pt modelId="{315983D5-67D9-4C06-9034-89B5E85DAD1A}">
+      <dgm:prSet phldrT="[Text]"/>
+      <dgm:spPr/>
+      <dgm:t>
+        <a:bodyPr/>
+        <a:lstStyle/>
+        <a:p>
+          <a:r>
+            <a:rPr lang="en-CA" dirty="0"/>
+            <a:t>Backends</a:t>
+          </a:r>
+        </a:p>
+      </dgm:t>
+    </dgm:pt>
+    <dgm:pt modelId="{6D46B20A-2791-4EEF-B11F-CFDE022783BC}" type="parTrans" cxnId="{88B1AA05-7C6B-42C5-AD62-2A5072F73099}">
+      <dgm:prSet/>
+      <dgm:spPr/>
+    </dgm:pt>
+    <dgm:pt modelId="{294808F2-EC40-4243-A88A-4DE159F4420D}" type="sibTrans" cxnId="{88B1AA05-7C6B-42C5-AD62-2A5072F73099}">
+      <dgm:prSet/>
+      <dgm:spPr/>
+    </dgm:pt>
+    <dgm:pt modelId="{495D8C63-AE2D-40B5-900B-46FA443CB69B}">
+      <dgm:prSet phldrT="[Text]"/>
+      <dgm:spPr/>
+      <dgm:t>
+        <a:bodyPr/>
+        <a:lstStyle/>
+        <a:p>
+          <a:r>
+            <a:rPr lang="en-CA" dirty="0"/>
+            <a:t>Auth Token</a:t>
+          </a:r>
+        </a:p>
+      </dgm:t>
+    </dgm:pt>
+    <dgm:pt modelId="{110E367E-A558-4B94-B94B-DE61FA380F78}" type="parTrans" cxnId="{9889C9E4-EEA2-4CEE-9070-6BF7FAFA045C}">
+      <dgm:prSet/>
+      <dgm:spPr/>
+    </dgm:pt>
+    <dgm:pt modelId="{712EDDD6-C5BE-4465-A145-16FE9CF00249}" type="sibTrans" cxnId="{9889C9E4-EEA2-4CEE-9070-6BF7FAFA045C}">
+      <dgm:prSet/>
+      <dgm:spPr/>
+    </dgm:pt>
+    <dgm:pt modelId="{B65D379A-71AC-452E-BA40-ED5188D60209}">
+      <dgm:prSet phldrT="[Text]"/>
+      <dgm:spPr/>
+      <dgm:t>
+        <a:bodyPr/>
+        <a:lstStyle/>
+        <a:p>
+          <a:r>
+            <a:rPr lang="en-CA" dirty="0"/>
+            <a:t>User</a:t>
+          </a:r>
+        </a:p>
+      </dgm:t>
+    </dgm:pt>
+    <dgm:pt modelId="{3EB6AEBE-1113-4CB6-B10E-A68A8486ADBA}" type="parTrans" cxnId="{E8ACAC19-ABBD-4DE0-B840-EAFC217D7091}">
+      <dgm:prSet/>
+      <dgm:spPr/>
+      <dgm:t>
+        <a:bodyPr/>
+        <a:lstStyle/>
+        <a:p>
+          <a:endParaRPr lang="en-CA"/>
+        </a:p>
+      </dgm:t>
+    </dgm:pt>
+    <dgm:pt modelId="{4049AE7E-601B-4DE1-9744-73CE9B52DA2F}" type="sibTrans" cxnId="{E8ACAC19-ABBD-4DE0-B840-EAFC217D7091}">
+      <dgm:prSet/>
+      <dgm:spPr/>
+      <dgm:t>
+        <a:bodyPr/>
+        <a:lstStyle/>
+        <a:p>
+          <a:endParaRPr lang="en-CA"/>
+        </a:p>
+      </dgm:t>
+    </dgm:pt>
+    <dgm:pt modelId="{514D326A-DE42-4235-9FB4-58F290A628FB}">
+      <dgm:prSet phldrT="[Text]"/>
+      <dgm:spPr/>
+      <dgm:t>
+        <a:bodyPr/>
+        <a:lstStyle/>
+        <a:p>
+          <a:r>
+            <a:rPr lang="en-CA" dirty="0"/>
+            <a:t>Auth Token</a:t>
+          </a:r>
+        </a:p>
+      </dgm:t>
+    </dgm:pt>
+    <dgm:pt modelId="{B260C05C-7D52-4ED2-8054-DED2445209D6}" type="parTrans" cxnId="{38450190-0171-49B7-A6AC-F80E885B0BFD}">
+      <dgm:prSet/>
+      <dgm:spPr/>
+      <dgm:t>
+        <a:bodyPr/>
+        <a:lstStyle/>
+        <a:p>
+          <a:endParaRPr lang="en-CA"/>
+        </a:p>
+      </dgm:t>
+    </dgm:pt>
+    <dgm:pt modelId="{E275640F-0759-4FEB-A7A8-E9ECB0865D1A}" type="sibTrans" cxnId="{38450190-0171-49B7-A6AC-F80E885B0BFD}">
+      <dgm:prSet/>
+      <dgm:spPr/>
+      <dgm:t>
+        <a:bodyPr/>
+        <a:lstStyle/>
+        <a:p>
+          <a:endParaRPr lang="en-CA"/>
+        </a:p>
+      </dgm:t>
+    </dgm:pt>
+    <dgm:pt modelId="{BF87E022-002C-4323-A5A4-B07B82CF2C58}" type="pres">
+      <dgm:prSet presAssocID="{172967EE-C897-4756-A188-9F76602F5259}" presName="Name0" presStyleCnt="0">
+        <dgm:presLayoutVars>
+          <dgm:chPref val="1"/>
+          <dgm:dir/>
+          <dgm:animOne val="branch"/>
+          <dgm:animLvl val="lvl"/>
+          <dgm:resizeHandles/>
+        </dgm:presLayoutVars>
+      </dgm:prSet>
+      <dgm:spPr/>
+    </dgm:pt>
+    <dgm:pt modelId="{1D1738F1-7018-4CDE-BC4A-594F920D1EF8}" type="pres">
+      <dgm:prSet presAssocID="{709AEA1E-5B26-4073-97C6-D151454E7A6F}" presName="vertOne" presStyleCnt="0"/>
+      <dgm:spPr/>
+    </dgm:pt>
+    <dgm:pt modelId="{70B64D6A-10D3-4D65-8616-BB35B6274C0B}" type="pres">
+      <dgm:prSet presAssocID="{709AEA1E-5B26-4073-97C6-D151454E7A6F}" presName="txOne" presStyleLbl="node0" presStyleIdx="0" presStyleCnt="1">
+        <dgm:presLayoutVars>
+          <dgm:chPref val="3"/>
+        </dgm:presLayoutVars>
+      </dgm:prSet>
+      <dgm:spPr/>
+    </dgm:pt>
+    <dgm:pt modelId="{34875D5E-D560-40BD-88FB-7A6C563DA1DA}" type="pres">
+      <dgm:prSet presAssocID="{709AEA1E-5B26-4073-97C6-D151454E7A6F}" presName="parTransOne" presStyleCnt="0"/>
+      <dgm:spPr/>
+    </dgm:pt>
+    <dgm:pt modelId="{4197B6A4-C94A-497D-858B-095C8C14D61E}" type="pres">
+      <dgm:prSet presAssocID="{709AEA1E-5B26-4073-97C6-D151454E7A6F}" presName="horzOne" presStyleCnt="0"/>
+      <dgm:spPr/>
+    </dgm:pt>
+    <dgm:pt modelId="{E2AD26D5-DF87-428D-8024-3DA96DD2CDDE}" type="pres">
+      <dgm:prSet presAssocID="{315983D5-67D9-4C06-9034-89B5E85DAD1A}" presName="vertTwo" presStyleCnt="0"/>
+      <dgm:spPr/>
+    </dgm:pt>
+    <dgm:pt modelId="{45C53DC8-C85E-486A-BF1E-92666FB2440D}" type="pres">
+      <dgm:prSet presAssocID="{315983D5-67D9-4C06-9034-89B5E85DAD1A}" presName="txTwo" presStyleLbl="node2" presStyleIdx="0" presStyleCnt="1">
+        <dgm:presLayoutVars>
+          <dgm:chPref val="3"/>
+        </dgm:presLayoutVars>
+      </dgm:prSet>
+      <dgm:spPr/>
+    </dgm:pt>
+    <dgm:pt modelId="{5898800A-35EA-4C9F-B35B-3234F9531789}" type="pres">
+      <dgm:prSet presAssocID="{315983D5-67D9-4C06-9034-89B5E85DAD1A}" presName="parTransTwo" presStyleCnt="0"/>
+      <dgm:spPr/>
+    </dgm:pt>
+    <dgm:pt modelId="{480DDC56-400F-44FE-B8D7-B2A8D57D0A28}" type="pres">
+      <dgm:prSet presAssocID="{315983D5-67D9-4C06-9034-89B5E85DAD1A}" presName="horzTwo" presStyleCnt="0"/>
+      <dgm:spPr/>
+    </dgm:pt>
+    <dgm:pt modelId="{6CEBD633-E903-496B-B1AB-16903F692999}" type="pres">
+      <dgm:prSet presAssocID="{8E643295-BA44-496D-81F1-22AD08BB7BE2}" presName="vertThree" presStyleCnt="0"/>
+      <dgm:spPr/>
+    </dgm:pt>
+    <dgm:pt modelId="{1AA8F2F1-4261-47EE-9C94-B7B32C7938C9}" type="pres">
+      <dgm:prSet presAssocID="{8E643295-BA44-496D-81F1-22AD08BB7BE2}" presName="txThree" presStyleLbl="node3" presStyleIdx="0" presStyleCnt="3">
+        <dgm:presLayoutVars>
+          <dgm:chPref val="3"/>
+        </dgm:presLayoutVars>
+      </dgm:prSet>
+      <dgm:spPr/>
+    </dgm:pt>
+    <dgm:pt modelId="{F756E17E-B00B-4C44-AFF6-657A8BBB2ADE}" type="pres">
+      <dgm:prSet presAssocID="{8E643295-BA44-496D-81F1-22AD08BB7BE2}" presName="parTransThree" presStyleCnt="0"/>
+      <dgm:spPr/>
+    </dgm:pt>
+    <dgm:pt modelId="{294F003E-1148-4190-BA11-7124346558A2}" type="pres">
+      <dgm:prSet presAssocID="{8E643295-BA44-496D-81F1-22AD08BB7BE2}" presName="horzThree" presStyleCnt="0"/>
+      <dgm:spPr/>
+    </dgm:pt>
+    <dgm:pt modelId="{22F3D8C1-2C47-45DA-90BD-C320E1F6374D}" type="pres">
+      <dgm:prSet presAssocID="{C96466FA-4D7C-41D5-8260-B045021B732D}" presName="vertFour" presStyleCnt="0">
+        <dgm:presLayoutVars>
+          <dgm:chPref val="3"/>
+        </dgm:presLayoutVars>
+      </dgm:prSet>
+      <dgm:spPr/>
+    </dgm:pt>
+    <dgm:pt modelId="{3A3EEF32-BC99-4250-909D-8E9E0BAEC01F}" type="pres">
+      <dgm:prSet presAssocID="{C96466FA-4D7C-41D5-8260-B045021B732D}" presName="txFour" presStyleLbl="node4" presStyleIdx="0" presStyleCnt="4">
+        <dgm:presLayoutVars>
+          <dgm:chPref val="3"/>
+        </dgm:presLayoutVars>
+      </dgm:prSet>
+      <dgm:spPr/>
+    </dgm:pt>
+    <dgm:pt modelId="{1444A6D1-462D-4EBB-9A44-3462661CF099}" type="pres">
+      <dgm:prSet presAssocID="{C96466FA-4D7C-41D5-8260-B045021B732D}" presName="horzFour" presStyleCnt="0"/>
+      <dgm:spPr/>
+    </dgm:pt>
+    <dgm:pt modelId="{ADD5A52F-88F1-46D2-ABEB-7903D44014DD}" type="pres">
+      <dgm:prSet presAssocID="{393A881D-91B0-412C-BA72-A1A01E6E26C9}" presName="sibSpaceFour" presStyleCnt="0"/>
+      <dgm:spPr/>
+    </dgm:pt>
+    <dgm:pt modelId="{63F6F864-3E57-492D-9028-DA2F6079639A}" type="pres">
+      <dgm:prSet presAssocID="{495D8C63-AE2D-40B5-900B-46FA443CB69B}" presName="vertFour" presStyleCnt="0">
+        <dgm:presLayoutVars>
+          <dgm:chPref val="3"/>
+        </dgm:presLayoutVars>
+      </dgm:prSet>
+      <dgm:spPr/>
+    </dgm:pt>
+    <dgm:pt modelId="{89E119A1-CD64-41FB-B949-72C12ACD00DB}" type="pres">
+      <dgm:prSet presAssocID="{495D8C63-AE2D-40B5-900B-46FA443CB69B}" presName="txFour" presStyleLbl="node4" presStyleIdx="1" presStyleCnt="4">
+        <dgm:presLayoutVars>
+          <dgm:chPref val="3"/>
+        </dgm:presLayoutVars>
+      </dgm:prSet>
+      <dgm:spPr/>
+    </dgm:pt>
+    <dgm:pt modelId="{4205D810-9D6A-4C94-A949-0DB22C77649B}" type="pres">
+      <dgm:prSet presAssocID="{495D8C63-AE2D-40B5-900B-46FA443CB69B}" presName="horzFour" presStyleCnt="0"/>
+      <dgm:spPr/>
+    </dgm:pt>
+    <dgm:pt modelId="{C84E41B9-ED62-46E6-972D-963B3EFD52F7}" type="pres">
+      <dgm:prSet presAssocID="{A3E6B778-A947-4BF5-90BE-9159A9E4A606}" presName="sibSpaceThree" presStyleCnt="0"/>
+      <dgm:spPr/>
+    </dgm:pt>
+    <dgm:pt modelId="{9BEB7217-61B8-4355-ABCD-734D6BB9F243}" type="pres">
+      <dgm:prSet presAssocID="{B6CD8F8F-BA52-4583-9258-19C21300A629}" presName="vertThree" presStyleCnt="0"/>
+      <dgm:spPr/>
+    </dgm:pt>
+    <dgm:pt modelId="{8A2DBF15-8713-4185-96FD-EEB209A34292}" type="pres">
+      <dgm:prSet presAssocID="{B6CD8F8F-BA52-4583-9258-19C21300A629}" presName="txThree" presStyleLbl="node3" presStyleIdx="1" presStyleCnt="3">
+        <dgm:presLayoutVars>
+          <dgm:chPref val="3"/>
+        </dgm:presLayoutVars>
+      </dgm:prSet>
+      <dgm:spPr/>
+    </dgm:pt>
+    <dgm:pt modelId="{C3A8E6FE-BAF2-4360-978B-43F3EBAAEEDF}" type="pres">
+      <dgm:prSet presAssocID="{B6CD8F8F-BA52-4583-9258-19C21300A629}" presName="parTransThree" presStyleCnt="0"/>
+      <dgm:spPr/>
+    </dgm:pt>
+    <dgm:pt modelId="{084F2C56-E2EF-4819-86FE-6980932C3DC3}" type="pres">
+      <dgm:prSet presAssocID="{B6CD8F8F-BA52-4583-9258-19C21300A629}" presName="horzThree" presStyleCnt="0"/>
+      <dgm:spPr/>
+    </dgm:pt>
+    <dgm:pt modelId="{BB0503B4-C013-4519-BE97-20A6A27AAAD7}" type="pres">
+      <dgm:prSet presAssocID="{B65D379A-71AC-452E-BA40-ED5188D60209}" presName="vertFour" presStyleCnt="0">
+        <dgm:presLayoutVars>
+          <dgm:chPref val="3"/>
+        </dgm:presLayoutVars>
+      </dgm:prSet>
+      <dgm:spPr/>
+    </dgm:pt>
+    <dgm:pt modelId="{C4FB882A-8D60-4542-A14B-6AEB783C0ACF}" type="pres">
+      <dgm:prSet presAssocID="{B65D379A-71AC-452E-BA40-ED5188D60209}" presName="txFour" presStyleLbl="node4" presStyleIdx="2" presStyleCnt="4">
+        <dgm:presLayoutVars>
+          <dgm:chPref val="3"/>
+        </dgm:presLayoutVars>
+      </dgm:prSet>
+      <dgm:spPr/>
+    </dgm:pt>
+    <dgm:pt modelId="{AB630E9C-A0E8-4E25-8377-3A82E72FB0E0}" type="pres">
+      <dgm:prSet presAssocID="{B65D379A-71AC-452E-BA40-ED5188D60209}" presName="horzFour" presStyleCnt="0"/>
+      <dgm:spPr/>
+    </dgm:pt>
+    <dgm:pt modelId="{4D50367B-B7EF-4BD3-815A-1BA0FC551249}" type="pres">
+      <dgm:prSet presAssocID="{4049AE7E-601B-4DE1-9744-73CE9B52DA2F}" presName="sibSpaceFour" presStyleCnt="0"/>
+      <dgm:spPr/>
+    </dgm:pt>
+    <dgm:pt modelId="{4F06323D-C170-4FF0-950D-C2717E98F3B9}" type="pres">
+      <dgm:prSet presAssocID="{514D326A-DE42-4235-9FB4-58F290A628FB}" presName="vertFour" presStyleCnt="0">
+        <dgm:presLayoutVars>
+          <dgm:chPref val="3"/>
+        </dgm:presLayoutVars>
+      </dgm:prSet>
+      <dgm:spPr/>
+    </dgm:pt>
+    <dgm:pt modelId="{D4EF0E5B-8842-46EC-ACCA-3807AADFC40D}" type="pres">
+      <dgm:prSet presAssocID="{514D326A-DE42-4235-9FB4-58F290A628FB}" presName="txFour" presStyleLbl="node4" presStyleIdx="3" presStyleCnt="4">
+        <dgm:presLayoutVars>
+          <dgm:chPref val="3"/>
+        </dgm:presLayoutVars>
+      </dgm:prSet>
+      <dgm:spPr/>
+    </dgm:pt>
+    <dgm:pt modelId="{7497F510-F533-443F-B078-94B88FCC5A08}" type="pres">
+      <dgm:prSet presAssocID="{514D326A-DE42-4235-9FB4-58F290A628FB}" presName="horzFour" presStyleCnt="0"/>
+      <dgm:spPr/>
+    </dgm:pt>
+    <dgm:pt modelId="{64C4951B-4F3A-4ED2-A091-FFC88712A04D}" type="pres">
+      <dgm:prSet presAssocID="{1F54B000-AAA9-4307-AB4F-8420C6B6FAE0}" presName="sibSpaceThree" presStyleCnt="0"/>
+      <dgm:spPr/>
+    </dgm:pt>
+    <dgm:pt modelId="{FCF59A02-FDAA-4331-B967-A431269301EC}" type="pres">
+      <dgm:prSet presAssocID="{BCB2ECA5-858F-4346-AE38-280FE9BB03AD}" presName="vertThree" presStyleCnt="0"/>
+      <dgm:spPr/>
+    </dgm:pt>
+    <dgm:pt modelId="{519CF8ED-2222-4DF9-A0AA-3AC06A7AD00F}" type="pres">
+      <dgm:prSet presAssocID="{BCB2ECA5-858F-4346-AE38-280FE9BB03AD}" presName="txThree" presStyleLbl="node3" presStyleIdx="2" presStyleCnt="3">
+        <dgm:presLayoutVars>
+          <dgm:chPref val="3"/>
+        </dgm:presLayoutVars>
+      </dgm:prSet>
+      <dgm:spPr/>
+    </dgm:pt>
+    <dgm:pt modelId="{FB3B89C4-B5FC-456B-91C9-66C18E5CB9DB}" type="pres">
+      <dgm:prSet presAssocID="{BCB2ECA5-858F-4346-AE38-280FE9BB03AD}" presName="horzThree" presStyleCnt="0"/>
+      <dgm:spPr/>
+    </dgm:pt>
+  </dgm:ptLst>
+  <dgm:cxnLst>
+    <dgm:cxn modelId="{88B1AA05-7C6B-42C5-AD62-2A5072F73099}" srcId="{709AEA1E-5B26-4073-97C6-D151454E7A6F}" destId="{315983D5-67D9-4C06-9034-89B5E85DAD1A}" srcOrd="0" destOrd="0" parTransId="{6D46B20A-2791-4EEF-B11F-CFDE022783BC}" sibTransId="{294808F2-EC40-4243-A88A-4DE159F4420D}"/>
+    <dgm:cxn modelId="{E5A11D07-5AC3-4B0F-94F7-D7C58800C0B4}" type="presOf" srcId="{495D8C63-AE2D-40B5-900B-46FA443CB69B}" destId="{89E119A1-CD64-41FB-B949-72C12ACD00DB}" srcOrd="0" destOrd="0" presId="urn:microsoft.com/office/officeart/2005/8/layout/hierarchy4"/>
+    <dgm:cxn modelId="{BFB96B07-EDAE-4567-8D6D-205BA0638BF6}" type="presOf" srcId="{BCB2ECA5-858F-4346-AE38-280FE9BB03AD}" destId="{519CF8ED-2222-4DF9-A0AA-3AC06A7AD00F}" srcOrd="0" destOrd="0" presId="urn:microsoft.com/office/officeart/2005/8/layout/hierarchy4"/>
+    <dgm:cxn modelId="{4EB1F00A-A28E-4BD9-9419-A790B527202C}" srcId="{8E643295-BA44-496D-81F1-22AD08BB7BE2}" destId="{C96466FA-4D7C-41D5-8260-B045021B732D}" srcOrd="0" destOrd="0" parTransId="{03FBF7B4-6F5C-4FBF-8830-079F8667169C}" sibTransId="{393A881D-91B0-412C-BA72-A1A01E6E26C9}"/>
+    <dgm:cxn modelId="{E8ACAC19-ABBD-4DE0-B840-EAFC217D7091}" srcId="{B6CD8F8F-BA52-4583-9258-19C21300A629}" destId="{B65D379A-71AC-452E-BA40-ED5188D60209}" srcOrd="0" destOrd="0" parTransId="{3EB6AEBE-1113-4CB6-B10E-A68A8486ADBA}" sibTransId="{4049AE7E-601B-4DE1-9744-73CE9B52DA2F}"/>
+    <dgm:cxn modelId="{068AA221-3709-4AD8-88F2-4C7A9038AA42}" srcId="{315983D5-67D9-4C06-9034-89B5E85DAD1A}" destId="{8E643295-BA44-496D-81F1-22AD08BB7BE2}" srcOrd="0" destOrd="0" parTransId="{E3C48F47-8736-48F2-A116-9B896DFBB41C}" sibTransId="{A3E6B778-A947-4BF5-90BE-9159A9E4A606}"/>
+    <dgm:cxn modelId="{2C821237-7AF0-4B7B-87A9-4FB913FB66F8}" type="presOf" srcId="{8E643295-BA44-496D-81F1-22AD08BB7BE2}" destId="{1AA8F2F1-4261-47EE-9C94-B7B32C7938C9}" srcOrd="0" destOrd="0" presId="urn:microsoft.com/office/officeart/2005/8/layout/hierarchy4"/>
+    <dgm:cxn modelId="{E1DF9E38-0B7E-443A-B907-AFDD0720C15B}" srcId="{315983D5-67D9-4C06-9034-89B5E85DAD1A}" destId="{B6CD8F8F-BA52-4583-9258-19C21300A629}" srcOrd="1" destOrd="0" parTransId="{172ED792-F9F9-410B-8C6B-155566000F60}" sibTransId="{1F54B000-AAA9-4307-AB4F-8420C6B6FAE0}"/>
+    <dgm:cxn modelId="{8E6F0B57-2CC6-4F11-A099-6D3CEDB87E28}" type="presOf" srcId="{172967EE-C897-4756-A188-9F76602F5259}" destId="{BF87E022-002C-4323-A5A4-B07B82CF2C58}" srcOrd="0" destOrd="0" presId="urn:microsoft.com/office/officeart/2005/8/layout/hierarchy4"/>
+    <dgm:cxn modelId="{ABE2D179-B747-438A-8DD9-1EC2D409CAF8}" srcId="{172967EE-C897-4756-A188-9F76602F5259}" destId="{709AEA1E-5B26-4073-97C6-D151454E7A6F}" srcOrd="0" destOrd="0" parTransId="{1B00027B-2394-47EE-82B8-4FADAF1246EF}" sibTransId="{D08C2FE6-2492-4A05-A6BF-7668BAC86743}"/>
+    <dgm:cxn modelId="{A239557B-EC3B-4088-8514-C21C2F836E95}" type="presOf" srcId="{315983D5-67D9-4C06-9034-89B5E85DAD1A}" destId="{45C53DC8-C85E-486A-BF1E-92666FB2440D}" srcOrd="0" destOrd="0" presId="urn:microsoft.com/office/officeart/2005/8/layout/hierarchy4"/>
+    <dgm:cxn modelId="{38450190-0171-49B7-A6AC-F80E885B0BFD}" srcId="{B6CD8F8F-BA52-4583-9258-19C21300A629}" destId="{514D326A-DE42-4235-9FB4-58F290A628FB}" srcOrd="1" destOrd="0" parTransId="{B260C05C-7D52-4ED2-8054-DED2445209D6}" sibTransId="{E275640F-0759-4FEB-A7A8-E9ECB0865D1A}"/>
+    <dgm:cxn modelId="{68148497-2DC4-4839-9A06-24D29EDC06B9}" srcId="{315983D5-67D9-4C06-9034-89B5E85DAD1A}" destId="{BCB2ECA5-858F-4346-AE38-280FE9BB03AD}" srcOrd="2" destOrd="0" parTransId="{82D30B57-9D36-44A8-9126-E51B9234F263}" sibTransId="{5B52B4B3-3BE7-4D68-A3F9-8DAF9FD469FF}"/>
+    <dgm:cxn modelId="{B2E54DA9-751C-41F4-B3E9-73C42049DD29}" type="presOf" srcId="{C96466FA-4D7C-41D5-8260-B045021B732D}" destId="{3A3EEF32-BC99-4250-909D-8E9E0BAEC01F}" srcOrd="0" destOrd="0" presId="urn:microsoft.com/office/officeart/2005/8/layout/hierarchy4"/>
+    <dgm:cxn modelId="{54CD7AA9-35A8-41E6-A7B1-4EBF71AEBA5B}" type="presOf" srcId="{514D326A-DE42-4235-9FB4-58F290A628FB}" destId="{D4EF0E5B-8842-46EC-ACCA-3807AADFC40D}" srcOrd="0" destOrd="0" presId="urn:microsoft.com/office/officeart/2005/8/layout/hierarchy4"/>
+    <dgm:cxn modelId="{0B5495C7-54AA-42AA-AFAC-554C43FD3FD3}" type="presOf" srcId="{709AEA1E-5B26-4073-97C6-D151454E7A6F}" destId="{70B64D6A-10D3-4D65-8616-BB35B6274C0B}" srcOrd="0" destOrd="0" presId="urn:microsoft.com/office/officeart/2005/8/layout/hierarchy4"/>
+    <dgm:cxn modelId="{F16E86CD-9E39-41D9-BDF9-FF3D55508550}" type="presOf" srcId="{B6CD8F8F-BA52-4583-9258-19C21300A629}" destId="{8A2DBF15-8713-4185-96FD-EEB209A34292}" srcOrd="0" destOrd="0" presId="urn:microsoft.com/office/officeart/2005/8/layout/hierarchy4"/>
+    <dgm:cxn modelId="{9889C9E4-EEA2-4CEE-9070-6BF7FAFA045C}" srcId="{8E643295-BA44-496D-81F1-22AD08BB7BE2}" destId="{495D8C63-AE2D-40B5-900B-46FA443CB69B}" srcOrd="1" destOrd="0" parTransId="{110E367E-A558-4B94-B94B-DE61FA380F78}" sibTransId="{712EDDD6-C5BE-4465-A145-16FE9CF00249}"/>
+    <dgm:cxn modelId="{4CA147E8-678C-4B79-BAC2-4A13BB09D72E}" type="presOf" srcId="{B65D379A-71AC-452E-BA40-ED5188D60209}" destId="{C4FB882A-8D60-4542-A14B-6AEB783C0ACF}" srcOrd="0" destOrd="0" presId="urn:microsoft.com/office/officeart/2005/8/layout/hierarchy4"/>
+    <dgm:cxn modelId="{897BE340-1364-4218-AFD4-5CBEE7B6BE81}" type="presParOf" srcId="{BF87E022-002C-4323-A5A4-B07B82CF2C58}" destId="{1D1738F1-7018-4CDE-BC4A-594F920D1EF8}" srcOrd="0" destOrd="0" presId="urn:microsoft.com/office/officeart/2005/8/layout/hierarchy4"/>
+    <dgm:cxn modelId="{EEEAA0BC-249F-489B-A2F3-17D8E61AA9AA}" type="presParOf" srcId="{1D1738F1-7018-4CDE-BC4A-594F920D1EF8}" destId="{70B64D6A-10D3-4D65-8616-BB35B6274C0B}" srcOrd="0" destOrd="0" presId="urn:microsoft.com/office/officeart/2005/8/layout/hierarchy4"/>
+    <dgm:cxn modelId="{EA40EB4B-728F-4FE3-B56E-A096BDD94A7F}" type="presParOf" srcId="{1D1738F1-7018-4CDE-BC4A-594F920D1EF8}" destId="{34875D5E-D560-40BD-88FB-7A6C563DA1DA}" srcOrd="1" destOrd="0" presId="urn:microsoft.com/office/officeart/2005/8/layout/hierarchy4"/>
+    <dgm:cxn modelId="{1968CE8F-D950-4CAC-B8DD-AB8D13A235B6}" type="presParOf" srcId="{1D1738F1-7018-4CDE-BC4A-594F920D1EF8}" destId="{4197B6A4-C94A-497D-858B-095C8C14D61E}" srcOrd="2" destOrd="0" presId="urn:microsoft.com/office/officeart/2005/8/layout/hierarchy4"/>
+    <dgm:cxn modelId="{E78A153B-14E8-4FB6-A3C0-046AEB9F58A8}" type="presParOf" srcId="{4197B6A4-C94A-497D-858B-095C8C14D61E}" destId="{E2AD26D5-DF87-428D-8024-3DA96DD2CDDE}" srcOrd="0" destOrd="0" presId="urn:microsoft.com/office/officeart/2005/8/layout/hierarchy4"/>
+    <dgm:cxn modelId="{95F3BDA7-695B-40FE-87F7-42F1D402F2A7}" type="presParOf" srcId="{E2AD26D5-DF87-428D-8024-3DA96DD2CDDE}" destId="{45C53DC8-C85E-486A-BF1E-92666FB2440D}" srcOrd="0" destOrd="0" presId="urn:microsoft.com/office/officeart/2005/8/layout/hierarchy4"/>
+    <dgm:cxn modelId="{8E6116D6-C895-4F4E-A100-D8BA079725C8}" type="presParOf" srcId="{E2AD26D5-DF87-428D-8024-3DA96DD2CDDE}" destId="{5898800A-35EA-4C9F-B35B-3234F9531789}" srcOrd="1" destOrd="0" presId="urn:microsoft.com/office/officeart/2005/8/layout/hierarchy4"/>
+    <dgm:cxn modelId="{450D3EC5-5F9C-4C66-A0DB-03C7C8DF09CF}" type="presParOf" srcId="{E2AD26D5-DF87-428D-8024-3DA96DD2CDDE}" destId="{480DDC56-400F-44FE-B8D7-B2A8D57D0A28}" srcOrd="2" destOrd="0" presId="urn:microsoft.com/office/officeart/2005/8/layout/hierarchy4"/>
+    <dgm:cxn modelId="{372FBA18-ACD1-409E-AB50-8EE37F7613F7}" type="presParOf" srcId="{480DDC56-400F-44FE-B8D7-B2A8D57D0A28}" destId="{6CEBD633-E903-496B-B1AB-16903F692999}" srcOrd="0" destOrd="0" presId="urn:microsoft.com/office/officeart/2005/8/layout/hierarchy4"/>
+    <dgm:cxn modelId="{F68D9A20-0B69-4521-9A16-5D3831889BAE}" type="presParOf" srcId="{6CEBD633-E903-496B-B1AB-16903F692999}" destId="{1AA8F2F1-4261-47EE-9C94-B7B32C7938C9}" srcOrd="0" destOrd="0" presId="urn:microsoft.com/office/officeart/2005/8/layout/hierarchy4"/>
+    <dgm:cxn modelId="{9BAD67E1-5F3F-4F6A-A8D6-212D92F7851F}" type="presParOf" srcId="{6CEBD633-E903-496B-B1AB-16903F692999}" destId="{F756E17E-B00B-4C44-AFF6-657A8BBB2ADE}" srcOrd="1" destOrd="0" presId="urn:microsoft.com/office/officeart/2005/8/layout/hierarchy4"/>
+    <dgm:cxn modelId="{8889B024-6F0E-4752-AEF2-982EA38980FB}" type="presParOf" srcId="{6CEBD633-E903-496B-B1AB-16903F692999}" destId="{294F003E-1148-4190-BA11-7124346558A2}" srcOrd="2" destOrd="0" presId="urn:microsoft.com/office/officeart/2005/8/layout/hierarchy4"/>
+    <dgm:cxn modelId="{0886945F-0CFD-4E8B-B811-87605AB48040}" type="presParOf" srcId="{294F003E-1148-4190-BA11-7124346558A2}" destId="{22F3D8C1-2C47-45DA-90BD-C320E1F6374D}" srcOrd="0" destOrd="0" presId="urn:microsoft.com/office/officeart/2005/8/layout/hierarchy4"/>
+    <dgm:cxn modelId="{9EBAFFE8-A617-4ECF-8790-6AFBA28E17B4}" type="presParOf" srcId="{22F3D8C1-2C47-45DA-90BD-C320E1F6374D}" destId="{3A3EEF32-BC99-4250-909D-8E9E0BAEC01F}" srcOrd="0" destOrd="0" presId="urn:microsoft.com/office/officeart/2005/8/layout/hierarchy4"/>
+    <dgm:cxn modelId="{AE6A8516-AD7E-43FC-A275-8B8BC10FBB30}" type="presParOf" srcId="{22F3D8C1-2C47-45DA-90BD-C320E1F6374D}" destId="{1444A6D1-462D-4EBB-9A44-3462661CF099}" srcOrd="1" destOrd="0" presId="urn:microsoft.com/office/officeart/2005/8/layout/hierarchy4"/>
+    <dgm:cxn modelId="{817E867D-DDE3-444D-AF12-8DD656C026D0}" type="presParOf" srcId="{294F003E-1148-4190-BA11-7124346558A2}" destId="{ADD5A52F-88F1-46D2-ABEB-7903D44014DD}" srcOrd="1" destOrd="0" presId="urn:microsoft.com/office/officeart/2005/8/layout/hierarchy4"/>
+    <dgm:cxn modelId="{5825C7F4-F396-45FD-89CD-368F132E0A06}" type="presParOf" srcId="{294F003E-1148-4190-BA11-7124346558A2}" destId="{63F6F864-3E57-492D-9028-DA2F6079639A}" srcOrd="2" destOrd="0" presId="urn:microsoft.com/office/officeart/2005/8/layout/hierarchy4"/>
+    <dgm:cxn modelId="{81789F80-F82B-4DE7-BE2A-312C801E1D2C}" type="presParOf" srcId="{63F6F864-3E57-492D-9028-DA2F6079639A}" destId="{89E119A1-CD64-41FB-B949-72C12ACD00DB}" srcOrd="0" destOrd="0" presId="urn:microsoft.com/office/officeart/2005/8/layout/hierarchy4"/>
+    <dgm:cxn modelId="{F108F0EC-4E66-4CD4-BBD7-4E4A2F082B23}" type="presParOf" srcId="{63F6F864-3E57-492D-9028-DA2F6079639A}" destId="{4205D810-9D6A-4C94-A949-0DB22C77649B}" srcOrd="1" destOrd="0" presId="urn:microsoft.com/office/officeart/2005/8/layout/hierarchy4"/>
+    <dgm:cxn modelId="{264095BD-DC27-44D1-B3A9-F761FDFCFF17}" type="presParOf" srcId="{480DDC56-400F-44FE-B8D7-B2A8D57D0A28}" destId="{C84E41B9-ED62-46E6-972D-963B3EFD52F7}" srcOrd="1" destOrd="0" presId="urn:microsoft.com/office/officeart/2005/8/layout/hierarchy4"/>
+    <dgm:cxn modelId="{6DB72493-253D-4EF2-A503-A1D788C0C683}" type="presParOf" srcId="{480DDC56-400F-44FE-B8D7-B2A8D57D0A28}" destId="{9BEB7217-61B8-4355-ABCD-734D6BB9F243}" srcOrd="2" destOrd="0" presId="urn:microsoft.com/office/officeart/2005/8/layout/hierarchy4"/>
+    <dgm:cxn modelId="{AC36012E-1688-40C1-BD6C-524B2CC4BA81}" type="presParOf" srcId="{9BEB7217-61B8-4355-ABCD-734D6BB9F243}" destId="{8A2DBF15-8713-4185-96FD-EEB209A34292}" srcOrd="0" destOrd="0" presId="urn:microsoft.com/office/officeart/2005/8/layout/hierarchy4"/>
+    <dgm:cxn modelId="{743F1B77-60AB-4695-820C-86F8FA77A0B2}" type="presParOf" srcId="{9BEB7217-61B8-4355-ABCD-734D6BB9F243}" destId="{C3A8E6FE-BAF2-4360-978B-43F3EBAAEEDF}" srcOrd="1" destOrd="0" presId="urn:microsoft.com/office/officeart/2005/8/layout/hierarchy4"/>
+    <dgm:cxn modelId="{B66B3DF7-50F2-485B-8958-861A9A4E7B0B}" type="presParOf" srcId="{9BEB7217-61B8-4355-ABCD-734D6BB9F243}" destId="{084F2C56-E2EF-4819-86FE-6980932C3DC3}" srcOrd="2" destOrd="0" presId="urn:microsoft.com/office/officeart/2005/8/layout/hierarchy4"/>
+    <dgm:cxn modelId="{F5E6A4DE-A37E-46F3-9F02-3FC9BF1D9921}" type="presParOf" srcId="{084F2C56-E2EF-4819-86FE-6980932C3DC3}" destId="{BB0503B4-C013-4519-BE97-20A6A27AAAD7}" srcOrd="0" destOrd="0" presId="urn:microsoft.com/office/officeart/2005/8/layout/hierarchy4"/>
+    <dgm:cxn modelId="{F94DA526-8DB0-4190-87D9-5896F3FC199C}" type="presParOf" srcId="{BB0503B4-C013-4519-BE97-20A6A27AAAD7}" destId="{C4FB882A-8D60-4542-A14B-6AEB783C0ACF}" srcOrd="0" destOrd="0" presId="urn:microsoft.com/office/officeart/2005/8/layout/hierarchy4"/>
+    <dgm:cxn modelId="{84329D4D-0A2E-4E66-8FED-AA433CC6DA45}" type="presParOf" srcId="{BB0503B4-C013-4519-BE97-20A6A27AAAD7}" destId="{AB630E9C-A0E8-4E25-8377-3A82E72FB0E0}" srcOrd="1" destOrd="0" presId="urn:microsoft.com/office/officeart/2005/8/layout/hierarchy4"/>
+    <dgm:cxn modelId="{954F8CC2-409A-4754-9C91-AE408DE47944}" type="presParOf" srcId="{084F2C56-E2EF-4819-86FE-6980932C3DC3}" destId="{4D50367B-B7EF-4BD3-815A-1BA0FC551249}" srcOrd="1" destOrd="0" presId="urn:microsoft.com/office/officeart/2005/8/layout/hierarchy4"/>
+    <dgm:cxn modelId="{AD7A0CD7-9BC2-4C53-9B47-63E9AAE1CA7C}" type="presParOf" srcId="{084F2C56-E2EF-4819-86FE-6980932C3DC3}" destId="{4F06323D-C170-4FF0-950D-C2717E98F3B9}" srcOrd="2" destOrd="0" presId="urn:microsoft.com/office/officeart/2005/8/layout/hierarchy4"/>
+    <dgm:cxn modelId="{F5903079-CADA-46DD-BA90-FF0144DE112B}" type="presParOf" srcId="{4F06323D-C170-4FF0-950D-C2717E98F3B9}" destId="{D4EF0E5B-8842-46EC-ACCA-3807AADFC40D}" srcOrd="0" destOrd="0" presId="urn:microsoft.com/office/officeart/2005/8/layout/hierarchy4"/>
+    <dgm:cxn modelId="{1FE87366-A872-406E-AD50-B09AEA0CA50C}" type="presParOf" srcId="{4F06323D-C170-4FF0-950D-C2717E98F3B9}" destId="{7497F510-F533-443F-B078-94B88FCC5A08}" srcOrd="1" destOrd="0" presId="urn:microsoft.com/office/officeart/2005/8/layout/hierarchy4"/>
+    <dgm:cxn modelId="{CC1376CB-D816-46D8-A79F-083864E012D1}" type="presParOf" srcId="{480DDC56-400F-44FE-B8D7-B2A8D57D0A28}" destId="{64C4951B-4F3A-4ED2-A091-FFC88712A04D}" srcOrd="3" destOrd="0" presId="urn:microsoft.com/office/officeart/2005/8/layout/hierarchy4"/>
+    <dgm:cxn modelId="{087E1C3C-E8E3-434D-B5B5-B9E0F606E53F}" type="presParOf" srcId="{480DDC56-400F-44FE-B8D7-B2A8D57D0A28}" destId="{FCF59A02-FDAA-4331-B967-A431269301EC}" srcOrd="4" destOrd="0" presId="urn:microsoft.com/office/officeart/2005/8/layout/hierarchy4"/>
+    <dgm:cxn modelId="{44BDEF3A-BDE8-4081-86D2-8958F5A76CFC}" type="presParOf" srcId="{FCF59A02-FDAA-4331-B967-A431269301EC}" destId="{519CF8ED-2222-4DF9-A0AA-3AC06A7AD00F}" srcOrd="0" destOrd="0" presId="urn:microsoft.com/office/officeart/2005/8/layout/hierarchy4"/>
+    <dgm:cxn modelId="{CB816170-17F3-49AA-9FD9-2F7E3777C79F}" type="presParOf" srcId="{FCF59A02-FDAA-4331-B967-A431269301EC}" destId="{FB3B89C4-B5FC-456B-91C9-66C18E5CB9DB}" srcOrd="1" destOrd="0" presId="urn:microsoft.com/office/officeart/2005/8/layout/hierarchy4"/>
   </dgm:cxnLst>
   <dgm:bg/>
   <dgm:whole/>
@@ -4101,6 +5387,738 @@
 </dsp:drawing>
 </file>
 
+<file path=ppt/diagrams/drawing2.xml><?xml version="1.0" encoding="utf-8"?>
+<dsp:drawing xmlns:dgm="http://schemas.openxmlformats.org/drawingml/2006/diagram" xmlns:dsp="http://schemas.microsoft.com/office/drawing/2008/diagram" xmlns:a="http://schemas.openxmlformats.org/drawingml/2006/main">
+  <dsp:spTree>
+    <dsp:nvGrpSpPr>
+      <dsp:cNvPr id="0" name=""/>
+      <dsp:cNvGrpSpPr/>
+    </dsp:nvGrpSpPr>
+    <dsp:grpSpPr/>
+    <dsp:sp modelId="{70B64D6A-10D3-4D65-8616-BB35B6274C0B}">
+      <dsp:nvSpPr>
+        <dsp:cNvPr id="0" name=""/>
+        <dsp:cNvSpPr/>
+      </dsp:nvSpPr>
+      <dsp:spPr>
+        <a:xfrm>
+          <a:off x="418" y="1503"/>
+          <a:ext cx="10514763" cy="986912"/>
+        </a:xfrm>
+        <a:prstGeom prst="roundRect">
+          <a:avLst>
+            <a:gd name="adj" fmla="val 10000"/>
+          </a:avLst>
+        </a:prstGeom>
+        <a:solidFill>
+          <a:schemeClr val="accent1">
+            <a:hueOff val="0"/>
+            <a:satOff val="0"/>
+            <a:lumOff val="0"/>
+            <a:alphaOff val="0"/>
+          </a:schemeClr>
+        </a:solidFill>
+        <a:ln w="12700" cap="flat" cmpd="sng" algn="ctr">
+          <a:solidFill>
+            <a:schemeClr val="lt1">
+              <a:hueOff val="0"/>
+              <a:satOff val="0"/>
+              <a:lumOff val="0"/>
+              <a:alphaOff val="0"/>
+            </a:schemeClr>
+          </a:solidFill>
+          <a:prstDash val="solid"/>
+          <a:miter lim="800000"/>
+        </a:ln>
+        <a:effectLst/>
+      </dsp:spPr>
+      <dsp:style>
+        <a:lnRef idx="2">
+          <a:scrgbClr r="0" g="0" b="0"/>
+        </a:lnRef>
+        <a:fillRef idx="1">
+          <a:scrgbClr r="0" g="0" b="0"/>
+        </a:fillRef>
+        <a:effectRef idx="0">
+          <a:scrgbClr r="0" g="0" b="0"/>
+        </a:effectRef>
+        <a:fontRef idx="minor">
+          <a:schemeClr val="lt1"/>
+        </a:fontRef>
+      </dsp:style>
+      <dsp:txBody>
+        <a:bodyPr spcFirstLastPara="0" vert="horz" wrap="square" lIns="163830" tIns="163830" rIns="163830" bIns="163830" numCol="1" spcCol="1270" anchor="ctr" anchorCtr="0">
+          <a:noAutofit/>
+        </a:bodyPr>
+        <a:lstStyle/>
+        <a:p>
+          <a:pPr marL="0" lvl="0" indent="0" algn="ctr" defTabSz="1911350">
+            <a:lnSpc>
+              <a:spcPct val="90000"/>
+            </a:lnSpc>
+            <a:spcBef>
+              <a:spcPct val="0"/>
+            </a:spcBef>
+            <a:spcAft>
+              <a:spcPct val="35000"/>
+            </a:spcAft>
+            <a:buNone/>
+          </a:pPr>
+          <a:r>
+            <a:rPr lang="en-CA" sz="4300" kern="1200" dirty="0"/>
+            <a:t>Browser</a:t>
+          </a:r>
+        </a:p>
+      </dsp:txBody>
+      <dsp:txXfrm>
+        <a:off x="29324" y="30409"/>
+        <a:ext cx="10456951" cy="929100"/>
+      </dsp:txXfrm>
+    </dsp:sp>
+    <dsp:sp modelId="{45C53DC8-C85E-486A-BF1E-92666FB2440D}">
+      <dsp:nvSpPr>
+        <dsp:cNvPr id="0" name=""/>
+        <dsp:cNvSpPr/>
+      </dsp:nvSpPr>
+      <dsp:spPr>
+        <a:xfrm>
+          <a:off x="418" y="1121976"/>
+          <a:ext cx="10514763" cy="986912"/>
+        </a:xfrm>
+        <a:prstGeom prst="roundRect">
+          <a:avLst>
+            <a:gd name="adj" fmla="val 10000"/>
+          </a:avLst>
+        </a:prstGeom>
+        <a:solidFill>
+          <a:schemeClr val="accent1">
+            <a:hueOff val="0"/>
+            <a:satOff val="0"/>
+            <a:lumOff val="0"/>
+            <a:alphaOff val="0"/>
+          </a:schemeClr>
+        </a:solidFill>
+        <a:ln w="12700" cap="flat" cmpd="sng" algn="ctr">
+          <a:solidFill>
+            <a:schemeClr val="lt1">
+              <a:hueOff val="0"/>
+              <a:satOff val="0"/>
+              <a:lumOff val="0"/>
+              <a:alphaOff val="0"/>
+            </a:schemeClr>
+          </a:solidFill>
+          <a:prstDash val="solid"/>
+          <a:miter lim="800000"/>
+        </a:ln>
+        <a:effectLst/>
+      </dsp:spPr>
+      <dsp:style>
+        <a:lnRef idx="2">
+          <a:scrgbClr r="0" g="0" b="0"/>
+        </a:lnRef>
+        <a:fillRef idx="1">
+          <a:scrgbClr r="0" g="0" b="0"/>
+        </a:fillRef>
+        <a:effectRef idx="0">
+          <a:scrgbClr r="0" g="0" b="0"/>
+        </a:effectRef>
+        <a:fontRef idx="minor">
+          <a:schemeClr val="lt1"/>
+        </a:fontRef>
+      </dsp:style>
+      <dsp:txBody>
+        <a:bodyPr spcFirstLastPara="0" vert="horz" wrap="square" lIns="163830" tIns="163830" rIns="163830" bIns="163830" numCol="1" spcCol="1270" anchor="ctr" anchorCtr="0">
+          <a:noAutofit/>
+        </a:bodyPr>
+        <a:lstStyle/>
+        <a:p>
+          <a:pPr marL="0" lvl="0" indent="0" algn="ctr" defTabSz="1911350">
+            <a:lnSpc>
+              <a:spcPct val="90000"/>
+            </a:lnSpc>
+            <a:spcBef>
+              <a:spcPct val="0"/>
+            </a:spcBef>
+            <a:spcAft>
+              <a:spcPct val="35000"/>
+            </a:spcAft>
+            <a:buNone/>
+          </a:pPr>
+          <a:r>
+            <a:rPr lang="en-CA" sz="4300" kern="1200" dirty="0"/>
+            <a:t>Backends</a:t>
+          </a:r>
+        </a:p>
+      </dsp:txBody>
+      <dsp:txXfrm>
+        <a:off x="29324" y="1150882"/>
+        <a:ext cx="10456951" cy="929100"/>
+      </dsp:txXfrm>
+    </dsp:sp>
+    <dsp:sp modelId="{1AA8F2F1-4261-47EE-9C94-B7B32C7938C9}">
+      <dsp:nvSpPr>
+        <dsp:cNvPr id="0" name=""/>
+        <dsp:cNvSpPr/>
+      </dsp:nvSpPr>
+      <dsp:spPr>
+        <a:xfrm>
+          <a:off x="418" y="2242449"/>
+          <a:ext cx="4145598" cy="986912"/>
+        </a:xfrm>
+        <a:prstGeom prst="roundRect">
+          <a:avLst>
+            <a:gd name="adj" fmla="val 10000"/>
+          </a:avLst>
+        </a:prstGeom>
+        <a:solidFill>
+          <a:schemeClr val="accent1">
+            <a:hueOff val="0"/>
+            <a:satOff val="0"/>
+            <a:lumOff val="0"/>
+            <a:alphaOff val="0"/>
+          </a:schemeClr>
+        </a:solidFill>
+        <a:ln w="12700" cap="flat" cmpd="sng" algn="ctr">
+          <a:solidFill>
+            <a:schemeClr val="lt1">
+              <a:hueOff val="0"/>
+              <a:satOff val="0"/>
+              <a:lumOff val="0"/>
+              <a:alphaOff val="0"/>
+            </a:schemeClr>
+          </a:solidFill>
+          <a:prstDash val="solid"/>
+          <a:miter lim="800000"/>
+        </a:ln>
+        <a:effectLst/>
+      </dsp:spPr>
+      <dsp:style>
+        <a:lnRef idx="2">
+          <a:scrgbClr r="0" g="0" b="0"/>
+        </a:lnRef>
+        <a:fillRef idx="1">
+          <a:scrgbClr r="0" g="0" b="0"/>
+        </a:fillRef>
+        <a:effectRef idx="0">
+          <a:scrgbClr r="0" g="0" b="0"/>
+        </a:effectRef>
+        <a:fontRef idx="minor">
+          <a:schemeClr val="lt1"/>
+        </a:fontRef>
+      </dsp:style>
+      <dsp:txBody>
+        <a:bodyPr spcFirstLastPara="0" vert="horz" wrap="square" lIns="125730" tIns="125730" rIns="125730" bIns="125730" numCol="1" spcCol="1270" anchor="ctr" anchorCtr="0">
+          <a:noAutofit/>
+        </a:bodyPr>
+        <a:lstStyle/>
+        <a:p>
+          <a:pPr marL="0" lvl="0" indent="0" algn="ctr" defTabSz="1466850">
+            <a:lnSpc>
+              <a:spcPct val="90000"/>
+            </a:lnSpc>
+            <a:spcBef>
+              <a:spcPct val="0"/>
+            </a:spcBef>
+            <a:spcAft>
+              <a:spcPct val="35000"/>
+            </a:spcAft>
+            <a:buNone/>
+          </a:pPr>
+          <a:r>
+            <a:rPr lang="en-CA" sz="3300" kern="1200" dirty="0"/>
+            <a:t>Backend1</a:t>
+          </a:r>
+        </a:p>
+      </dsp:txBody>
+      <dsp:txXfrm>
+        <a:off x="29324" y="2271355"/>
+        <a:ext cx="4087786" cy="929100"/>
+      </dsp:txXfrm>
+    </dsp:sp>
+    <dsp:sp modelId="{3A3EEF32-BC99-4250-909D-8E9E0BAEC01F}">
+      <dsp:nvSpPr>
+        <dsp:cNvPr id="0" name=""/>
+        <dsp:cNvSpPr/>
+      </dsp:nvSpPr>
+      <dsp:spPr>
+        <a:xfrm>
+          <a:off x="418" y="3362922"/>
+          <a:ext cx="2051260" cy="986912"/>
+        </a:xfrm>
+        <a:prstGeom prst="roundRect">
+          <a:avLst>
+            <a:gd name="adj" fmla="val 10000"/>
+          </a:avLst>
+        </a:prstGeom>
+        <a:solidFill>
+          <a:schemeClr val="accent1">
+            <a:hueOff val="0"/>
+            <a:satOff val="0"/>
+            <a:lumOff val="0"/>
+            <a:alphaOff val="0"/>
+          </a:schemeClr>
+        </a:solidFill>
+        <a:ln w="12700" cap="flat" cmpd="sng" algn="ctr">
+          <a:solidFill>
+            <a:schemeClr val="lt1">
+              <a:hueOff val="0"/>
+              <a:satOff val="0"/>
+              <a:lumOff val="0"/>
+              <a:alphaOff val="0"/>
+            </a:schemeClr>
+          </a:solidFill>
+          <a:prstDash val="solid"/>
+          <a:miter lim="800000"/>
+        </a:ln>
+        <a:effectLst/>
+      </dsp:spPr>
+      <dsp:style>
+        <a:lnRef idx="2">
+          <a:scrgbClr r="0" g="0" b="0"/>
+        </a:lnRef>
+        <a:fillRef idx="1">
+          <a:scrgbClr r="0" g="0" b="0"/>
+        </a:fillRef>
+        <a:effectRef idx="0">
+          <a:scrgbClr r="0" g="0" b="0"/>
+        </a:effectRef>
+        <a:fontRef idx="minor">
+          <a:schemeClr val="lt1"/>
+        </a:fontRef>
+      </dsp:style>
+      <dsp:txBody>
+        <a:bodyPr spcFirstLastPara="0" vert="horz" wrap="square" lIns="114300" tIns="114300" rIns="114300" bIns="114300" numCol="1" spcCol="1270" anchor="ctr" anchorCtr="0">
+          <a:noAutofit/>
+        </a:bodyPr>
+        <a:lstStyle/>
+        <a:p>
+          <a:pPr marL="0" lvl="0" indent="0" algn="ctr" defTabSz="1333500">
+            <a:lnSpc>
+              <a:spcPct val="90000"/>
+            </a:lnSpc>
+            <a:spcBef>
+              <a:spcPct val="0"/>
+            </a:spcBef>
+            <a:spcAft>
+              <a:spcPct val="35000"/>
+            </a:spcAft>
+            <a:buNone/>
+          </a:pPr>
+          <a:r>
+            <a:rPr lang="en-CA" sz="3000" kern="1200" dirty="0"/>
+            <a:t>User</a:t>
+          </a:r>
+        </a:p>
+      </dsp:txBody>
+      <dsp:txXfrm>
+        <a:off x="29324" y="3391828"/>
+        <a:ext cx="1993448" cy="929100"/>
+      </dsp:txXfrm>
+    </dsp:sp>
+    <dsp:sp modelId="{89E119A1-CD64-41FB-B949-72C12ACD00DB}">
+      <dsp:nvSpPr>
+        <dsp:cNvPr id="0" name=""/>
+        <dsp:cNvSpPr/>
+      </dsp:nvSpPr>
+      <dsp:spPr>
+        <a:xfrm>
+          <a:off x="2094755" y="3362922"/>
+          <a:ext cx="2051260" cy="986912"/>
+        </a:xfrm>
+        <a:prstGeom prst="roundRect">
+          <a:avLst>
+            <a:gd name="adj" fmla="val 10000"/>
+          </a:avLst>
+        </a:prstGeom>
+        <a:solidFill>
+          <a:schemeClr val="accent1">
+            <a:hueOff val="0"/>
+            <a:satOff val="0"/>
+            <a:lumOff val="0"/>
+            <a:alphaOff val="0"/>
+          </a:schemeClr>
+        </a:solidFill>
+        <a:ln w="12700" cap="flat" cmpd="sng" algn="ctr">
+          <a:solidFill>
+            <a:schemeClr val="lt1">
+              <a:hueOff val="0"/>
+              <a:satOff val="0"/>
+              <a:lumOff val="0"/>
+              <a:alphaOff val="0"/>
+            </a:schemeClr>
+          </a:solidFill>
+          <a:prstDash val="solid"/>
+          <a:miter lim="800000"/>
+        </a:ln>
+        <a:effectLst/>
+      </dsp:spPr>
+      <dsp:style>
+        <a:lnRef idx="2">
+          <a:scrgbClr r="0" g="0" b="0"/>
+        </a:lnRef>
+        <a:fillRef idx="1">
+          <a:scrgbClr r="0" g="0" b="0"/>
+        </a:fillRef>
+        <a:effectRef idx="0">
+          <a:scrgbClr r="0" g="0" b="0"/>
+        </a:effectRef>
+        <a:fontRef idx="minor">
+          <a:schemeClr val="lt1"/>
+        </a:fontRef>
+      </dsp:style>
+      <dsp:txBody>
+        <a:bodyPr spcFirstLastPara="0" vert="horz" wrap="square" lIns="114300" tIns="114300" rIns="114300" bIns="114300" numCol="1" spcCol="1270" anchor="ctr" anchorCtr="0">
+          <a:noAutofit/>
+        </a:bodyPr>
+        <a:lstStyle/>
+        <a:p>
+          <a:pPr marL="0" lvl="0" indent="0" algn="ctr" defTabSz="1333500">
+            <a:lnSpc>
+              <a:spcPct val="90000"/>
+            </a:lnSpc>
+            <a:spcBef>
+              <a:spcPct val="0"/>
+            </a:spcBef>
+            <a:spcAft>
+              <a:spcPct val="35000"/>
+            </a:spcAft>
+            <a:buNone/>
+          </a:pPr>
+          <a:r>
+            <a:rPr lang="en-CA" sz="3000" kern="1200" dirty="0"/>
+            <a:t>Auth Token</a:t>
+          </a:r>
+        </a:p>
+      </dsp:txBody>
+      <dsp:txXfrm>
+        <a:off x="2123661" y="3391828"/>
+        <a:ext cx="1993448" cy="929100"/>
+      </dsp:txXfrm>
+    </dsp:sp>
+    <dsp:sp modelId="{8A2DBF15-8713-4185-96FD-EEB209A34292}">
+      <dsp:nvSpPr>
+        <dsp:cNvPr id="0" name=""/>
+        <dsp:cNvSpPr/>
+      </dsp:nvSpPr>
+      <dsp:spPr>
+        <a:xfrm>
+          <a:off x="4232169" y="2242449"/>
+          <a:ext cx="4145598" cy="986912"/>
+        </a:xfrm>
+        <a:prstGeom prst="roundRect">
+          <a:avLst>
+            <a:gd name="adj" fmla="val 10000"/>
+          </a:avLst>
+        </a:prstGeom>
+        <a:solidFill>
+          <a:schemeClr val="accent1">
+            <a:hueOff val="0"/>
+            <a:satOff val="0"/>
+            <a:lumOff val="0"/>
+            <a:alphaOff val="0"/>
+          </a:schemeClr>
+        </a:solidFill>
+        <a:ln w="12700" cap="flat" cmpd="sng" algn="ctr">
+          <a:solidFill>
+            <a:schemeClr val="lt1">
+              <a:hueOff val="0"/>
+              <a:satOff val="0"/>
+              <a:lumOff val="0"/>
+              <a:alphaOff val="0"/>
+            </a:schemeClr>
+          </a:solidFill>
+          <a:prstDash val="solid"/>
+          <a:miter lim="800000"/>
+        </a:ln>
+        <a:effectLst/>
+      </dsp:spPr>
+      <dsp:style>
+        <a:lnRef idx="2">
+          <a:scrgbClr r="0" g="0" b="0"/>
+        </a:lnRef>
+        <a:fillRef idx="1">
+          <a:scrgbClr r="0" g="0" b="0"/>
+        </a:fillRef>
+        <a:effectRef idx="0">
+          <a:scrgbClr r="0" g="0" b="0"/>
+        </a:effectRef>
+        <a:fontRef idx="minor">
+          <a:schemeClr val="lt1"/>
+        </a:fontRef>
+      </dsp:style>
+      <dsp:txBody>
+        <a:bodyPr spcFirstLastPara="0" vert="horz" wrap="square" lIns="125730" tIns="125730" rIns="125730" bIns="125730" numCol="1" spcCol="1270" anchor="ctr" anchorCtr="0">
+          <a:noAutofit/>
+        </a:bodyPr>
+        <a:lstStyle/>
+        <a:p>
+          <a:pPr marL="0" lvl="0" indent="0" algn="ctr" defTabSz="1466850">
+            <a:lnSpc>
+              <a:spcPct val="90000"/>
+            </a:lnSpc>
+            <a:spcBef>
+              <a:spcPct val="0"/>
+            </a:spcBef>
+            <a:spcAft>
+              <a:spcPct val="35000"/>
+            </a:spcAft>
+            <a:buNone/>
+          </a:pPr>
+          <a:r>
+            <a:rPr lang="en-CA" sz="3300" kern="1200" dirty="0"/>
+            <a:t>Backend2</a:t>
+          </a:r>
+        </a:p>
+      </dsp:txBody>
+      <dsp:txXfrm>
+        <a:off x="4261075" y="2271355"/>
+        <a:ext cx="4087786" cy="929100"/>
+      </dsp:txXfrm>
+    </dsp:sp>
+    <dsp:sp modelId="{C4FB882A-8D60-4542-A14B-6AEB783C0ACF}">
+      <dsp:nvSpPr>
+        <dsp:cNvPr id="0" name=""/>
+        <dsp:cNvSpPr/>
+      </dsp:nvSpPr>
+      <dsp:spPr>
+        <a:xfrm>
+          <a:off x="4232169" y="3362922"/>
+          <a:ext cx="2051260" cy="986912"/>
+        </a:xfrm>
+        <a:prstGeom prst="roundRect">
+          <a:avLst>
+            <a:gd name="adj" fmla="val 10000"/>
+          </a:avLst>
+        </a:prstGeom>
+        <a:solidFill>
+          <a:schemeClr val="accent1">
+            <a:hueOff val="0"/>
+            <a:satOff val="0"/>
+            <a:lumOff val="0"/>
+            <a:alphaOff val="0"/>
+          </a:schemeClr>
+        </a:solidFill>
+        <a:ln w="12700" cap="flat" cmpd="sng" algn="ctr">
+          <a:solidFill>
+            <a:schemeClr val="lt1">
+              <a:hueOff val="0"/>
+              <a:satOff val="0"/>
+              <a:lumOff val="0"/>
+              <a:alphaOff val="0"/>
+            </a:schemeClr>
+          </a:solidFill>
+          <a:prstDash val="solid"/>
+          <a:miter lim="800000"/>
+        </a:ln>
+        <a:effectLst/>
+      </dsp:spPr>
+      <dsp:style>
+        <a:lnRef idx="2">
+          <a:scrgbClr r="0" g="0" b="0"/>
+        </a:lnRef>
+        <a:fillRef idx="1">
+          <a:scrgbClr r="0" g="0" b="0"/>
+        </a:fillRef>
+        <a:effectRef idx="0">
+          <a:scrgbClr r="0" g="0" b="0"/>
+        </a:effectRef>
+        <a:fontRef idx="minor">
+          <a:schemeClr val="lt1"/>
+        </a:fontRef>
+      </dsp:style>
+      <dsp:txBody>
+        <a:bodyPr spcFirstLastPara="0" vert="horz" wrap="square" lIns="114300" tIns="114300" rIns="114300" bIns="114300" numCol="1" spcCol="1270" anchor="ctr" anchorCtr="0">
+          <a:noAutofit/>
+        </a:bodyPr>
+        <a:lstStyle/>
+        <a:p>
+          <a:pPr marL="0" lvl="0" indent="0" algn="ctr" defTabSz="1333500">
+            <a:lnSpc>
+              <a:spcPct val="90000"/>
+            </a:lnSpc>
+            <a:spcBef>
+              <a:spcPct val="0"/>
+            </a:spcBef>
+            <a:spcAft>
+              <a:spcPct val="35000"/>
+            </a:spcAft>
+            <a:buNone/>
+          </a:pPr>
+          <a:r>
+            <a:rPr lang="en-CA" sz="3000" kern="1200" dirty="0"/>
+            <a:t>User</a:t>
+          </a:r>
+        </a:p>
+      </dsp:txBody>
+      <dsp:txXfrm>
+        <a:off x="4261075" y="3391828"/>
+        <a:ext cx="1993448" cy="929100"/>
+      </dsp:txXfrm>
+    </dsp:sp>
+    <dsp:sp modelId="{D4EF0E5B-8842-46EC-ACCA-3807AADFC40D}">
+      <dsp:nvSpPr>
+        <dsp:cNvPr id="0" name=""/>
+        <dsp:cNvSpPr/>
+      </dsp:nvSpPr>
+      <dsp:spPr>
+        <a:xfrm>
+          <a:off x="6326506" y="3362922"/>
+          <a:ext cx="2051260" cy="986912"/>
+        </a:xfrm>
+        <a:prstGeom prst="roundRect">
+          <a:avLst>
+            <a:gd name="adj" fmla="val 10000"/>
+          </a:avLst>
+        </a:prstGeom>
+        <a:solidFill>
+          <a:schemeClr val="accent1">
+            <a:hueOff val="0"/>
+            <a:satOff val="0"/>
+            <a:lumOff val="0"/>
+            <a:alphaOff val="0"/>
+          </a:schemeClr>
+        </a:solidFill>
+        <a:ln w="12700" cap="flat" cmpd="sng" algn="ctr">
+          <a:solidFill>
+            <a:schemeClr val="lt1">
+              <a:hueOff val="0"/>
+              <a:satOff val="0"/>
+              <a:lumOff val="0"/>
+              <a:alphaOff val="0"/>
+            </a:schemeClr>
+          </a:solidFill>
+          <a:prstDash val="solid"/>
+          <a:miter lim="800000"/>
+        </a:ln>
+        <a:effectLst/>
+      </dsp:spPr>
+      <dsp:style>
+        <a:lnRef idx="2">
+          <a:scrgbClr r="0" g="0" b="0"/>
+        </a:lnRef>
+        <a:fillRef idx="1">
+          <a:scrgbClr r="0" g="0" b="0"/>
+        </a:fillRef>
+        <a:effectRef idx="0">
+          <a:scrgbClr r="0" g="0" b="0"/>
+        </a:effectRef>
+        <a:fontRef idx="minor">
+          <a:schemeClr val="lt1"/>
+        </a:fontRef>
+      </dsp:style>
+      <dsp:txBody>
+        <a:bodyPr spcFirstLastPara="0" vert="horz" wrap="square" lIns="114300" tIns="114300" rIns="114300" bIns="114300" numCol="1" spcCol="1270" anchor="ctr" anchorCtr="0">
+          <a:noAutofit/>
+        </a:bodyPr>
+        <a:lstStyle/>
+        <a:p>
+          <a:pPr marL="0" lvl="0" indent="0" algn="ctr" defTabSz="1333500">
+            <a:lnSpc>
+              <a:spcPct val="90000"/>
+            </a:lnSpc>
+            <a:spcBef>
+              <a:spcPct val="0"/>
+            </a:spcBef>
+            <a:spcAft>
+              <a:spcPct val="35000"/>
+            </a:spcAft>
+            <a:buNone/>
+          </a:pPr>
+          <a:r>
+            <a:rPr lang="en-CA" sz="3000" kern="1200" dirty="0"/>
+            <a:t>Auth Token</a:t>
+          </a:r>
+        </a:p>
+      </dsp:txBody>
+      <dsp:txXfrm>
+        <a:off x="6355412" y="3391828"/>
+        <a:ext cx="1993448" cy="929100"/>
+      </dsp:txXfrm>
+    </dsp:sp>
+    <dsp:sp modelId="{519CF8ED-2222-4DF9-A0AA-3AC06A7AD00F}">
+      <dsp:nvSpPr>
+        <dsp:cNvPr id="0" name=""/>
+        <dsp:cNvSpPr/>
+      </dsp:nvSpPr>
+      <dsp:spPr>
+        <a:xfrm>
+          <a:off x="8463920" y="2242449"/>
+          <a:ext cx="2051260" cy="986912"/>
+        </a:xfrm>
+        <a:prstGeom prst="roundRect">
+          <a:avLst>
+            <a:gd name="adj" fmla="val 10000"/>
+          </a:avLst>
+        </a:prstGeom>
+        <a:solidFill>
+          <a:schemeClr val="accent1">
+            <a:hueOff val="0"/>
+            <a:satOff val="0"/>
+            <a:lumOff val="0"/>
+            <a:alphaOff val="0"/>
+          </a:schemeClr>
+        </a:solidFill>
+        <a:ln w="12700" cap="flat" cmpd="sng" algn="ctr">
+          <a:solidFill>
+            <a:schemeClr val="lt1">
+              <a:hueOff val="0"/>
+              <a:satOff val="0"/>
+              <a:lumOff val="0"/>
+              <a:alphaOff val="0"/>
+            </a:schemeClr>
+          </a:solidFill>
+          <a:prstDash val="solid"/>
+          <a:miter lim="800000"/>
+        </a:ln>
+        <a:effectLst/>
+      </dsp:spPr>
+      <dsp:style>
+        <a:lnRef idx="2">
+          <a:scrgbClr r="0" g="0" b="0"/>
+        </a:lnRef>
+        <a:fillRef idx="1">
+          <a:scrgbClr r="0" g="0" b="0"/>
+        </a:fillRef>
+        <a:effectRef idx="0">
+          <a:scrgbClr r="0" g="0" b="0"/>
+        </a:effectRef>
+        <a:fontRef idx="minor">
+          <a:schemeClr val="lt1"/>
+        </a:fontRef>
+      </dsp:style>
+      <dsp:txBody>
+        <a:bodyPr spcFirstLastPara="0" vert="horz" wrap="square" lIns="125730" tIns="125730" rIns="125730" bIns="125730" numCol="1" spcCol="1270" anchor="ctr" anchorCtr="0">
+          <a:noAutofit/>
+        </a:bodyPr>
+        <a:lstStyle/>
+        <a:p>
+          <a:pPr marL="0" lvl="0" indent="0" algn="ctr" defTabSz="1466850">
+            <a:lnSpc>
+              <a:spcPct val="90000"/>
+            </a:lnSpc>
+            <a:spcBef>
+              <a:spcPct val="0"/>
+            </a:spcBef>
+            <a:spcAft>
+              <a:spcPct val="35000"/>
+            </a:spcAft>
+            <a:buNone/>
+          </a:pPr>
+          <a:r>
+            <a:rPr lang="en-CA" sz="3300" kern="1200" dirty="0"/>
+            <a:t>Backend3</a:t>
+          </a:r>
+        </a:p>
+      </dsp:txBody>
+      <dsp:txXfrm>
+        <a:off x="8492826" y="2271355"/>
+        <a:ext cx="1993448" cy="929100"/>
+      </dsp:txXfrm>
+    </dsp:sp>
+  </dsp:spTree>
+</dsp:drawing>
+</file>
+
 <file path=ppt/diagrams/layout1.xml><?xml version="1.0" encoding="utf-8"?>
 <dgm:layoutDef xmlns:dgm="http://schemas.openxmlformats.org/drawingml/2006/diagram" xmlns:a="http://schemas.openxmlformats.org/drawingml/2006/main" uniqueId="urn:microsoft.com/office/officeart/2005/8/layout/architecture">
   <dgm:title val="Architecture Layout"/>
@@ -4624,7 +6642,1563 @@
 </dgm:layoutDef>
 </file>
 
+<file path=ppt/diagrams/layout2.xml><?xml version="1.0" encoding="utf-8"?>
+<dgm:layoutDef xmlns:dgm="http://schemas.openxmlformats.org/drawingml/2006/diagram" xmlns:a="http://schemas.openxmlformats.org/drawingml/2006/main" uniqueId="urn:microsoft.com/office/officeart/2005/8/layout/hierarchy4">
+  <dgm:title val=""/>
+  <dgm:desc val=""/>
+  <dgm:catLst>
+    <dgm:cat type="hierarchy" pri="4000"/>
+    <dgm:cat type="list" pri="24000"/>
+    <dgm:cat type="relationship" pri="10000"/>
+  </dgm:catLst>
+  <dgm:sampData>
+    <dgm:dataModel>
+      <dgm:ptLst>
+        <dgm:pt modelId="0" type="doc"/>
+        <dgm:pt modelId="1">
+          <dgm:prSet phldr="1"/>
+        </dgm:pt>
+        <dgm:pt modelId="2">
+          <dgm:prSet phldr="1"/>
+        </dgm:pt>
+        <dgm:pt modelId="21">
+          <dgm:prSet phldr="1"/>
+        </dgm:pt>
+        <dgm:pt modelId="22">
+          <dgm:prSet phldr="1"/>
+        </dgm:pt>
+        <dgm:pt modelId="3">
+          <dgm:prSet phldr="1"/>
+        </dgm:pt>
+        <dgm:pt modelId="31">
+          <dgm:prSet phldr="1"/>
+        </dgm:pt>
+      </dgm:ptLst>
+      <dgm:cxnLst>
+        <dgm:cxn modelId="4" srcId="0" destId="1" srcOrd="0" destOrd="0"/>
+        <dgm:cxn modelId="5" srcId="1" destId="2" srcOrd="0" destOrd="0"/>
+        <dgm:cxn modelId="6" srcId="1" destId="3" srcOrd="1" destOrd="0"/>
+        <dgm:cxn modelId="23" srcId="2" destId="21" srcOrd="0" destOrd="0"/>
+        <dgm:cxn modelId="24" srcId="2" destId="22" srcOrd="1" destOrd="0"/>
+        <dgm:cxn modelId="33" srcId="3" destId="31" srcOrd="0" destOrd="0"/>
+      </dgm:cxnLst>
+      <dgm:bg/>
+      <dgm:whole/>
+    </dgm:dataModel>
+  </dgm:sampData>
+  <dgm:styleData>
+    <dgm:dataModel>
+      <dgm:ptLst>
+        <dgm:pt modelId="0" type="doc"/>
+        <dgm:pt modelId="1"/>
+        <dgm:pt modelId="11"/>
+        <dgm:pt modelId="12"/>
+      </dgm:ptLst>
+      <dgm:cxnLst>
+        <dgm:cxn modelId="2" srcId="0" destId="1" srcOrd="0" destOrd="0"/>
+        <dgm:cxn modelId="13" srcId="1" destId="11" srcOrd="0" destOrd="0"/>
+        <dgm:cxn modelId="14" srcId="1" destId="12" srcOrd="1" destOrd="0"/>
+      </dgm:cxnLst>
+      <dgm:bg/>
+      <dgm:whole/>
+    </dgm:dataModel>
+  </dgm:styleData>
+  <dgm:clrData>
+    <dgm:dataModel>
+      <dgm:ptLst>
+        <dgm:pt modelId="0" type="doc"/>
+        <dgm:pt modelId="1"/>
+        <dgm:pt modelId="2"/>
+        <dgm:pt modelId="21"/>
+        <dgm:pt modelId="211"/>
+        <dgm:pt modelId="3"/>
+        <dgm:pt modelId="31"/>
+        <dgm:pt modelId="311"/>
+      </dgm:ptLst>
+      <dgm:cxnLst>
+        <dgm:cxn modelId="4" srcId="0" destId="1" srcOrd="0" destOrd="0"/>
+        <dgm:cxn modelId="5" srcId="1" destId="2" srcOrd="0" destOrd="0"/>
+        <dgm:cxn modelId="6" srcId="1" destId="3" srcOrd="1" destOrd="0"/>
+        <dgm:cxn modelId="23" srcId="2" destId="21" srcOrd="0" destOrd="0"/>
+        <dgm:cxn modelId="24" srcId="21" destId="211" srcOrd="0" destOrd="0"/>
+        <dgm:cxn modelId="33" srcId="3" destId="31" srcOrd="0" destOrd="0"/>
+        <dgm:cxn modelId="34" srcId="31" destId="311" srcOrd="0" destOrd="0"/>
+      </dgm:cxnLst>
+      <dgm:bg/>
+      <dgm:whole/>
+    </dgm:dataModel>
+  </dgm:clrData>
+  <dgm:layoutNode name="Name0">
+    <dgm:varLst>
+      <dgm:chPref val="1"/>
+      <dgm:dir/>
+      <dgm:animOne val="branch"/>
+      <dgm:animLvl val="lvl"/>
+      <dgm:resizeHandles/>
+    </dgm:varLst>
+    <dgm:choose name="Name1">
+      <dgm:if name="Name2" func="var" arg="dir" op="equ" val="norm">
+        <dgm:alg type="lin">
+          <dgm:param type="linDir" val="fromL"/>
+          <dgm:param type="nodeVertAlign" val="t"/>
+        </dgm:alg>
+      </dgm:if>
+      <dgm:else name="Name3">
+        <dgm:alg type="lin">
+          <dgm:param type="linDir" val="fromR"/>
+          <dgm:param type="nodeVertAlign" val="t"/>
+        </dgm:alg>
+      </dgm:else>
+    </dgm:choose>
+    <dgm:shape xmlns:r="http://schemas.openxmlformats.org/officeDocument/2006/relationships" r:blip="">
+      <dgm:adjLst/>
+    </dgm:shape>
+    <dgm:presOf/>
+    <dgm:constrLst>
+      <dgm:constr type="w" for="ch" forName="vertOne" refType="w"/>
+      <dgm:constr type="w" for="des" forName="horzOne" refType="w"/>
+      <dgm:constr type="w" for="des" forName="txOne" refType="w"/>
+      <dgm:constr type="w" for="des" forName="vertTwo" refType="w"/>
+      <dgm:constr type="w" for="des" forName="horzTwo" refType="w"/>
+      <dgm:constr type="w" for="des" forName="txTwo" refType="w"/>
+      <dgm:constr type="w" for="des" forName="vertThree" refType="w"/>
+      <dgm:constr type="w" for="des" forName="horzThree" refType="w"/>
+      <dgm:constr type="w" for="des" forName="txThree" refType="w"/>
+      <dgm:constr type="w" for="des" forName="vertFour" refType="w"/>
+      <dgm:constr type="w" for="des" forName="horzFour" refType="w"/>
+      <dgm:constr type="w" for="des" forName="txFour" refType="w"/>
+      <dgm:constr type="h" for="des" ptType="node" op="equ"/>
+      <dgm:constr type="h" for="des" forName="txOne" refType="h"/>
+      <dgm:constr type="userH" for="des" ptType="node" refType="h" refFor="des" refForName="txOne"/>
+      <dgm:constr type="primFontSz" for="des" forName="txOne" val="65"/>
+      <dgm:constr type="primFontSz" for="des" forName="txTwo" val="65"/>
+      <dgm:constr type="primFontSz" for="des" forName="txTwo" refType="primFontSz" refFor="des" refForName="txOne" op="lte"/>
+      <dgm:constr type="primFontSz" for="des" forName="txThree" val="65"/>
+      <dgm:constr type="primFontSz" for="des" forName="txThree" refType="primFontSz" refFor="des" refForName="txOne" op="lte"/>
+      <dgm:constr type="primFontSz" for="des" forName="txThree" refType="primFontSz" refFor="des" refForName="txTwo" op="lte"/>
+      <dgm:constr type="primFontSz" for="des" forName="txFour" val="65"/>
+      <dgm:constr type="primFontSz" for="des" forName="txFour" refType="primFontSz" refFor="des" refForName="txOne" op="lte"/>
+      <dgm:constr type="primFontSz" for="des" forName="txFour" refType="primFontSz" refFor="des" refForName="txTwo" op="lte"/>
+      <dgm:constr type="primFontSz" for="des" forName="txFour" refType="primFontSz" refFor="des" refForName="txThree" op="lte"/>
+      <dgm:constr type="w" for="des" forName="sibSpaceOne" refType="w" fact="0.168"/>
+      <dgm:constr type="w" for="des" forName="sibSpaceTwo" refType="w" refFor="des" refForName="sibSpaceOne" op="equ" fact="0.5"/>
+      <dgm:constr type="w" for="des" forName="sibSpaceThree" refType="w" refFor="des" refForName="sibSpaceTwo" op="equ" fact="0.5"/>
+      <dgm:constr type="w" for="des" forName="sibSpaceFour" refType="w" refFor="des" refForName="sibSpaceThree" op="equ" fact="0.5"/>
+      <dgm:constr type="h" for="des" forName="parTransOne" refType="w" fact="0.056"/>
+      <dgm:constr type="h" for="des" forName="parTransTwo" refType="h" refFor="des" refForName="parTransOne" op="equ"/>
+      <dgm:constr type="h" for="des" forName="parTransThree" refType="h" refFor="des" refForName="parTransTwo" op="equ"/>
+      <dgm:constr type="h" for="des" forName="parTransFour" refType="h" refFor="des" refForName="parTransThree" op="equ"/>
+    </dgm:constrLst>
+    <dgm:ruleLst/>
+    <dgm:forEach name="Name4" axis="ch" ptType="node">
+      <dgm:layoutNode name="vertOne">
+        <dgm:alg type="lin">
+          <dgm:param type="linDir" val="fromT"/>
+        </dgm:alg>
+        <dgm:shape xmlns:r="http://schemas.openxmlformats.org/officeDocument/2006/relationships" r:blip="">
+          <dgm:adjLst/>
+        </dgm:shape>
+        <dgm:presOf/>
+        <dgm:constrLst>
+          <dgm:constr type="w" for="ch" forName="txOne" refType="w" refFor="ch" refForName="horzOne" op="gte"/>
+        </dgm:constrLst>
+        <dgm:ruleLst/>
+        <dgm:layoutNode name="txOne" styleLbl="node0">
+          <dgm:varLst>
+            <dgm:chPref val="3"/>
+          </dgm:varLst>
+          <dgm:alg type="tx"/>
+          <dgm:shape xmlns:r="http://schemas.openxmlformats.org/officeDocument/2006/relationships" type="roundRect" r:blip="">
+            <dgm:adjLst>
+              <dgm:adj idx="1" val="0.1"/>
+            </dgm:adjLst>
+          </dgm:shape>
+          <dgm:presOf axis="self"/>
+          <dgm:constrLst>
+            <dgm:constr type="tMarg" refType="primFontSz" fact="0.3"/>
+            <dgm:constr type="bMarg" refType="primFontSz" fact="0.3"/>
+            <dgm:constr type="lMarg" refType="primFontSz" fact="0.3"/>
+            <dgm:constr type="rMarg" refType="primFontSz" fact="0.3"/>
+          </dgm:constrLst>
+          <dgm:ruleLst>
+            <dgm:rule type="primFontSz" val="5" fact="NaN" max="NaN"/>
+          </dgm:ruleLst>
+        </dgm:layoutNode>
+        <dgm:choose name="Name5">
+          <dgm:if name="Name6" axis="des" ptType="node" func="cnt" op="gt" val="0">
+            <dgm:layoutNode name="parTransOne">
+              <dgm:alg type="sp"/>
+              <dgm:shape xmlns:r="http://schemas.openxmlformats.org/officeDocument/2006/relationships" r:blip="">
+                <dgm:adjLst/>
+              </dgm:shape>
+              <dgm:presOf/>
+              <dgm:constrLst/>
+              <dgm:ruleLst/>
+            </dgm:layoutNode>
+          </dgm:if>
+          <dgm:else name="Name7"/>
+        </dgm:choose>
+        <dgm:layoutNode name="horzOne">
+          <dgm:choose name="Name8">
+            <dgm:if name="Name9" func="var" arg="dir" op="equ" val="norm">
+              <dgm:alg type="lin">
+                <dgm:param type="linDir" val="fromL"/>
+                <dgm:param type="nodeVertAlign" val="t"/>
+              </dgm:alg>
+            </dgm:if>
+            <dgm:else name="Name10">
+              <dgm:alg type="lin">
+                <dgm:param type="linDir" val="fromR"/>
+                <dgm:param type="nodeVertAlign" val="t"/>
+              </dgm:alg>
+            </dgm:else>
+          </dgm:choose>
+          <dgm:shape xmlns:r="http://schemas.openxmlformats.org/officeDocument/2006/relationships" r:blip="">
+            <dgm:adjLst/>
+          </dgm:shape>
+          <dgm:presOf/>
+          <dgm:constrLst/>
+          <dgm:ruleLst>
+            <dgm:rule type="w" val="INF" fact="NaN" max="NaN"/>
+          </dgm:ruleLst>
+          <dgm:forEach name="Name11" axis="ch" ptType="node">
+            <dgm:layoutNode name="vertTwo">
+              <dgm:alg type="lin">
+                <dgm:param type="linDir" val="fromT"/>
+              </dgm:alg>
+              <dgm:shape xmlns:r="http://schemas.openxmlformats.org/officeDocument/2006/relationships" r:blip="">
+                <dgm:adjLst/>
+              </dgm:shape>
+              <dgm:presOf/>
+              <dgm:constrLst>
+                <dgm:constr type="w" for="ch" forName="txTwo" refType="w" refFor="ch" refForName="horzTwo" op="gte"/>
+              </dgm:constrLst>
+              <dgm:ruleLst/>
+              <dgm:layoutNode name="txTwo">
+                <dgm:varLst>
+                  <dgm:chPref val="3"/>
+                </dgm:varLst>
+                <dgm:alg type="tx"/>
+                <dgm:shape xmlns:r="http://schemas.openxmlformats.org/officeDocument/2006/relationships" type="roundRect" r:blip="">
+                  <dgm:adjLst>
+                    <dgm:adj idx="1" val="0.1"/>
+                  </dgm:adjLst>
+                </dgm:shape>
+                <dgm:presOf axis="self"/>
+                <dgm:constrLst>
+                  <dgm:constr type="userH"/>
+                  <dgm:constr type="h" refType="userH"/>
+                  <dgm:constr type="tMarg" refType="primFontSz" fact="0.3"/>
+                  <dgm:constr type="bMarg" refType="primFontSz" fact="0.3"/>
+                  <dgm:constr type="lMarg" refType="primFontSz" fact="0.3"/>
+                  <dgm:constr type="rMarg" refType="primFontSz" fact="0.3"/>
+                </dgm:constrLst>
+                <dgm:ruleLst>
+                  <dgm:rule type="primFontSz" val="5" fact="NaN" max="NaN"/>
+                </dgm:ruleLst>
+              </dgm:layoutNode>
+              <dgm:choose name="Name12">
+                <dgm:if name="Name13" axis="des" ptType="node" func="cnt" op="gt" val="0">
+                  <dgm:layoutNode name="parTransTwo">
+                    <dgm:alg type="sp"/>
+                    <dgm:shape xmlns:r="http://schemas.openxmlformats.org/officeDocument/2006/relationships" r:blip="">
+                      <dgm:adjLst/>
+                    </dgm:shape>
+                    <dgm:presOf/>
+                    <dgm:constrLst/>
+                    <dgm:ruleLst/>
+                  </dgm:layoutNode>
+                </dgm:if>
+                <dgm:else name="Name14"/>
+              </dgm:choose>
+              <dgm:layoutNode name="horzTwo">
+                <dgm:choose name="Name15">
+                  <dgm:if name="Name16" func="var" arg="dir" op="equ" val="norm">
+                    <dgm:alg type="lin">
+                      <dgm:param type="linDir" val="fromL"/>
+                      <dgm:param type="nodeVertAlign" val="t"/>
+                    </dgm:alg>
+                  </dgm:if>
+                  <dgm:else name="Name17">
+                    <dgm:alg type="lin">
+                      <dgm:param type="linDir" val="fromR"/>
+                      <dgm:param type="nodeVertAlign" val="t"/>
+                    </dgm:alg>
+                  </dgm:else>
+                </dgm:choose>
+                <dgm:shape xmlns:r="http://schemas.openxmlformats.org/officeDocument/2006/relationships" r:blip="">
+                  <dgm:adjLst/>
+                </dgm:shape>
+                <dgm:presOf/>
+                <dgm:constrLst/>
+                <dgm:ruleLst>
+                  <dgm:rule type="w" val="INF" fact="NaN" max="NaN"/>
+                </dgm:ruleLst>
+                <dgm:forEach name="Name18" axis="ch" ptType="node">
+                  <dgm:layoutNode name="vertThree">
+                    <dgm:alg type="lin">
+                      <dgm:param type="linDir" val="fromT"/>
+                    </dgm:alg>
+                    <dgm:shape xmlns:r="http://schemas.openxmlformats.org/officeDocument/2006/relationships" r:blip="">
+                      <dgm:adjLst/>
+                    </dgm:shape>
+                    <dgm:presOf/>
+                    <dgm:constrLst>
+                      <dgm:constr type="w" for="ch" forName="txThree" refType="w" refFor="ch" refForName="horzThree" op="gte"/>
+                    </dgm:constrLst>
+                    <dgm:ruleLst/>
+                    <dgm:layoutNode name="txThree">
+                      <dgm:varLst>
+                        <dgm:chPref val="3"/>
+                      </dgm:varLst>
+                      <dgm:alg type="tx"/>
+                      <dgm:shape xmlns:r="http://schemas.openxmlformats.org/officeDocument/2006/relationships" type="roundRect" r:blip="">
+                        <dgm:adjLst>
+                          <dgm:adj idx="1" val="0.1"/>
+                        </dgm:adjLst>
+                      </dgm:shape>
+                      <dgm:presOf axis="self"/>
+                      <dgm:constrLst>
+                        <dgm:constr type="userH"/>
+                        <dgm:constr type="h" refType="userH"/>
+                        <dgm:constr type="tMarg" refType="primFontSz" fact="0.3"/>
+                        <dgm:constr type="bMarg" refType="primFontSz" fact="0.3"/>
+                        <dgm:constr type="lMarg" refType="primFontSz" fact="0.3"/>
+                        <dgm:constr type="rMarg" refType="primFontSz" fact="0.3"/>
+                      </dgm:constrLst>
+                      <dgm:ruleLst>
+                        <dgm:rule type="primFontSz" val="5" fact="NaN" max="NaN"/>
+                      </dgm:ruleLst>
+                    </dgm:layoutNode>
+                    <dgm:choose name="Name19">
+                      <dgm:if name="Name20" axis="des" ptType="node" func="cnt" op="gt" val="0">
+                        <dgm:layoutNode name="parTransThree">
+                          <dgm:alg type="sp"/>
+                          <dgm:shape xmlns:r="http://schemas.openxmlformats.org/officeDocument/2006/relationships" r:blip="">
+                            <dgm:adjLst/>
+                          </dgm:shape>
+                          <dgm:presOf/>
+                          <dgm:constrLst/>
+                          <dgm:ruleLst/>
+                        </dgm:layoutNode>
+                      </dgm:if>
+                      <dgm:else name="Name21"/>
+                    </dgm:choose>
+                    <dgm:layoutNode name="horzThree">
+                      <dgm:choose name="Name22">
+                        <dgm:if name="Name23" func="var" arg="dir" op="equ" val="norm">
+                          <dgm:alg type="lin">
+                            <dgm:param type="linDir" val="fromL"/>
+                            <dgm:param type="nodeVertAlign" val="t"/>
+                          </dgm:alg>
+                        </dgm:if>
+                        <dgm:else name="Name24">
+                          <dgm:alg type="lin">
+                            <dgm:param type="linDir" val="fromR"/>
+                            <dgm:param type="nodeVertAlign" val="t"/>
+                          </dgm:alg>
+                        </dgm:else>
+                      </dgm:choose>
+                      <dgm:shape xmlns:r="http://schemas.openxmlformats.org/officeDocument/2006/relationships" r:blip="">
+                        <dgm:adjLst/>
+                      </dgm:shape>
+                      <dgm:presOf/>
+                      <dgm:constrLst/>
+                      <dgm:ruleLst>
+                        <dgm:rule type="w" val="INF" fact="NaN" max="NaN"/>
+                      </dgm:ruleLst>
+                      <dgm:forEach name="repeat" axis="ch" ptType="node">
+                        <dgm:layoutNode name="vertFour">
+                          <dgm:varLst>
+                            <dgm:chPref val="3"/>
+                          </dgm:varLst>
+                          <dgm:alg type="lin">
+                            <dgm:param type="linDir" val="fromT"/>
+                          </dgm:alg>
+                          <dgm:shape xmlns:r="http://schemas.openxmlformats.org/officeDocument/2006/relationships" r:blip="">
+                            <dgm:adjLst/>
+                          </dgm:shape>
+                          <dgm:presOf/>
+                          <dgm:constrLst>
+                            <dgm:constr type="w" for="ch" forName="txFour" refType="w" refFor="ch" refForName="horzFour" op="gte"/>
+                          </dgm:constrLst>
+                          <dgm:ruleLst/>
+                          <dgm:layoutNode name="txFour">
+                            <dgm:varLst>
+                              <dgm:chPref val="3"/>
+                            </dgm:varLst>
+                            <dgm:alg type="tx"/>
+                            <dgm:shape xmlns:r="http://schemas.openxmlformats.org/officeDocument/2006/relationships" type="roundRect" r:blip="">
+                              <dgm:adjLst>
+                                <dgm:adj idx="1" val="0.1"/>
+                              </dgm:adjLst>
+                            </dgm:shape>
+                            <dgm:presOf axis="self"/>
+                            <dgm:constrLst>
+                              <dgm:constr type="userH"/>
+                              <dgm:constr type="h" refType="userH"/>
+                              <dgm:constr type="tMarg" refType="primFontSz" fact="0.3"/>
+                              <dgm:constr type="bMarg" refType="primFontSz" fact="0.3"/>
+                              <dgm:constr type="lMarg" refType="primFontSz" fact="0.3"/>
+                              <dgm:constr type="rMarg" refType="primFontSz" fact="0.3"/>
+                            </dgm:constrLst>
+                            <dgm:ruleLst>
+                              <dgm:rule type="primFontSz" val="5" fact="NaN" max="NaN"/>
+                            </dgm:ruleLst>
+                          </dgm:layoutNode>
+                          <dgm:choose name="Name25">
+                            <dgm:if name="Name26" axis="des" ptType="node" func="cnt" op="gt" val="0">
+                              <dgm:layoutNode name="parTransFour">
+                                <dgm:alg type="sp"/>
+                                <dgm:shape xmlns:r="http://schemas.openxmlformats.org/officeDocument/2006/relationships" r:blip="">
+                                  <dgm:adjLst/>
+                                </dgm:shape>
+                                <dgm:presOf/>
+                                <dgm:constrLst/>
+                                <dgm:ruleLst/>
+                              </dgm:layoutNode>
+                            </dgm:if>
+                            <dgm:else name="Name27"/>
+                          </dgm:choose>
+                          <dgm:layoutNode name="horzFour">
+                            <dgm:choose name="Name28">
+                              <dgm:if name="Name29" func="var" arg="dir" op="equ" val="norm">
+                                <dgm:alg type="lin">
+                                  <dgm:param type="linDir" val="fromL"/>
+                                  <dgm:param type="nodeVertAlign" val="t"/>
+                                </dgm:alg>
+                              </dgm:if>
+                              <dgm:else name="Name30">
+                                <dgm:alg type="lin">
+                                  <dgm:param type="linDir" val="fromR"/>
+                                  <dgm:param type="nodeVertAlign" val="t"/>
+                                </dgm:alg>
+                              </dgm:else>
+                            </dgm:choose>
+                            <dgm:shape xmlns:r="http://schemas.openxmlformats.org/officeDocument/2006/relationships" r:blip="">
+                              <dgm:adjLst/>
+                            </dgm:shape>
+                            <dgm:presOf/>
+                            <dgm:constrLst/>
+                            <dgm:ruleLst>
+                              <dgm:rule type="w" val="INF" fact="NaN" max="NaN"/>
+                            </dgm:ruleLst>
+                            <dgm:forEach name="Name31" ref="repeat"/>
+                          </dgm:layoutNode>
+                        </dgm:layoutNode>
+                        <dgm:choose name="Name32">
+                          <dgm:if name="Name33" axis="self" ptType="node" func="revPos" op="gte" val="2">
+                            <dgm:forEach name="Name34" axis="followSib" ptType="sibTrans" cnt="1">
+                              <dgm:layoutNode name="sibSpaceFour">
+                                <dgm:alg type="sp"/>
+                                <dgm:shape xmlns:r="http://schemas.openxmlformats.org/officeDocument/2006/relationships" r:blip="">
+                                  <dgm:adjLst/>
+                                </dgm:shape>
+                                <dgm:presOf/>
+                                <dgm:constrLst/>
+                                <dgm:ruleLst/>
+                              </dgm:layoutNode>
+                            </dgm:forEach>
+                          </dgm:if>
+                          <dgm:else name="Name35"/>
+                        </dgm:choose>
+                      </dgm:forEach>
+                    </dgm:layoutNode>
+                  </dgm:layoutNode>
+                  <dgm:choose name="Name36">
+                    <dgm:if name="Name37" axis="self" ptType="node" func="revPos" op="gte" val="2">
+                      <dgm:forEach name="Name38" axis="followSib" ptType="sibTrans" cnt="1">
+                        <dgm:layoutNode name="sibSpaceThree">
+                          <dgm:alg type="sp"/>
+                          <dgm:shape xmlns:r="http://schemas.openxmlformats.org/officeDocument/2006/relationships" r:blip="">
+                            <dgm:adjLst/>
+                          </dgm:shape>
+                          <dgm:presOf/>
+                          <dgm:constrLst/>
+                          <dgm:ruleLst/>
+                        </dgm:layoutNode>
+                      </dgm:forEach>
+                    </dgm:if>
+                    <dgm:else name="Name39"/>
+                  </dgm:choose>
+                </dgm:forEach>
+              </dgm:layoutNode>
+            </dgm:layoutNode>
+            <dgm:choose name="Name40">
+              <dgm:if name="Name41" axis="self" ptType="node" func="revPos" op="gte" val="2">
+                <dgm:forEach name="Name42" axis="followSib" ptType="sibTrans" cnt="1">
+                  <dgm:layoutNode name="sibSpaceTwo">
+                    <dgm:alg type="sp"/>
+                    <dgm:shape xmlns:r="http://schemas.openxmlformats.org/officeDocument/2006/relationships" r:blip="">
+                      <dgm:adjLst/>
+                    </dgm:shape>
+                    <dgm:presOf/>
+                    <dgm:constrLst/>
+                    <dgm:ruleLst/>
+                  </dgm:layoutNode>
+                </dgm:forEach>
+              </dgm:if>
+              <dgm:else name="Name43"/>
+            </dgm:choose>
+          </dgm:forEach>
+        </dgm:layoutNode>
+      </dgm:layoutNode>
+      <dgm:choose name="Name44">
+        <dgm:if name="Name45" axis="self" ptType="node" func="revPos" op="gte" val="2">
+          <dgm:forEach name="Name46" axis="followSib" ptType="sibTrans" cnt="1">
+            <dgm:layoutNode name="sibSpaceOne">
+              <dgm:alg type="sp"/>
+              <dgm:shape xmlns:r="http://schemas.openxmlformats.org/officeDocument/2006/relationships" r:blip="">
+                <dgm:adjLst/>
+              </dgm:shape>
+              <dgm:presOf/>
+              <dgm:constrLst/>
+              <dgm:ruleLst/>
+            </dgm:layoutNode>
+          </dgm:forEach>
+        </dgm:if>
+        <dgm:else name="Name47"/>
+      </dgm:choose>
+    </dgm:forEach>
+  </dgm:layoutNode>
+</dgm:layoutDef>
+</file>
+
 <file path=ppt/diagrams/quickStyle1.xml><?xml version="1.0" encoding="utf-8"?>
+<dgm:styleDef xmlns:dgm="http://schemas.openxmlformats.org/drawingml/2006/diagram" xmlns:a="http://schemas.openxmlformats.org/drawingml/2006/main" uniqueId="urn:microsoft.com/office/officeart/2005/8/quickstyle/simple1">
+  <dgm:title val=""/>
+  <dgm:desc val=""/>
+  <dgm:catLst>
+    <dgm:cat type="simple" pri="10100"/>
+  </dgm:catLst>
+  <dgm:scene3d>
+    <a:camera prst="orthographicFront"/>
+    <a:lightRig rig="threePt" dir="t"/>
+  </dgm:scene3d>
+  <dgm:styleLbl name="node0">
+    <dgm:scene3d>
+      <a:camera prst="orthographicFront"/>
+      <a:lightRig rig="threePt" dir="t"/>
+    </dgm:scene3d>
+    <dgm:sp3d/>
+    <dgm:txPr/>
+    <dgm:style>
+      <a:lnRef idx="2">
+        <a:scrgbClr r="0" g="0" b="0"/>
+      </a:lnRef>
+      <a:fillRef idx="1">
+        <a:scrgbClr r="0" g="0" b="0"/>
+      </a:fillRef>
+      <a:effectRef idx="0">
+        <a:scrgbClr r="0" g="0" b="0"/>
+      </a:effectRef>
+      <a:fontRef idx="minor">
+        <a:schemeClr val="lt1"/>
+      </a:fontRef>
+    </dgm:style>
+  </dgm:styleLbl>
+  <dgm:styleLbl name="lnNode1">
+    <dgm:scene3d>
+      <a:camera prst="orthographicFront"/>
+      <a:lightRig rig="threePt" dir="t"/>
+    </dgm:scene3d>
+    <dgm:sp3d/>
+    <dgm:txPr/>
+    <dgm:style>
+      <a:lnRef idx="2">
+        <a:scrgbClr r="0" g="0" b="0"/>
+      </a:lnRef>
+      <a:fillRef idx="1">
+        <a:scrgbClr r="0" g="0" b="0"/>
+      </a:fillRef>
+      <a:effectRef idx="0">
+        <a:scrgbClr r="0" g="0" b="0"/>
+      </a:effectRef>
+      <a:fontRef idx="minor">
+        <a:schemeClr val="lt1"/>
+      </a:fontRef>
+    </dgm:style>
+  </dgm:styleLbl>
+  <dgm:styleLbl name="vennNode1">
+    <dgm:scene3d>
+      <a:camera prst="orthographicFront"/>
+      <a:lightRig rig="threePt" dir="t"/>
+    </dgm:scene3d>
+    <dgm:sp3d/>
+    <dgm:txPr/>
+    <dgm:style>
+      <a:lnRef idx="2">
+        <a:scrgbClr r="0" g="0" b="0"/>
+      </a:lnRef>
+      <a:fillRef idx="1">
+        <a:scrgbClr r="0" g="0" b="0"/>
+      </a:fillRef>
+      <a:effectRef idx="0">
+        <a:scrgbClr r="0" g="0" b="0"/>
+      </a:effectRef>
+      <a:fontRef idx="minor">
+        <a:schemeClr val="tx1"/>
+      </a:fontRef>
+    </dgm:style>
+  </dgm:styleLbl>
+  <dgm:styleLbl name="alignNode1">
+    <dgm:scene3d>
+      <a:camera prst="orthographicFront"/>
+      <a:lightRig rig="threePt" dir="t"/>
+    </dgm:scene3d>
+    <dgm:sp3d/>
+    <dgm:txPr/>
+    <dgm:style>
+      <a:lnRef idx="2">
+        <a:scrgbClr r="0" g="0" b="0"/>
+      </a:lnRef>
+      <a:fillRef idx="1">
+        <a:scrgbClr r="0" g="0" b="0"/>
+      </a:fillRef>
+      <a:effectRef idx="0">
+        <a:scrgbClr r="0" g="0" b="0"/>
+      </a:effectRef>
+      <a:fontRef idx="minor">
+        <a:schemeClr val="lt1"/>
+      </a:fontRef>
+    </dgm:style>
+  </dgm:styleLbl>
+  <dgm:styleLbl name="node1">
+    <dgm:scene3d>
+      <a:camera prst="orthographicFront"/>
+      <a:lightRig rig="threePt" dir="t"/>
+    </dgm:scene3d>
+    <dgm:sp3d/>
+    <dgm:txPr/>
+    <dgm:style>
+      <a:lnRef idx="2">
+        <a:scrgbClr r="0" g="0" b="0"/>
+      </a:lnRef>
+      <a:fillRef idx="1">
+        <a:scrgbClr r="0" g="0" b="0"/>
+      </a:fillRef>
+      <a:effectRef idx="0">
+        <a:scrgbClr r="0" g="0" b="0"/>
+      </a:effectRef>
+      <a:fontRef idx="minor">
+        <a:schemeClr val="lt1"/>
+      </a:fontRef>
+    </dgm:style>
+  </dgm:styleLbl>
+  <dgm:styleLbl name="node2">
+    <dgm:scene3d>
+      <a:camera prst="orthographicFront"/>
+      <a:lightRig rig="threePt" dir="t"/>
+    </dgm:scene3d>
+    <dgm:sp3d/>
+    <dgm:txPr/>
+    <dgm:style>
+      <a:lnRef idx="2">
+        <a:scrgbClr r="0" g="0" b="0"/>
+      </a:lnRef>
+      <a:fillRef idx="1">
+        <a:scrgbClr r="0" g="0" b="0"/>
+      </a:fillRef>
+      <a:effectRef idx="0">
+        <a:scrgbClr r="0" g="0" b="0"/>
+      </a:effectRef>
+      <a:fontRef idx="minor">
+        <a:schemeClr val="lt1"/>
+      </a:fontRef>
+    </dgm:style>
+  </dgm:styleLbl>
+  <dgm:styleLbl name="node3">
+    <dgm:scene3d>
+      <a:camera prst="orthographicFront"/>
+      <a:lightRig rig="threePt" dir="t"/>
+    </dgm:scene3d>
+    <dgm:sp3d/>
+    <dgm:txPr/>
+    <dgm:style>
+      <a:lnRef idx="2">
+        <a:scrgbClr r="0" g="0" b="0"/>
+      </a:lnRef>
+      <a:fillRef idx="1">
+        <a:scrgbClr r="0" g="0" b="0"/>
+      </a:fillRef>
+      <a:effectRef idx="0">
+        <a:scrgbClr r="0" g="0" b="0"/>
+      </a:effectRef>
+      <a:fontRef idx="minor">
+        <a:schemeClr val="lt1"/>
+      </a:fontRef>
+    </dgm:style>
+  </dgm:styleLbl>
+  <dgm:styleLbl name="node4">
+    <dgm:scene3d>
+      <a:camera prst="orthographicFront"/>
+      <a:lightRig rig="threePt" dir="t"/>
+    </dgm:scene3d>
+    <dgm:sp3d/>
+    <dgm:txPr/>
+    <dgm:style>
+      <a:lnRef idx="2">
+        <a:scrgbClr r="0" g="0" b="0"/>
+      </a:lnRef>
+      <a:fillRef idx="1">
+        <a:scrgbClr r="0" g="0" b="0"/>
+      </a:fillRef>
+      <a:effectRef idx="0">
+        <a:scrgbClr r="0" g="0" b="0"/>
+      </a:effectRef>
+      <a:fontRef idx="minor">
+        <a:schemeClr val="lt1"/>
+      </a:fontRef>
+    </dgm:style>
+  </dgm:styleLbl>
+  <dgm:styleLbl name="fgImgPlace1">
+    <dgm:scene3d>
+      <a:camera prst="orthographicFront"/>
+      <a:lightRig rig="threePt" dir="t"/>
+    </dgm:scene3d>
+    <dgm:sp3d/>
+    <dgm:txPr/>
+    <dgm:style>
+      <a:lnRef idx="2">
+        <a:scrgbClr r="0" g="0" b="0"/>
+      </a:lnRef>
+      <a:fillRef idx="1">
+        <a:scrgbClr r="0" g="0" b="0"/>
+      </a:fillRef>
+      <a:effectRef idx="0">
+        <a:scrgbClr r="0" g="0" b="0"/>
+      </a:effectRef>
+      <a:fontRef idx="minor"/>
+    </dgm:style>
+  </dgm:styleLbl>
+  <dgm:styleLbl name="alignImgPlace1">
+    <dgm:scene3d>
+      <a:camera prst="orthographicFront"/>
+      <a:lightRig rig="threePt" dir="t"/>
+    </dgm:scene3d>
+    <dgm:sp3d/>
+    <dgm:txPr/>
+    <dgm:style>
+      <a:lnRef idx="2">
+        <a:scrgbClr r="0" g="0" b="0"/>
+      </a:lnRef>
+      <a:fillRef idx="1">
+        <a:scrgbClr r="0" g="0" b="0"/>
+      </a:fillRef>
+      <a:effectRef idx="0">
+        <a:scrgbClr r="0" g="0" b="0"/>
+      </a:effectRef>
+      <a:fontRef idx="minor"/>
+    </dgm:style>
+  </dgm:styleLbl>
+  <dgm:styleLbl name="bgImgPlace1">
+    <dgm:scene3d>
+      <a:camera prst="orthographicFront"/>
+      <a:lightRig rig="threePt" dir="t"/>
+    </dgm:scene3d>
+    <dgm:sp3d/>
+    <dgm:txPr/>
+    <dgm:style>
+      <a:lnRef idx="2">
+        <a:scrgbClr r="0" g="0" b="0"/>
+      </a:lnRef>
+      <a:fillRef idx="1">
+        <a:scrgbClr r="0" g="0" b="0"/>
+      </a:fillRef>
+      <a:effectRef idx="0">
+        <a:scrgbClr r="0" g="0" b="0"/>
+      </a:effectRef>
+      <a:fontRef idx="minor"/>
+    </dgm:style>
+  </dgm:styleLbl>
+  <dgm:styleLbl name="sibTrans2D1">
+    <dgm:scene3d>
+      <a:camera prst="orthographicFront"/>
+      <a:lightRig rig="threePt" dir="t"/>
+    </dgm:scene3d>
+    <dgm:sp3d/>
+    <dgm:txPr/>
+    <dgm:style>
+      <a:lnRef idx="0">
+        <a:scrgbClr r="0" g="0" b="0"/>
+      </a:lnRef>
+      <a:fillRef idx="1">
+        <a:scrgbClr r="0" g="0" b="0"/>
+      </a:fillRef>
+      <a:effectRef idx="0">
+        <a:scrgbClr r="0" g="0" b="0"/>
+      </a:effectRef>
+      <a:fontRef idx="minor">
+        <a:schemeClr val="lt1"/>
+      </a:fontRef>
+    </dgm:style>
+  </dgm:styleLbl>
+  <dgm:styleLbl name="fgSibTrans2D1">
+    <dgm:scene3d>
+      <a:camera prst="orthographicFront"/>
+      <a:lightRig rig="threePt" dir="t"/>
+    </dgm:scene3d>
+    <dgm:sp3d/>
+    <dgm:txPr/>
+    <dgm:style>
+      <a:lnRef idx="0">
+        <a:scrgbClr r="0" g="0" b="0"/>
+      </a:lnRef>
+      <a:fillRef idx="1">
+        <a:scrgbClr r="0" g="0" b="0"/>
+      </a:fillRef>
+      <a:effectRef idx="0">
+        <a:scrgbClr r="0" g="0" b="0"/>
+      </a:effectRef>
+      <a:fontRef idx="minor">
+        <a:schemeClr val="lt1"/>
+      </a:fontRef>
+    </dgm:style>
+  </dgm:styleLbl>
+  <dgm:styleLbl name="bgSibTrans2D1">
+    <dgm:scene3d>
+      <a:camera prst="orthographicFront"/>
+      <a:lightRig rig="threePt" dir="t"/>
+    </dgm:scene3d>
+    <dgm:sp3d/>
+    <dgm:txPr/>
+    <dgm:style>
+      <a:lnRef idx="0">
+        <a:scrgbClr r="0" g="0" b="0"/>
+      </a:lnRef>
+      <a:fillRef idx="1">
+        <a:scrgbClr r="0" g="0" b="0"/>
+      </a:fillRef>
+      <a:effectRef idx="0">
+        <a:scrgbClr r="0" g="0" b="0"/>
+      </a:effectRef>
+      <a:fontRef idx="minor">
+        <a:schemeClr val="lt1"/>
+      </a:fontRef>
+    </dgm:style>
+  </dgm:styleLbl>
+  <dgm:styleLbl name="sibTrans1D1">
+    <dgm:scene3d>
+      <a:camera prst="orthographicFront"/>
+      <a:lightRig rig="threePt" dir="t"/>
+    </dgm:scene3d>
+    <dgm:sp3d/>
+    <dgm:txPr/>
+    <dgm:style>
+      <a:lnRef idx="1">
+        <a:scrgbClr r="0" g="0" b="0"/>
+      </a:lnRef>
+      <a:fillRef idx="0">
+        <a:scrgbClr r="0" g="0" b="0"/>
+      </a:fillRef>
+      <a:effectRef idx="0">
+        <a:scrgbClr r="0" g="0" b="0"/>
+      </a:effectRef>
+      <a:fontRef idx="minor"/>
+    </dgm:style>
+  </dgm:styleLbl>
+  <dgm:styleLbl name="callout">
+    <dgm:scene3d>
+      <a:camera prst="orthographicFront"/>
+      <a:lightRig rig="threePt" dir="t"/>
+    </dgm:scene3d>
+    <dgm:sp3d/>
+    <dgm:txPr/>
+    <dgm:style>
+      <a:lnRef idx="2">
+        <a:scrgbClr r="0" g="0" b="0"/>
+      </a:lnRef>
+      <a:fillRef idx="1">
+        <a:scrgbClr r="0" g="0" b="0"/>
+      </a:fillRef>
+      <a:effectRef idx="0">
+        <a:scrgbClr r="0" g="0" b="0"/>
+      </a:effectRef>
+      <a:fontRef idx="minor"/>
+    </dgm:style>
+  </dgm:styleLbl>
+  <dgm:styleLbl name="asst0">
+    <dgm:scene3d>
+      <a:camera prst="orthographicFront"/>
+      <a:lightRig rig="threePt" dir="t"/>
+    </dgm:scene3d>
+    <dgm:sp3d/>
+    <dgm:txPr/>
+    <dgm:style>
+      <a:lnRef idx="2">
+        <a:scrgbClr r="0" g="0" b="0"/>
+      </a:lnRef>
+      <a:fillRef idx="1">
+        <a:scrgbClr r="0" g="0" b="0"/>
+      </a:fillRef>
+      <a:effectRef idx="0">
+        <a:scrgbClr r="0" g="0" b="0"/>
+      </a:effectRef>
+      <a:fontRef idx="minor">
+        <a:schemeClr val="lt1"/>
+      </a:fontRef>
+    </dgm:style>
+  </dgm:styleLbl>
+  <dgm:styleLbl name="asst1">
+    <dgm:scene3d>
+      <a:camera prst="orthographicFront"/>
+      <a:lightRig rig="threePt" dir="t"/>
+    </dgm:scene3d>
+    <dgm:sp3d/>
+    <dgm:txPr/>
+    <dgm:style>
+      <a:lnRef idx="2">
+        <a:scrgbClr r="0" g="0" b="0"/>
+      </a:lnRef>
+      <a:fillRef idx="1">
+        <a:scrgbClr r="0" g="0" b="0"/>
+      </a:fillRef>
+      <a:effectRef idx="0">
+        <a:scrgbClr r="0" g="0" b="0"/>
+      </a:effectRef>
+      <a:fontRef idx="minor">
+        <a:schemeClr val="lt1"/>
+      </a:fontRef>
+    </dgm:style>
+  </dgm:styleLbl>
+  <dgm:styleLbl name="asst2">
+    <dgm:scene3d>
+      <a:camera prst="orthographicFront"/>
+      <a:lightRig rig="threePt" dir="t"/>
+    </dgm:scene3d>
+    <dgm:sp3d/>
+    <dgm:txPr/>
+    <dgm:style>
+      <a:lnRef idx="2">
+        <a:scrgbClr r="0" g="0" b="0"/>
+      </a:lnRef>
+      <a:fillRef idx="1">
+        <a:scrgbClr r="0" g="0" b="0"/>
+      </a:fillRef>
+      <a:effectRef idx="0">
+        <a:scrgbClr r="0" g="0" b="0"/>
+      </a:effectRef>
+      <a:fontRef idx="minor">
+        <a:schemeClr val="lt1"/>
+      </a:fontRef>
+    </dgm:style>
+  </dgm:styleLbl>
+  <dgm:styleLbl name="asst3">
+    <dgm:scene3d>
+      <a:camera prst="orthographicFront"/>
+      <a:lightRig rig="threePt" dir="t"/>
+    </dgm:scene3d>
+    <dgm:sp3d/>
+    <dgm:txPr/>
+    <dgm:style>
+      <a:lnRef idx="2">
+        <a:scrgbClr r="0" g="0" b="0"/>
+      </a:lnRef>
+      <a:fillRef idx="1">
+        <a:scrgbClr r="0" g="0" b="0"/>
+      </a:fillRef>
+      <a:effectRef idx="0">
+        <a:scrgbClr r="0" g="0" b="0"/>
+      </a:effectRef>
+      <a:fontRef idx="minor">
+        <a:schemeClr val="lt1"/>
+      </a:fontRef>
+    </dgm:style>
+  </dgm:styleLbl>
+  <dgm:styleLbl name="asst4">
+    <dgm:scene3d>
+      <a:camera prst="orthographicFront"/>
+      <a:lightRig rig="threePt" dir="t"/>
+    </dgm:scene3d>
+    <dgm:sp3d/>
+    <dgm:txPr/>
+    <dgm:style>
+      <a:lnRef idx="2">
+        <a:scrgbClr r="0" g="0" b="0"/>
+      </a:lnRef>
+      <a:fillRef idx="1">
+        <a:scrgbClr r="0" g="0" b="0"/>
+      </a:fillRef>
+      <a:effectRef idx="0">
+        <a:scrgbClr r="0" g="0" b="0"/>
+      </a:effectRef>
+      <a:fontRef idx="minor">
+        <a:schemeClr val="lt1"/>
+      </a:fontRef>
+    </dgm:style>
+  </dgm:styleLbl>
+  <dgm:styleLbl name="parChTrans2D1">
+    <dgm:scene3d>
+      <a:camera prst="orthographicFront"/>
+      <a:lightRig rig="threePt" dir="t"/>
+    </dgm:scene3d>
+    <dgm:sp3d/>
+    <dgm:txPr/>
+    <dgm:style>
+      <a:lnRef idx="2">
+        <a:scrgbClr r="0" g="0" b="0"/>
+      </a:lnRef>
+      <a:fillRef idx="1">
+        <a:scrgbClr r="0" g="0" b="0"/>
+      </a:fillRef>
+      <a:effectRef idx="0">
+        <a:scrgbClr r="0" g="0" b="0"/>
+      </a:effectRef>
+      <a:fontRef idx="minor">
+        <a:schemeClr val="lt1"/>
+      </a:fontRef>
+    </dgm:style>
+  </dgm:styleLbl>
+  <dgm:styleLbl name="parChTrans2D2">
+    <dgm:scene3d>
+      <a:camera prst="orthographicFront"/>
+      <a:lightRig rig="threePt" dir="t"/>
+    </dgm:scene3d>
+    <dgm:sp3d/>
+    <dgm:txPr/>
+    <dgm:style>
+      <a:lnRef idx="2">
+        <a:scrgbClr r="0" g="0" b="0"/>
+      </a:lnRef>
+      <a:fillRef idx="1">
+        <a:scrgbClr r="0" g="0" b="0"/>
+      </a:fillRef>
+      <a:effectRef idx="0">
+        <a:scrgbClr r="0" g="0" b="0"/>
+      </a:effectRef>
+      <a:fontRef idx="minor">
+        <a:schemeClr val="lt1"/>
+      </a:fontRef>
+    </dgm:style>
+  </dgm:styleLbl>
+  <dgm:styleLbl name="parChTrans2D3">
+    <dgm:scene3d>
+      <a:camera prst="orthographicFront"/>
+      <a:lightRig rig="threePt" dir="t"/>
+    </dgm:scene3d>
+    <dgm:sp3d/>
+    <dgm:txPr/>
+    <dgm:style>
+      <a:lnRef idx="2">
+        <a:scrgbClr r="0" g="0" b="0"/>
+      </a:lnRef>
+      <a:fillRef idx="1">
+        <a:scrgbClr r="0" g="0" b="0"/>
+      </a:fillRef>
+      <a:effectRef idx="0">
+        <a:scrgbClr r="0" g="0" b="0"/>
+      </a:effectRef>
+      <a:fontRef idx="minor">
+        <a:schemeClr val="lt1"/>
+      </a:fontRef>
+    </dgm:style>
+  </dgm:styleLbl>
+  <dgm:styleLbl name="parChTrans2D4">
+    <dgm:scene3d>
+      <a:camera prst="orthographicFront"/>
+      <a:lightRig rig="threePt" dir="t"/>
+    </dgm:scene3d>
+    <dgm:sp3d/>
+    <dgm:txPr/>
+    <dgm:style>
+      <a:lnRef idx="2">
+        <a:scrgbClr r="0" g="0" b="0"/>
+      </a:lnRef>
+      <a:fillRef idx="1">
+        <a:scrgbClr r="0" g="0" b="0"/>
+      </a:fillRef>
+      <a:effectRef idx="0">
+        <a:scrgbClr r="0" g="0" b="0"/>
+      </a:effectRef>
+      <a:fontRef idx="minor">
+        <a:schemeClr val="lt1"/>
+      </a:fontRef>
+    </dgm:style>
+  </dgm:styleLbl>
+  <dgm:styleLbl name="parChTrans1D1">
+    <dgm:scene3d>
+      <a:camera prst="orthographicFront"/>
+      <a:lightRig rig="threePt" dir="t"/>
+    </dgm:scene3d>
+    <dgm:sp3d/>
+    <dgm:txPr/>
+    <dgm:style>
+      <a:lnRef idx="2">
+        <a:scrgbClr r="0" g="0" b="0"/>
+      </a:lnRef>
+      <a:fillRef idx="0">
+        <a:scrgbClr r="0" g="0" b="0"/>
+      </a:fillRef>
+      <a:effectRef idx="0">
+        <a:scrgbClr r="0" g="0" b="0"/>
+      </a:effectRef>
+      <a:fontRef idx="minor"/>
+    </dgm:style>
+  </dgm:styleLbl>
+  <dgm:styleLbl name="parChTrans1D2">
+    <dgm:scene3d>
+      <a:camera prst="orthographicFront"/>
+      <a:lightRig rig="threePt" dir="t"/>
+    </dgm:scene3d>
+    <dgm:sp3d/>
+    <dgm:txPr/>
+    <dgm:style>
+      <a:lnRef idx="2">
+        <a:scrgbClr r="0" g="0" b="0"/>
+      </a:lnRef>
+      <a:fillRef idx="0">
+        <a:scrgbClr r="0" g="0" b="0"/>
+      </a:fillRef>
+      <a:effectRef idx="0">
+        <a:scrgbClr r="0" g="0" b="0"/>
+      </a:effectRef>
+      <a:fontRef idx="minor"/>
+    </dgm:style>
+  </dgm:styleLbl>
+  <dgm:styleLbl name="parChTrans1D3">
+    <dgm:scene3d>
+      <a:camera prst="orthographicFront"/>
+      <a:lightRig rig="threePt" dir="t"/>
+    </dgm:scene3d>
+    <dgm:sp3d/>
+    <dgm:txPr/>
+    <dgm:style>
+      <a:lnRef idx="2">
+        <a:scrgbClr r="0" g="0" b="0"/>
+      </a:lnRef>
+      <a:fillRef idx="0">
+        <a:scrgbClr r="0" g="0" b="0"/>
+      </a:fillRef>
+      <a:effectRef idx="0">
+        <a:scrgbClr r="0" g="0" b="0"/>
+      </a:effectRef>
+      <a:fontRef idx="minor"/>
+    </dgm:style>
+  </dgm:styleLbl>
+  <dgm:styleLbl name="parChTrans1D4">
+    <dgm:scene3d>
+      <a:camera prst="orthographicFront"/>
+      <a:lightRig rig="threePt" dir="t"/>
+    </dgm:scene3d>
+    <dgm:sp3d/>
+    <dgm:txPr/>
+    <dgm:style>
+      <a:lnRef idx="2">
+        <a:scrgbClr r="0" g="0" b="0"/>
+      </a:lnRef>
+      <a:fillRef idx="0">
+        <a:scrgbClr r="0" g="0" b="0"/>
+      </a:fillRef>
+      <a:effectRef idx="0">
+        <a:scrgbClr r="0" g="0" b="0"/>
+      </a:effectRef>
+      <a:fontRef idx="minor"/>
+    </dgm:style>
+  </dgm:styleLbl>
+  <dgm:styleLbl name="fgAcc1">
+    <dgm:scene3d>
+      <a:camera prst="orthographicFront"/>
+      <a:lightRig rig="threePt" dir="t"/>
+    </dgm:scene3d>
+    <dgm:sp3d/>
+    <dgm:txPr/>
+    <dgm:style>
+      <a:lnRef idx="2">
+        <a:scrgbClr r="0" g="0" b="0"/>
+      </a:lnRef>
+      <a:fillRef idx="1">
+        <a:scrgbClr r="0" g="0" b="0"/>
+      </a:fillRef>
+      <a:effectRef idx="0">
+        <a:scrgbClr r="0" g="0" b="0"/>
+      </a:effectRef>
+      <a:fontRef idx="minor"/>
+    </dgm:style>
+  </dgm:styleLbl>
+  <dgm:styleLbl name="conFgAcc1">
+    <dgm:scene3d>
+      <a:camera prst="orthographicFront"/>
+      <a:lightRig rig="threePt" dir="t"/>
+    </dgm:scene3d>
+    <dgm:sp3d/>
+    <dgm:txPr/>
+    <dgm:style>
+      <a:lnRef idx="2">
+        <a:scrgbClr r="0" g="0" b="0"/>
+      </a:lnRef>
+      <a:fillRef idx="1">
+        <a:scrgbClr r="0" g="0" b="0"/>
+      </a:fillRef>
+      <a:effectRef idx="0">
+        <a:scrgbClr r="0" g="0" b="0"/>
+      </a:effectRef>
+      <a:fontRef idx="minor"/>
+    </dgm:style>
+  </dgm:styleLbl>
+  <dgm:styleLbl name="alignAcc1">
+    <dgm:scene3d>
+      <a:camera prst="orthographicFront"/>
+      <a:lightRig rig="threePt" dir="t"/>
+    </dgm:scene3d>
+    <dgm:sp3d/>
+    <dgm:txPr/>
+    <dgm:style>
+      <a:lnRef idx="2">
+        <a:scrgbClr r="0" g="0" b="0"/>
+      </a:lnRef>
+      <a:fillRef idx="1">
+        <a:scrgbClr r="0" g="0" b="0"/>
+      </a:fillRef>
+      <a:effectRef idx="0">
+        <a:scrgbClr r="0" g="0" b="0"/>
+      </a:effectRef>
+      <a:fontRef idx="minor"/>
+    </dgm:style>
+  </dgm:styleLbl>
+  <dgm:styleLbl name="trAlignAcc1">
+    <dgm:scene3d>
+      <a:camera prst="orthographicFront"/>
+      <a:lightRig rig="threePt" dir="t"/>
+    </dgm:scene3d>
+    <dgm:sp3d/>
+    <dgm:txPr/>
+    <dgm:style>
+      <a:lnRef idx="1">
+        <a:scrgbClr r="0" g="0" b="0"/>
+      </a:lnRef>
+      <a:fillRef idx="1">
+        <a:scrgbClr r="0" g="0" b="0"/>
+      </a:fillRef>
+      <a:effectRef idx="0">
+        <a:scrgbClr r="0" g="0" b="0"/>
+      </a:effectRef>
+      <a:fontRef idx="minor"/>
+    </dgm:style>
+  </dgm:styleLbl>
+  <dgm:styleLbl name="bgAcc1">
+    <dgm:scene3d>
+      <a:camera prst="orthographicFront"/>
+      <a:lightRig rig="threePt" dir="t"/>
+    </dgm:scene3d>
+    <dgm:sp3d/>
+    <dgm:txPr/>
+    <dgm:style>
+      <a:lnRef idx="2">
+        <a:scrgbClr r="0" g="0" b="0"/>
+      </a:lnRef>
+      <a:fillRef idx="1">
+        <a:scrgbClr r="0" g="0" b="0"/>
+      </a:fillRef>
+      <a:effectRef idx="0">
+        <a:scrgbClr r="0" g="0" b="0"/>
+      </a:effectRef>
+      <a:fontRef idx="minor"/>
+    </dgm:style>
+  </dgm:styleLbl>
+  <dgm:styleLbl name="solidFgAcc1">
+    <dgm:scene3d>
+      <a:camera prst="orthographicFront"/>
+      <a:lightRig rig="threePt" dir="t"/>
+    </dgm:scene3d>
+    <dgm:sp3d/>
+    <dgm:txPr/>
+    <dgm:style>
+      <a:lnRef idx="2">
+        <a:scrgbClr r="0" g="0" b="0"/>
+      </a:lnRef>
+      <a:fillRef idx="1">
+        <a:scrgbClr r="0" g="0" b="0"/>
+      </a:fillRef>
+      <a:effectRef idx="0">
+        <a:scrgbClr r="0" g="0" b="0"/>
+      </a:effectRef>
+      <a:fontRef idx="minor"/>
+    </dgm:style>
+  </dgm:styleLbl>
+  <dgm:styleLbl name="solidAlignAcc1">
+    <dgm:scene3d>
+      <a:camera prst="orthographicFront"/>
+      <a:lightRig rig="threePt" dir="t"/>
+    </dgm:scene3d>
+    <dgm:sp3d/>
+    <dgm:txPr/>
+    <dgm:style>
+      <a:lnRef idx="2">
+        <a:scrgbClr r="0" g="0" b="0"/>
+      </a:lnRef>
+      <a:fillRef idx="1">
+        <a:scrgbClr r="0" g="0" b="0"/>
+      </a:fillRef>
+      <a:effectRef idx="0">
+        <a:scrgbClr r="0" g="0" b="0"/>
+      </a:effectRef>
+      <a:fontRef idx="minor"/>
+    </dgm:style>
+  </dgm:styleLbl>
+  <dgm:styleLbl name="solidBgAcc1">
+    <dgm:scene3d>
+      <a:camera prst="orthographicFront"/>
+      <a:lightRig rig="threePt" dir="t"/>
+    </dgm:scene3d>
+    <dgm:sp3d/>
+    <dgm:txPr/>
+    <dgm:style>
+      <a:lnRef idx="2">
+        <a:scrgbClr r="0" g="0" b="0"/>
+      </a:lnRef>
+      <a:fillRef idx="1">
+        <a:scrgbClr r="0" g="0" b="0"/>
+      </a:fillRef>
+      <a:effectRef idx="0">
+        <a:scrgbClr r="0" g="0" b="0"/>
+      </a:effectRef>
+      <a:fontRef idx="minor"/>
+    </dgm:style>
+  </dgm:styleLbl>
+  <dgm:styleLbl name="fgAccFollowNode1">
+    <dgm:scene3d>
+      <a:camera prst="orthographicFront"/>
+      <a:lightRig rig="threePt" dir="t"/>
+    </dgm:scene3d>
+    <dgm:sp3d/>
+    <dgm:txPr/>
+    <dgm:style>
+      <a:lnRef idx="2">
+        <a:scrgbClr r="0" g="0" b="0"/>
+      </a:lnRef>
+      <a:fillRef idx="1">
+        <a:scrgbClr r="0" g="0" b="0"/>
+      </a:fillRef>
+      <a:effectRef idx="0">
+        <a:scrgbClr r="0" g="0" b="0"/>
+      </a:effectRef>
+      <a:fontRef idx="minor"/>
+    </dgm:style>
+  </dgm:styleLbl>
+  <dgm:styleLbl name="alignAccFollowNode1">
+    <dgm:scene3d>
+      <a:camera prst="orthographicFront"/>
+      <a:lightRig rig="threePt" dir="t"/>
+    </dgm:scene3d>
+    <dgm:sp3d/>
+    <dgm:txPr/>
+    <dgm:style>
+      <a:lnRef idx="2">
+        <a:scrgbClr r="0" g="0" b="0"/>
+      </a:lnRef>
+      <a:fillRef idx="1">
+        <a:scrgbClr r="0" g="0" b="0"/>
+      </a:fillRef>
+      <a:effectRef idx="0">
+        <a:scrgbClr r="0" g="0" b="0"/>
+      </a:effectRef>
+      <a:fontRef idx="minor"/>
+    </dgm:style>
+  </dgm:styleLbl>
+  <dgm:styleLbl name="bgAccFollowNode1">
+    <dgm:scene3d>
+      <a:camera prst="orthographicFront"/>
+      <a:lightRig rig="threePt" dir="t"/>
+    </dgm:scene3d>
+    <dgm:sp3d/>
+    <dgm:txPr/>
+    <dgm:style>
+      <a:lnRef idx="2">
+        <a:scrgbClr r="0" g="0" b="0"/>
+      </a:lnRef>
+      <a:fillRef idx="1">
+        <a:scrgbClr r="0" g="0" b="0"/>
+      </a:fillRef>
+      <a:effectRef idx="0">
+        <a:scrgbClr r="0" g="0" b="0"/>
+      </a:effectRef>
+      <a:fontRef idx="minor"/>
+    </dgm:style>
+  </dgm:styleLbl>
+  <dgm:styleLbl name="fgAcc0">
+    <dgm:scene3d>
+      <a:camera prst="orthographicFront"/>
+      <a:lightRig rig="threePt" dir="t"/>
+    </dgm:scene3d>
+    <dgm:sp3d/>
+    <dgm:txPr/>
+    <dgm:style>
+      <a:lnRef idx="2">
+        <a:scrgbClr r="0" g="0" b="0"/>
+      </a:lnRef>
+      <a:fillRef idx="1">
+        <a:scrgbClr r="0" g="0" b="0"/>
+      </a:fillRef>
+      <a:effectRef idx="0">
+        <a:scrgbClr r="0" g="0" b="0"/>
+      </a:effectRef>
+      <a:fontRef idx="minor"/>
+    </dgm:style>
+  </dgm:styleLbl>
+  <dgm:styleLbl name="fgAcc2">
+    <dgm:scene3d>
+      <a:camera prst="orthographicFront"/>
+      <a:lightRig rig="threePt" dir="t"/>
+    </dgm:scene3d>
+    <dgm:sp3d/>
+    <dgm:txPr/>
+    <dgm:style>
+      <a:lnRef idx="2">
+        <a:scrgbClr r="0" g="0" b="0"/>
+      </a:lnRef>
+      <a:fillRef idx="1">
+        <a:scrgbClr r="0" g="0" b="0"/>
+      </a:fillRef>
+      <a:effectRef idx="0">
+        <a:scrgbClr r="0" g="0" b="0"/>
+      </a:effectRef>
+      <a:fontRef idx="minor"/>
+    </dgm:style>
+  </dgm:styleLbl>
+  <dgm:styleLbl name="fgAcc3">
+    <dgm:scene3d>
+      <a:camera prst="orthographicFront"/>
+      <a:lightRig rig="threePt" dir="t"/>
+    </dgm:scene3d>
+    <dgm:sp3d/>
+    <dgm:txPr/>
+    <dgm:style>
+      <a:lnRef idx="2">
+        <a:scrgbClr r="0" g="0" b="0"/>
+      </a:lnRef>
+      <a:fillRef idx="1">
+        <a:scrgbClr r="0" g="0" b="0"/>
+      </a:fillRef>
+      <a:effectRef idx="0">
+        <a:scrgbClr r="0" g="0" b="0"/>
+      </a:effectRef>
+      <a:fontRef idx="minor"/>
+    </dgm:style>
+  </dgm:styleLbl>
+  <dgm:styleLbl name="fgAcc4">
+    <dgm:scene3d>
+      <a:camera prst="orthographicFront"/>
+      <a:lightRig rig="threePt" dir="t"/>
+    </dgm:scene3d>
+    <dgm:sp3d/>
+    <dgm:txPr/>
+    <dgm:style>
+      <a:lnRef idx="2">
+        <a:scrgbClr r="0" g="0" b="0"/>
+      </a:lnRef>
+      <a:fillRef idx="1">
+        <a:scrgbClr r="0" g="0" b="0"/>
+      </a:fillRef>
+      <a:effectRef idx="0">
+        <a:scrgbClr r="0" g="0" b="0"/>
+      </a:effectRef>
+      <a:fontRef idx="minor"/>
+    </dgm:style>
+  </dgm:styleLbl>
+  <dgm:styleLbl name="bgShp">
+    <dgm:scene3d>
+      <a:camera prst="orthographicFront"/>
+      <a:lightRig rig="threePt" dir="t"/>
+    </dgm:scene3d>
+    <dgm:sp3d/>
+    <dgm:txPr/>
+    <dgm:style>
+      <a:lnRef idx="0">
+        <a:scrgbClr r="0" g="0" b="0"/>
+      </a:lnRef>
+      <a:fillRef idx="1">
+        <a:scrgbClr r="0" g="0" b="0"/>
+      </a:fillRef>
+      <a:effectRef idx="0">
+        <a:scrgbClr r="0" g="0" b="0"/>
+      </a:effectRef>
+      <a:fontRef idx="minor"/>
+    </dgm:style>
+  </dgm:styleLbl>
+  <dgm:styleLbl name="dkBgShp">
+    <dgm:scene3d>
+      <a:camera prst="orthographicFront"/>
+      <a:lightRig rig="threePt" dir="t"/>
+    </dgm:scene3d>
+    <dgm:sp3d/>
+    <dgm:txPr/>
+    <dgm:style>
+      <a:lnRef idx="0">
+        <a:scrgbClr r="0" g="0" b="0"/>
+      </a:lnRef>
+      <a:fillRef idx="1">
+        <a:scrgbClr r="0" g="0" b="0"/>
+      </a:fillRef>
+      <a:effectRef idx="0">
+        <a:scrgbClr r="0" g="0" b="0"/>
+      </a:effectRef>
+      <a:fontRef idx="minor"/>
+    </dgm:style>
+  </dgm:styleLbl>
+  <dgm:styleLbl name="trBgShp">
+    <dgm:scene3d>
+      <a:camera prst="orthographicFront"/>
+      <a:lightRig rig="threePt" dir="t"/>
+    </dgm:scene3d>
+    <dgm:sp3d/>
+    <dgm:txPr/>
+    <dgm:style>
+      <a:lnRef idx="0">
+        <a:scrgbClr r="0" g="0" b="0"/>
+      </a:lnRef>
+      <a:fillRef idx="1">
+        <a:scrgbClr r="0" g="0" b="0"/>
+      </a:fillRef>
+      <a:effectRef idx="0">
+        <a:scrgbClr r="0" g="0" b="0"/>
+      </a:effectRef>
+      <a:fontRef idx="minor"/>
+    </dgm:style>
+  </dgm:styleLbl>
+  <dgm:styleLbl name="fgShp">
+    <dgm:scene3d>
+      <a:camera prst="orthographicFront"/>
+      <a:lightRig rig="threePt" dir="t"/>
+    </dgm:scene3d>
+    <dgm:sp3d/>
+    <dgm:txPr/>
+    <dgm:style>
+      <a:lnRef idx="2">
+        <a:scrgbClr r="0" g="0" b="0"/>
+      </a:lnRef>
+      <a:fillRef idx="1">
+        <a:scrgbClr r="0" g="0" b="0"/>
+      </a:fillRef>
+      <a:effectRef idx="0">
+        <a:scrgbClr r="0" g="0" b="0"/>
+      </a:effectRef>
+      <a:fontRef idx="minor"/>
+    </dgm:style>
+  </dgm:styleLbl>
+  <dgm:styleLbl name="revTx">
+    <dgm:scene3d>
+      <a:camera prst="orthographicFront"/>
+      <a:lightRig rig="threePt" dir="t"/>
+    </dgm:scene3d>
+    <dgm:sp3d/>
+    <dgm:txPr/>
+    <dgm:style>
+      <a:lnRef idx="0">
+        <a:scrgbClr r="0" g="0" b="0"/>
+      </a:lnRef>
+      <a:fillRef idx="0">
+        <a:scrgbClr r="0" g="0" b="0"/>
+      </a:fillRef>
+      <a:effectRef idx="0">
+        <a:scrgbClr r="0" g="0" b="0"/>
+      </a:effectRef>
+      <a:fontRef idx="minor"/>
+    </dgm:style>
+  </dgm:styleLbl>
+</dgm:styleDef>
+</file>
+
+<file path=ppt/diagrams/quickStyle2.xml><?xml version="1.0" encoding="utf-8"?>
 <dgm:styleDef xmlns:dgm="http://schemas.openxmlformats.org/drawingml/2006/diagram" xmlns:a="http://schemas.openxmlformats.org/drawingml/2006/main" uniqueId="urn:microsoft.com/office/officeart/2005/8/quickstyle/simple1">
   <dgm:title val=""/>
   <dgm:desc val=""/>
@@ -5807,7 +9381,7 @@
           <a:p>
             <a:fld id="{71481ED2-D2F7-4FF1-878A-F6023F465571}" type="datetimeFigureOut">
               <a:rPr lang="en-CA" smtClean="0"/>
-              <a:t>2022-07-24</a:t>
+              <a:t>2022-07-25</a:t>
             </a:fld>
             <a:endParaRPr lang="en-CA"/>
           </a:p>
@@ -6007,7 +9581,7 @@
           <a:p>
             <a:fld id="{71481ED2-D2F7-4FF1-878A-F6023F465571}" type="datetimeFigureOut">
               <a:rPr lang="en-CA" smtClean="0"/>
-              <a:t>2022-07-24</a:t>
+              <a:t>2022-07-25</a:t>
             </a:fld>
             <a:endParaRPr lang="en-CA"/>
           </a:p>
@@ -6217,7 +9791,7 @@
           <a:p>
             <a:fld id="{71481ED2-D2F7-4FF1-878A-F6023F465571}" type="datetimeFigureOut">
               <a:rPr lang="en-CA" smtClean="0"/>
-              <a:t>2022-07-24</a:t>
+              <a:t>2022-07-25</a:t>
             </a:fld>
             <a:endParaRPr lang="en-CA"/>
           </a:p>
@@ -6417,7 +9991,7 @@
           <a:p>
             <a:fld id="{71481ED2-D2F7-4FF1-878A-F6023F465571}" type="datetimeFigureOut">
               <a:rPr lang="en-CA" smtClean="0"/>
-              <a:t>2022-07-24</a:t>
+              <a:t>2022-07-25</a:t>
             </a:fld>
             <a:endParaRPr lang="en-CA"/>
           </a:p>
@@ -6693,7 +10267,7 @@
           <a:p>
             <a:fld id="{71481ED2-D2F7-4FF1-878A-F6023F465571}" type="datetimeFigureOut">
               <a:rPr lang="en-CA" smtClean="0"/>
-              <a:t>2022-07-24</a:t>
+              <a:t>2022-07-25</a:t>
             </a:fld>
             <a:endParaRPr lang="en-CA"/>
           </a:p>
@@ -6961,7 +10535,7 @@
           <a:p>
             <a:fld id="{71481ED2-D2F7-4FF1-878A-F6023F465571}" type="datetimeFigureOut">
               <a:rPr lang="en-CA" smtClean="0"/>
-              <a:t>2022-07-24</a:t>
+              <a:t>2022-07-25</a:t>
             </a:fld>
             <a:endParaRPr lang="en-CA"/>
           </a:p>
@@ -7376,7 +10950,7 @@
           <a:p>
             <a:fld id="{71481ED2-D2F7-4FF1-878A-F6023F465571}" type="datetimeFigureOut">
               <a:rPr lang="en-CA" smtClean="0"/>
-              <a:t>2022-07-24</a:t>
+              <a:t>2022-07-25</a:t>
             </a:fld>
             <a:endParaRPr lang="en-CA"/>
           </a:p>
@@ -7518,7 +11092,7 @@
           <a:p>
             <a:fld id="{71481ED2-D2F7-4FF1-878A-F6023F465571}" type="datetimeFigureOut">
               <a:rPr lang="en-CA" smtClean="0"/>
-              <a:t>2022-07-24</a:t>
+              <a:t>2022-07-25</a:t>
             </a:fld>
             <a:endParaRPr lang="en-CA"/>
           </a:p>
@@ -7631,7 +11205,7 @@
           <a:p>
             <a:fld id="{71481ED2-D2F7-4FF1-878A-F6023F465571}" type="datetimeFigureOut">
               <a:rPr lang="en-CA" smtClean="0"/>
-              <a:t>2022-07-24</a:t>
+              <a:t>2022-07-25</a:t>
             </a:fld>
             <a:endParaRPr lang="en-CA"/>
           </a:p>
@@ -7944,7 +11518,7 @@
           <a:p>
             <a:fld id="{71481ED2-D2F7-4FF1-878A-F6023F465571}" type="datetimeFigureOut">
               <a:rPr lang="en-CA" smtClean="0"/>
-              <a:t>2022-07-24</a:t>
+              <a:t>2022-07-25</a:t>
             </a:fld>
             <a:endParaRPr lang="en-CA"/>
           </a:p>
@@ -8233,7 +11807,7 @@
           <a:p>
             <a:fld id="{71481ED2-D2F7-4FF1-878A-F6023F465571}" type="datetimeFigureOut">
               <a:rPr lang="en-CA" smtClean="0"/>
-              <a:t>2022-07-24</a:t>
+              <a:t>2022-07-25</a:t>
             </a:fld>
             <a:endParaRPr lang="en-CA"/>
           </a:p>
@@ -8476,7 +12050,7 @@
           <a:p>
             <a:fld id="{71481ED2-D2F7-4FF1-878A-F6023F465571}" type="datetimeFigureOut">
               <a:rPr lang="en-CA" smtClean="0"/>
-              <a:t>2022-07-24</a:t>
+              <a:t>2022-07-25</a:t>
             </a:fld>
             <a:endParaRPr lang="en-CA"/>
           </a:p>
@@ -9399,31 +12973,37 @@
           </a:p>
         </p:txBody>
       </p:sp>
-      <p:sp>
-        <p:nvSpPr>
-          <p:cNvPr id="3" name="Content Placeholder 2">
+      <p:graphicFrame>
+        <p:nvGraphicFramePr>
+          <p:cNvPr id="4" name="Content Placeholder 3">
             <a:extLst>
               <a:ext uri="{FF2B5EF4-FFF2-40B4-BE49-F238E27FC236}">
-                <a16:creationId xmlns:a16="http://schemas.microsoft.com/office/drawing/2014/main" id="{3782013C-F910-F0D5-14B6-39549012598A}"/>
+                <a16:creationId xmlns:a16="http://schemas.microsoft.com/office/drawing/2014/main" id="{4DEA15BC-4A2E-2325-DE40-943B5333B3A7}"/>
               </a:ext>
             </a:extLst>
           </p:cNvPr>
-          <p:cNvSpPr>
-            <a:spLocks noGrp="1"/>
-          </p:cNvSpPr>
+          <p:cNvGraphicFramePr>
+            <a:graphicFrameLocks noGrp="1"/>
+          </p:cNvGraphicFramePr>
           <p:nvPr>
             <p:ph idx="1"/>
+            <p:extLst>
+              <p:ext uri="{D42A27DB-BD31-4B8C-83A1-F6EECF244321}">
+                <p14:modId xmlns:p14="http://schemas.microsoft.com/office/powerpoint/2010/main" val="1445700061"/>
+              </p:ext>
+            </p:extLst>
           </p:nvPr>
-        </p:nvSpPr>
-        <p:spPr/>
-        <p:txBody>
-          <a:bodyPr/>
-          <a:lstStyle/>
-          <a:p>
-            <a:endParaRPr lang="en-CA"/>
-          </a:p>
-        </p:txBody>
-      </p:sp>
+        </p:nvGraphicFramePr>
+        <p:xfrm>
+          <a:off x="838200" y="1825625"/>
+          <a:ext cx="10515600" cy="4351338"/>
+        </p:xfrm>
+        <a:graphic>
+          <a:graphicData uri="http://schemas.openxmlformats.org/drawingml/2006/diagram">
+            <dgm:relIds xmlns:dgm="http://schemas.openxmlformats.org/drawingml/2006/diagram" xmlns:r="http://schemas.openxmlformats.org/officeDocument/2006/relationships" r:dm="rId2" r:lo="rId3" r:qs="rId4" r:cs="rId5"/>
+          </a:graphicData>
+        </a:graphic>
+      </p:graphicFrame>
     </p:spTree>
     <p:extLst>
       <p:ext uri="{BB962C8B-B14F-4D97-AF65-F5344CB8AC3E}">

--- a/radica.pptx
+++ b/radica.pptx
@@ -11,6 +11,7 @@
     <p:sldId id="262" r:id="rId5"/>
     <p:sldId id="264" r:id="rId6"/>
     <p:sldId id="265" r:id="rId7"/>
+    <p:sldId id="266" r:id="rId8"/>
   </p:sldIdLst>
   <p:sldSz cx="12192000" cy="6858000"/>
   <p:notesSz cx="6858000" cy="9144000"/>
@@ -9381,7 +9382,7 @@
           <a:p>
             <a:fld id="{71481ED2-D2F7-4FF1-878A-F6023F465571}" type="datetimeFigureOut">
               <a:rPr lang="en-CA" smtClean="0"/>
-              <a:t>2022-07-25</a:t>
+              <a:t>2022-07-29</a:t>
             </a:fld>
             <a:endParaRPr lang="en-CA"/>
           </a:p>
@@ -9581,7 +9582,7 @@
           <a:p>
             <a:fld id="{71481ED2-D2F7-4FF1-878A-F6023F465571}" type="datetimeFigureOut">
               <a:rPr lang="en-CA" smtClean="0"/>
-              <a:t>2022-07-25</a:t>
+              <a:t>2022-07-29</a:t>
             </a:fld>
             <a:endParaRPr lang="en-CA"/>
           </a:p>
@@ -9791,7 +9792,7 @@
           <a:p>
             <a:fld id="{71481ED2-D2F7-4FF1-878A-F6023F465571}" type="datetimeFigureOut">
               <a:rPr lang="en-CA" smtClean="0"/>
-              <a:t>2022-07-25</a:t>
+              <a:t>2022-07-29</a:t>
             </a:fld>
             <a:endParaRPr lang="en-CA"/>
           </a:p>
@@ -9991,7 +9992,7 @@
           <a:p>
             <a:fld id="{71481ED2-D2F7-4FF1-878A-F6023F465571}" type="datetimeFigureOut">
               <a:rPr lang="en-CA" smtClean="0"/>
-              <a:t>2022-07-25</a:t>
+              <a:t>2022-07-29</a:t>
             </a:fld>
             <a:endParaRPr lang="en-CA"/>
           </a:p>
@@ -10267,7 +10268,7 @@
           <a:p>
             <a:fld id="{71481ED2-D2F7-4FF1-878A-F6023F465571}" type="datetimeFigureOut">
               <a:rPr lang="en-CA" smtClean="0"/>
-              <a:t>2022-07-25</a:t>
+              <a:t>2022-07-29</a:t>
             </a:fld>
             <a:endParaRPr lang="en-CA"/>
           </a:p>
@@ -10535,7 +10536,7 @@
           <a:p>
             <a:fld id="{71481ED2-D2F7-4FF1-878A-F6023F465571}" type="datetimeFigureOut">
               <a:rPr lang="en-CA" smtClean="0"/>
-              <a:t>2022-07-25</a:t>
+              <a:t>2022-07-29</a:t>
             </a:fld>
             <a:endParaRPr lang="en-CA"/>
           </a:p>
@@ -10950,7 +10951,7 @@
           <a:p>
             <a:fld id="{71481ED2-D2F7-4FF1-878A-F6023F465571}" type="datetimeFigureOut">
               <a:rPr lang="en-CA" smtClean="0"/>
-              <a:t>2022-07-25</a:t>
+              <a:t>2022-07-29</a:t>
             </a:fld>
             <a:endParaRPr lang="en-CA"/>
           </a:p>
@@ -11092,7 +11093,7 @@
           <a:p>
             <a:fld id="{71481ED2-D2F7-4FF1-878A-F6023F465571}" type="datetimeFigureOut">
               <a:rPr lang="en-CA" smtClean="0"/>
-              <a:t>2022-07-25</a:t>
+              <a:t>2022-07-29</a:t>
             </a:fld>
             <a:endParaRPr lang="en-CA"/>
           </a:p>
@@ -11205,7 +11206,7 @@
           <a:p>
             <a:fld id="{71481ED2-D2F7-4FF1-878A-F6023F465571}" type="datetimeFigureOut">
               <a:rPr lang="en-CA" smtClean="0"/>
-              <a:t>2022-07-25</a:t>
+              <a:t>2022-07-29</a:t>
             </a:fld>
             <a:endParaRPr lang="en-CA"/>
           </a:p>
@@ -11518,7 +11519,7 @@
           <a:p>
             <a:fld id="{71481ED2-D2F7-4FF1-878A-F6023F465571}" type="datetimeFigureOut">
               <a:rPr lang="en-CA" smtClean="0"/>
-              <a:t>2022-07-25</a:t>
+              <a:t>2022-07-29</a:t>
             </a:fld>
             <a:endParaRPr lang="en-CA"/>
           </a:p>
@@ -11807,7 +11808,7 @@
           <a:p>
             <a:fld id="{71481ED2-D2F7-4FF1-878A-F6023F465571}" type="datetimeFigureOut">
               <a:rPr lang="en-CA" smtClean="0"/>
-              <a:t>2022-07-25</a:t>
+              <a:t>2022-07-29</a:t>
             </a:fld>
             <a:endParaRPr lang="en-CA"/>
           </a:p>
@@ -12050,7 +12051,7 @@
           <a:p>
             <a:fld id="{71481ED2-D2F7-4FF1-878A-F6023F465571}" type="datetimeFigureOut">
               <a:rPr lang="en-CA" smtClean="0"/>
-              <a:t>2022-07-25</a:t>
+              <a:t>2022-07-29</a:t>
             </a:fld>
             <a:endParaRPr lang="en-CA"/>
           </a:p>
@@ -13017,6 +13018,127 @@
 </p:sld>
 </file>
 
+<file path=ppt/slides/slide7.xml><?xml version="1.0" encoding="utf-8"?>
+<p:sld xmlns:a="http://schemas.openxmlformats.org/drawingml/2006/main" xmlns:r="http://schemas.openxmlformats.org/officeDocument/2006/relationships" xmlns:p="http://schemas.openxmlformats.org/presentationml/2006/main">
+  <p:cSld>
+    <p:spTree>
+      <p:nvGrpSpPr>
+        <p:cNvPr id="1" name=""/>
+        <p:cNvGrpSpPr/>
+        <p:nvPr/>
+      </p:nvGrpSpPr>
+      <p:grpSpPr>
+        <a:xfrm>
+          <a:off x="0" y="0"/>
+          <a:ext cx="0" cy="0"/>
+          <a:chOff x="0" y="0"/>
+          <a:chExt cx="0" cy="0"/>
+        </a:xfrm>
+      </p:grpSpPr>
+      <p:sp>
+        <p:nvSpPr>
+          <p:cNvPr id="2" name="Title 1">
+            <a:extLst>
+              <a:ext uri="{FF2B5EF4-FFF2-40B4-BE49-F238E27FC236}">
+                <a16:creationId xmlns:a16="http://schemas.microsoft.com/office/drawing/2014/main" id="{8AA078CE-1721-FDBE-FDCB-229D62769EFD}"/>
+              </a:ext>
+            </a:extLst>
+          </p:cNvPr>
+          <p:cNvSpPr>
+            <a:spLocks noGrp="1"/>
+          </p:cNvSpPr>
+          <p:nvPr>
+            <p:ph type="title"/>
+          </p:nvPr>
+        </p:nvSpPr>
+        <p:spPr/>
+        <p:txBody>
+          <a:bodyPr/>
+          <a:lstStyle/>
+          <a:p>
+            <a:r>
+              <a:rPr lang="en-CA" dirty="0"/>
+              <a:t>Update</a:t>
+            </a:r>
+          </a:p>
+        </p:txBody>
+      </p:sp>
+      <p:sp>
+        <p:nvSpPr>
+          <p:cNvPr id="3" name="Content Placeholder 2">
+            <a:extLst>
+              <a:ext uri="{FF2B5EF4-FFF2-40B4-BE49-F238E27FC236}">
+                <a16:creationId xmlns:a16="http://schemas.microsoft.com/office/drawing/2014/main" id="{269198ED-6D4D-2CD4-0F19-31C31B6C72E9}"/>
+              </a:ext>
+            </a:extLst>
+          </p:cNvPr>
+          <p:cNvSpPr>
+            <a:spLocks noGrp="1"/>
+          </p:cNvSpPr>
+          <p:nvPr>
+            <p:ph idx="1"/>
+          </p:nvPr>
+        </p:nvSpPr>
+        <p:spPr/>
+        <p:txBody>
+          <a:bodyPr/>
+          <a:lstStyle/>
+          <a:p>
+            <a:r>
+              <a:rPr lang="en-CA" dirty="0"/>
+              <a:t>Transformers apply </a:t>
+            </a:r>
+          </a:p>
+          <a:p>
+            <a:pPr lvl="1"/>
+            <a:r>
+              <a:rPr lang="en-CA" dirty="0"/>
+              <a:t>Dereference</a:t>
+            </a:r>
+          </a:p>
+          <a:p>
+            <a:pPr lvl="1"/>
+            <a:r>
+              <a:rPr lang="en-CA" dirty="0"/>
+              <a:t>Password hasher</a:t>
+            </a:r>
+          </a:p>
+          <a:p>
+            <a:pPr lvl="1"/>
+            <a:r>
+              <a:rPr lang="en-CA" dirty="0" err="1"/>
+              <a:t>Etc</a:t>
+            </a:r>
+            <a:endParaRPr lang="en-CA" dirty="0"/>
+          </a:p>
+          <a:p>
+            <a:r>
+              <a:rPr lang="en-CA" dirty="0"/>
+              <a:t>Policy apply</a:t>
+            </a:r>
+          </a:p>
+          <a:p>
+            <a:pPr lvl="1"/>
+            <a:r>
+              <a:rPr lang="en-CA" dirty="0"/>
+              <a:t>New dates must be valid</a:t>
+            </a:r>
+          </a:p>
+        </p:txBody>
+      </p:sp>
+    </p:spTree>
+    <p:extLst>
+      <p:ext uri="{BB962C8B-B14F-4D97-AF65-F5344CB8AC3E}">
+        <p14:creationId xmlns:p14="http://schemas.microsoft.com/office/powerpoint/2010/main" val="3765158976"/>
+      </p:ext>
+    </p:extLst>
+  </p:cSld>
+  <p:clrMapOvr>
+    <a:masterClrMapping/>
+  </p:clrMapOvr>
+</p:sld>
+</file>
+
 <file path=ppt/theme/theme1.xml><?xml version="1.0" encoding="utf-8"?>
 <a:theme xmlns:a="http://schemas.openxmlformats.org/drawingml/2006/main" name="Office Theme">
   <a:themeElements>
